--- a/2025/2025-11-07-AI-Updates.pptx
+++ b/2025/2025-11-07-AI-Updates.pptx
@@ -5,7 +5,7 @@
     <p:sldMasterId id="2147483661" r:id="rId1"/>
   </p:sldMasterIdLst>
   <p:notesMasterIdLst>
-    <p:notesMasterId r:id="rId22"/>
+    <p:notesMasterId r:id="rId23"/>
   </p:notesMasterIdLst>
   <p:sldIdLst>
     <p:sldId id="256" r:id="rId2"/>
@@ -28,16 +28,17 @@
     <p:sldId id="273" r:id="rId19"/>
     <p:sldId id="274" r:id="rId20"/>
     <p:sldId id="275" r:id="rId21"/>
+    <p:sldId id="276" r:id="rId22"/>
   </p:sldIdLst>
   <p:sldSz cx="9144000" cy="5143500" type="screen16x9"/>
   <p:notesSz cx="6858000" cy="9144000"/>
   <p:embeddedFontLst>
     <p:embeddedFont>
       <p:font typeface="Roboto Mono" pitchFamily="49" charset="0"/>
-      <p:regular r:id="rId23"/>
-      <p:bold r:id="rId24"/>
-      <p:italic r:id="rId25"/>
-      <p:boldItalic r:id="rId26"/>
+      <p:regular r:id="rId24"/>
+      <p:bold r:id="rId25"/>
+      <p:italic r:id="rId26"/>
+      <p:boldItalic r:id="rId27"/>
     </p:embeddedFont>
   </p:embeddedFontLst>
   <p:defaultTextStyle>
@@ -1100,7 +1101,7 @@
   <p:cSld>
     <p:spTree>
       <p:nvGrpSpPr>
-        <p:cNvPr id="1" name="Shape 224"/>
+        <p:cNvPr id="1" name="Shape 226"/>
         <p:cNvGrpSpPr/>
         <p:nvPr/>
       </p:nvGrpSpPr>
@@ -1114,7 +1115,7 @@
       </p:grpSpPr>
       <p:sp>
         <p:nvSpPr>
-          <p:cNvPr id="225" name="Google Shape;225;g36fde45550a_0_4:notes"/>
+          <p:cNvPr id="227" name="Google Shape;227;g36fde45550a_0_4:notes"/>
           <p:cNvSpPr>
             <a:spLocks noGrp="1" noRot="1" noChangeAspect="1"/>
           </p:cNvSpPr>
@@ -1165,7 +1166,7 @@
       </p:sp>
       <p:sp>
         <p:nvSpPr>
-          <p:cNvPr id="226" name="Google Shape;226;g36fde45550a_0_4:notes"/>
+          <p:cNvPr id="228" name="Google Shape;228;g36fde45550a_0_4:notes"/>
           <p:cNvSpPr txBox="1">
             <a:spLocks noGrp="1"/>
           </p:cNvSpPr>
@@ -1222,7 +1223,7 @@
   <p:cSld>
     <p:spTree>
       <p:nvGrpSpPr>
-        <p:cNvPr id="1" name="Shape 234"/>
+        <p:cNvPr id="1" name="Shape 236"/>
         <p:cNvGrpSpPr/>
         <p:nvPr/>
       </p:nvGrpSpPr>
@@ -1236,7 +1237,7 @@
       </p:grpSpPr>
       <p:sp>
         <p:nvSpPr>
-          <p:cNvPr id="235" name="Google Shape;235;g36fde45550a_0_19:notes"/>
+          <p:cNvPr id="237" name="Google Shape;237;g36fde45550a_0_19:notes"/>
           <p:cNvSpPr>
             <a:spLocks noGrp="1" noRot="1" noChangeAspect="1"/>
           </p:cNvSpPr>
@@ -1287,7 +1288,7 @@
       </p:sp>
       <p:sp>
         <p:nvSpPr>
-          <p:cNvPr id="236" name="Google Shape;236;g36fde45550a_0_19:notes"/>
+          <p:cNvPr id="238" name="Google Shape;238;g36fde45550a_0_19:notes"/>
           <p:cNvSpPr txBox="1">
             <a:spLocks noGrp="1"/>
           </p:cNvSpPr>
@@ -1344,7 +1345,7 @@
   <p:cSld>
     <p:spTree>
       <p:nvGrpSpPr>
-        <p:cNvPr id="1" name="Shape 242"/>
+        <p:cNvPr id="1" name="Shape 244"/>
         <p:cNvGrpSpPr/>
         <p:nvPr/>
       </p:nvGrpSpPr>
@@ -1358,7 +1359,7 @@
       </p:grpSpPr>
       <p:sp>
         <p:nvSpPr>
-          <p:cNvPr id="243" name="Google Shape;243;g39f2c5113c6_0_0:notes"/>
+          <p:cNvPr id="245" name="Google Shape;245;g39f2c5113c6_0_0:notes"/>
           <p:cNvSpPr>
             <a:spLocks noGrp="1" noRot="1" noChangeAspect="1"/>
           </p:cNvSpPr>
@@ -1409,7 +1410,7 @@
       </p:sp>
       <p:sp>
         <p:nvSpPr>
-          <p:cNvPr id="244" name="Google Shape;244;g39f2c5113c6_0_0:notes"/>
+          <p:cNvPr id="246" name="Google Shape;246;g39f2c5113c6_0_0:notes"/>
           <p:cNvSpPr txBox="1">
             <a:spLocks noGrp="1"/>
           </p:cNvSpPr>
@@ -1466,7 +1467,7 @@
   <p:cSld>
     <p:spTree>
       <p:nvGrpSpPr>
-        <p:cNvPr id="1" name="Shape 251"/>
+        <p:cNvPr id="1" name="Shape 253"/>
         <p:cNvGrpSpPr/>
         <p:nvPr/>
       </p:nvGrpSpPr>
@@ -1480,7 +1481,7 @@
       </p:grpSpPr>
       <p:sp>
         <p:nvSpPr>
-          <p:cNvPr id="252" name="Google Shape;252;g36fb67d4f6c_1_6:notes"/>
+          <p:cNvPr id="254" name="Google Shape;254;g36fb67d4f6c_1_6:notes"/>
           <p:cNvSpPr>
             <a:spLocks noGrp="1" noRot="1" noChangeAspect="1"/>
           </p:cNvSpPr>
@@ -1531,7 +1532,7 @@
       </p:sp>
       <p:sp>
         <p:nvSpPr>
-          <p:cNvPr id="253" name="Google Shape;253;g36fb67d4f6c_1_6:notes"/>
+          <p:cNvPr id="255" name="Google Shape;255;g36fb67d4f6c_1_6:notes"/>
           <p:cNvSpPr txBox="1">
             <a:spLocks noGrp="1"/>
           </p:cNvSpPr>
@@ -1588,7 +1589,7 @@
   <p:cSld>
     <p:spTree>
       <p:nvGrpSpPr>
-        <p:cNvPr id="1" name="Shape 259"/>
+        <p:cNvPr id="1" name="Shape 261"/>
         <p:cNvGrpSpPr/>
         <p:nvPr/>
       </p:nvGrpSpPr>
@@ -1602,7 +1603,7 @@
       </p:grpSpPr>
       <p:sp>
         <p:nvSpPr>
-          <p:cNvPr id="260" name="Google Shape;260;g36fd377f936_0_8:notes"/>
+          <p:cNvPr id="262" name="Google Shape;262;g36fd377f936_0_8:notes"/>
           <p:cNvSpPr>
             <a:spLocks noGrp="1" noRot="1" noChangeAspect="1"/>
           </p:cNvSpPr>
@@ -1653,7 +1654,7 @@
       </p:sp>
       <p:sp>
         <p:nvSpPr>
-          <p:cNvPr id="261" name="Google Shape;261;g36fd377f936_0_8:notes"/>
+          <p:cNvPr id="263" name="Google Shape;263;g36fd377f936_0_8:notes"/>
           <p:cNvSpPr txBox="1">
             <a:spLocks noGrp="1"/>
           </p:cNvSpPr>
@@ -1710,7 +1711,7 @@
   <p:cSld>
     <p:spTree>
       <p:nvGrpSpPr>
-        <p:cNvPr id="1" name="Shape 267"/>
+        <p:cNvPr id="1" name="Shape 269"/>
         <p:cNvGrpSpPr/>
         <p:nvPr/>
       </p:nvGrpSpPr>
@@ -1724,7 +1725,7 @@
       </p:grpSpPr>
       <p:sp>
         <p:nvSpPr>
-          <p:cNvPr id="268" name="Google Shape;268;g36fb67d4f6c_1_0:notes"/>
+          <p:cNvPr id="270" name="Google Shape;270;g36fb67d4f6c_1_0:notes"/>
           <p:cNvSpPr>
             <a:spLocks noGrp="1" noRot="1" noChangeAspect="1"/>
           </p:cNvSpPr>
@@ -1775,7 +1776,7 @@
       </p:sp>
       <p:sp>
         <p:nvSpPr>
-          <p:cNvPr id="269" name="Google Shape;269;g36fb67d4f6c_1_0:notes"/>
+          <p:cNvPr id="271" name="Google Shape;271;g36fb67d4f6c_1_0:notes"/>
           <p:cNvSpPr txBox="1">
             <a:spLocks noGrp="1"/>
           </p:cNvSpPr>
@@ -1832,7 +1833,7 @@
   <p:cSld>
     <p:spTree>
       <p:nvGrpSpPr>
-        <p:cNvPr id="1" name="Shape 274"/>
+        <p:cNvPr id="1" name="Shape 276"/>
         <p:cNvGrpSpPr/>
         <p:nvPr/>
       </p:nvGrpSpPr>
@@ -1846,7 +1847,7 @@
       </p:grpSpPr>
       <p:sp>
         <p:nvSpPr>
-          <p:cNvPr id="275" name="Google Shape;275;g36fbf44f22a_0_1:notes"/>
+          <p:cNvPr id="277" name="Google Shape;277;g36fbf44f22a_0_1:notes"/>
           <p:cNvSpPr>
             <a:spLocks noGrp="1" noRot="1" noChangeAspect="1"/>
           </p:cNvSpPr>
@@ -1897,7 +1898,7 @@
       </p:sp>
       <p:sp>
         <p:nvSpPr>
-          <p:cNvPr id="276" name="Google Shape;276;g36fbf44f22a_0_1:notes"/>
+          <p:cNvPr id="278" name="Google Shape;278;g36fbf44f22a_0_1:notes"/>
           <p:cNvSpPr txBox="1">
             <a:spLocks noGrp="1"/>
           </p:cNvSpPr>
@@ -1954,7 +1955,7 @@
   <p:cSld>
     <p:spTree>
       <p:nvGrpSpPr>
-        <p:cNvPr id="1" name="Shape 282"/>
+        <p:cNvPr id="1" name="Shape 283"/>
         <p:cNvGrpSpPr/>
         <p:nvPr/>
       </p:nvGrpSpPr>
@@ -1968,7 +1969,7 @@
       </p:grpSpPr>
       <p:sp>
         <p:nvSpPr>
-          <p:cNvPr id="283" name="Google Shape;283;p23:notes"/>
+          <p:cNvPr id="284" name="Google Shape;284;g3a118dbb0a8_0_0:notes"/>
           <p:cNvSpPr>
             <a:spLocks noGrp="1" noRot="1" noChangeAspect="1"/>
           </p:cNvSpPr>
@@ -2019,7 +2020,7 @@
       </p:sp>
       <p:sp>
         <p:nvSpPr>
-          <p:cNvPr id="284" name="Google Shape;284;p23:notes"/>
+          <p:cNvPr id="285" name="Google Shape;285;g3a118dbb0a8_0_0:notes"/>
           <p:cNvSpPr txBox="1">
             <a:spLocks noGrp="1"/>
           </p:cNvSpPr>
@@ -2076,7 +2077,7 @@
   <p:cSld>
     <p:spTree>
       <p:nvGrpSpPr>
-        <p:cNvPr id="1" name="Shape 292"/>
+        <p:cNvPr id="1" name="Shape 291"/>
         <p:cNvGrpSpPr/>
         <p:nvPr/>
       </p:nvGrpSpPr>
@@ -2090,7 +2091,7 @@
       </p:grpSpPr>
       <p:sp>
         <p:nvSpPr>
-          <p:cNvPr id="293" name="Google Shape;293;p24:notes"/>
+          <p:cNvPr id="292" name="Google Shape;292;p23:notes"/>
           <p:cNvSpPr>
             <a:spLocks noGrp="1" noRot="1" noChangeAspect="1"/>
           </p:cNvSpPr>
@@ -2141,7 +2142,7 @@
       </p:sp>
       <p:sp>
         <p:nvSpPr>
-          <p:cNvPr id="294" name="Google Shape;294;p24:notes"/>
+          <p:cNvPr id="293" name="Google Shape;293;p23:notes"/>
           <p:cNvSpPr txBox="1">
             <a:spLocks noGrp="1"/>
           </p:cNvSpPr>
@@ -2320,7 +2321,7 @@
   <p:cSld>
     <p:spTree>
       <p:nvGrpSpPr>
-        <p:cNvPr id="1" name="Shape 302"/>
+        <p:cNvPr id="1" name="Shape 301"/>
         <p:cNvGrpSpPr/>
         <p:nvPr/>
       </p:nvGrpSpPr>
@@ -2334,7 +2335,129 @@
       </p:grpSpPr>
       <p:sp>
         <p:nvSpPr>
-          <p:cNvPr id="303" name="Google Shape;303;p25:notes"/>
+          <p:cNvPr id="302" name="Google Shape;302;p24:notes"/>
+          <p:cNvSpPr>
+            <a:spLocks noGrp="1" noRot="1" noChangeAspect="1"/>
+          </p:cNvSpPr>
+          <p:nvPr>
+            <p:ph type="sldImg" idx="2"/>
+          </p:nvPr>
+        </p:nvSpPr>
+        <p:spPr>
+          <a:xfrm>
+            <a:off x="381000" y="685800"/>
+            <a:ext cx="6096000" cy="3429000"/>
+          </a:xfrm>
+          <a:custGeom>
+            <a:avLst/>
+            <a:gdLst/>
+            <a:ahLst/>
+            <a:cxnLst/>
+            <a:rect l="l" t="t" r="r" b="b"/>
+            <a:pathLst>
+              <a:path w="120000" h="120000" extrusionOk="0">
+                <a:moveTo>
+                  <a:pt x="0" y="0"/>
+                </a:moveTo>
+                <a:lnTo>
+                  <a:pt x="120000" y="0"/>
+                </a:lnTo>
+                <a:lnTo>
+                  <a:pt x="120000" y="120000"/>
+                </a:lnTo>
+                <a:lnTo>
+                  <a:pt x="0" y="120000"/>
+                </a:lnTo>
+                <a:close/>
+              </a:path>
+            </a:pathLst>
+          </a:custGeom>
+          <a:noFill/>
+          <a:ln w="9525" cap="flat" cmpd="sng">
+            <a:solidFill>
+              <a:srgbClr val="000000"/>
+            </a:solidFill>
+            <a:prstDash val="solid"/>
+            <a:round/>
+            <a:headEnd type="none" w="sm" len="sm"/>
+            <a:tailEnd type="none" w="sm" len="sm"/>
+          </a:ln>
+        </p:spPr>
+      </p:sp>
+      <p:sp>
+        <p:nvSpPr>
+          <p:cNvPr id="303" name="Google Shape;303;p24:notes"/>
+          <p:cNvSpPr txBox="1">
+            <a:spLocks noGrp="1"/>
+          </p:cNvSpPr>
+          <p:nvPr>
+            <p:ph type="body" idx="1"/>
+          </p:nvPr>
+        </p:nvSpPr>
+        <p:spPr>
+          <a:xfrm>
+            <a:off x="685800" y="4343400"/>
+            <a:ext cx="5486400" cy="4114800"/>
+          </a:xfrm>
+          <a:prstGeom prst="rect">
+            <a:avLst/>
+          </a:prstGeom>
+          <a:noFill/>
+          <a:ln>
+            <a:noFill/>
+          </a:ln>
+        </p:spPr>
+        <p:txBody>
+          <a:bodyPr spcFirstLastPara="1" wrap="square" lIns="91425" tIns="91425" rIns="91425" bIns="91425" anchor="t" anchorCtr="0">
+            <a:noAutofit/>
+          </a:bodyPr>
+          <a:lstStyle/>
+          <a:p>
+            <a:pPr marL="0" lvl="0" indent="0" algn="l" rtl="0">
+              <a:lnSpc>
+                <a:spcPct val="100000"/>
+              </a:lnSpc>
+              <a:spcBef>
+                <a:spcPts val="0"/>
+              </a:spcBef>
+              <a:spcAft>
+                <a:spcPts val="0"/>
+              </a:spcAft>
+              <a:buSzPts val="1100"/>
+              <a:buNone/>
+            </a:pPr>
+            <a:endParaRPr/>
+          </a:p>
+        </p:txBody>
+      </p:sp>
+    </p:spTree>
+  </p:cSld>
+  <p:clrMapOvr>
+    <a:masterClrMapping/>
+  </p:clrMapOvr>
+</p:notes>
+</file>
+
+<file path=ppt/notesSlides/notesSlide21.xml><?xml version="1.0" encoding="utf-8"?>
+<p:notes xmlns:a="http://schemas.openxmlformats.org/drawingml/2006/main" xmlns:r="http://schemas.openxmlformats.org/officeDocument/2006/relationships" xmlns:p="http://schemas.openxmlformats.org/presentationml/2006/main" showMasterSp="0" showMasterPhAnim="0">
+  <p:cSld>
+    <p:spTree>
+      <p:nvGrpSpPr>
+        <p:cNvPr id="1" name="Shape 311"/>
+        <p:cNvGrpSpPr/>
+        <p:nvPr/>
+      </p:nvGrpSpPr>
+      <p:grpSpPr>
+        <a:xfrm>
+          <a:off x="0" y="0"/>
+          <a:ext cx="0" cy="0"/>
+          <a:chOff x="0" y="0"/>
+          <a:chExt cx="0" cy="0"/>
+        </a:xfrm>
+      </p:grpSpPr>
+      <p:sp>
+        <p:nvSpPr>
+          <p:cNvPr id="312" name="Google Shape;312;p25:notes"/>
           <p:cNvSpPr>
             <a:spLocks noGrp="1" noRot="1" noChangeAspect="1"/>
           </p:cNvSpPr>
@@ -2385,7 +2508,7 @@
       </p:sp>
       <p:sp>
         <p:nvSpPr>
-          <p:cNvPr id="304" name="Google Shape;304;p25:notes"/>
+          <p:cNvPr id="313" name="Google Shape;313;p25:notes"/>
           <p:cNvSpPr txBox="1">
             <a:spLocks noGrp="1"/>
           </p:cNvSpPr>
@@ -13104,8 +13227,8 @@
         </p:nvSpPr>
         <p:spPr>
           <a:xfrm>
-            <a:off x="4576975" y="4491501"/>
-            <a:ext cx="4502400" cy="510900"/>
+            <a:off x="4576975" y="4245105"/>
+            <a:ext cx="4502400" cy="757200"/>
           </a:xfrm>
           <a:prstGeom prst="rect">
             <a:avLst/>
@@ -13156,6 +13279,46 @@
                 <a:cs typeface="Calibri"/>
                 <a:sym typeface="Calibri"/>
               </a:rPr>
+              <a:t>IT Projects Costs are now 10x lower</a:t>
+            </a:r>
+            <a:endParaRPr sz="1600" b="1">
+              <a:solidFill>
+                <a:srgbClr val="3C78D8"/>
+              </a:solidFill>
+              <a:latin typeface="Calibri"/>
+              <a:ea typeface="Calibri"/>
+              <a:cs typeface="Calibri"/>
+              <a:sym typeface="Calibri"/>
+            </a:endParaRPr>
+          </a:p>
+          <a:p>
+            <a:pPr marL="228600" marR="0" lvl="0" indent="-215900" algn="l" rtl="0">
+              <a:lnSpc>
+                <a:spcPct val="100000"/>
+              </a:lnSpc>
+              <a:spcBef>
+                <a:spcPts val="0"/>
+              </a:spcBef>
+              <a:spcAft>
+                <a:spcPts val="0"/>
+              </a:spcAft>
+              <a:buClr>
+                <a:srgbClr val="3C78D8"/>
+              </a:buClr>
+              <a:buSzPts val="1600"/>
+              <a:buFont typeface="Calibri"/>
+              <a:buChar char="●"/>
+            </a:pPr>
+            <a:r>
+              <a:rPr lang="en" sz="1600" b="1">
+                <a:solidFill>
+                  <a:srgbClr val="3C78D8"/>
+                </a:solidFill>
+                <a:latin typeface="Calibri"/>
+                <a:ea typeface="Calibri"/>
+                <a:cs typeface="Calibri"/>
+                <a:sym typeface="Calibri"/>
+              </a:rPr>
               <a:t>FDE - Hottest new job in AI</a:t>
             </a:r>
             <a:endParaRPr sz="1600" b="1">
@@ -13231,7 +13394,7 @@
         <p:spPr>
           <a:xfrm>
             <a:off x="78651" y="2533357"/>
-            <a:ext cx="4420200" cy="2235000"/>
+            <a:ext cx="4420200" cy="2481300"/>
           </a:xfrm>
           <a:prstGeom prst="rect">
             <a:avLst/>
@@ -13602,6 +13765,46 @@
                 <a:cs typeface="Calibri"/>
                 <a:sym typeface="Calibri"/>
               </a:rPr>
+              <a:t>Kimi-K2-Thinking Open Model</a:t>
+            </a:r>
+            <a:endParaRPr sz="1600" b="1">
+              <a:solidFill>
+                <a:srgbClr val="3C78D8"/>
+              </a:solidFill>
+              <a:latin typeface="Calibri"/>
+              <a:ea typeface="Calibri"/>
+              <a:cs typeface="Calibri"/>
+              <a:sym typeface="Calibri"/>
+            </a:endParaRPr>
+          </a:p>
+          <a:p>
+            <a:pPr marL="228600" marR="0" lvl="0" indent="-215900" algn="l" rtl="0">
+              <a:lnSpc>
+                <a:spcPct val="100000"/>
+              </a:lnSpc>
+              <a:spcBef>
+                <a:spcPts val="0"/>
+              </a:spcBef>
+              <a:spcAft>
+                <a:spcPts val="0"/>
+              </a:spcAft>
+              <a:buClr>
+                <a:srgbClr val="3C78D8"/>
+              </a:buClr>
+              <a:buSzPts val="1600"/>
+              <a:buFont typeface="Calibri"/>
+              <a:buChar char="●"/>
+            </a:pPr>
+            <a:r>
+              <a:rPr lang="en" sz="1600" b="1">
+                <a:solidFill>
+                  <a:srgbClr val="3C78D8"/>
+                </a:solidFill>
+                <a:latin typeface="Calibri"/>
+                <a:ea typeface="Calibri"/>
+                <a:cs typeface="Calibri"/>
+                <a:sym typeface="Calibri"/>
+              </a:rPr>
               <a:t>Microsoft’s $15.2 Bln investment in the UAE</a:t>
             </a:r>
             <a:endParaRPr sz="1600" b="1">
@@ -13625,7 +13828,7 @@
         <p:spPr>
           <a:xfrm>
             <a:off x="4576975" y="630947"/>
-            <a:ext cx="4502400" cy="2235000"/>
+            <a:ext cx="4502400" cy="1988700"/>
           </a:xfrm>
           <a:prstGeom prst="rect">
             <a:avLst/>
@@ -13968,34 +14171,6 @@
               <a:sym typeface="Calibri"/>
             </a:endParaRPr>
           </a:p>
-          <a:p>
-            <a:pPr marL="228600" marR="0" lvl="0" indent="-215900" algn="l" rtl="0">
-              <a:lnSpc>
-                <a:spcPct val="100000"/>
-              </a:lnSpc>
-              <a:spcBef>
-                <a:spcPts val="0"/>
-              </a:spcBef>
-              <a:spcAft>
-                <a:spcPts val="0"/>
-              </a:spcAft>
-              <a:buClr>
-                <a:srgbClr val="3C78D8"/>
-              </a:buClr>
-              <a:buSzPts val="1600"/>
-              <a:buFont typeface="Calibri"/>
-              <a:buChar char="●"/>
-            </a:pPr>
-            <a:endParaRPr sz="1600" b="1">
-              <a:solidFill>
-                <a:srgbClr val="3C78D8"/>
-              </a:solidFill>
-              <a:latin typeface="Calibri"/>
-              <a:ea typeface="Calibri"/>
-              <a:cs typeface="Calibri"/>
-              <a:sym typeface="Calibri"/>
-            </a:endParaRPr>
-          </a:p>
         </p:txBody>
       </p:sp>
       <p:sp>
@@ -14006,8 +14181,8 @@
         </p:nvSpPr>
         <p:spPr>
           <a:xfrm>
-            <a:off x="4948275" y="75375"/>
-            <a:ext cx="4131300" cy="187800"/>
+            <a:off x="4643498" y="75375"/>
+            <a:ext cx="4420200" cy="357000"/>
           </a:xfrm>
           <a:prstGeom prst="rect">
             <a:avLst/>
@@ -14045,7 +14220,42 @@
                 <a:cs typeface="Roboto Mono"/>
                 <a:sym typeface="Roboto Mono"/>
               </a:rPr>
-              <a:t>xxx</a:t>
+              <a:t>Jobs that used to cost $200K can now be done for $20K</a:t>
+            </a:r>
+            <a:endParaRPr sz="1100" b="1" i="1">
+              <a:solidFill>
+                <a:srgbClr val="FF0000"/>
+              </a:solidFill>
+              <a:latin typeface="Roboto Mono"/>
+              <a:ea typeface="Roboto Mono"/>
+              <a:cs typeface="Roboto Mono"/>
+              <a:sym typeface="Roboto Mono"/>
+            </a:endParaRPr>
+          </a:p>
+          <a:p>
+            <a:pPr marL="0" marR="0" lvl="0" indent="0" algn="l" rtl="0">
+              <a:lnSpc>
+                <a:spcPct val="100000"/>
+              </a:lnSpc>
+              <a:spcBef>
+                <a:spcPts val="0"/>
+              </a:spcBef>
+              <a:spcAft>
+                <a:spcPts val="0"/>
+              </a:spcAft>
+              <a:buNone/>
+            </a:pPr>
+            <a:r>
+              <a:rPr lang="en" sz="1100" b="1" i="1">
+                <a:solidFill>
+                  <a:srgbClr val="FF0000"/>
+                </a:solidFill>
+                <a:latin typeface="Roboto Mono"/>
+                <a:ea typeface="Roboto Mono"/>
+                <a:cs typeface="Roboto Mono"/>
+                <a:sym typeface="Roboto Mono"/>
+              </a:rPr>
+              <a:t>The timeframes went down from 6 months to 6 weeks</a:t>
             </a:r>
             <a:endParaRPr sz="1100" b="1" i="1">
               <a:solidFill>
@@ -14404,7 +14614,7 @@
                 <a:cs typeface="Calibri"/>
                 <a:sym typeface="Calibri"/>
               </a:rPr>
-              <a:t>The model is available in Qwen Chat and the Alibaba Cloud API</a:t>
+              <a:t>1T params, MoE, 256k window, on Qwen Chat and the Alibaba Cloud API</a:t>
             </a:r>
             <a:endParaRPr sz="1100">
               <a:solidFill>
@@ -14426,8 +14636,8 @@
         </p:nvSpPr>
         <p:spPr>
           <a:xfrm>
-            <a:off x="94325" y="1733901"/>
-            <a:ext cx="4444500" cy="1542300"/>
+            <a:off x="94325" y="2380688"/>
+            <a:ext cx="4444500" cy="1373100"/>
           </a:xfrm>
           <a:prstGeom prst="rect">
             <a:avLst/>
@@ -14638,7 +14848,7 @@
                 <a:cs typeface="Calibri"/>
                 <a:sym typeface="Calibri"/>
               </a:rPr>
-              <a:t>Beyond infrastructure, Microsoft pledged to train over 1 Mln UAE residents by 2027 and upskill more than 300K people in AI, including equipping over 250,000 students and staff with AI skills</a:t>
+              <a:t>Microsoft pledged to train 1M+ UAE residents and upskill more than 300K people in AI, including 250K+ students and staff</a:t>
             </a:r>
             <a:endParaRPr sz="1100">
               <a:solidFill>
@@ -14713,7 +14923,7 @@
         </p:blipFill>
         <p:spPr>
           <a:xfrm>
-            <a:off x="4691225" y="2035160"/>
+            <a:off x="4691225" y="2543351"/>
             <a:ext cx="1889774" cy="1259850"/>
           </a:xfrm>
           <a:prstGeom prst="rect">
@@ -14739,7 +14949,7 @@
         </p:nvSpPr>
         <p:spPr>
           <a:xfrm>
-            <a:off x="94325" y="3416650"/>
+            <a:off x="94325" y="3801643"/>
             <a:ext cx="4444500" cy="1311300"/>
           </a:xfrm>
           <a:prstGeom prst="rect">
@@ -14959,7 +15169,7 @@
         </p:blipFill>
         <p:spPr>
           <a:xfrm>
-            <a:off x="4691225" y="3701208"/>
+            <a:off x="4691225" y="4040001"/>
             <a:ext cx="1825341" cy="1026750"/>
           </a:xfrm>
           <a:prstGeom prst="rect">
@@ -14997,8 +15207,8 @@
         </p:blipFill>
         <p:spPr>
           <a:xfrm>
-            <a:off x="4701476" y="1138775"/>
-            <a:ext cx="2731356" cy="695700"/>
+            <a:off x="4701475" y="1138775"/>
+            <a:ext cx="1815100" cy="462323"/>
           </a:xfrm>
           <a:prstGeom prst="rect">
             <a:avLst/>
@@ -15053,6 +15263,233 @@
           </a:ln>
         </p:spPr>
       </p:pic>
+      <p:sp>
+        <p:nvSpPr>
+          <p:cNvPr id="224" name="Google Shape;224;p24"/>
+          <p:cNvSpPr txBox="1"/>
+          <p:nvPr/>
+        </p:nvSpPr>
+        <p:spPr>
+          <a:xfrm>
+            <a:off x="94325" y="1634137"/>
+            <a:ext cx="4444500" cy="695700"/>
+          </a:xfrm>
+          <a:prstGeom prst="rect">
+            <a:avLst/>
+          </a:prstGeom>
+          <a:solidFill>
+            <a:srgbClr val="FFF2CC"/>
+          </a:solidFill>
+          <a:ln w="9525" cap="flat" cmpd="sng">
+            <a:solidFill>
+              <a:srgbClr val="FF0000"/>
+            </a:solidFill>
+            <a:prstDash val="solid"/>
+            <a:round/>
+            <a:headEnd type="none" w="sm" len="sm"/>
+            <a:tailEnd type="none" w="sm" len="sm"/>
+          </a:ln>
+        </p:spPr>
+        <p:txBody>
+          <a:bodyPr spcFirstLastPara="1" wrap="square" lIns="9125" tIns="9125" rIns="9125" bIns="9125" anchor="t" anchorCtr="0">
+            <a:spAutoFit/>
+          </a:bodyPr>
+          <a:lstStyle/>
+          <a:p>
+            <a:pPr marL="171450" marR="0" lvl="0" indent="-127000" algn="l" rtl="0">
+              <a:lnSpc>
+                <a:spcPct val="100000"/>
+              </a:lnSpc>
+              <a:spcBef>
+                <a:spcPts val="0"/>
+              </a:spcBef>
+              <a:spcAft>
+                <a:spcPts val="0"/>
+              </a:spcAft>
+              <a:buClr>
+                <a:srgbClr val="FF0000"/>
+              </a:buClr>
+              <a:buSzPts val="1100"/>
+              <a:buFont typeface="Calibri"/>
+              <a:buChar char="●"/>
+            </a:pPr>
+            <a:r>
+              <a:rPr lang="en" sz="1100" b="1">
+                <a:solidFill>
+                  <a:srgbClr val="FF0000"/>
+                </a:solidFill>
+                <a:latin typeface="Calibri"/>
+                <a:ea typeface="Calibri"/>
+                <a:cs typeface="Calibri"/>
+                <a:sym typeface="Calibri"/>
+              </a:rPr>
+              <a:t>Kimi-K2-Thinking</a:t>
+            </a:r>
+            <a:endParaRPr sz="1100" b="1">
+              <a:solidFill>
+                <a:srgbClr val="FF0000"/>
+              </a:solidFill>
+              <a:latin typeface="Calibri"/>
+              <a:ea typeface="Calibri"/>
+              <a:cs typeface="Calibri"/>
+              <a:sym typeface="Calibri"/>
+            </a:endParaRPr>
+          </a:p>
+          <a:p>
+            <a:pPr marL="171450" marR="0" lvl="0" indent="-127000" algn="l" rtl="0">
+              <a:lnSpc>
+                <a:spcPct val="100000"/>
+              </a:lnSpc>
+              <a:spcBef>
+                <a:spcPts val="0"/>
+              </a:spcBef>
+              <a:spcAft>
+                <a:spcPts val="0"/>
+              </a:spcAft>
+              <a:buClr>
+                <a:schemeClr val="dk1"/>
+              </a:buClr>
+              <a:buSzPts val="1100"/>
+              <a:buFont typeface="Calibri"/>
+              <a:buChar char="●"/>
+            </a:pPr>
+            <a:r>
+              <a:rPr lang="en" sz="1100">
+                <a:solidFill>
+                  <a:schemeClr val="dk1"/>
+                </a:solidFill>
+                <a:latin typeface="Calibri"/>
+                <a:ea typeface="Calibri"/>
+                <a:cs typeface="Calibri"/>
+                <a:sym typeface="Calibri"/>
+              </a:rPr>
+              <a:t>1T params, MoE, 256k window, open weight, on HuggingFace</a:t>
+            </a:r>
+            <a:endParaRPr sz="1100">
+              <a:solidFill>
+                <a:schemeClr val="dk1"/>
+              </a:solidFill>
+              <a:latin typeface="Calibri"/>
+              <a:ea typeface="Calibri"/>
+              <a:cs typeface="Calibri"/>
+              <a:sym typeface="Calibri"/>
+            </a:endParaRPr>
+          </a:p>
+          <a:p>
+            <a:pPr marL="171450" marR="0" lvl="0" indent="-127000" algn="l" rtl="0">
+              <a:lnSpc>
+                <a:spcPct val="100000"/>
+              </a:lnSpc>
+              <a:spcBef>
+                <a:spcPts val="0"/>
+              </a:spcBef>
+              <a:spcAft>
+                <a:spcPts val="0"/>
+              </a:spcAft>
+              <a:buClr>
+                <a:schemeClr val="dk1"/>
+              </a:buClr>
+              <a:buSzPts val="1100"/>
+              <a:buFont typeface="Calibri"/>
+              <a:buChar char="●"/>
+            </a:pPr>
+            <a:r>
+              <a:rPr lang="en" sz="1100">
+                <a:solidFill>
+                  <a:schemeClr val="dk1"/>
+                </a:solidFill>
+                <a:latin typeface="Calibri"/>
+                <a:ea typeface="Calibri"/>
+                <a:cs typeface="Calibri"/>
+                <a:sym typeface="Calibri"/>
+              </a:rPr>
+              <a:t>Autonomous multi-step agentic workflows with 300+ of tool calls</a:t>
+            </a:r>
+            <a:endParaRPr sz="1100">
+              <a:solidFill>
+                <a:schemeClr val="dk1"/>
+              </a:solidFill>
+              <a:latin typeface="Calibri"/>
+              <a:ea typeface="Calibri"/>
+              <a:cs typeface="Calibri"/>
+              <a:sym typeface="Calibri"/>
+            </a:endParaRPr>
+          </a:p>
+          <a:p>
+            <a:pPr marL="171450" marR="0" lvl="0" indent="-127000" algn="l" rtl="0">
+              <a:lnSpc>
+                <a:spcPct val="100000"/>
+              </a:lnSpc>
+              <a:spcBef>
+                <a:spcPts val="0"/>
+              </a:spcBef>
+              <a:spcAft>
+                <a:spcPts val="0"/>
+              </a:spcAft>
+              <a:buClr>
+                <a:schemeClr val="dk1"/>
+              </a:buClr>
+              <a:buSzPts val="1100"/>
+              <a:buFont typeface="Calibri"/>
+              <a:buChar char="●"/>
+            </a:pPr>
+            <a:r>
+              <a:rPr lang="en" sz="1100">
+                <a:solidFill>
+                  <a:schemeClr val="dk1"/>
+                </a:solidFill>
+                <a:latin typeface="Calibri"/>
+                <a:ea typeface="Calibri"/>
+                <a:cs typeface="Calibri"/>
+                <a:sym typeface="Calibri"/>
+              </a:rPr>
+              <a:t>Beats GPT-5 and Claude-4.5-Sonnet</a:t>
+            </a:r>
+            <a:endParaRPr sz="1100">
+              <a:solidFill>
+                <a:schemeClr val="dk1"/>
+              </a:solidFill>
+              <a:latin typeface="Calibri"/>
+              <a:ea typeface="Calibri"/>
+              <a:cs typeface="Calibri"/>
+              <a:sym typeface="Calibri"/>
+            </a:endParaRPr>
+          </a:p>
+        </p:txBody>
+      </p:sp>
+      <p:pic>
+        <p:nvPicPr>
+          <p:cNvPr id="225" name="Google Shape;225;p24"/>
+          <p:cNvPicPr preferRelativeResize="0"/>
+          <p:nvPr/>
+        </p:nvPicPr>
+        <p:blipFill>
+          <a:blip r:embed="rId8" cstate="email">
+            <a:alphaModFix/>
+            <a:extLst>
+              <a:ext uri="{28A0092B-C50C-407E-A947-70E740481C1C}">
+                <a14:useLocalDpi xmlns:a14="http://schemas.microsoft.com/office/drawing/2010/main"/>
+              </a:ext>
+            </a:extLst>
+          </a:blip>
+          <a:stretch>
+            <a:fillRect/>
+          </a:stretch>
+        </p:blipFill>
+        <p:spPr>
+          <a:xfrm>
+            <a:off x="4701475" y="1715999"/>
+            <a:ext cx="1932288" cy="526500"/>
+          </a:xfrm>
+          <a:prstGeom prst="rect">
+            <a:avLst/>
+          </a:prstGeom>
+          <a:noFill/>
+          <a:ln>
+            <a:noFill/>
+          </a:ln>
+        </p:spPr>
+      </p:pic>
     </p:spTree>
   </p:cSld>
   <p:clrMapOvr>
@@ -15066,7 +15503,7 @@
   <p:cSld>
     <p:spTree>
       <p:nvGrpSpPr>
-        <p:cNvPr id="1" name="Shape 227"/>
+        <p:cNvPr id="1" name="Shape 229"/>
         <p:cNvGrpSpPr/>
         <p:nvPr/>
       </p:nvGrpSpPr>
@@ -15080,7 +15517,7 @@
       </p:grpSpPr>
       <p:sp>
         <p:nvSpPr>
-          <p:cNvPr id="228" name="Google Shape;228;p25"/>
+          <p:cNvPr id="230" name="Google Shape;230;p25"/>
           <p:cNvSpPr txBox="1"/>
           <p:nvPr/>
         </p:nvSpPr>
@@ -15146,7 +15583,7 @@
       </p:sp>
       <p:sp>
         <p:nvSpPr>
-          <p:cNvPr id="229" name="Google Shape;229;p25"/>
+          <p:cNvPr id="231" name="Google Shape;231;p25"/>
           <p:cNvSpPr txBox="1"/>
           <p:nvPr/>
         </p:nvSpPr>
@@ -15452,7 +15889,7 @@
       </p:sp>
       <p:pic>
         <p:nvPicPr>
-          <p:cNvPr id="230" name="Google Shape;230;p25"/>
+          <p:cNvPr id="232" name="Google Shape;232;p25"/>
           <p:cNvPicPr preferRelativeResize="0"/>
           <p:nvPr/>
         </p:nvPicPr>
@@ -15491,7 +15928,7 @@
       </p:pic>
       <p:sp>
         <p:nvSpPr>
-          <p:cNvPr id="231" name="Google Shape;231;p25"/>
+          <p:cNvPr id="233" name="Google Shape;233;p25"/>
           <p:cNvSpPr txBox="1"/>
           <p:nvPr/>
         </p:nvSpPr>
@@ -15989,7 +16426,7 @@
       </p:sp>
       <p:pic>
         <p:nvPicPr>
-          <p:cNvPr id="232" name="Google Shape;232;p25"/>
+          <p:cNvPr id="234" name="Google Shape;234;p25"/>
           <p:cNvPicPr preferRelativeResize="0"/>
           <p:nvPr/>
         </p:nvPicPr>
@@ -16028,7 +16465,7 @@
       </p:pic>
       <p:pic>
         <p:nvPicPr>
-          <p:cNvPr id="233" name="Google Shape;233;p25"/>
+          <p:cNvPr id="235" name="Google Shape;235;p25"/>
           <p:cNvPicPr preferRelativeResize="0"/>
           <p:nvPr/>
         </p:nvPicPr>
@@ -16078,7 +16515,7 @@
   <p:cSld>
     <p:spTree>
       <p:nvGrpSpPr>
-        <p:cNvPr id="1" name="Shape 237"/>
+        <p:cNvPr id="1" name="Shape 239"/>
         <p:cNvGrpSpPr/>
         <p:nvPr/>
       </p:nvGrpSpPr>
@@ -16092,7 +16529,7 @@
       </p:grpSpPr>
       <p:sp>
         <p:nvSpPr>
-          <p:cNvPr id="238" name="Google Shape;238;p26"/>
+          <p:cNvPr id="240" name="Google Shape;240;p26"/>
           <p:cNvSpPr txBox="1"/>
           <p:nvPr/>
         </p:nvSpPr>
@@ -16158,7 +16595,7 @@
       </p:sp>
       <p:sp>
         <p:nvSpPr>
-          <p:cNvPr id="239" name="Google Shape;239;p26"/>
+          <p:cNvPr id="241" name="Google Shape;241;p26"/>
           <p:cNvSpPr txBox="1"/>
           <p:nvPr/>
         </p:nvSpPr>
@@ -16562,7 +16999,7 @@
       </p:sp>
       <p:sp>
         <p:nvSpPr>
-          <p:cNvPr id="240" name="Google Shape;240;p26"/>
+          <p:cNvPr id="242" name="Google Shape;242;p26"/>
           <p:cNvSpPr txBox="1"/>
           <p:nvPr/>
         </p:nvSpPr>
@@ -17131,7 +17568,7 @@
       </p:sp>
       <p:sp>
         <p:nvSpPr>
-          <p:cNvPr id="241" name="Google Shape;241;p26"/>
+          <p:cNvPr id="243" name="Google Shape;243;p26"/>
           <p:cNvSpPr txBox="1"/>
           <p:nvPr/>
         </p:nvSpPr>
@@ -18353,7 +18790,7 @@
   <p:cSld>
     <p:spTree>
       <p:nvGrpSpPr>
-        <p:cNvPr id="1" name="Shape 245"/>
+        <p:cNvPr id="1" name="Shape 247"/>
         <p:cNvGrpSpPr/>
         <p:nvPr/>
       </p:nvGrpSpPr>
@@ -18367,7 +18804,7 @@
       </p:grpSpPr>
       <p:sp>
         <p:nvSpPr>
-          <p:cNvPr id="246" name="Google Shape;246;p27"/>
+          <p:cNvPr id="248" name="Google Shape;248;p27"/>
           <p:cNvSpPr txBox="1"/>
           <p:nvPr/>
         </p:nvSpPr>
@@ -18433,7 +18870,7 @@
       </p:sp>
       <p:sp>
         <p:nvSpPr>
-          <p:cNvPr id="247" name="Google Shape;247;p27"/>
+          <p:cNvPr id="249" name="Google Shape;249;p27"/>
           <p:cNvSpPr txBox="1"/>
           <p:nvPr/>
         </p:nvSpPr>
@@ -19158,7 +19595,7 @@
       </p:sp>
       <p:sp>
         <p:nvSpPr>
-          <p:cNvPr id="248" name="Google Shape;248;p27"/>
+          <p:cNvPr id="250" name="Google Shape;250;p27"/>
           <p:cNvSpPr txBox="1"/>
           <p:nvPr/>
         </p:nvSpPr>
@@ -19320,7 +19757,7 @@
       </p:sp>
       <p:sp>
         <p:nvSpPr>
-          <p:cNvPr id="249" name="Google Shape;249;p27"/>
+          <p:cNvPr id="251" name="Google Shape;251;p27"/>
           <p:cNvSpPr txBox="1"/>
           <p:nvPr/>
         </p:nvSpPr>
@@ -19588,7 +20025,7 @@
       </p:sp>
       <p:sp>
         <p:nvSpPr>
-          <p:cNvPr id="250" name="Google Shape;250;p27"/>
+          <p:cNvPr id="252" name="Google Shape;252;p27"/>
           <p:cNvSpPr txBox="1"/>
           <p:nvPr/>
         </p:nvSpPr>
@@ -19817,7 +20254,7 @@
   <p:cSld>
     <p:spTree>
       <p:nvGrpSpPr>
-        <p:cNvPr id="1" name="Shape 254"/>
+        <p:cNvPr id="1" name="Shape 256"/>
         <p:cNvGrpSpPr/>
         <p:nvPr/>
       </p:nvGrpSpPr>
@@ -19831,7 +20268,7 @@
       </p:grpSpPr>
       <p:sp>
         <p:nvSpPr>
-          <p:cNvPr id="255" name="Google Shape;255;p28"/>
+          <p:cNvPr id="257" name="Google Shape;257;p28"/>
           <p:cNvSpPr txBox="1"/>
           <p:nvPr/>
         </p:nvSpPr>
@@ -19897,7 +20334,7 @@
       </p:sp>
       <p:sp>
         <p:nvSpPr>
-          <p:cNvPr id="256" name="Google Shape;256;p28"/>
+          <p:cNvPr id="258" name="Google Shape;258;p28"/>
           <p:cNvSpPr txBox="1"/>
           <p:nvPr/>
         </p:nvSpPr>
@@ -20406,7 +20843,7 @@
       </p:sp>
       <p:sp>
         <p:nvSpPr>
-          <p:cNvPr id="257" name="Google Shape;257;p28"/>
+          <p:cNvPr id="259" name="Google Shape;259;p28"/>
           <p:cNvSpPr txBox="1"/>
           <p:nvPr/>
         </p:nvSpPr>
@@ -20755,7 +21192,7 @@
       </p:sp>
       <p:pic>
         <p:nvPicPr>
-          <p:cNvPr id="258" name="Google Shape;258;p28"/>
+          <p:cNvPr id="260" name="Google Shape;260;p28"/>
           <p:cNvPicPr preferRelativeResize="0"/>
           <p:nvPr/>
         </p:nvPicPr>
@@ -20805,7 +21242,7 @@
   <p:cSld>
     <p:spTree>
       <p:nvGrpSpPr>
-        <p:cNvPr id="1" name="Shape 262"/>
+        <p:cNvPr id="1" name="Shape 264"/>
         <p:cNvGrpSpPr/>
         <p:nvPr/>
       </p:nvGrpSpPr>
@@ -20819,7 +21256,7 @@
       </p:grpSpPr>
       <p:sp>
         <p:nvSpPr>
-          <p:cNvPr id="263" name="Google Shape;263;p29"/>
+          <p:cNvPr id="265" name="Google Shape;265;p29"/>
           <p:cNvSpPr txBox="1"/>
           <p:nvPr/>
         </p:nvSpPr>
@@ -20885,7 +21322,7 @@
       </p:sp>
       <p:sp>
         <p:nvSpPr>
-          <p:cNvPr id="264" name="Google Shape;264;p29"/>
+          <p:cNvPr id="266" name="Google Shape;266;p29"/>
           <p:cNvSpPr txBox="1"/>
           <p:nvPr/>
         </p:nvSpPr>
@@ -21240,7 +21677,7 @@
       </p:sp>
       <p:pic>
         <p:nvPicPr>
-          <p:cNvPr id="265" name="Google Shape;265;p29"/>
+          <p:cNvPr id="267" name="Google Shape;267;p29"/>
           <p:cNvPicPr preferRelativeResize="0"/>
           <p:nvPr/>
         </p:nvPicPr>
@@ -21274,7 +21711,7 @@
       </p:pic>
       <p:pic>
         <p:nvPicPr>
-          <p:cNvPr id="266" name="Google Shape;266;p29"/>
+          <p:cNvPr id="268" name="Google Shape;268;p29"/>
           <p:cNvPicPr preferRelativeResize="0"/>
           <p:nvPr/>
         </p:nvPicPr>
@@ -21319,7 +21756,7 @@
   <p:cSld>
     <p:spTree>
       <p:nvGrpSpPr>
-        <p:cNvPr id="1" name="Shape 270"/>
+        <p:cNvPr id="1" name="Shape 272"/>
         <p:cNvGrpSpPr/>
         <p:nvPr/>
       </p:nvGrpSpPr>
@@ -21333,7 +21770,7 @@
       </p:grpSpPr>
       <p:sp>
         <p:nvSpPr>
-          <p:cNvPr id="271" name="Google Shape;271;p30"/>
+          <p:cNvPr id="273" name="Google Shape;273;p30"/>
           <p:cNvSpPr txBox="1"/>
           <p:nvPr/>
         </p:nvSpPr>
@@ -21399,7 +21836,7 @@
       </p:sp>
       <p:sp>
         <p:nvSpPr>
-          <p:cNvPr id="272" name="Google Shape;272;p30"/>
+          <p:cNvPr id="274" name="Google Shape;274;p30"/>
           <p:cNvSpPr txBox="1"/>
           <p:nvPr/>
         </p:nvSpPr>
@@ -21846,7 +22283,7 @@
       </p:sp>
       <p:pic>
         <p:nvPicPr>
-          <p:cNvPr id="273" name="Google Shape;273;p30"/>
+          <p:cNvPr id="275" name="Google Shape;275;p30"/>
           <p:cNvPicPr preferRelativeResize="0"/>
           <p:nvPr/>
         </p:nvPicPr>
@@ -21895,7 +22332,7 @@
   <p:cSld>
     <p:spTree>
       <p:nvGrpSpPr>
-        <p:cNvPr id="1" name="Shape 277"/>
+        <p:cNvPr id="1" name="Shape 279"/>
         <p:cNvGrpSpPr/>
         <p:nvPr/>
       </p:nvGrpSpPr>
@@ -21909,7 +22346,7 @@
       </p:grpSpPr>
       <p:sp>
         <p:nvSpPr>
-          <p:cNvPr id="278" name="Google Shape;278;p31"/>
+          <p:cNvPr id="280" name="Google Shape;280;p31"/>
           <p:cNvSpPr txBox="1"/>
           <p:nvPr/>
         </p:nvSpPr>
@@ -21959,7 +22396,7 @@
                 <a:cs typeface="Calibri"/>
                 <a:sym typeface="Calibri"/>
               </a:rPr>
-              <a:t>FDE - Hottest new job in AI</a:t>
+              <a:t>IT Projects Costs are now 10x lower</a:t>
             </a:r>
             <a:endParaRPr sz="2000" b="1">
               <a:solidFill>
@@ -21975,7 +22412,675 @@
       </p:sp>
       <p:sp>
         <p:nvSpPr>
-          <p:cNvPr id="279" name="Google Shape;279;p31"/>
+          <p:cNvPr id="281" name="Google Shape;281;p31"/>
+          <p:cNvSpPr txBox="1"/>
+          <p:nvPr/>
+        </p:nvSpPr>
+        <p:spPr>
+          <a:xfrm>
+            <a:off x="101275" y="579218"/>
+            <a:ext cx="4444500" cy="3066000"/>
+          </a:xfrm>
+          <a:prstGeom prst="rect">
+            <a:avLst/>
+          </a:prstGeom>
+          <a:solidFill>
+            <a:srgbClr val="FFF2CC"/>
+          </a:solidFill>
+          <a:ln w="9525" cap="flat" cmpd="sng">
+            <a:solidFill>
+              <a:srgbClr val="FF0000"/>
+            </a:solidFill>
+            <a:prstDash val="solid"/>
+            <a:round/>
+            <a:headEnd type="none" w="sm" len="sm"/>
+            <a:tailEnd type="none" w="sm" len="sm"/>
+          </a:ln>
+        </p:spPr>
+        <p:txBody>
+          <a:bodyPr spcFirstLastPara="1" wrap="square" lIns="9125" tIns="9125" rIns="9125" bIns="9125" anchor="t" anchorCtr="0">
+            <a:spAutoFit/>
+          </a:bodyPr>
+          <a:lstStyle/>
+          <a:p>
+            <a:pPr marL="171450" marR="0" lvl="0" indent="-133350" algn="l" rtl="0">
+              <a:lnSpc>
+                <a:spcPct val="100000"/>
+              </a:lnSpc>
+              <a:spcBef>
+                <a:spcPts val="0"/>
+              </a:spcBef>
+              <a:spcAft>
+                <a:spcPts val="0"/>
+              </a:spcAft>
+              <a:buClr>
+                <a:schemeClr val="dk1"/>
+              </a:buClr>
+              <a:buSzPts val="1200"/>
+              <a:buFont typeface="Calibri"/>
+              <a:buChar char="●"/>
+            </a:pPr>
+            <a:r>
+              <a:rPr lang="en" sz="1200">
+                <a:solidFill>
+                  <a:schemeClr val="dk1"/>
+                </a:solidFill>
+                <a:latin typeface="Calibri"/>
+                <a:ea typeface="Calibri"/>
+                <a:cs typeface="Calibri"/>
+                <a:sym typeface="Calibri"/>
+              </a:rPr>
+              <a:t>Software projects that previously cost $200K and took 6 months now cost around $20K and complete in 6 weeks.</a:t>
+            </a:r>
+            <a:endParaRPr sz="1200">
+              <a:solidFill>
+                <a:schemeClr val="dk1"/>
+              </a:solidFill>
+              <a:latin typeface="Calibri"/>
+              <a:ea typeface="Calibri"/>
+              <a:cs typeface="Calibri"/>
+              <a:sym typeface="Calibri"/>
+            </a:endParaRPr>
+          </a:p>
+          <a:p>
+            <a:pPr marL="171450" marR="0" lvl="0" indent="-133350" algn="l" rtl="0">
+              <a:lnSpc>
+                <a:spcPct val="100000"/>
+              </a:lnSpc>
+              <a:spcBef>
+                <a:spcPts val="0"/>
+              </a:spcBef>
+              <a:spcAft>
+                <a:spcPts val="0"/>
+              </a:spcAft>
+              <a:buClr>
+                <a:schemeClr val="dk1"/>
+              </a:buClr>
+              <a:buSzPts val="1200"/>
+              <a:buFont typeface="Calibri"/>
+              <a:buChar char="●"/>
+            </a:pPr>
+            <a:r>
+              <a:rPr lang="en" sz="1200">
+                <a:solidFill>
+                  <a:schemeClr val="dk1"/>
+                </a:solidFill>
+                <a:latin typeface="Calibri"/>
+                <a:ea typeface="Calibri"/>
+                <a:cs typeface="Calibri"/>
+                <a:sym typeface="Calibri"/>
+              </a:rPr>
+              <a:t>Where Savings Come From</a:t>
+            </a:r>
+            <a:endParaRPr sz="1200">
+              <a:solidFill>
+                <a:schemeClr val="dk1"/>
+              </a:solidFill>
+              <a:latin typeface="Calibri"/>
+              <a:ea typeface="Calibri"/>
+              <a:cs typeface="Calibri"/>
+              <a:sym typeface="Calibri"/>
+            </a:endParaRPr>
+          </a:p>
+          <a:p>
+            <a:pPr marL="342900" marR="0" lvl="1" indent="-133350" algn="l" rtl="0">
+              <a:lnSpc>
+                <a:spcPct val="100000"/>
+              </a:lnSpc>
+              <a:spcBef>
+                <a:spcPts val="0"/>
+              </a:spcBef>
+              <a:spcAft>
+                <a:spcPts val="0"/>
+              </a:spcAft>
+              <a:buClr>
+                <a:schemeClr val="dk1"/>
+              </a:buClr>
+              <a:buSzPts val="1200"/>
+              <a:buFont typeface="Calibri"/>
+              <a:buChar char="○"/>
+            </a:pPr>
+            <a:r>
+              <a:rPr lang="en" sz="1200">
+                <a:solidFill>
+                  <a:schemeClr val="dk1"/>
+                </a:solidFill>
+                <a:latin typeface="Calibri"/>
+                <a:ea typeface="Calibri"/>
+                <a:cs typeface="Calibri"/>
+                <a:sym typeface="Calibri"/>
+              </a:rPr>
+              <a:t>Requirements Gathering by LLM</a:t>
+            </a:r>
+            <a:endParaRPr sz="1200">
+              <a:solidFill>
+                <a:schemeClr val="dk1"/>
+              </a:solidFill>
+              <a:latin typeface="Calibri"/>
+              <a:ea typeface="Calibri"/>
+              <a:cs typeface="Calibri"/>
+              <a:sym typeface="Calibri"/>
+            </a:endParaRPr>
+          </a:p>
+          <a:p>
+            <a:pPr marL="342900" marR="0" lvl="1" indent="-133350" algn="l" rtl="0">
+              <a:lnSpc>
+                <a:spcPct val="100000"/>
+              </a:lnSpc>
+              <a:spcBef>
+                <a:spcPts val="0"/>
+              </a:spcBef>
+              <a:spcAft>
+                <a:spcPts val="0"/>
+              </a:spcAft>
+              <a:buClr>
+                <a:schemeClr val="dk1"/>
+              </a:buClr>
+              <a:buSzPts val="1200"/>
+              <a:buFont typeface="Calibri"/>
+              <a:buChar char="○"/>
+            </a:pPr>
+            <a:r>
+              <a:rPr lang="en" sz="1200">
+                <a:solidFill>
+                  <a:schemeClr val="dk1"/>
+                </a:solidFill>
+                <a:latin typeface="Calibri"/>
+                <a:ea typeface="Calibri"/>
+                <a:cs typeface="Calibri"/>
+                <a:sym typeface="Calibri"/>
+              </a:rPr>
+              <a:t>Development Efficiency using AI Coding</a:t>
+            </a:r>
+            <a:endParaRPr sz="1200">
+              <a:solidFill>
+                <a:schemeClr val="dk1"/>
+              </a:solidFill>
+              <a:latin typeface="Calibri"/>
+              <a:ea typeface="Calibri"/>
+              <a:cs typeface="Calibri"/>
+              <a:sym typeface="Calibri"/>
+            </a:endParaRPr>
+          </a:p>
+          <a:p>
+            <a:pPr marL="171450" marR="0" lvl="0" indent="-133350" algn="l" rtl="0">
+              <a:lnSpc>
+                <a:spcPct val="100000"/>
+              </a:lnSpc>
+              <a:spcBef>
+                <a:spcPts val="0"/>
+              </a:spcBef>
+              <a:spcAft>
+                <a:spcPts val="0"/>
+              </a:spcAft>
+              <a:buClr>
+                <a:schemeClr val="dk1"/>
+              </a:buClr>
+              <a:buSzPts val="1200"/>
+              <a:buFont typeface="Calibri"/>
+              <a:buChar char="●"/>
+            </a:pPr>
+            <a:r>
+              <a:rPr lang="en" sz="1200">
+                <a:solidFill>
+                  <a:schemeClr val="dk1"/>
+                </a:solidFill>
+                <a:latin typeface="Calibri"/>
+                <a:ea typeface="Calibri"/>
+                <a:cs typeface="Calibri"/>
+                <a:sym typeface="Calibri"/>
+              </a:rPr>
+              <a:t>Large dev companies haven't reduced prices despite lower costs, so smaller companies can now underbid competitors</a:t>
+            </a:r>
+            <a:br>
+              <a:rPr lang="en" sz="1200">
+                <a:solidFill>
+                  <a:schemeClr val="dk1"/>
+                </a:solidFill>
+                <a:latin typeface="Calibri"/>
+                <a:ea typeface="Calibri"/>
+                <a:cs typeface="Calibri"/>
+                <a:sym typeface="Calibri"/>
+              </a:rPr>
+            </a:br>
+            <a:endParaRPr sz="1200">
+              <a:solidFill>
+                <a:schemeClr val="dk1"/>
+              </a:solidFill>
+              <a:latin typeface="Calibri"/>
+              <a:ea typeface="Calibri"/>
+              <a:cs typeface="Calibri"/>
+              <a:sym typeface="Calibri"/>
+            </a:endParaRPr>
+          </a:p>
+          <a:p>
+            <a:pPr marL="171450" marR="0" lvl="0" indent="-133350" algn="l" rtl="0">
+              <a:lnSpc>
+                <a:spcPct val="100000"/>
+              </a:lnSpc>
+              <a:spcBef>
+                <a:spcPts val="0"/>
+              </a:spcBef>
+              <a:spcAft>
+                <a:spcPts val="0"/>
+              </a:spcAft>
+              <a:buClr>
+                <a:schemeClr val="dk1"/>
+              </a:buClr>
+              <a:buSzPts val="1200"/>
+              <a:buFont typeface="Calibri"/>
+              <a:buChar char="●"/>
+            </a:pPr>
+            <a:r>
+              <a:rPr lang="en" sz="1200">
+                <a:solidFill>
+                  <a:schemeClr val="dk1"/>
+                </a:solidFill>
+                <a:latin typeface="Calibri"/>
+                <a:ea typeface="Calibri"/>
+                <a:cs typeface="Calibri"/>
+                <a:sym typeface="Calibri"/>
+              </a:rPr>
+              <a:t>Recommendations for Hiring</a:t>
+            </a:r>
+            <a:endParaRPr sz="1200">
+              <a:solidFill>
+                <a:schemeClr val="dk1"/>
+              </a:solidFill>
+              <a:latin typeface="Calibri"/>
+              <a:ea typeface="Calibri"/>
+              <a:cs typeface="Calibri"/>
+              <a:sym typeface="Calibri"/>
+            </a:endParaRPr>
+          </a:p>
+          <a:p>
+            <a:pPr marL="342900" marR="0" lvl="1" indent="-133350" algn="l" rtl="0">
+              <a:lnSpc>
+                <a:spcPct val="100000"/>
+              </a:lnSpc>
+              <a:spcBef>
+                <a:spcPts val="0"/>
+              </a:spcBef>
+              <a:spcAft>
+                <a:spcPts val="0"/>
+              </a:spcAft>
+              <a:buClr>
+                <a:schemeClr val="dk1"/>
+              </a:buClr>
+              <a:buSzPts val="1200"/>
+              <a:buFont typeface="Calibri"/>
+              <a:buChar char="○"/>
+            </a:pPr>
+            <a:r>
+              <a:rPr lang="en" sz="1200">
+                <a:solidFill>
+                  <a:schemeClr val="dk1"/>
+                </a:solidFill>
+                <a:latin typeface="Calibri"/>
+                <a:ea typeface="Calibri"/>
+                <a:cs typeface="Calibri"/>
+                <a:sym typeface="Calibri"/>
+              </a:rPr>
+              <a:t>Ask if developers use AI coding tools</a:t>
+            </a:r>
+            <a:endParaRPr sz="1200">
+              <a:solidFill>
+                <a:schemeClr val="dk1"/>
+              </a:solidFill>
+              <a:latin typeface="Calibri"/>
+              <a:ea typeface="Calibri"/>
+              <a:cs typeface="Calibri"/>
+              <a:sym typeface="Calibri"/>
+            </a:endParaRPr>
+          </a:p>
+          <a:p>
+            <a:pPr marL="342900" marR="0" lvl="1" indent="-133350" algn="l" rtl="0">
+              <a:lnSpc>
+                <a:spcPct val="100000"/>
+              </a:lnSpc>
+              <a:spcBef>
+                <a:spcPts val="0"/>
+              </a:spcBef>
+              <a:spcAft>
+                <a:spcPts val="0"/>
+              </a:spcAft>
+              <a:buClr>
+                <a:schemeClr val="dk1"/>
+              </a:buClr>
+              <a:buSzPts val="1200"/>
+              <a:buFont typeface="Calibri"/>
+              <a:buChar char="○"/>
+            </a:pPr>
+            <a:r>
+              <a:rPr lang="en" sz="1200">
+                <a:solidFill>
+                  <a:schemeClr val="dk1"/>
+                </a:solidFill>
+                <a:latin typeface="Calibri"/>
+                <a:ea typeface="Calibri"/>
+                <a:cs typeface="Calibri"/>
+                <a:sym typeface="Calibri"/>
+              </a:rPr>
+              <a:t>Request prototypes after 1 week with $5,000 budget</a:t>
+            </a:r>
+            <a:endParaRPr sz="1200">
+              <a:solidFill>
+                <a:schemeClr val="dk1"/>
+              </a:solidFill>
+              <a:latin typeface="Calibri"/>
+              <a:ea typeface="Calibri"/>
+              <a:cs typeface="Calibri"/>
+              <a:sym typeface="Calibri"/>
+            </a:endParaRPr>
+          </a:p>
+          <a:p>
+            <a:pPr marL="342900" marR="0" lvl="1" indent="-133350" algn="l" rtl="0">
+              <a:lnSpc>
+                <a:spcPct val="100000"/>
+              </a:lnSpc>
+              <a:spcBef>
+                <a:spcPts val="0"/>
+              </a:spcBef>
+              <a:spcAft>
+                <a:spcPts val="0"/>
+              </a:spcAft>
+              <a:buClr>
+                <a:schemeClr val="dk1"/>
+              </a:buClr>
+              <a:buSzPts val="1200"/>
+              <a:buFont typeface="Calibri"/>
+              <a:buChar char="○"/>
+            </a:pPr>
+            <a:r>
+              <a:rPr lang="en" sz="1200">
+                <a:solidFill>
+                  <a:schemeClr val="dk1"/>
+                </a:solidFill>
+                <a:latin typeface="Calibri"/>
+                <a:ea typeface="Calibri"/>
+                <a:cs typeface="Calibri"/>
+                <a:sym typeface="Calibri"/>
+              </a:rPr>
+              <a:t>Start with time-boxed projects around $25,000</a:t>
+            </a:r>
+            <a:endParaRPr sz="1200">
+              <a:solidFill>
+                <a:schemeClr val="dk1"/>
+              </a:solidFill>
+              <a:latin typeface="Calibri"/>
+              <a:ea typeface="Calibri"/>
+              <a:cs typeface="Calibri"/>
+              <a:sym typeface="Calibri"/>
+            </a:endParaRPr>
+          </a:p>
+          <a:p>
+            <a:pPr marL="342900" marR="0" lvl="1" indent="-133350" algn="l" rtl="0">
+              <a:lnSpc>
+                <a:spcPct val="100000"/>
+              </a:lnSpc>
+              <a:spcBef>
+                <a:spcPts val="0"/>
+              </a:spcBef>
+              <a:spcAft>
+                <a:spcPts val="0"/>
+              </a:spcAft>
+              <a:buClr>
+                <a:schemeClr val="dk1"/>
+              </a:buClr>
+              <a:buSzPts val="1200"/>
+              <a:buFont typeface="Calibri"/>
+              <a:buChar char="○"/>
+            </a:pPr>
+            <a:r>
+              <a:rPr lang="en" sz="1200">
+                <a:solidFill>
+                  <a:schemeClr val="dk1"/>
+                </a:solidFill>
+                <a:latin typeface="Calibri"/>
+                <a:ea typeface="Calibri"/>
+                <a:cs typeface="Calibri"/>
+                <a:sym typeface="Calibri"/>
+              </a:rPr>
+              <a:t>Build trust through smaller tests before committing to large builds</a:t>
+            </a:r>
+            <a:endParaRPr sz="1200">
+              <a:solidFill>
+                <a:schemeClr val="dk1"/>
+              </a:solidFill>
+              <a:latin typeface="Calibri"/>
+              <a:ea typeface="Calibri"/>
+              <a:cs typeface="Calibri"/>
+              <a:sym typeface="Calibri"/>
+            </a:endParaRPr>
+          </a:p>
+          <a:p>
+            <a:pPr marL="171450" marR="0" lvl="0" indent="-133350" algn="l" rtl="0">
+              <a:lnSpc>
+                <a:spcPct val="100000"/>
+              </a:lnSpc>
+              <a:spcBef>
+                <a:spcPts val="0"/>
+              </a:spcBef>
+              <a:spcAft>
+                <a:spcPts val="0"/>
+              </a:spcAft>
+              <a:buClr>
+                <a:schemeClr val="dk1"/>
+              </a:buClr>
+              <a:buSzPts val="1200"/>
+              <a:buFont typeface="Calibri"/>
+              <a:buChar char="●"/>
+            </a:pPr>
+            <a:r>
+              <a:rPr lang="en" sz="1200">
+                <a:solidFill>
+                  <a:schemeClr val="dk1"/>
+                </a:solidFill>
+                <a:latin typeface="Calibri"/>
+                <a:ea typeface="Calibri"/>
+                <a:cs typeface="Calibri"/>
+                <a:sym typeface="Calibri"/>
+              </a:rPr>
+              <a:t>99% of projects should start under $50K to maintain momentum and avoid feature creep</a:t>
+            </a:r>
+            <a:endParaRPr sz="900">
+              <a:solidFill>
+                <a:schemeClr val="dk1"/>
+              </a:solidFill>
+              <a:latin typeface="Calibri"/>
+              <a:ea typeface="Calibri"/>
+              <a:cs typeface="Calibri"/>
+              <a:sym typeface="Calibri"/>
+            </a:endParaRPr>
+          </a:p>
+          <a:p>
+            <a:pPr marL="171450" marR="0" lvl="0" indent="-114300" algn="l" rtl="0">
+              <a:lnSpc>
+                <a:spcPct val="100000"/>
+              </a:lnSpc>
+              <a:spcBef>
+                <a:spcPts val="0"/>
+              </a:spcBef>
+              <a:spcAft>
+                <a:spcPts val="0"/>
+              </a:spcAft>
+              <a:buClr>
+                <a:schemeClr val="dk1"/>
+              </a:buClr>
+              <a:buSzPts val="900"/>
+              <a:buFont typeface="Calibri"/>
+              <a:buChar char="●"/>
+            </a:pPr>
+            <a:r>
+              <a:rPr lang="en" sz="900" u="sng">
+                <a:solidFill>
+                  <a:schemeClr val="hlink"/>
+                </a:solidFill>
+                <a:latin typeface="Calibri"/>
+                <a:ea typeface="Calibri"/>
+                <a:cs typeface="Calibri"/>
+                <a:sym typeface="Calibri"/>
+                <a:hlinkClick r:id="rId3"/>
+              </a:rPr>
+              <a:t>https://medium.com/realworld-ai-use-cases/how-has-ai-changed-the-cost-of-software-20-000-is-the-new-200-000-5f98ae364e24</a:t>
+            </a:r>
+            <a:r>
+              <a:rPr lang="en" sz="900">
+                <a:solidFill>
+                  <a:schemeClr val="dk1"/>
+                </a:solidFill>
+                <a:latin typeface="Calibri"/>
+                <a:ea typeface="Calibri"/>
+                <a:cs typeface="Calibri"/>
+                <a:sym typeface="Calibri"/>
+              </a:rPr>
+              <a:t> </a:t>
+            </a:r>
+            <a:endParaRPr sz="900">
+              <a:solidFill>
+                <a:schemeClr val="dk1"/>
+              </a:solidFill>
+              <a:latin typeface="Calibri"/>
+              <a:ea typeface="Calibri"/>
+              <a:cs typeface="Calibri"/>
+              <a:sym typeface="Calibri"/>
+            </a:endParaRPr>
+          </a:p>
+        </p:txBody>
+      </p:sp>
+      <p:pic>
+        <p:nvPicPr>
+          <p:cNvPr id="282" name="Google Shape;282;p31"/>
+          <p:cNvPicPr preferRelativeResize="0"/>
+          <p:nvPr/>
+        </p:nvPicPr>
+        <p:blipFill>
+          <a:blip r:embed="rId4" cstate="email">
+            <a:alphaModFix/>
+            <a:extLst>
+              <a:ext uri="{28A0092B-C50C-407E-A947-70E740481C1C}">
+                <a14:useLocalDpi xmlns:a14="http://schemas.microsoft.com/office/drawing/2010/main"/>
+              </a:ext>
+            </a:extLst>
+          </a:blip>
+          <a:stretch>
+            <a:fillRect/>
+          </a:stretch>
+        </p:blipFill>
+        <p:spPr>
+          <a:xfrm>
+            <a:off x="4875275" y="734588"/>
+            <a:ext cx="2755274" cy="2755274"/>
+          </a:xfrm>
+          <a:prstGeom prst="rect">
+            <a:avLst/>
+          </a:prstGeom>
+          <a:noFill/>
+          <a:ln w="9525" cap="flat" cmpd="sng">
+            <a:solidFill>
+              <a:srgbClr val="FF0000"/>
+            </a:solidFill>
+            <a:prstDash val="solid"/>
+            <a:round/>
+            <a:headEnd type="none" w="sm" len="sm"/>
+            <a:tailEnd type="none" w="sm" len="sm"/>
+          </a:ln>
+        </p:spPr>
+      </p:pic>
+    </p:spTree>
+  </p:cSld>
+  <p:clrMapOvr>
+    <a:masterClrMapping/>
+  </p:clrMapOvr>
+</p:sld>
+</file>
+
+<file path=ppt/slides/slide18.xml><?xml version="1.0" encoding="utf-8"?>
+<p:sld xmlns:a="http://schemas.openxmlformats.org/drawingml/2006/main" xmlns:r="http://schemas.openxmlformats.org/officeDocument/2006/relationships" xmlns:p="http://schemas.openxmlformats.org/presentationml/2006/main">
+  <p:cSld>
+    <p:spTree>
+      <p:nvGrpSpPr>
+        <p:cNvPr id="1" name="Shape 286"/>
+        <p:cNvGrpSpPr/>
+        <p:nvPr/>
+      </p:nvGrpSpPr>
+      <p:grpSpPr>
+        <a:xfrm>
+          <a:off x="0" y="0"/>
+          <a:ext cx="0" cy="0"/>
+          <a:chOff x="0" y="0"/>
+          <a:chExt cx="0" cy="0"/>
+        </a:xfrm>
+      </p:grpSpPr>
+      <p:sp>
+        <p:nvSpPr>
+          <p:cNvPr id="287" name="Google Shape;287;p32"/>
+          <p:cNvSpPr txBox="1"/>
+          <p:nvPr/>
+        </p:nvSpPr>
+        <p:spPr>
+          <a:xfrm>
+            <a:off x="55075" y="20375"/>
+            <a:ext cx="4444500" cy="326400"/>
+          </a:xfrm>
+          <a:prstGeom prst="rect">
+            <a:avLst/>
+          </a:prstGeom>
+          <a:noFill/>
+          <a:ln>
+            <a:noFill/>
+          </a:ln>
+        </p:spPr>
+        <p:txBody>
+          <a:bodyPr spcFirstLastPara="1" wrap="square" lIns="9125" tIns="9125" rIns="9125" bIns="9125" anchor="t" anchorCtr="0">
+            <a:spAutoFit/>
+          </a:bodyPr>
+          <a:lstStyle/>
+          <a:p>
+            <a:pPr marL="0" marR="0" lvl="0" indent="0" algn="l" rtl="0">
+              <a:lnSpc>
+                <a:spcPct val="100000"/>
+              </a:lnSpc>
+              <a:spcBef>
+                <a:spcPts val="0"/>
+              </a:spcBef>
+              <a:spcAft>
+                <a:spcPts val="0"/>
+              </a:spcAft>
+              <a:buClr>
+                <a:schemeClr val="dk1"/>
+              </a:buClr>
+              <a:buSzPts val="1100"/>
+              <a:buFont typeface="Arial"/>
+              <a:buNone/>
+            </a:pPr>
+            <a:r>
+              <a:rPr lang="en" sz="2000" b="1">
+                <a:solidFill>
+                  <a:schemeClr val="dk1"/>
+                </a:solidFill>
+                <a:latin typeface="Calibri"/>
+                <a:ea typeface="Calibri"/>
+                <a:cs typeface="Calibri"/>
+                <a:sym typeface="Calibri"/>
+              </a:rPr>
+              <a:t>FDE - Hottest new job in AI</a:t>
+            </a:r>
+            <a:endParaRPr sz="2000" b="1">
+              <a:solidFill>
+                <a:schemeClr val="dk1"/>
+              </a:solidFill>
+              <a:latin typeface="Calibri"/>
+              <a:ea typeface="Calibri"/>
+              <a:cs typeface="Calibri"/>
+              <a:sym typeface="Calibri"/>
+            </a:endParaRPr>
+          </a:p>
+        </p:txBody>
+      </p:sp>
+      <p:sp>
+        <p:nvSpPr>
+          <p:cNvPr id="288" name="Google Shape;288;p32"/>
           <p:cNvSpPr txBox="1"/>
           <p:nvPr/>
         </p:nvSpPr>
@@ -22445,7 +23550,7 @@
       </p:sp>
       <p:pic>
         <p:nvPicPr>
-          <p:cNvPr id="280" name="Google Shape;280;p31"/>
+          <p:cNvPr id="289" name="Google Shape;289;p32"/>
           <p:cNvPicPr preferRelativeResize="0"/>
           <p:nvPr/>
         </p:nvPicPr>
@@ -22484,7 +23589,7 @@
       </p:pic>
       <p:pic>
         <p:nvPicPr>
-          <p:cNvPr id="281" name="Google Shape;281;p31"/>
+          <p:cNvPr id="290" name="Google Shape;290;p32"/>
           <p:cNvPicPr preferRelativeResize="0"/>
           <p:nvPr/>
         </p:nvPicPr>
@@ -22529,12 +23634,12 @@
 </p:sld>
 </file>
 
-<file path=ppt/slides/slide18.xml><?xml version="1.0" encoding="utf-8"?>
+<file path=ppt/slides/slide19.xml><?xml version="1.0" encoding="utf-8"?>
 <p:sld xmlns:a="http://schemas.openxmlformats.org/drawingml/2006/main" xmlns:r="http://schemas.openxmlformats.org/officeDocument/2006/relationships" xmlns:p="http://schemas.openxmlformats.org/presentationml/2006/main">
   <p:cSld>
     <p:spTree>
       <p:nvGrpSpPr>
-        <p:cNvPr id="1" name="Shape 285"/>
+        <p:cNvPr id="1" name="Shape 294"/>
         <p:cNvGrpSpPr/>
         <p:nvPr/>
       </p:nvGrpSpPr>
@@ -22548,7 +23653,7 @@
       </p:grpSpPr>
       <p:sp>
         <p:nvSpPr>
-          <p:cNvPr id="286" name="Google Shape;286;p32"/>
+          <p:cNvPr id="295" name="Google Shape;295;p33"/>
           <p:cNvSpPr txBox="1"/>
           <p:nvPr/>
         </p:nvSpPr>
@@ -22614,7 +23719,7 @@
       </p:sp>
       <p:sp>
         <p:nvSpPr>
-          <p:cNvPr id="287" name="Google Shape;287;p32"/>
+          <p:cNvPr id="296" name="Google Shape;296;p33"/>
           <p:cNvSpPr txBox="1"/>
           <p:nvPr/>
         </p:nvSpPr>
@@ -22742,7 +23847,7 @@
       </p:sp>
       <p:sp>
         <p:nvSpPr>
-          <p:cNvPr id="288" name="Google Shape;288;p32"/>
+          <p:cNvPr id="297" name="Google Shape;297;p33"/>
           <p:cNvSpPr txBox="1"/>
           <p:nvPr/>
         </p:nvSpPr>
@@ -22969,7 +24074,7 @@
       </p:sp>
       <p:sp>
         <p:nvSpPr>
-          <p:cNvPr id="289" name="Google Shape;289;p32"/>
+          <p:cNvPr id="298" name="Google Shape;298;p33"/>
           <p:cNvSpPr txBox="1"/>
           <p:nvPr/>
         </p:nvSpPr>
@@ -23142,7 +24247,7 @@
       </p:sp>
       <p:pic>
         <p:nvPicPr>
-          <p:cNvPr id="290" name="Google Shape;290;p32"/>
+          <p:cNvPr id="299" name="Google Shape;299;p33"/>
           <p:cNvPicPr preferRelativeResize="0"/>
           <p:nvPr/>
         </p:nvPicPr>
@@ -23181,7 +24286,7 @@
       </p:pic>
       <p:pic>
         <p:nvPicPr>
-          <p:cNvPr id="291" name="Google Shape;291;p32"/>
+          <p:cNvPr id="300" name="Google Shape;300;p33"/>
           <p:cNvPicPr preferRelativeResize="0"/>
           <p:nvPr/>
         </p:nvPicPr>
@@ -23218,736 +24323,6 @@
           </a:ln>
         </p:spPr>
       </p:pic>
-    </p:spTree>
-  </p:cSld>
-  <p:clrMapOvr>
-    <a:masterClrMapping/>
-  </p:clrMapOvr>
-</p:sld>
-</file>
-
-<file path=ppt/slides/slide19.xml><?xml version="1.0" encoding="utf-8"?>
-<p:sld xmlns:a="http://schemas.openxmlformats.org/drawingml/2006/main" xmlns:r="http://schemas.openxmlformats.org/officeDocument/2006/relationships" xmlns:p="http://schemas.openxmlformats.org/presentationml/2006/main">
-  <p:cSld>
-    <p:spTree>
-      <p:nvGrpSpPr>
-        <p:cNvPr id="1" name="Shape 295"/>
-        <p:cNvGrpSpPr/>
-        <p:nvPr/>
-      </p:nvGrpSpPr>
-      <p:grpSpPr>
-        <a:xfrm>
-          <a:off x="0" y="0"/>
-          <a:ext cx="0" cy="0"/>
-          <a:chOff x="0" y="0"/>
-          <a:chExt cx="0" cy="0"/>
-        </a:xfrm>
-      </p:grpSpPr>
-      <p:pic>
-        <p:nvPicPr>
-          <p:cNvPr id="296" name="Google Shape;296;p33"/>
-          <p:cNvPicPr preferRelativeResize="0"/>
-          <p:nvPr/>
-        </p:nvPicPr>
-        <p:blipFill rotWithShape="1">
-          <a:blip r:embed="rId3" cstate="email">
-            <a:alphaModFix/>
-            <a:extLst>
-              <a:ext uri="{28A0092B-C50C-407E-A947-70E740481C1C}">
-                <a14:useLocalDpi xmlns:a14="http://schemas.microsoft.com/office/drawing/2010/main"/>
-              </a:ext>
-            </a:extLst>
-          </a:blip>
-          <a:srcRect/>
-          <a:stretch/>
-        </p:blipFill>
-        <p:spPr>
-          <a:xfrm>
-            <a:off x="645525" y="1203525"/>
-            <a:ext cx="1570556" cy="1570556"/>
-          </a:xfrm>
-          <a:prstGeom prst="rect">
-            <a:avLst/>
-          </a:prstGeom>
-          <a:noFill/>
-          <a:ln>
-            <a:noFill/>
-          </a:ln>
-        </p:spPr>
-      </p:pic>
-      <p:sp>
-        <p:nvSpPr>
-          <p:cNvPr id="297" name="Google Shape;297;p33"/>
-          <p:cNvSpPr txBox="1"/>
-          <p:nvPr/>
-        </p:nvSpPr>
-        <p:spPr>
-          <a:xfrm>
-            <a:off x="-25625" y="-14775"/>
-            <a:ext cx="3355800" cy="569400"/>
-          </a:xfrm>
-          <a:prstGeom prst="rect">
-            <a:avLst/>
-          </a:prstGeom>
-          <a:noFill/>
-          <a:ln>
-            <a:noFill/>
-          </a:ln>
-        </p:spPr>
-        <p:txBody>
-          <a:bodyPr spcFirstLastPara="1" wrap="square" lIns="91425" tIns="91425" rIns="91425" bIns="91425" anchor="t" anchorCtr="0">
-            <a:spAutoFit/>
-          </a:bodyPr>
-          <a:lstStyle/>
-          <a:p>
-            <a:pPr marL="0" marR="0" lvl="0" indent="0" algn="l" rtl="0">
-              <a:lnSpc>
-                <a:spcPct val="100000"/>
-              </a:lnSpc>
-              <a:spcBef>
-                <a:spcPts val="0"/>
-              </a:spcBef>
-              <a:spcAft>
-                <a:spcPts val="0"/>
-              </a:spcAft>
-              <a:buClr>
-                <a:srgbClr val="000000"/>
-              </a:buClr>
-              <a:buSzPts val="2500"/>
-              <a:buFont typeface="Arial"/>
-              <a:buNone/>
-            </a:pPr>
-            <a:r>
-              <a:rPr lang="en" sz="2500" b="1" i="0" u="none" strike="noStrike" cap="none">
-                <a:solidFill>
-                  <a:srgbClr val="000000"/>
-                </a:solidFill>
-                <a:latin typeface="Calibri"/>
-                <a:ea typeface="Calibri"/>
-                <a:cs typeface="Calibri"/>
-                <a:sym typeface="Calibri"/>
-              </a:rPr>
-              <a:t>About the Speaker</a:t>
-            </a:r>
-            <a:endParaRPr sz="2500" b="1" i="0" u="none" strike="noStrike" cap="none">
-              <a:solidFill>
-                <a:srgbClr val="000000"/>
-              </a:solidFill>
-              <a:latin typeface="Calibri"/>
-              <a:ea typeface="Calibri"/>
-              <a:cs typeface="Calibri"/>
-              <a:sym typeface="Calibri"/>
-            </a:endParaRPr>
-          </a:p>
-        </p:txBody>
-      </p:sp>
-      <p:sp>
-        <p:nvSpPr>
-          <p:cNvPr id="298" name="Google Shape;298;p33"/>
-          <p:cNvSpPr txBox="1"/>
-          <p:nvPr/>
-        </p:nvSpPr>
-        <p:spPr>
-          <a:xfrm>
-            <a:off x="3330175" y="878750"/>
-            <a:ext cx="5621700" cy="3309300"/>
-          </a:xfrm>
-          <a:prstGeom prst="rect">
-            <a:avLst/>
-          </a:prstGeom>
-          <a:noFill/>
-          <a:ln>
-            <a:noFill/>
-          </a:ln>
-        </p:spPr>
-        <p:txBody>
-          <a:bodyPr spcFirstLastPara="1" wrap="square" lIns="91425" tIns="91425" rIns="91425" bIns="91425" anchor="t" anchorCtr="0">
-            <a:spAutoFit/>
-          </a:bodyPr>
-          <a:lstStyle/>
-          <a:p>
-            <a:pPr marL="0" marR="0" lvl="0" indent="0" algn="l" rtl="0">
-              <a:lnSpc>
-                <a:spcPct val="100000"/>
-              </a:lnSpc>
-              <a:spcBef>
-                <a:spcPts val="0"/>
-              </a:spcBef>
-              <a:spcAft>
-                <a:spcPts val="0"/>
-              </a:spcAft>
-              <a:buClr>
-                <a:schemeClr val="dk1"/>
-              </a:buClr>
-              <a:buSzPts val="1100"/>
-              <a:buFont typeface="Arial"/>
-              <a:buNone/>
-            </a:pPr>
-            <a:r>
-              <a:rPr lang="en" sz="2500" b="1" i="0" u="none" strike="noStrike" cap="none">
-                <a:solidFill>
-                  <a:srgbClr val="000000"/>
-                </a:solidFill>
-                <a:latin typeface="Calibri"/>
-                <a:ea typeface="Calibri"/>
-                <a:cs typeface="Calibri"/>
-                <a:sym typeface="Calibri"/>
-              </a:rPr>
-              <a:t>Lev Selector, Ph.D.</a:t>
-            </a:r>
-            <a:endParaRPr sz="2500" b="1" i="0" u="none" strike="noStrike" cap="none">
-              <a:solidFill>
-                <a:srgbClr val="000000"/>
-              </a:solidFill>
-              <a:latin typeface="Calibri"/>
-              <a:ea typeface="Calibri"/>
-              <a:cs typeface="Calibri"/>
-              <a:sym typeface="Calibri"/>
-            </a:endParaRPr>
-          </a:p>
-          <a:p>
-            <a:pPr marL="0" marR="0" lvl="0" indent="0" algn="l" rtl="0">
-              <a:lnSpc>
-                <a:spcPct val="100000"/>
-              </a:lnSpc>
-              <a:spcBef>
-                <a:spcPts val="0"/>
-              </a:spcBef>
-              <a:spcAft>
-                <a:spcPts val="0"/>
-              </a:spcAft>
-              <a:buClr>
-                <a:schemeClr val="dk1"/>
-              </a:buClr>
-              <a:buSzPts val="1100"/>
-              <a:buFont typeface="Arial"/>
-              <a:buNone/>
-            </a:pPr>
-            <a:endParaRPr sz="1800" b="0" i="0" u="none" strike="noStrike" cap="none">
-              <a:solidFill>
-                <a:srgbClr val="000000"/>
-              </a:solidFill>
-              <a:latin typeface="Calibri"/>
-              <a:ea typeface="Calibri"/>
-              <a:cs typeface="Calibri"/>
-              <a:sym typeface="Calibri"/>
-            </a:endParaRPr>
-          </a:p>
-          <a:p>
-            <a:pPr marL="457200" marR="0" lvl="0" indent="-330200" algn="l" rtl="0">
-              <a:lnSpc>
-                <a:spcPct val="100000"/>
-              </a:lnSpc>
-              <a:spcBef>
-                <a:spcPts val="0"/>
-              </a:spcBef>
-              <a:spcAft>
-                <a:spcPts val="0"/>
-              </a:spcAft>
-              <a:buClr>
-                <a:srgbClr val="000000"/>
-              </a:buClr>
-              <a:buSzPts val="1600"/>
-              <a:buFont typeface="Calibri"/>
-              <a:buChar char="●"/>
-            </a:pPr>
-            <a:r>
-              <a:rPr lang="en" sz="1600" b="0" i="0" u="none" strike="noStrike" cap="none">
-                <a:solidFill>
-                  <a:schemeClr val="dk1"/>
-                </a:solidFill>
-                <a:latin typeface="Calibri"/>
-                <a:ea typeface="Calibri"/>
-                <a:cs typeface="Calibri"/>
-                <a:sym typeface="Calibri"/>
-              </a:rPr>
-              <a:t>40+ years of software engineering, data science, and building teams (hiring, training, and managing)</a:t>
-            </a:r>
-            <a:endParaRPr sz="1600" b="0" i="0" u="none" strike="noStrike" cap="none">
-              <a:solidFill>
-                <a:schemeClr val="dk1"/>
-              </a:solidFill>
-              <a:latin typeface="Calibri"/>
-              <a:ea typeface="Calibri"/>
-              <a:cs typeface="Calibri"/>
-              <a:sym typeface="Calibri"/>
-            </a:endParaRPr>
-          </a:p>
-          <a:p>
-            <a:pPr marL="457200" marR="0" lvl="0" indent="-330200" algn="l" rtl="0">
-              <a:lnSpc>
-                <a:spcPct val="100000"/>
-              </a:lnSpc>
-              <a:spcBef>
-                <a:spcPts val="0"/>
-              </a:spcBef>
-              <a:spcAft>
-                <a:spcPts val="0"/>
-              </a:spcAft>
-              <a:buClr>
-                <a:srgbClr val="000000"/>
-              </a:buClr>
-              <a:buSzPts val="1600"/>
-              <a:buFont typeface="Calibri"/>
-              <a:buChar char="●"/>
-            </a:pPr>
-            <a:r>
-              <a:rPr lang="en" sz="1600" b="0" i="0" u="none" strike="noStrike" cap="none">
-                <a:solidFill>
-                  <a:schemeClr val="dk1"/>
-                </a:solidFill>
-                <a:latin typeface="Calibri"/>
-                <a:ea typeface="Calibri"/>
-                <a:cs typeface="Calibri"/>
-                <a:sym typeface="Calibri"/>
-              </a:rPr>
-              <a:t>Ph.D. in mathematical modeling and computer simulations</a:t>
-            </a:r>
-            <a:endParaRPr sz="1600" b="0" i="0" u="none" strike="noStrike" cap="none">
-              <a:solidFill>
-                <a:srgbClr val="000000"/>
-              </a:solidFill>
-              <a:latin typeface="Calibri"/>
-              <a:ea typeface="Calibri"/>
-              <a:cs typeface="Calibri"/>
-              <a:sym typeface="Calibri"/>
-            </a:endParaRPr>
-          </a:p>
-          <a:p>
-            <a:pPr marL="0" marR="0" lvl="0" indent="0" algn="l" rtl="0">
-              <a:lnSpc>
-                <a:spcPct val="100000"/>
-              </a:lnSpc>
-              <a:spcBef>
-                <a:spcPts val="0"/>
-              </a:spcBef>
-              <a:spcAft>
-                <a:spcPts val="0"/>
-              </a:spcAft>
-              <a:buClr>
-                <a:schemeClr val="dk1"/>
-              </a:buClr>
-              <a:buSzPts val="1100"/>
-              <a:buFont typeface="Arial"/>
-              <a:buNone/>
-            </a:pPr>
-            <a:endParaRPr sz="1600" b="0" i="0" u="none" strike="noStrike" cap="none">
-              <a:solidFill>
-                <a:srgbClr val="000000"/>
-              </a:solidFill>
-              <a:latin typeface="Calibri"/>
-              <a:ea typeface="Calibri"/>
-              <a:cs typeface="Calibri"/>
-              <a:sym typeface="Calibri"/>
-            </a:endParaRPr>
-          </a:p>
-          <a:p>
-            <a:pPr marL="0" marR="0" lvl="0" indent="0" algn="l" rtl="0">
-              <a:lnSpc>
-                <a:spcPct val="100000"/>
-              </a:lnSpc>
-              <a:spcBef>
-                <a:spcPts val="0"/>
-              </a:spcBef>
-              <a:spcAft>
-                <a:spcPts val="0"/>
-              </a:spcAft>
-              <a:buClr>
-                <a:srgbClr val="000000"/>
-              </a:buClr>
-              <a:buSzPts val="1600"/>
-              <a:buFont typeface="Arial"/>
-              <a:buNone/>
-            </a:pPr>
-            <a:r>
-              <a:rPr lang="en" sz="1600" b="0" i="0" u="none" strike="noStrike" cap="none">
-                <a:solidFill>
-                  <a:srgbClr val="000000"/>
-                </a:solidFill>
-                <a:latin typeface="Calibri"/>
-                <a:ea typeface="Calibri"/>
-                <a:cs typeface="Calibri"/>
-                <a:sym typeface="Calibri"/>
-              </a:rPr>
-              <a:t>Interests: </a:t>
-            </a:r>
-            <a:endParaRPr sz="1600" b="0" i="0" u="none" strike="noStrike" cap="none">
-              <a:solidFill>
-                <a:srgbClr val="000000"/>
-              </a:solidFill>
-              <a:latin typeface="Calibri"/>
-              <a:ea typeface="Calibri"/>
-              <a:cs typeface="Calibri"/>
-              <a:sym typeface="Calibri"/>
-            </a:endParaRPr>
-          </a:p>
-          <a:p>
-            <a:pPr marL="457200" marR="0" lvl="0" indent="-330200" algn="l" rtl="0">
-              <a:lnSpc>
-                <a:spcPct val="100000"/>
-              </a:lnSpc>
-              <a:spcBef>
-                <a:spcPts val="0"/>
-              </a:spcBef>
-              <a:spcAft>
-                <a:spcPts val="0"/>
-              </a:spcAft>
-              <a:buClr>
-                <a:srgbClr val="000000"/>
-              </a:buClr>
-              <a:buSzPts val="1600"/>
-              <a:buFont typeface="Calibri"/>
-              <a:buChar char="●"/>
-            </a:pPr>
-            <a:r>
-              <a:rPr lang="en" sz="1600" b="0" i="0" u="none" strike="noStrike" cap="none">
-                <a:solidFill>
-                  <a:schemeClr val="dk1"/>
-                </a:solidFill>
-                <a:latin typeface="Calibri"/>
-                <a:ea typeface="Calibri"/>
-                <a:cs typeface="Calibri"/>
-                <a:sym typeface="Calibri"/>
-              </a:rPr>
-              <a:t>Generative AI, Using LLM with your data</a:t>
-            </a:r>
-            <a:endParaRPr sz="1600" b="0" i="0" u="none" strike="noStrike" cap="none">
-              <a:solidFill>
-                <a:schemeClr val="dk1"/>
-              </a:solidFill>
-              <a:latin typeface="Calibri"/>
-              <a:ea typeface="Calibri"/>
-              <a:cs typeface="Calibri"/>
-              <a:sym typeface="Calibri"/>
-            </a:endParaRPr>
-          </a:p>
-          <a:p>
-            <a:pPr marL="457200" marR="0" lvl="0" indent="-330200" algn="l" rtl="0">
-              <a:lnSpc>
-                <a:spcPct val="100000"/>
-              </a:lnSpc>
-              <a:spcBef>
-                <a:spcPts val="0"/>
-              </a:spcBef>
-              <a:spcAft>
-                <a:spcPts val="0"/>
-              </a:spcAft>
-              <a:buClr>
-                <a:schemeClr val="dk1"/>
-              </a:buClr>
-              <a:buSzPts val="1600"/>
-              <a:buFont typeface="Calibri"/>
-              <a:buChar char="●"/>
-            </a:pPr>
-            <a:r>
-              <a:rPr lang="en" sz="1600" b="0" i="0" u="none" strike="noStrike" cap="none">
-                <a:solidFill>
-                  <a:schemeClr val="dk1"/>
-                </a:solidFill>
-                <a:latin typeface="Calibri"/>
-                <a:ea typeface="Calibri"/>
-                <a:cs typeface="Calibri"/>
-                <a:sym typeface="Calibri"/>
-              </a:rPr>
-              <a:t>Local AI for Local Private Data</a:t>
-            </a:r>
-            <a:endParaRPr sz="1600" b="0" i="0" u="none" strike="noStrike" cap="none">
-              <a:solidFill>
-                <a:schemeClr val="dk1"/>
-              </a:solidFill>
-              <a:latin typeface="Calibri"/>
-              <a:ea typeface="Calibri"/>
-              <a:cs typeface="Calibri"/>
-              <a:sym typeface="Calibri"/>
-            </a:endParaRPr>
-          </a:p>
-          <a:p>
-            <a:pPr marL="457200" marR="0" lvl="0" indent="-330200" algn="l" rtl="0">
-              <a:lnSpc>
-                <a:spcPct val="100000"/>
-              </a:lnSpc>
-              <a:spcBef>
-                <a:spcPts val="0"/>
-              </a:spcBef>
-              <a:spcAft>
-                <a:spcPts val="0"/>
-              </a:spcAft>
-              <a:buClr>
-                <a:srgbClr val="000000"/>
-              </a:buClr>
-              <a:buSzPts val="1600"/>
-              <a:buFont typeface="Calibri"/>
-              <a:buChar char="●"/>
-            </a:pPr>
-            <a:r>
-              <a:rPr lang="en" sz="1600" b="0" i="0" u="none" strike="noStrike" cap="none">
-                <a:solidFill>
-                  <a:srgbClr val="000000"/>
-                </a:solidFill>
-                <a:latin typeface="Calibri"/>
-                <a:ea typeface="Calibri"/>
-                <a:cs typeface="Calibri"/>
-                <a:sym typeface="Calibri"/>
-              </a:rPr>
-              <a:t>Cloud architecture, fin-tech, application security</a:t>
-            </a:r>
-            <a:endParaRPr sz="1600" b="0" i="0" u="none" strike="noStrike" cap="none">
-              <a:solidFill>
-                <a:srgbClr val="000000"/>
-              </a:solidFill>
-              <a:latin typeface="Calibri"/>
-              <a:ea typeface="Calibri"/>
-              <a:cs typeface="Calibri"/>
-              <a:sym typeface="Calibri"/>
-            </a:endParaRPr>
-          </a:p>
-          <a:p>
-            <a:pPr marL="0" marR="0" lvl="0" indent="0" algn="l" rtl="0">
-              <a:lnSpc>
-                <a:spcPct val="100000"/>
-              </a:lnSpc>
-              <a:spcBef>
-                <a:spcPts val="0"/>
-              </a:spcBef>
-              <a:spcAft>
-                <a:spcPts val="0"/>
-              </a:spcAft>
-              <a:buClr>
-                <a:srgbClr val="000000"/>
-              </a:buClr>
-              <a:buSzPts val="1600"/>
-              <a:buFont typeface="Arial"/>
-              <a:buNone/>
-            </a:pPr>
-            <a:endParaRPr sz="1600" b="0" i="0" u="none" strike="noStrike" cap="none">
-              <a:solidFill>
-                <a:srgbClr val="000000"/>
-              </a:solidFill>
-              <a:latin typeface="Calibri"/>
-              <a:ea typeface="Calibri"/>
-              <a:cs typeface="Calibri"/>
-              <a:sym typeface="Calibri"/>
-            </a:endParaRPr>
-          </a:p>
-          <a:p>
-            <a:pPr marL="0" marR="0" lvl="0" indent="0" algn="l" rtl="0">
-              <a:lnSpc>
-                <a:spcPct val="100000"/>
-              </a:lnSpc>
-              <a:spcBef>
-                <a:spcPts val="0"/>
-              </a:spcBef>
-              <a:spcAft>
-                <a:spcPts val="0"/>
-              </a:spcAft>
-              <a:buClr>
-                <a:srgbClr val="000000"/>
-              </a:buClr>
-              <a:buSzPts val="1600"/>
-              <a:buFont typeface="Arial"/>
-              <a:buNone/>
-            </a:pPr>
-            <a:r>
-              <a:rPr lang="en" sz="1600" b="0" i="0" u="none" strike="noStrike" cap="none">
-                <a:solidFill>
-                  <a:srgbClr val="000000"/>
-                </a:solidFill>
-                <a:latin typeface="Calibri"/>
-                <a:ea typeface="Calibri"/>
-                <a:cs typeface="Calibri"/>
-                <a:sym typeface="Calibri"/>
-              </a:rPr>
-              <a:t>Find/connect: Linkedin, GitHub, YouTube, Google</a:t>
-            </a:r>
-            <a:endParaRPr sz="1600" b="0" i="0" u="none" strike="noStrike" cap="none">
-              <a:solidFill>
-                <a:srgbClr val="000000"/>
-              </a:solidFill>
-              <a:latin typeface="Calibri"/>
-              <a:ea typeface="Calibri"/>
-              <a:cs typeface="Calibri"/>
-              <a:sym typeface="Calibri"/>
-            </a:endParaRPr>
-          </a:p>
-        </p:txBody>
-      </p:sp>
-      <p:pic>
-        <p:nvPicPr>
-          <p:cNvPr id="299" name="Google Shape;299;p33"/>
-          <p:cNvPicPr preferRelativeResize="0"/>
-          <p:nvPr/>
-        </p:nvPicPr>
-        <p:blipFill rotWithShape="1">
-          <a:blip r:embed="rId4" cstate="email">
-            <a:alphaModFix/>
-            <a:extLst>
-              <a:ext uri="{28A0092B-C50C-407E-A947-70E740481C1C}">
-                <a14:useLocalDpi xmlns:a14="http://schemas.microsoft.com/office/drawing/2010/main"/>
-              </a:ext>
-            </a:extLst>
-          </a:blip>
-          <a:srcRect/>
-          <a:stretch/>
-        </p:blipFill>
-        <p:spPr>
-          <a:xfrm>
-            <a:off x="1001578" y="3664175"/>
-            <a:ext cx="858450" cy="311906"/>
-          </a:xfrm>
-          <a:prstGeom prst="rect">
-            <a:avLst/>
-          </a:prstGeom>
-          <a:noFill/>
-          <a:ln>
-            <a:noFill/>
-          </a:ln>
-        </p:spPr>
-      </p:pic>
-      <p:sp>
-        <p:nvSpPr>
-          <p:cNvPr id="300" name="Google Shape;300;p33"/>
-          <p:cNvSpPr txBox="1"/>
-          <p:nvPr/>
-        </p:nvSpPr>
-        <p:spPr>
-          <a:xfrm>
-            <a:off x="735103" y="4005903"/>
-            <a:ext cx="1391400" cy="431100"/>
-          </a:xfrm>
-          <a:prstGeom prst="rect">
-            <a:avLst/>
-          </a:prstGeom>
-          <a:noFill/>
-          <a:ln>
-            <a:noFill/>
-          </a:ln>
-        </p:spPr>
-        <p:txBody>
-          <a:bodyPr spcFirstLastPara="1" wrap="square" lIns="91425" tIns="91425" rIns="91425" bIns="91425" anchor="t" anchorCtr="0">
-            <a:spAutoFit/>
-          </a:bodyPr>
-          <a:lstStyle/>
-          <a:p>
-            <a:pPr marL="0" marR="0" lvl="0" indent="0" algn="l" rtl="0">
-              <a:lnSpc>
-                <a:spcPct val="100000"/>
-              </a:lnSpc>
-              <a:spcBef>
-                <a:spcPts val="0"/>
-              </a:spcBef>
-              <a:spcAft>
-                <a:spcPts val="0"/>
-              </a:spcAft>
-              <a:buClr>
-                <a:srgbClr val="000000"/>
-              </a:buClr>
-              <a:buSzPts val="1600"/>
-              <a:buFont typeface="Arial"/>
-              <a:buNone/>
-            </a:pPr>
-            <a:r>
-              <a:rPr lang="en" sz="1600" b="0" i="0" u="sng" strike="noStrike" cap="none">
-                <a:solidFill>
-                  <a:schemeClr val="hlink"/>
-                </a:solidFill>
-                <a:latin typeface="Calibri"/>
-                <a:ea typeface="Calibri"/>
-                <a:cs typeface="Calibri"/>
-                <a:sym typeface="Calibri"/>
-                <a:hlinkClick r:id="rId5"/>
-              </a:rPr>
-              <a:t>https://eais.ai</a:t>
-            </a:r>
-            <a:r>
-              <a:rPr lang="en" sz="1600" b="0" i="0" u="none" strike="noStrike" cap="none">
-                <a:solidFill>
-                  <a:srgbClr val="000000"/>
-                </a:solidFill>
-                <a:latin typeface="Calibri"/>
-                <a:ea typeface="Calibri"/>
-                <a:cs typeface="Calibri"/>
-                <a:sym typeface="Calibri"/>
-              </a:rPr>
-              <a:t> </a:t>
-            </a:r>
-            <a:endParaRPr sz="1600" b="0" i="0" u="none" strike="noStrike" cap="none">
-              <a:solidFill>
-                <a:srgbClr val="000000"/>
-              </a:solidFill>
-              <a:latin typeface="Calibri"/>
-              <a:ea typeface="Calibri"/>
-              <a:cs typeface="Calibri"/>
-              <a:sym typeface="Calibri"/>
-            </a:endParaRPr>
-          </a:p>
-        </p:txBody>
-      </p:sp>
-      <p:sp>
-        <p:nvSpPr>
-          <p:cNvPr id="301" name="Google Shape;301;p33"/>
-          <p:cNvSpPr txBox="1"/>
-          <p:nvPr/>
-        </p:nvSpPr>
-        <p:spPr>
-          <a:xfrm>
-            <a:off x="383803" y="4360974"/>
-            <a:ext cx="2094000" cy="431100"/>
-          </a:xfrm>
-          <a:prstGeom prst="rect">
-            <a:avLst/>
-          </a:prstGeom>
-          <a:noFill/>
-          <a:ln>
-            <a:noFill/>
-          </a:ln>
-        </p:spPr>
-        <p:txBody>
-          <a:bodyPr spcFirstLastPara="1" wrap="square" lIns="91425" tIns="91425" rIns="91425" bIns="91425" anchor="t" anchorCtr="0">
-            <a:spAutoFit/>
-          </a:bodyPr>
-          <a:lstStyle/>
-          <a:p>
-            <a:pPr marL="0" marR="0" lvl="0" indent="0" algn="ctr" rtl="0">
-              <a:lnSpc>
-                <a:spcPct val="100000"/>
-              </a:lnSpc>
-              <a:spcBef>
-                <a:spcPts val="0"/>
-              </a:spcBef>
-              <a:spcAft>
-                <a:spcPts val="0"/>
-              </a:spcAft>
-              <a:buClr>
-                <a:schemeClr val="dk1"/>
-              </a:buClr>
-              <a:buSzPts val="1100"/>
-              <a:buFont typeface="Arial"/>
-              <a:buNone/>
-            </a:pPr>
-            <a:r>
-              <a:rPr lang="en" sz="1600" b="0" i="0" u="none" strike="noStrike" cap="none">
-                <a:solidFill>
-                  <a:srgbClr val="000000"/>
-                </a:solidFill>
-                <a:latin typeface="Calibri"/>
-                <a:ea typeface="Calibri"/>
-                <a:cs typeface="Calibri"/>
-                <a:sym typeface="Calibri"/>
-              </a:rPr>
-              <a:t>Enterprise AI Systems</a:t>
-            </a:r>
-            <a:endParaRPr sz="1600" b="0" i="0" u="none" strike="noStrike" cap="none">
-              <a:solidFill>
-                <a:srgbClr val="000000"/>
-              </a:solidFill>
-              <a:latin typeface="Calibri"/>
-              <a:ea typeface="Calibri"/>
-              <a:cs typeface="Calibri"/>
-              <a:sym typeface="Calibri"/>
-            </a:endParaRPr>
-          </a:p>
-        </p:txBody>
-      </p:sp>
     </p:spTree>
   </p:cSld>
   <p:clrMapOvr>
@@ -29530,7 +29905,7 @@
             <a:tbl>
               <a:tblPr>
                 <a:noFill/>
-                <a:tableStyleId>{90D01C8F-86ED-436A-A900-1001DDC052BF}</a:tableStyleId>
+                <a:tableStyleId>{AC975060-6899-439A-AFC3-AF44323A8041}</a:tableStyleId>
               </a:tblPr>
               <a:tblGrid>
                 <a:gridCol w="1828800">
@@ -33998,7 +34373,7 @@
             <a:tbl>
               <a:tblPr>
                 <a:noFill/>
-                <a:tableStyleId>{90D01C8F-86ED-436A-A900-1001DDC052BF}</a:tableStyleId>
+                <a:tableStyleId>{AC975060-6899-439A-AFC3-AF44323A8041}</a:tableStyleId>
               </a:tblPr>
               <a:tblGrid>
                 <a:gridCol w="1828800">
@@ -38728,7 +39103,737 @@
   <p:cSld>
     <p:spTree>
       <p:nvGrpSpPr>
-        <p:cNvPr id="1" name="Shape 305"/>
+        <p:cNvPr id="1" name="Shape 304"/>
+        <p:cNvGrpSpPr/>
+        <p:nvPr/>
+      </p:nvGrpSpPr>
+      <p:grpSpPr>
+        <a:xfrm>
+          <a:off x="0" y="0"/>
+          <a:ext cx="0" cy="0"/>
+          <a:chOff x="0" y="0"/>
+          <a:chExt cx="0" cy="0"/>
+        </a:xfrm>
+      </p:grpSpPr>
+      <p:pic>
+        <p:nvPicPr>
+          <p:cNvPr id="305" name="Google Shape;305;p34"/>
+          <p:cNvPicPr preferRelativeResize="0"/>
+          <p:nvPr/>
+        </p:nvPicPr>
+        <p:blipFill rotWithShape="1">
+          <a:blip r:embed="rId3" cstate="email">
+            <a:alphaModFix/>
+            <a:extLst>
+              <a:ext uri="{28A0092B-C50C-407E-A947-70E740481C1C}">
+                <a14:useLocalDpi xmlns:a14="http://schemas.microsoft.com/office/drawing/2010/main"/>
+              </a:ext>
+            </a:extLst>
+          </a:blip>
+          <a:srcRect/>
+          <a:stretch/>
+        </p:blipFill>
+        <p:spPr>
+          <a:xfrm>
+            <a:off x="645525" y="1203525"/>
+            <a:ext cx="1570556" cy="1570556"/>
+          </a:xfrm>
+          <a:prstGeom prst="rect">
+            <a:avLst/>
+          </a:prstGeom>
+          <a:noFill/>
+          <a:ln>
+            <a:noFill/>
+          </a:ln>
+        </p:spPr>
+      </p:pic>
+      <p:sp>
+        <p:nvSpPr>
+          <p:cNvPr id="306" name="Google Shape;306;p34"/>
+          <p:cNvSpPr txBox="1"/>
+          <p:nvPr/>
+        </p:nvSpPr>
+        <p:spPr>
+          <a:xfrm>
+            <a:off x="-25625" y="-14775"/>
+            <a:ext cx="3355800" cy="569400"/>
+          </a:xfrm>
+          <a:prstGeom prst="rect">
+            <a:avLst/>
+          </a:prstGeom>
+          <a:noFill/>
+          <a:ln>
+            <a:noFill/>
+          </a:ln>
+        </p:spPr>
+        <p:txBody>
+          <a:bodyPr spcFirstLastPara="1" wrap="square" lIns="91425" tIns="91425" rIns="91425" bIns="91425" anchor="t" anchorCtr="0">
+            <a:spAutoFit/>
+          </a:bodyPr>
+          <a:lstStyle/>
+          <a:p>
+            <a:pPr marL="0" marR="0" lvl="0" indent="0" algn="l" rtl="0">
+              <a:lnSpc>
+                <a:spcPct val="100000"/>
+              </a:lnSpc>
+              <a:spcBef>
+                <a:spcPts val="0"/>
+              </a:spcBef>
+              <a:spcAft>
+                <a:spcPts val="0"/>
+              </a:spcAft>
+              <a:buClr>
+                <a:srgbClr val="000000"/>
+              </a:buClr>
+              <a:buSzPts val="2500"/>
+              <a:buFont typeface="Arial"/>
+              <a:buNone/>
+            </a:pPr>
+            <a:r>
+              <a:rPr lang="en" sz="2500" b="1" i="0" u="none" strike="noStrike" cap="none">
+                <a:solidFill>
+                  <a:srgbClr val="000000"/>
+                </a:solidFill>
+                <a:latin typeface="Calibri"/>
+                <a:ea typeface="Calibri"/>
+                <a:cs typeface="Calibri"/>
+                <a:sym typeface="Calibri"/>
+              </a:rPr>
+              <a:t>About the Speaker</a:t>
+            </a:r>
+            <a:endParaRPr sz="2500" b="1" i="0" u="none" strike="noStrike" cap="none">
+              <a:solidFill>
+                <a:srgbClr val="000000"/>
+              </a:solidFill>
+              <a:latin typeface="Calibri"/>
+              <a:ea typeface="Calibri"/>
+              <a:cs typeface="Calibri"/>
+              <a:sym typeface="Calibri"/>
+            </a:endParaRPr>
+          </a:p>
+        </p:txBody>
+      </p:sp>
+      <p:sp>
+        <p:nvSpPr>
+          <p:cNvPr id="307" name="Google Shape;307;p34"/>
+          <p:cNvSpPr txBox="1"/>
+          <p:nvPr/>
+        </p:nvSpPr>
+        <p:spPr>
+          <a:xfrm>
+            <a:off x="3330175" y="878750"/>
+            <a:ext cx="5621700" cy="3309300"/>
+          </a:xfrm>
+          <a:prstGeom prst="rect">
+            <a:avLst/>
+          </a:prstGeom>
+          <a:noFill/>
+          <a:ln>
+            <a:noFill/>
+          </a:ln>
+        </p:spPr>
+        <p:txBody>
+          <a:bodyPr spcFirstLastPara="1" wrap="square" lIns="91425" tIns="91425" rIns="91425" bIns="91425" anchor="t" anchorCtr="0">
+            <a:spAutoFit/>
+          </a:bodyPr>
+          <a:lstStyle/>
+          <a:p>
+            <a:pPr marL="0" marR="0" lvl="0" indent="0" algn="l" rtl="0">
+              <a:lnSpc>
+                <a:spcPct val="100000"/>
+              </a:lnSpc>
+              <a:spcBef>
+                <a:spcPts val="0"/>
+              </a:spcBef>
+              <a:spcAft>
+                <a:spcPts val="0"/>
+              </a:spcAft>
+              <a:buClr>
+                <a:schemeClr val="dk1"/>
+              </a:buClr>
+              <a:buSzPts val="1100"/>
+              <a:buFont typeface="Arial"/>
+              <a:buNone/>
+            </a:pPr>
+            <a:r>
+              <a:rPr lang="en" sz="2500" b="1" i="0" u="none" strike="noStrike" cap="none">
+                <a:solidFill>
+                  <a:srgbClr val="000000"/>
+                </a:solidFill>
+                <a:latin typeface="Calibri"/>
+                <a:ea typeface="Calibri"/>
+                <a:cs typeface="Calibri"/>
+                <a:sym typeface="Calibri"/>
+              </a:rPr>
+              <a:t>Lev Selector, Ph.D.</a:t>
+            </a:r>
+            <a:endParaRPr sz="2500" b="1" i="0" u="none" strike="noStrike" cap="none">
+              <a:solidFill>
+                <a:srgbClr val="000000"/>
+              </a:solidFill>
+              <a:latin typeface="Calibri"/>
+              <a:ea typeface="Calibri"/>
+              <a:cs typeface="Calibri"/>
+              <a:sym typeface="Calibri"/>
+            </a:endParaRPr>
+          </a:p>
+          <a:p>
+            <a:pPr marL="0" marR="0" lvl="0" indent="0" algn="l" rtl="0">
+              <a:lnSpc>
+                <a:spcPct val="100000"/>
+              </a:lnSpc>
+              <a:spcBef>
+                <a:spcPts val="0"/>
+              </a:spcBef>
+              <a:spcAft>
+                <a:spcPts val="0"/>
+              </a:spcAft>
+              <a:buClr>
+                <a:schemeClr val="dk1"/>
+              </a:buClr>
+              <a:buSzPts val="1100"/>
+              <a:buFont typeface="Arial"/>
+              <a:buNone/>
+            </a:pPr>
+            <a:endParaRPr sz="1800" b="0" i="0" u="none" strike="noStrike" cap="none">
+              <a:solidFill>
+                <a:srgbClr val="000000"/>
+              </a:solidFill>
+              <a:latin typeface="Calibri"/>
+              <a:ea typeface="Calibri"/>
+              <a:cs typeface="Calibri"/>
+              <a:sym typeface="Calibri"/>
+            </a:endParaRPr>
+          </a:p>
+          <a:p>
+            <a:pPr marL="457200" marR="0" lvl="0" indent="-330200" algn="l" rtl="0">
+              <a:lnSpc>
+                <a:spcPct val="100000"/>
+              </a:lnSpc>
+              <a:spcBef>
+                <a:spcPts val="0"/>
+              </a:spcBef>
+              <a:spcAft>
+                <a:spcPts val="0"/>
+              </a:spcAft>
+              <a:buClr>
+                <a:srgbClr val="000000"/>
+              </a:buClr>
+              <a:buSzPts val="1600"/>
+              <a:buFont typeface="Calibri"/>
+              <a:buChar char="●"/>
+            </a:pPr>
+            <a:r>
+              <a:rPr lang="en" sz="1600" b="0" i="0" u="none" strike="noStrike" cap="none">
+                <a:solidFill>
+                  <a:schemeClr val="dk1"/>
+                </a:solidFill>
+                <a:latin typeface="Calibri"/>
+                <a:ea typeface="Calibri"/>
+                <a:cs typeface="Calibri"/>
+                <a:sym typeface="Calibri"/>
+              </a:rPr>
+              <a:t>40+ years of software engineering, data science, and building teams (hiring, training, and managing)</a:t>
+            </a:r>
+            <a:endParaRPr sz="1600" b="0" i="0" u="none" strike="noStrike" cap="none">
+              <a:solidFill>
+                <a:schemeClr val="dk1"/>
+              </a:solidFill>
+              <a:latin typeface="Calibri"/>
+              <a:ea typeface="Calibri"/>
+              <a:cs typeface="Calibri"/>
+              <a:sym typeface="Calibri"/>
+            </a:endParaRPr>
+          </a:p>
+          <a:p>
+            <a:pPr marL="457200" marR="0" lvl="0" indent="-330200" algn="l" rtl="0">
+              <a:lnSpc>
+                <a:spcPct val="100000"/>
+              </a:lnSpc>
+              <a:spcBef>
+                <a:spcPts val="0"/>
+              </a:spcBef>
+              <a:spcAft>
+                <a:spcPts val="0"/>
+              </a:spcAft>
+              <a:buClr>
+                <a:srgbClr val="000000"/>
+              </a:buClr>
+              <a:buSzPts val="1600"/>
+              <a:buFont typeface="Calibri"/>
+              <a:buChar char="●"/>
+            </a:pPr>
+            <a:r>
+              <a:rPr lang="en" sz="1600" b="0" i="0" u="none" strike="noStrike" cap="none">
+                <a:solidFill>
+                  <a:schemeClr val="dk1"/>
+                </a:solidFill>
+                <a:latin typeface="Calibri"/>
+                <a:ea typeface="Calibri"/>
+                <a:cs typeface="Calibri"/>
+                <a:sym typeface="Calibri"/>
+              </a:rPr>
+              <a:t>Ph.D. in mathematical modeling and computer simulations</a:t>
+            </a:r>
+            <a:endParaRPr sz="1600" b="0" i="0" u="none" strike="noStrike" cap="none">
+              <a:solidFill>
+                <a:srgbClr val="000000"/>
+              </a:solidFill>
+              <a:latin typeface="Calibri"/>
+              <a:ea typeface="Calibri"/>
+              <a:cs typeface="Calibri"/>
+              <a:sym typeface="Calibri"/>
+            </a:endParaRPr>
+          </a:p>
+          <a:p>
+            <a:pPr marL="0" marR="0" lvl="0" indent="0" algn="l" rtl="0">
+              <a:lnSpc>
+                <a:spcPct val="100000"/>
+              </a:lnSpc>
+              <a:spcBef>
+                <a:spcPts val="0"/>
+              </a:spcBef>
+              <a:spcAft>
+                <a:spcPts val="0"/>
+              </a:spcAft>
+              <a:buClr>
+                <a:schemeClr val="dk1"/>
+              </a:buClr>
+              <a:buSzPts val="1100"/>
+              <a:buFont typeface="Arial"/>
+              <a:buNone/>
+            </a:pPr>
+            <a:endParaRPr sz="1600" b="0" i="0" u="none" strike="noStrike" cap="none">
+              <a:solidFill>
+                <a:srgbClr val="000000"/>
+              </a:solidFill>
+              <a:latin typeface="Calibri"/>
+              <a:ea typeface="Calibri"/>
+              <a:cs typeface="Calibri"/>
+              <a:sym typeface="Calibri"/>
+            </a:endParaRPr>
+          </a:p>
+          <a:p>
+            <a:pPr marL="0" marR="0" lvl="0" indent="0" algn="l" rtl="0">
+              <a:lnSpc>
+                <a:spcPct val="100000"/>
+              </a:lnSpc>
+              <a:spcBef>
+                <a:spcPts val="0"/>
+              </a:spcBef>
+              <a:spcAft>
+                <a:spcPts val="0"/>
+              </a:spcAft>
+              <a:buClr>
+                <a:srgbClr val="000000"/>
+              </a:buClr>
+              <a:buSzPts val="1600"/>
+              <a:buFont typeface="Arial"/>
+              <a:buNone/>
+            </a:pPr>
+            <a:r>
+              <a:rPr lang="en" sz="1600" b="0" i="0" u="none" strike="noStrike" cap="none">
+                <a:solidFill>
+                  <a:srgbClr val="000000"/>
+                </a:solidFill>
+                <a:latin typeface="Calibri"/>
+                <a:ea typeface="Calibri"/>
+                <a:cs typeface="Calibri"/>
+                <a:sym typeface="Calibri"/>
+              </a:rPr>
+              <a:t>Interests: </a:t>
+            </a:r>
+            <a:endParaRPr sz="1600" b="0" i="0" u="none" strike="noStrike" cap="none">
+              <a:solidFill>
+                <a:srgbClr val="000000"/>
+              </a:solidFill>
+              <a:latin typeface="Calibri"/>
+              <a:ea typeface="Calibri"/>
+              <a:cs typeface="Calibri"/>
+              <a:sym typeface="Calibri"/>
+            </a:endParaRPr>
+          </a:p>
+          <a:p>
+            <a:pPr marL="457200" marR="0" lvl="0" indent="-330200" algn="l" rtl="0">
+              <a:lnSpc>
+                <a:spcPct val="100000"/>
+              </a:lnSpc>
+              <a:spcBef>
+                <a:spcPts val="0"/>
+              </a:spcBef>
+              <a:spcAft>
+                <a:spcPts val="0"/>
+              </a:spcAft>
+              <a:buClr>
+                <a:srgbClr val="000000"/>
+              </a:buClr>
+              <a:buSzPts val="1600"/>
+              <a:buFont typeface="Calibri"/>
+              <a:buChar char="●"/>
+            </a:pPr>
+            <a:r>
+              <a:rPr lang="en" sz="1600" b="0" i="0" u="none" strike="noStrike" cap="none">
+                <a:solidFill>
+                  <a:schemeClr val="dk1"/>
+                </a:solidFill>
+                <a:latin typeface="Calibri"/>
+                <a:ea typeface="Calibri"/>
+                <a:cs typeface="Calibri"/>
+                <a:sym typeface="Calibri"/>
+              </a:rPr>
+              <a:t>Generative AI, Using LLM with your data</a:t>
+            </a:r>
+            <a:endParaRPr sz="1600" b="0" i="0" u="none" strike="noStrike" cap="none">
+              <a:solidFill>
+                <a:schemeClr val="dk1"/>
+              </a:solidFill>
+              <a:latin typeface="Calibri"/>
+              <a:ea typeface="Calibri"/>
+              <a:cs typeface="Calibri"/>
+              <a:sym typeface="Calibri"/>
+            </a:endParaRPr>
+          </a:p>
+          <a:p>
+            <a:pPr marL="457200" marR="0" lvl="0" indent="-330200" algn="l" rtl="0">
+              <a:lnSpc>
+                <a:spcPct val="100000"/>
+              </a:lnSpc>
+              <a:spcBef>
+                <a:spcPts val="0"/>
+              </a:spcBef>
+              <a:spcAft>
+                <a:spcPts val="0"/>
+              </a:spcAft>
+              <a:buClr>
+                <a:schemeClr val="dk1"/>
+              </a:buClr>
+              <a:buSzPts val="1600"/>
+              <a:buFont typeface="Calibri"/>
+              <a:buChar char="●"/>
+            </a:pPr>
+            <a:r>
+              <a:rPr lang="en" sz="1600" b="0" i="0" u="none" strike="noStrike" cap="none">
+                <a:solidFill>
+                  <a:schemeClr val="dk1"/>
+                </a:solidFill>
+                <a:latin typeface="Calibri"/>
+                <a:ea typeface="Calibri"/>
+                <a:cs typeface="Calibri"/>
+                <a:sym typeface="Calibri"/>
+              </a:rPr>
+              <a:t>Local AI for Local Private Data</a:t>
+            </a:r>
+            <a:endParaRPr sz="1600" b="0" i="0" u="none" strike="noStrike" cap="none">
+              <a:solidFill>
+                <a:schemeClr val="dk1"/>
+              </a:solidFill>
+              <a:latin typeface="Calibri"/>
+              <a:ea typeface="Calibri"/>
+              <a:cs typeface="Calibri"/>
+              <a:sym typeface="Calibri"/>
+            </a:endParaRPr>
+          </a:p>
+          <a:p>
+            <a:pPr marL="457200" marR="0" lvl="0" indent="-330200" algn="l" rtl="0">
+              <a:lnSpc>
+                <a:spcPct val="100000"/>
+              </a:lnSpc>
+              <a:spcBef>
+                <a:spcPts val="0"/>
+              </a:spcBef>
+              <a:spcAft>
+                <a:spcPts val="0"/>
+              </a:spcAft>
+              <a:buClr>
+                <a:srgbClr val="000000"/>
+              </a:buClr>
+              <a:buSzPts val="1600"/>
+              <a:buFont typeface="Calibri"/>
+              <a:buChar char="●"/>
+            </a:pPr>
+            <a:r>
+              <a:rPr lang="en" sz="1600" b="0" i="0" u="none" strike="noStrike" cap="none">
+                <a:solidFill>
+                  <a:srgbClr val="000000"/>
+                </a:solidFill>
+                <a:latin typeface="Calibri"/>
+                <a:ea typeface="Calibri"/>
+                <a:cs typeface="Calibri"/>
+                <a:sym typeface="Calibri"/>
+              </a:rPr>
+              <a:t>Cloud architecture, fin-tech, application security</a:t>
+            </a:r>
+            <a:endParaRPr sz="1600" b="0" i="0" u="none" strike="noStrike" cap="none">
+              <a:solidFill>
+                <a:srgbClr val="000000"/>
+              </a:solidFill>
+              <a:latin typeface="Calibri"/>
+              <a:ea typeface="Calibri"/>
+              <a:cs typeface="Calibri"/>
+              <a:sym typeface="Calibri"/>
+            </a:endParaRPr>
+          </a:p>
+          <a:p>
+            <a:pPr marL="0" marR="0" lvl="0" indent="0" algn="l" rtl="0">
+              <a:lnSpc>
+                <a:spcPct val="100000"/>
+              </a:lnSpc>
+              <a:spcBef>
+                <a:spcPts val="0"/>
+              </a:spcBef>
+              <a:spcAft>
+                <a:spcPts val="0"/>
+              </a:spcAft>
+              <a:buClr>
+                <a:srgbClr val="000000"/>
+              </a:buClr>
+              <a:buSzPts val="1600"/>
+              <a:buFont typeface="Arial"/>
+              <a:buNone/>
+            </a:pPr>
+            <a:endParaRPr sz="1600" b="0" i="0" u="none" strike="noStrike" cap="none">
+              <a:solidFill>
+                <a:srgbClr val="000000"/>
+              </a:solidFill>
+              <a:latin typeface="Calibri"/>
+              <a:ea typeface="Calibri"/>
+              <a:cs typeface="Calibri"/>
+              <a:sym typeface="Calibri"/>
+            </a:endParaRPr>
+          </a:p>
+          <a:p>
+            <a:pPr marL="0" marR="0" lvl="0" indent="0" algn="l" rtl="0">
+              <a:lnSpc>
+                <a:spcPct val="100000"/>
+              </a:lnSpc>
+              <a:spcBef>
+                <a:spcPts val="0"/>
+              </a:spcBef>
+              <a:spcAft>
+                <a:spcPts val="0"/>
+              </a:spcAft>
+              <a:buClr>
+                <a:srgbClr val="000000"/>
+              </a:buClr>
+              <a:buSzPts val="1600"/>
+              <a:buFont typeface="Arial"/>
+              <a:buNone/>
+            </a:pPr>
+            <a:r>
+              <a:rPr lang="en" sz="1600" b="0" i="0" u="none" strike="noStrike" cap="none">
+                <a:solidFill>
+                  <a:srgbClr val="000000"/>
+                </a:solidFill>
+                <a:latin typeface="Calibri"/>
+                <a:ea typeface="Calibri"/>
+                <a:cs typeface="Calibri"/>
+                <a:sym typeface="Calibri"/>
+              </a:rPr>
+              <a:t>Find/connect: Linkedin, GitHub, YouTube, Google</a:t>
+            </a:r>
+            <a:endParaRPr sz="1600" b="0" i="0" u="none" strike="noStrike" cap="none">
+              <a:solidFill>
+                <a:srgbClr val="000000"/>
+              </a:solidFill>
+              <a:latin typeface="Calibri"/>
+              <a:ea typeface="Calibri"/>
+              <a:cs typeface="Calibri"/>
+              <a:sym typeface="Calibri"/>
+            </a:endParaRPr>
+          </a:p>
+        </p:txBody>
+      </p:sp>
+      <p:pic>
+        <p:nvPicPr>
+          <p:cNvPr id="308" name="Google Shape;308;p34"/>
+          <p:cNvPicPr preferRelativeResize="0"/>
+          <p:nvPr/>
+        </p:nvPicPr>
+        <p:blipFill rotWithShape="1">
+          <a:blip r:embed="rId4" cstate="email">
+            <a:alphaModFix/>
+            <a:extLst>
+              <a:ext uri="{28A0092B-C50C-407E-A947-70E740481C1C}">
+                <a14:useLocalDpi xmlns:a14="http://schemas.microsoft.com/office/drawing/2010/main"/>
+              </a:ext>
+            </a:extLst>
+          </a:blip>
+          <a:srcRect/>
+          <a:stretch/>
+        </p:blipFill>
+        <p:spPr>
+          <a:xfrm>
+            <a:off x="1001578" y="3664175"/>
+            <a:ext cx="858450" cy="311906"/>
+          </a:xfrm>
+          <a:prstGeom prst="rect">
+            <a:avLst/>
+          </a:prstGeom>
+          <a:noFill/>
+          <a:ln>
+            <a:noFill/>
+          </a:ln>
+        </p:spPr>
+      </p:pic>
+      <p:sp>
+        <p:nvSpPr>
+          <p:cNvPr id="309" name="Google Shape;309;p34"/>
+          <p:cNvSpPr txBox="1"/>
+          <p:nvPr/>
+        </p:nvSpPr>
+        <p:spPr>
+          <a:xfrm>
+            <a:off x="735103" y="4005903"/>
+            <a:ext cx="1391400" cy="431100"/>
+          </a:xfrm>
+          <a:prstGeom prst="rect">
+            <a:avLst/>
+          </a:prstGeom>
+          <a:noFill/>
+          <a:ln>
+            <a:noFill/>
+          </a:ln>
+        </p:spPr>
+        <p:txBody>
+          <a:bodyPr spcFirstLastPara="1" wrap="square" lIns="91425" tIns="91425" rIns="91425" bIns="91425" anchor="t" anchorCtr="0">
+            <a:spAutoFit/>
+          </a:bodyPr>
+          <a:lstStyle/>
+          <a:p>
+            <a:pPr marL="0" marR="0" lvl="0" indent="0" algn="l" rtl="0">
+              <a:lnSpc>
+                <a:spcPct val="100000"/>
+              </a:lnSpc>
+              <a:spcBef>
+                <a:spcPts val="0"/>
+              </a:spcBef>
+              <a:spcAft>
+                <a:spcPts val="0"/>
+              </a:spcAft>
+              <a:buClr>
+                <a:srgbClr val="000000"/>
+              </a:buClr>
+              <a:buSzPts val="1600"/>
+              <a:buFont typeface="Arial"/>
+              <a:buNone/>
+            </a:pPr>
+            <a:r>
+              <a:rPr lang="en" sz="1600" b="0" i="0" u="sng" strike="noStrike" cap="none">
+                <a:solidFill>
+                  <a:schemeClr val="hlink"/>
+                </a:solidFill>
+                <a:latin typeface="Calibri"/>
+                <a:ea typeface="Calibri"/>
+                <a:cs typeface="Calibri"/>
+                <a:sym typeface="Calibri"/>
+                <a:hlinkClick r:id="rId5"/>
+              </a:rPr>
+              <a:t>https://eais.ai</a:t>
+            </a:r>
+            <a:r>
+              <a:rPr lang="en" sz="1600" b="0" i="0" u="none" strike="noStrike" cap="none">
+                <a:solidFill>
+                  <a:srgbClr val="000000"/>
+                </a:solidFill>
+                <a:latin typeface="Calibri"/>
+                <a:ea typeface="Calibri"/>
+                <a:cs typeface="Calibri"/>
+                <a:sym typeface="Calibri"/>
+              </a:rPr>
+              <a:t> </a:t>
+            </a:r>
+            <a:endParaRPr sz="1600" b="0" i="0" u="none" strike="noStrike" cap="none">
+              <a:solidFill>
+                <a:srgbClr val="000000"/>
+              </a:solidFill>
+              <a:latin typeface="Calibri"/>
+              <a:ea typeface="Calibri"/>
+              <a:cs typeface="Calibri"/>
+              <a:sym typeface="Calibri"/>
+            </a:endParaRPr>
+          </a:p>
+        </p:txBody>
+      </p:sp>
+      <p:sp>
+        <p:nvSpPr>
+          <p:cNvPr id="310" name="Google Shape;310;p34"/>
+          <p:cNvSpPr txBox="1"/>
+          <p:nvPr/>
+        </p:nvSpPr>
+        <p:spPr>
+          <a:xfrm>
+            <a:off x="383803" y="4360974"/>
+            <a:ext cx="2094000" cy="431100"/>
+          </a:xfrm>
+          <a:prstGeom prst="rect">
+            <a:avLst/>
+          </a:prstGeom>
+          <a:noFill/>
+          <a:ln>
+            <a:noFill/>
+          </a:ln>
+        </p:spPr>
+        <p:txBody>
+          <a:bodyPr spcFirstLastPara="1" wrap="square" lIns="91425" tIns="91425" rIns="91425" bIns="91425" anchor="t" anchorCtr="0">
+            <a:spAutoFit/>
+          </a:bodyPr>
+          <a:lstStyle/>
+          <a:p>
+            <a:pPr marL="0" marR="0" lvl="0" indent="0" algn="ctr" rtl="0">
+              <a:lnSpc>
+                <a:spcPct val="100000"/>
+              </a:lnSpc>
+              <a:spcBef>
+                <a:spcPts val="0"/>
+              </a:spcBef>
+              <a:spcAft>
+                <a:spcPts val="0"/>
+              </a:spcAft>
+              <a:buClr>
+                <a:schemeClr val="dk1"/>
+              </a:buClr>
+              <a:buSzPts val="1100"/>
+              <a:buFont typeface="Arial"/>
+              <a:buNone/>
+            </a:pPr>
+            <a:r>
+              <a:rPr lang="en" sz="1600" b="0" i="0" u="none" strike="noStrike" cap="none">
+                <a:solidFill>
+                  <a:srgbClr val="000000"/>
+                </a:solidFill>
+                <a:latin typeface="Calibri"/>
+                <a:ea typeface="Calibri"/>
+                <a:cs typeface="Calibri"/>
+                <a:sym typeface="Calibri"/>
+              </a:rPr>
+              <a:t>Enterprise AI Systems</a:t>
+            </a:r>
+            <a:endParaRPr sz="1600" b="0" i="0" u="none" strike="noStrike" cap="none">
+              <a:solidFill>
+                <a:srgbClr val="000000"/>
+              </a:solidFill>
+              <a:latin typeface="Calibri"/>
+              <a:ea typeface="Calibri"/>
+              <a:cs typeface="Calibri"/>
+              <a:sym typeface="Calibri"/>
+            </a:endParaRPr>
+          </a:p>
+        </p:txBody>
+      </p:sp>
+    </p:spTree>
+  </p:cSld>
+  <p:clrMapOvr>
+    <a:masterClrMapping/>
+  </p:clrMapOvr>
+</p:sld>
+</file>
+
+<file path=ppt/slides/slide21.xml><?xml version="1.0" encoding="utf-8"?>
+<p:sld xmlns:a="http://schemas.openxmlformats.org/drawingml/2006/main" xmlns:r="http://schemas.openxmlformats.org/officeDocument/2006/relationships" xmlns:p="http://schemas.openxmlformats.org/presentationml/2006/main">
+  <p:cSld>
+    <p:spTree>
+      <p:nvGrpSpPr>
+        <p:cNvPr id="1" name="Shape 314"/>
         <p:cNvGrpSpPr/>
         <p:nvPr/>
       </p:nvGrpSpPr>
@@ -38742,7 +39847,7 @@
       </p:grpSpPr>
       <p:sp>
         <p:nvSpPr>
-          <p:cNvPr id="306" name="Google Shape;306;p34"/>
+          <p:cNvPr id="315" name="Google Shape;315;p35"/>
           <p:cNvSpPr txBox="1"/>
           <p:nvPr/>
         </p:nvSpPr>

--- a/2025/2025-11-07-AI-Updates.pptx
+++ b/2025/2025-11-07-AI-Updates.pptx
@@ -5,7 +5,7 @@
     <p:sldMasterId id="2147483661" r:id="rId1"/>
   </p:sldMasterIdLst>
   <p:notesMasterIdLst>
-    <p:notesMasterId r:id="rId23"/>
+    <p:notesMasterId r:id="rId24"/>
   </p:notesMasterIdLst>
   <p:sldIdLst>
     <p:sldId id="256" r:id="rId2"/>
@@ -29,16 +29,17 @@
     <p:sldId id="274" r:id="rId20"/>
     <p:sldId id="275" r:id="rId21"/>
     <p:sldId id="276" r:id="rId22"/>
+    <p:sldId id="277" r:id="rId23"/>
   </p:sldIdLst>
   <p:sldSz cx="9144000" cy="5143500" type="screen16x9"/>
   <p:notesSz cx="6858000" cy="9144000"/>
   <p:embeddedFontLst>
     <p:embeddedFont>
       <p:font typeface="Roboto Mono" pitchFamily="49" charset="0"/>
-      <p:regular r:id="rId24"/>
-      <p:bold r:id="rId25"/>
-      <p:italic r:id="rId26"/>
-      <p:boldItalic r:id="rId27"/>
+      <p:regular r:id="rId25"/>
+      <p:bold r:id="rId26"/>
+      <p:italic r:id="rId27"/>
+      <p:boldItalic r:id="rId28"/>
     </p:embeddedFont>
   </p:embeddedFontLst>
   <p:defaultTextStyle>
@@ -1359,7 +1360,7 @@
       </p:grpSpPr>
       <p:sp>
         <p:nvSpPr>
-          <p:cNvPr id="245" name="Google Shape;245;g39f2c5113c6_0_0:notes"/>
+          <p:cNvPr id="245" name="Google Shape;245;g3a1272b1276_0_0:notes"/>
           <p:cNvSpPr>
             <a:spLocks noGrp="1" noRot="1" noChangeAspect="1"/>
           </p:cNvSpPr>
@@ -1410,7 +1411,7 @@
       </p:sp>
       <p:sp>
         <p:nvSpPr>
-          <p:cNvPr id="246" name="Google Shape;246;g39f2c5113c6_0_0:notes"/>
+          <p:cNvPr id="246" name="Google Shape;246;g3a1272b1276_0_0:notes"/>
           <p:cNvSpPr txBox="1">
             <a:spLocks noGrp="1"/>
           </p:cNvSpPr>
@@ -1467,7 +1468,7 @@
   <p:cSld>
     <p:spTree>
       <p:nvGrpSpPr>
-        <p:cNvPr id="1" name="Shape 253"/>
+        <p:cNvPr id="1" name="Shape 254"/>
         <p:cNvGrpSpPr/>
         <p:nvPr/>
       </p:nvGrpSpPr>
@@ -1481,7 +1482,7 @@
       </p:grpSpPr>
       <p:sp>
         <p:nvSpPr>
-          <p:cNvPr id="254" name="Google Shape;254;g36fb67d4f6c_1_6:notes"/>
+          <p:cNvPr id="255" name="Google Shape;255;g39f2c5113c6_0_0:notes"/>
           <p:cNvSpPr>
             <a:spLocks noGrp="1" noRot="1" noChangeAspect="1"/>
           </p:cNvSpPr>
@@ -1532,7 +1533,7 @@
       </p:sp>
       <p:sp>
         <p:nvSpPr>
-          <p:cNvPr id="255" name="Google Shape;255;g36fb67d4f6c_1_6:notes"/>
+          <p:cNvPr id="256" name="Google Shape;256;g39f2c5113c6_0_0:notes"/>
           <p:cNvSpPr txBox="1">
             <a:spLocks noGrp="1"/>
           </p:cNvSpPr>
@@ -1589,7 +1590,7 @@
   <p:cSld>
     <p:spTree>
       <p:nvGrpSpPr>
-        <p:cNvPr id="1" name="Shape 261"/>
+        <p:cNvPr id="1" name="Shape 263"/>
         <p:cNvGrpSpPr/>
         <p:nvPr/>
       </p:nvGrpSpPr>
@@ -1603,7 +1604,7 @@
       </p:grpSpPr>
       <p:sp>
         <p:nvSpPr>
-          <p:cNvPr id="262" name="Google Shape;262;g36fd377f936_0_8:notes"/>
+          <p:cNvPr id="264" name="Google Shape;264;g36fb67d4f6c_1_6:notes"/>
           <p:cNvSpPr>
             <a:spLocks noGrp="1" noRot="1" noChangeAspect="1"/>
           </p:cNvSpPr>
@@ -1654,7 +1655,7 @@
       </p:sp>
       <p:sp>
         <p:nvSpPr>
-          <p:cNvPr id="263" name="Google Shape;263;g36fd377f936_0_8:notes"/>
+          <p:cNvPr id="265" name="Google Shape;265;g36fb67d4f6c_1_6:notes"/>
           <p:cNvSpPr txBox="1">
             <a:spLocks noGrp="1"/>
           </p:cNvSpPr>
@@ -1711,7 +1712,7 @@
   <p:cSld>
     <p:spTree>
       <p:nvGrpSpPr>
-        <p:cNvPr id="1" name="Shape 269"/>
+        <p:cNvPr id="1" name="Shape 271"/>
         <p:cNvGrpSpPr/>
         <p:nvPr/>
       </p:nvGrpSpPr>
@@ -1725,7 +1726,7 @@
       </p:grpSpPr>
       <p:sp>
         <p:nvSpPr>
-          <p:cNvPr id="270" name="Google Shape;270;g36fb67d4f6c_1_0:notes"/>
+          <p:cNvPr id="272" name="Google Shape;272;g36fd377f936_0_8:notes"/>
           <p:cNvSpPr>
             <a:spLocks noGrp="1" noRot="1" noChangeAspect="1"/>
           </p:cNvSpPr>
@@ -1776,7 +1777,7 @@
       </p:sp>
       <p:sp>
         <p:nvSpPr>
-          <p:cNvPr id="271" name="Google Shape;271;g36fb67d4f6c_1_0:notes"/>
+          <p:cNvPr id="273" name="Google Shape;273;g36fd377f936_0_8:notes"/>
           <p:cNvSpPr txBox="1">
             <a:spLocks noGrp="1"/>
           </p:cNvSpPr>
@@ -1833,7 +1834,7 @@
   <p:cSld>
     <p:spTree>
       <p:nvGrpSpPr>
-        <p:cNvPr id="1" name="Shape 276"/>
+        <p:cNvPr id="1" name="Shape 279"/>
         <p:cNvGrpSpPr/>
         <p:nvPr/>
       </p:nvGrpSpPr>
@@ -1847,7 +1848,7 @@
       </p:grpSpPr>
       <p:sp>
         <p:nvSpPr>
-          <p:cNvPr id="277" name="Google Shape;277;g36fbf44f22a_0_1:notes"/>
+          <p:cNvPr id="280" name="Google Shape;280;g36fb67d4f6c_1_0:notes"/>
           <p:cNvSpPr>
             <a:spLocks noGrp="1" noRot="1" noChangeAspect="1"/>
           </p:cNvSpPr>
@@ -1898,7 +1899,7 @@
       </p:sp>
       <p:sp>
         <p:nvSpPr>
-          <p:cNvPr id="278" name="Google Shape;278;g36fbf44f22a_0_1:notes"/>
+          <p:cNvPr id="281" name="Google Shape;281;g36fb67d4f6c_1_0:notes"/>
           <p:cNvSpPr txBox="1">
             <a:spLocks noGrp="1"/>
           </p:cNvSpPr>
@@ -1955,7 +1956,7 @@
   <p:cSld>
     <p:spTree>
       <p:nvGrpSpPr>
-        <p:cNvPr id="1" name="Shape 283"/>
+        <p:cNvPr id="1" name="Shape 286"/>
         <p:cNvGrpSpPr/>
         <p:nvPr/>
       </p:nvGrpSpPr>
@@ -1969,7 +1970,7 @@
       </p:grpSpPr>
       <p:sp>
         <p:nvSpPr>
-          <p:cNvPr id="284" name="Google Shape;284;g3a118dbb0a8_0_0:notes"/>
+          <p:cNvPr id="287" name="Google Shape;287;g36fbf44f22a_0_1:notes"/>
           <p:cNvSpPr>
             <a:spLocks noGrp="1" noRot="1" noChangeAspect="1"/>
           </p:cNvSpPr>
@@ -2020,7 +2021,7 @@
       </p:sp>
       <p:sp>
         <p:nvSpPr>
-          <p:cNvPr id="285" name="Google Shape;285;g3a118dbb0a8_0_0:notes"/>
+          <p:cNvPr id="288" name="Google Shape;288;g36fbf44f22a_0_1:notes"/>
           <p:cNvSpPr txBox="1">
             <a:spLocks noGrp="1"/>
           </p:cNvSpPr>
@@ -2077,7 +2078,7 @@
   <p:cSld>
     <p:spTree>
       <p:nvGrpSpPr>
-        <p:cNvPr id="1" name="Shape 291"/>
+        <p:cNvPr id="1" name="Shape 293"/>
         <p:cNvGrpSpPr/>
         <p:nvPr/>
       </p:nvGrpSpPr>
@@ -2091,7 +2092,7 @@
       </p:grpSpPr>
       <p:sp>
         <p:nvSpPr>
-          <p:cNvPr id="292" name="Google Shape;292;p23:notes"/>
+          <p:cNvPr id="294" name="Google Shape;294;g3a118dbb0a8_0_0:notes"/>
           <p:cNvSpPr>
             <a:spLocks noGrp="1" noRot="1" noChangeAspect="1"/>
           </p:cNvSpPr>
@@ -2142,7 +2143,7 @@
       </p:sp>
       <p:sp>
         <p:nvSpPr>
-          <p:cNvPr id="293" name="Google Shape;293;p23:notes"/>
+          <p:cNvPr id="295" name="Google Shape;295;g3a118dbb0a8_0_0:notes"/>
           <p:cNvSpPr txBox="1">
             <a:spLocks noGrp="1"/>
           </p:cNvSpPr>
@@ -2335,7 +2336,7 @@
       </p:grpSpPr>
       <p:sp>
         <p:nvSpPr>
-          <p:cNvPr id="302" name="Google Shape;302;p24:notes"/>
+          <p:cNvPr id="302" name="Google Shape;302;p23:notes"/>
           <p:cNvSpPr>
             <a:spLocks noGrp="1" noRot="1" noChangeAspect="1"/>
           </p:cNvSpPr>
@@ -2386,7 +2387,7 @@
       </p:sp>
       <p:sp>
         <p:nvSpPr>
-          <p:cNvPr id="303" name="Google Shape;303;p24:notes"/>
+          <p:cNvPr id="303" name="Google Shape;303;p23:notes"/>
           <p:cNvSpPr txBox="1">
             <a:spLocks noGrp="1"/>
           </p:cNvSpPr>
@@ -2457,7 +2458,129 @@
       </p:grpSpPr>
       <p:sp>
         <p:nvSpPr>
-          <p:cNvPr id="312" name="Google Shape;312;p25:notes"/>
+          <p:cNvPr id="312" name="Google Shape;312;p24:notes"/>
+          <p:cNvSpPr>
+            <a:spLocks noGrp="1" noRot="1" noChangeAspect="1"/>
+          </p:cNvSpPr>
+          <p:nvPr>
+            <p:ph type="sldImg" idx="2"/>
+          </p:nvPr>
+        </p:nvSpPr>
+        <p:spPr>
+          <a:xfrm>
+            <a:off x="381000" y="685800"/>
+            <a:ext cx="6096000" cy="3429000"/>
+          </a:xfrm>
+          <a:custGeom>
+            <a:avLst/>
+            <a:gdLst/>
+            <a:ahLst/>
+            <a:cxnLst/>
+            <a:rect l="l" t="t" r="r" b="b"/>
+            <a:pathLst>
+              <a:path w="120000" h="120000" extrusionOk="0">
+                <a:moveTo>
+                  <a:pt x="0" y="0"/>
+                </a:moveTo>
+                <a:lnTo>
+                  <a:pt x="120000" y="0"/>
+                </a:lnTo>
+                <a:lnTo>
+                  <a:pt x="120000" y="120000"/>
+                </a:lnTo>
+                <a:lnTo>
+                  <a:pt x="0" y="120000"/>
+                </a:lnTo>
+                <a:close/>
+              </a:path>
+            </a:pathLst>
+          </a:custGeom>
+          <a:noFill/>
+          <a:ln w="9525" cap="flat" cmpd="sng">
+            <a:solidFill>
+              <a:srgbClr val="000000"/>
+            </a:solidFill>
+            <a:prstDash val="solid"/>
+            <a:round/>
+            <a:headEnd type="none" w="sm" len="sm"/>
+            <a:tailEnd type="none" w="sm" len="sm"/>
+          </a:ln>
+        </p:spPr>
+      </p:sp>
+      <p:sp>
+        <p:nvSpPr>
+          <p:cNvPr id="313" name="Google Shape;313;p24:notes"/>
+          <p:cNvSpPr txBox="1">
+            <a:spLocks noGrp="1"/>
+          </p:cNvSpPr>
+          <p:nvPr>
+            <p:ph type="body" idx="1"/>
+          </p:nvPr>
+        </p:nvSpPr>
+        <p:spPr>
+          <a:xfrm>
+            <a:off x="685800" y="4343400"/>
+            <a:ext cx="5486400" cy="4114800"/>
+          </a:xfrm>
+          <a:prstGeom prst="rect">
+            <a:avLst/>
+          </a:prstGeom>
+          <a:noFill/>
+          <a:ln>
+            <a:noFill/>
+          </a:ln>
+        </p:spPr>
+        <p:txBody>
+          <a:bodyPr spcFirstLastPara="1" wrap="square" lIns="91425" tIns="91425" rIns="91425" bIns="91425" anchor="t" anchorCtr="0">
+            <a:noAutofit/>
+          </a:bodyPr>
+          <a:lstStyle/>
+          <a:p>
+            <a:pPr marL="0" lvl="0" indent="0" algn="l" rtl="0">
+              <a:lnSpc>
+                <a:spcPct val="100000"/>
+              </a:lnSpc>
+              <a:spcBef>
+                <a:spcPts val="0"/>
+              </a:spcBef>
+              <a:spcAft>
+                <a:spcPts val="0"/>
+              </a:spcAft>
+              <a:buSzPts val="1100"/>
+              <a:buNone/>
+            </a:pPr>
+            <a:endParaRPr/>
+          </a:p>
+        </p:txBody>
+      </p:sp>
+    </p:spTree>
+  </p:cSld>
+  <p:clrMapOvr>
+    <a:masterClrMapping/>
+  </p:clrMapOvr>
+</p:notes>
+</file>
+
+<file path=ppt/notesSlides/notesSlide22.xml><?xml version="1.0" encoding="utf-8"?>
+<p:notes xmlns:a="http://schemas.openxmlformats.org/drawingml/2006/main" xmlns:r="http://schemas.openxmlformats.org/officeDocument/2006/relationships" xmlns:p="http://schemas.openxmlformats.org/presentationml/2006/main" showMasterSp="0" showMasterPhAnim="0">
+  <p:cSld>
+    <p:spTree>
+      <p:nvGrpSpPr>
+        <p:cNvPr id="1" name="Shape 321"/>
+        <p:cNvGrpSpPr/>
+        <p:nvPr/>
+      </p:nvGrpSpPr>
+      <p:grpSpPr>
+        <a:xfrm>
+          <a:off x="0" y="0"/>
+          <a:ext cx="0" cy="0"/>
+          <a:chOff x="0" y="0"/>
+          <a:chExt cx="0" cy="0"/>
+        </a:xfrm>
+      </p:grpSpPr>
+      <p:sp>
+        <p:nvSpPr>
+          <p:cNvPr id="322" name="Google Shape;322;p25:notes"/>
           <p:cNvSpPr>
             <a:spLocks noGrp="1" noRot="1" noChangeAspect="1"/>
           </p:cNvSpPr>
@@ -2508,7 +2631,7 @@
       </p:sp>
       <p:sp>
         <p:nvSpPr>
-          <p:cNvPr id="313" name="Google Shape;313;p25:notes"/>
+          <p:cNvPr id="323" name="Google Shape;323;p25:notes"/>
           <p:cNvSpPr txBox="1">
             <a:spLocks noGrp="1"/>
           </p:cNvSpPr>
@@ -13828,7 +13951,7 @@
         <p:spPr>
           <a:xfrm>
             <a:off x="4576975" y="630947"/>
-            <a:ext cx="4502400" cy="1988700"/>
+            <a:ext cx="4502400" cy="2235000"/>
           </a:xfrm>
           <a:prstGeom prst="rect">
             <a:avLst/>
@@ -14000,6 +14123,59 @@
                 <a:sym typeface="Calibri"/>
               </a:rPr>
               <a:t>Keyword+Semantic search instead of RAG</a:t>
+            </a:r>
+            <a:endParaRPr sz="1600" b="1">
+              <a:solidFill>
+                <a:srgbClr val="3C78D8"/>
+              </a:solidFill>
+              <a:latin typeface="Calibri"/>
+              <a:ea typeface="Calibri"/>
+              <a:cs typeface="Calibri"/>
+              <a:sym typeface="Calibri"/>
+            </a:endParaRPr>
+          </a:p>
+          <a:p>
+            <a:pPr marL="228600" marR="0" lvl="0" indent="-215900" algn="l" rtl="0">
+              <a:lnSpc>
+                <a:spcPct val="100000"/>
+              </a:lnSpc>
+              <a:spcBef>
+                <a:spcPts val="0"/>
+              </a:spcBef>
+              <a:spcAft>
+                <a:spcPts val="0"/>
+              </a:spcAft>
+              <a:buClr>
+                <a:srgbClr val="3C78D8"/>
+              </a:buClr>
+              <a:buSzPts val="1600"/>
+              <a:buFont typeface="Calibri"/>
+              <a:buChar char="●"/>
+            </a:pPr>
+            <a:r>
+              <a:rPr lang="en" sz="1600" b="1" u="sng">
+                <a:solidFill>
+                  <a:schemeClr val="hlink"/>
+                </a:solidFill>
+                <a:latin typeface="Calibri"/>
+                <a:ea typeface="Calibri"/>
+                <a:cs typeface="Calibri"/>
+                <a:sym typeface="Calibri"/>
+                <a:hlinkClick r:id="rId3"/>
+              </a:rPr>
+              <a:t>Reflection.AI</a:t>
+            </a:r>
+            <a:r>
+              <a:rPr lang="en" sz="1600" b="1">
+                <a:solidFill>
+                  <a:srgbClr val="3C78D8"/>
+                </a:solidFill>
+                <a:latin typeface="Calibri"/>
+                <a:ea typeface="Calibri"/>
+                <a:cs typeface="Calibri"/>
+                <a:sym typeface="Calibri"/>
+              </a:rPr>
+              <a:t> raised $2B at $8B valuation</a:t>
             </a:r>
             <a:endParaRPr sz="1600" b="1">
               <a:solidFill>
@@ -18811,6 +18987,1032 @@
         <p:spPr>
           <a:xfrm>
             <a:off x="55075" y="20375"/>
+            <a:ext cx="4485600" cy="326400"/>
+          </a:xfrm>
+          <a:prstGeom prst="rect">
+            <a:avLst/>
+          </a:prstGeom>
+          <a:noFill/>
+          <a:ln>
+            <a:noFill/>
+          </a:ln>
+        </p:spPr>
+        <p:txBody>
+          <a:bodyPr spcFirstLastPara="1" wrap="square" lIns="9125" tIns="9125" rIns="9125" bIns="9125" anchor="t" anchorCtr="0">
+            <a:spAutoFit/>
+          </a:bodyPr>
+          <a:lstStyle/>
+          <a:p>
+            <a:pPr marL="0" marR="0" lvl="0" indent="0" algn="l" rtl="0">
+              <a:lnSpc>
+                <a:spcPct val="100000"/>
+              </a:lnSpc>
+              <a:spcBef>
+                <a:spcPts val="0"/>
+              </a:spcBef>
+              <a:spcAft>
+                <a:spcPts val="0"/>
+              </a:spcAft>
+              <a:buClr>
+                <a:schemeClr val="dk1"/>
+              </a:buClr>
+              <a:buSzPts val="1100"/>
+              <a:buFont typeface="Arial"/>
+              <a:buNone/>
+            </a:pPr>
+            <a:r>
+              <a:rPr lang="en" sz="2000" b="1" u="sng">
+                <a:solidFill>
+                  <a:schemeClr val="hlink"/>
+                </a:solidFill>
+                <a:latin typeface="Calibri"/>
+                <a:ea typeface="Calibri"/>
+                <a:cs typeface="Calibri"/>
+                <a:sym typeface="Calibri"/>
+                <a:hlinkClick r:id="rId3"/>
+              </a:rPr>
+              <a:t>Reflection.AI</a:t>
+            </a:r>
+            <a:r>
+              <a:rPr lang="en" sz="2000" b="1">
+                <a:solidFill>
+                  <a:schemeClr val="dk1"/>
+                </a:solidFill>
+                <a:latin typeface="Calibri"/>
+                <a:ea typeface="Calibri"/>
+                <a:cs typeface="Calibri"/>
+                <a:sym typeface="Calibri"/>
+              </a:rPr>
+              <a:t> - $2 Bln at $8 Bln valuation</a:t>
+            </a:r>
+            <a:endParaRPr sz="2000" b="1">
+              <a:solidFill>
+                <a:schemeClr val="dk1"/>
+              </a:solidFill>
+              <a:latin typeface="Calibri"/>
+              <a:ea typeface="Calibri"/>
+              <a:cs typeface="Calibri"/>
+              <a:sym typeface="Calibri"/>
+            </a:endParaRPr>
+          </a:p>
+        </p:txBody>
+      </p:sp>
+      <p:sp>
+        <p:nvSpPr>
+          <p:cNvPr id="249" name="Google Shape;249;p27"/>
+          <p:cNvSpPr txBox="1"/>
+          <p:nvPr/>
+        </p:nvSpPr>
+        <p:spPr>
+          <a:xfrm>
+            <a:off x="90925" y="375743"/>
+            <a:ext cx="4444500" cy="4251300"/>
+          </a:xfrm>
+          <a:prstGeom prst="rect">
+            <a:avLst/>
+          </a:prstGeom>
+          <a:solidFill>
+            <a:srgbClr val="FFF2CC"/>
+          </a:solidFill>
+          <a:ln w="9525" cap="flat" cmpd="sng">
+            <a:solidFill>
+              <a:srgbClr val="FF0000"/>
+            </a:solidFill>
+            <a:prstDash val="solid"/>
+            <a:round/>
+            <a:headEnd type="none" w="sm" len="sm"/>
+            <a:tailEnd type="none" w="sm" len="sm"/>
+          </a:ln>
+        </p:spPr>
+        <p:txBody>
+          <a:bodyPr spcFirstLastPara="1" wrap="square" lIns="9125" tIns="9125" rIns="9125" bIns="9125" anchor="t" anchorCtr="0">
+            <a:spAutoFit/>
+          </a:bodyPr>
+          <a:lstStyle/>
+          <a:p>
+            <a:pPr marL="171450" marR="0" lvl="0" indent="-127000" algn="l" rtl="0">
+              <a:lnSpc>
+                <a:spcPct val="100000"/>
+              </a:lnSpc>
+              <a:spcBef>
+                <a:spcPts val="0"/>
+              </a:spcBef>
+              <a:spcAft>
+                <a:spcPts val="0"/>
+              </a:spcAft>
+              <a:buClr>
+                <a:schemeClr val="dk1"/>
+              </a:buClr>
+              <a:buSzPts val="1100"/>
+              <a:buFont typeface="Calibri"/>
+              <a:buChar char="●"/>
+            </a:pPr>
+            <a:r>
+              <a:rPr lang="en" sz="1100" b="1">
+                <a:solidFill>
+                  <a:srgbClr val="FF0000"/>
+                </a:solidFill>
+                <a:latin typeface="Calibri"/>
+                <a:ea typeface="Calibri"/>
+                <a:cs typeface="Calibri"/>
+                <a:sym typeface="Calibri"/>
+              </a:rPr>
+              <a:t>Reflection AI is a startup</a:t>
+            </a:r>
+            <a:r>
+              <a:rPr lang="en" sz="1100">
+                <a:solidFill>
+                  <a:schemeClr val="dk1"/>
+                </a:solidFill>
+                <a:latin typeface="Calibri"/>
+                <a:ea typeface="Calibri"/>
+                <a:cs typeface="Calibri"/>
+                <a:sym typeface="Calibri"/>
+              </a:rPr>
+              <a:t> founded in San Francisco, CA in March 2024 by two former Google DeepMind researchers—</a:t>
+            </a:r>
+            <a:r>
+              <a:rPr lang="en" sz="1100" b="1">
+                <a:solidFill>
+                  <a:srgbClr val="FF0000"/>
+                </a:solidFill>
+                <a:latin typeface="Calibri"/>
+                <a:ea typeface="Calibri"/>
+                <a:cs typeface="Calibri"/>
+                <a:sym typeface="Calibri"/>
+              </a:rPr>
+              <a:t>Misha Laskin</a:t>
+            </a:r>
+            <a:r>
+              <a:rPr lang="en" sz="1100">
+                <a:solidFill>
+                  <a:schemeClr val="dk1"/>
+                </a:solidFill>
+                <a:latin typeface="Calibri"/>
+                <a:ea typeface="Calibri"/>
+                <a:cs typeface="Calibri"/>
+                <a:sym typeface="Calibri"/>
+              </a:rPr>
+              <a:t> (who led reward modeling for Gemini) and </a:t>
+            </a:r>
+            <a:r>
+              <a:rPr lang="en" sz="1100" b="1">
+                <a:solidFill>
+                  <a:srgbClr val="FF0000"/>
+                </a:solidFill>
+                <a:latin typeface="Calibri"/>
+                <a:ea typeface="Calibri"/>
+                <a:cs typeface="Calibri"/>
+                <a:sym typeface="Calibri"/>
+              </a:rPr>
+              <a:t>Ioannis Antonoglou</a:t>
+            </a:r>
+            <a:r>
+              <a:rPr lang="en" sz="1100">
+                <a:solidFill>
+                  <a:schemeClr val="dk1"/>
+                </a:solidFill>
+                <a:latin typeface="Calibri"/>
+                <a:ea typeface="Calibri"/>
+                <a:cs typeface="Calibri"/>
+                <a:sym typeface="Calibri"/>
+              </a:rPr>
+              <a:t> (co-creator of AlphaGo)</a:t>
+            </a:r>
+            <a:endParaRPr sz="1100">
+              <a:solidFill>
+                <a:schemeClr val="dk1"/>
+              </a:solidFill>
+              <a:latin typeface="Calibri"/>
+              <a:ea typeface="Calibri"/>
+              <a:cs typeface="Calibri"/>
+              <a:sym typeface="Calibri"/>
+            </a:endParaRPr>
+          </a:p>
+          <a:p>
+            <a:pPr marL="171450" marR="0" lvl="0" indent="-127000" algn="l" rtl="0">
+              <a:lnSpc>
+                <a:spcPct val="100000"/>
+              </a:lnSpc>
+              <a:spcBef>
+                <a:spcPts val="0"/>
+              </a:spcBef>
+              <a:spcAft>
+                <a:spcPts val="0"/>
+              </a:spcAft>
+              <a:buClr>
+                <a:schemeClr val="dk1"/>
+              </a:buClr>
+              <a:buSzPts val="1100"/>
+              <a:buFont typeface="Calibri"/>
+              <a:buChar char="●"/>
+            </a:pPr>
+            <a:r>
+              <a:rPr lang="en" sz="1100">
+                <a:solidFill>
+                  <a:schemeClr val="dk1"/>
+                </a:solidFill>
+                <a:latin typeface="Calibri"/>
+                <a:ea typeface="Calibri"/>
+                <a:cs typeface="Calibri"/>
+                <a:sym typeface="Calibri"/>
+              </a:rPr>
+              <a:t>The company is building superintelligent autonomous coding systems using reinforcement learning and LLMs</a:t>
+            </a:r>
+            <a:endParaRPr sz="1100">
+              <a:solidFill>
+                <a:schemeClr val="dk1"/>
+              </a:solidFill>
+              <a:latin typeface="Calibri"/>
+              <a:ea typeface="Calibri"/>
+              <a:cs typeface="Calibri"/>
+              <a:sym typeface="Calibri"/>
+            </a:endParaRPr>
+          </a:p>
+          <a:p>
+            <a:pPr marL="171450" marR="0" lvl="0" indent="-127000" algn="l" rtl="0">
+              <a:lnSpc>
+                <a:spcPct val="100000"/>
+              </a:lnSpc>
+              <a:spcBef>
+                <a:spcPts val="0"/>
+              </a:spcBef>
+              <a:spcAft>
+                <a:spcPts val="0"/>
+              </a:spcAft>
+              <a:buClr>
+                <a:schemeClr val="dk1"/>
+              </a:buClr>
+              <a:buSzPts val="1100"/>
+              <a:buFont typeface="Calibri"/>
+              <a:buChar char="●"/>
+            </a:pPr>
+            <a:r>
+              <a:rPr lang="en" sz="1100">
+                <a:solidFill>
+                  <a:schemeClr val="dk1"/>
+                </a:solidFill>
+                <a:latin typeface="Calibri"/>
+                <a:ea typeface="Calibri"/>
+                <a:cs typeface="Calibri"/>
+                <a:sym typeface="Calibri"/>
+              </a:rPr>
+              <a:t>Reflection AI positions itself as an </a:t>
+            </a:r>
+            <a:r>
+              <a:rPr lang="en" sz="1100" b="1">
+                <a:solidFill>
+                  <a:srgbClr val="FF0000"/>
+                </a:solidFill>
+                <a:latin typeface="Calibri"/>
+                <a:ea typeface="Calibri"/>
+                <a:cs typeface="Calibri"/>
+                <a:sym typeface="Calibri"/>
+              </a:rPr>
+              <a:t>open-source</a:t>
+            </a:r>
+            <a:r>
+              <a:rPr lang="en" sz="1100">
+                <a:solidFill>
+                  <a:schemeClr val="dk1"/>
+                </a:solidFill>
+                <a:latin typeface="Calibri"/>
+                <a:ea typeface="Calibri"/>
+                <a:cs typeface="Calibri"/>
+                <a:sym typeface="Calibri"/>
+              </a:rPr>
+              <a:t> alternative to closed frontier AI labs like OpenAI and Anthropic, and as a Western counterpart to Chinese AI firms like DeepSeek</a:t>
+            </a:r>
+            <a:endParaRPr sz="1100">
+              <a:solidFill>
+                <a:schemeClr val="dk1"/>
+              </a:solidFill>
+              <a:latin typeface="Calibri"/>
+              <a:ea typeface="Calibri"/>
+              <a:cs typeface="Calibri"/>
+              <a:sym typeface="Calibri"/>
+            </a:endParaRPr>
+          </a:p>
+          <a:p>
+            <a:pPr marL="171450" marR="0" lvl="0" indent="-127000" algn="l" rtl="0">
+              <a:lnSpc>
+                <a:spcPct val="100000"/>
+              </a:lnSpc>
+              <a:spcBef>
+                <a:spcPts val="0"/>
+              </a:spcBef>
+              <a:spcAft>
+                <a:spcPts val="0"/>
+              </a:spcAft>
+              <a:buClr>
+                <a:schemeClr val="dk1"/>
+              </a:buClr>
+              <a:buSzPts val="1100"/>
+              <a:buFont typeface="Calibri"/>
+              <a:buChar char="●"/>
+            </a:pPr>
+            <a:r>
+              <a:rPr lang="en" sz="1100">
+                <a:solidFill>
+                  <a:schemeClr val="dk1"/>
+                </a:solidFill>
+                <a:latin typeface="Calibri"/>
+                <a:ea typeface="Calibri"/>
+                <a:cs typeface="Calibri"/>
+                <a:sym typeface="Calibri"/>
+              </a:rPr>
+              <a:t>Rather than building general-purpose AI tools, the company focuses specifically on creating the best autonomous coding systems in the world</a:t>
+            </a:r>
+            <a:endParaRPr sz="1100">
+              <a:solidFill>
+                <a:schemeClr val="dk1"/>
+              </a:solidFill>
+              <a:latin typeface="Calibri"/>
+              <a:ea typeface="Calibri"/>
+              <a:cs typeface="Calibri"/>
+              <a:sym typeface="Calibri"/>
+            </a:endParaRPr>
+          </a:p>
+          <a:p>
+            <a:pPr marL="171450" marR="0" lvl="0" indent="-127000" algn="l" rtl="0">
+              <a:lnSpc>
+                <a:spcPct val="100000"/>
+              </a:lnSpc>
+              <a:spcBef>
+                <a:spcPts val="0"/>
+              </a:spcBef>
+              <a:spcAft>
+                <a:spcPts val="0"/>
+              </a:spcAft>
+              <a:buClr>
+                <a:schemeClr val="dk1"/>
+              </a:buClr>
+              <a:buSzPts val="1100"/>
+              <a:buFont typeface="Calibri"/>
+              <a:buChar char="●"/>
+            </a:pPr>
+            <a:r>
+              <a:rPr lang="en" sz="1100">
+                <a:solidFill>
+                  <a:schemeClr val="dk1"/>
+                </a:solidFill>
+                <a:latin typeface="Calibri"/>
+                <a:ea typeface="Calibri"/>
+                <a:cs typeface="Calibri"/>
+                <a:sym typeface="Calibri"/>
+              </a:rPr>
+              <a:t>The company </a:t>
+            </a:r>
+            <a:r>
+              <a:rPr lang="en" sz="1100" b="1">
+                <a:solidFill>
+                  <a:srgbClr val="FF0000"/>
+                </a:solidFill>
+                <a:latin typeface="Calibri"/>
+                <a:ea typeface="Calibri"/>
+                <a:cs typeface="Calibri"/>
+                <a:sym typeface="Calibri"/>
+              </a:rPr>
+              <a:t>launched Asimov (July 2025)</a:t>
+            </a:r>
+            <a:r>
+              <a:rPr lang="en" sz="1100">
+                <a:solidFill>
+                  <a:schemeClr val="dk1"/>
+                </a:solidFill>
+                <a:latin typeface="Calibri"/>
+                <a:ea typeface="Calibri"/>
+                <a:cs typeface="Calibri"/>
+                <a:sym typeface="Calibri"/>
+              </a:rPr>
+              <a:t>, a breakthrough code comprehension agent designed to help engineers deeply understand complex codebases</a:t>
+            </a:r>
+            <a:endParaRPr sz="1100">
+              <a:solidFill>
+                <a:schemeClr val="dk1"/>
+              </a:solidFill>
+              <a:latin typeface="Calibri"/>
+              <a:ea typeface="Calibri"/>
+              <a:cs typeface="Calibri"/>
+              <a:sym typeface="Calibri"/>
+            </a:endParaRPr>
+          </a:p>
+          <a:p>
+            <a:pPr marL="171450" marR="0" lvl="0" indent="-127000" algn="l" rtl="0">
+              <a:lnSpc>
+                <a:spcPct val="100000"/>
+              </a:lnSpc>
+              <a:spcBef>
+                <a:spcPts val="0"/>
+              </a:spcBef>
+              <a:spcAft>
+                <a:spcPts val="0"/>
+              </a:spcAft>
+              <a:buClr>
+                <a:schemeClr val="dk1"/>
+              </a:buClr>
+              <a:buSzPts val="1100"/>
+              <a:buFont typeface="Calibri"/>
+              <a:buChar char="●"/>
+            </a:pPr>
+            <a:r>
+              <a:rPr lang="en" sz="1100">
+                <a:solidFill>
+                  <a:schemeClr val="dk1"/>
+                </a:solidFill>
+                <a:latin typeface="Calibri"/>
+                <a:ea typeface="Calibri"/>
+                <a:cs typeface="Calibri"/>
+                <a:sym typeface="Calibri"/>
+              </a:rPr>
+              <a:t>Unlike traditional AI coding tools like Copilot that provide autocompletion, Reflection AI's systems act as true software engineers capable of writing, debugging, and optimizing code autonomously</a:t>
+            </a:r>
+            <a:endParaRPr sz="1100">
+              <a:solidFill>
+                <a:schemeClr val="dk1"/>
+              </a:solidFill>
+              <a:latin typeface="Calibri"/>
+              <a:ea typeface="Calibri"/>
+              <a:cs typeface="Calibri"/>
+              <a:sym typeface="Calibri"/>
+            </a:endParaRPr>
+          </a:p>
+          <a:p>
+            <a:pPr marL="171450" marR="0" lvl="0" indent="-127000" algn="l" rtl="0">
+              <a:lnSpc>
+                <a:spcPct val="100000"/>
+              </a:lnSpc>
+              <a:spcBef>
+                <a:spcPts val="0"/>
+              </a:spcBef>
+              <a:spcAft>
+                <a:spcPts val="0"/>
+              </a:spcAft>
+              <a:buClr>
+                <a:schemeClr val="dk1"/>
+              </a:buClr>
+              <a:buSzPts val="1100"/>
+              <a:buFont typeface="Calibri"/>
+              <a:buChar char="●"/>
+            </a:pPr>
+            <a:r>
+              <a:rPr lang="en" sz="1100">
+                <a:solidFill>
+                  <a:schemeClr val="dk1"/>
+                </a:solidFill>
+                <a:latin typeface="Calibri"/>
+                <a:ea typeface="Calibri"/>
+                <a:cs typeface="Calibri"/>
+                <a:sym typeface="Calibri"/>
+              </a:rPr>
+              <a:t>Use reinforcement learning to train AI models that can simulate problem-solving, similar to how AlphaGo mastered the game of Go</a:t>
+            </a:r>
+            <a:endParaRPr sz="1100">
+              <a:solidFill>
+                <a:schemeClr val="dk1"/>
+              </a:solidFill>
+              <a:latin typeface="Calibri"/>
+              <a:ea typeface="Calibri"/>
+              <a:cs typeface="Calibri"/>
+              <a:sym typeface="Calibri"/>
+            </a:endParaRPr>
+          </a:p>
+          <a:p>
+            <a:pPr marL="171450" marR="0" lvl="0" indent="-127000" algn="l" rtl="0">
+              <a:lnSpc>
+                <a:spcPct val="100000"/>
+              </a:lnSpc>
+              <a:spcBef>
+                <a:spcPts val="0"/>
+              </a:spcBef>
+              <a:spcAft>
+                <a:spcPts val="0"/>
+              </a:spcAft>
+              <a:buClr>
+                <a:srgbClr val="FF0000"/>
+              </a:buClr>
+              <a:buSzPts val="1100"/>
+              <a:buFont typeface="Calibri"/>
+              <a:buChar char="●"/>
+            </a:pPr>
+            <a:r>
+              <a:rPr lang="en" sz="1100" b="1">
+                <a:solidFill>
+                  <a:srgbClr val="FF0000"/>
+                </a:solidFill>
+                <a:latin typeface="Calibri"/>
+                <a:ea typeface="Calibri"/>
+                <a:cs typeface="Calibri"/>
+                <a:sym typeface="Calibri"/>
+              </a:rPr>
+              <a:t>In October 2025, Reflection AI raised $2 Bln at $8 Bln valuation. This is a remarkable 15x increase from its $545 Mln valuation 7 months earlier</a:t>
+            </a:r>
+            <a:endParaRPr sz="1100" b="1">
+              <a:solidFill>
+                <a:srgbClr val="FF0000"/>
+              </a:solidFill>
+              <a:latin typeface="Calibri"/>
+              <a:ea typeface="Calibri"/>
+              <a:cs typeface="Calibri"/>
+              <a:sym typeface="Calibri"/>
+            </a:endParaRPr>
+          </a:p>
+          <a:p>
+            <a:pPr marL="171450" marR="0" lvl="0" indent="-127000" algn="l" rtl="0">
+              <a:lnSpc>
+                <a:spcPct val="100000"/>
+              </a:lnSpc>
+              <a:spcBef>
+                <a:spcPts val="0"/>
+              </a:spcBef>
+              <a:spcAft>
+                <a:spcPts val="0"/>
+              </a:spcAft>
+              <a:buClr>
+                <a:schemeClr val="dk1"/>
+              </a:buClr>
+              <a:buSzPts val="1100"/>
+              <a:buFont typeface="Calibri"/>
+              <a:buChar char="●"/>
+            </a:pPr>
+            <a:r>
+              <a:rPr lang="en" sz="1100">
+                <a:solidFill>
+                  <a:schemeClr val="dk1"/>
+                </a:solidFill>
+                <a:latin typeface="Calibri"/>
+                <a:ea typeface="Calibri"/>
+                <a:cs typeface="Calibri"/>
+                <a:sym typeface="Calibri"/>
+              </a:rPr>
+              <a:t>The company has recruited top talent from DeepMind and OpenAI and built an advanced AI training stack that will be open for all</a:t>
+            </a:r>
+            <a:endParaRPr sz="1100">
+              <a:solidFill>
+                <a:schemeClr val="dk1"/>
+              </a:solidFill>
+              <a:latin typeface="Calibri"/>
+              <a:ea typeface="Calibri"/>
+              <a:cs typeface="Calibri"/>
+              <a:sym typeface="Calibri"/>
+            </a:endParaRPr>
+          </a:p>
+          <a:p>
+            <a:pPr marL="171450" marR="0" lvl="0" indent="-127000" algn="l" rtl="0">
+              <a:lnSpc>
+                <a:spcPct val="100000"/>
+              </a:lnSpc>
+              <a:spcBef>
+                <a:spcPts val="0"/>
+              </a:spcBef>
+              <a:spcAft>
+                <a:spcPts val="0"/>
+              </a:spcAft>
+              <a:buClr>
+                <a:schemeClr val="dk1"/>
+              </a:buClr>
+              <a:buSzPts val="1100"/>
+              <a:buFont typeface="Calibri"/>
+              <a:buChar char="●"/>
+            </a:pPr>
+            <a:r>
+              <a:rPr lang="en" sz="1100">
+                <a:solidFill>
+                  <a:schemeClr val="dk1"/>
+                </a:solidFill>
+                <a:latin typeface="Calibri"/>
+                <a:ea typeface="Calibri"/>
+                <a:cs typeface="Calibri"/>
+                <a:sym typeface="Calibri"/>
+              </a:rPr>
+              <a:t>With a team of about 60 AI researchers and engineers, Reflection AI has secured a compute cluster and plans to release a frontier language model in 2026 trained on "tens of trillions of tokens"</a:t>
+            </a:r>
+            <a:endParaRPr sz="1100">
+              <a:solidFill>
+                <a:schemeClr val="dk1"/>
+              </a:solidFill>
+              <a:latin typeface="Calibri"/>
+              <a:ea typeface="Calibri"/>
+              <a:cs typeface="Calibri"/>
+              <a:sym typeface="Calibri"/>
+            </a:endParaRPr>
+          </a:p>
+        </p:txBody>
+      </p:sp>
+      <p:sp>
+        <p:nvSpPr>
+          <p:cNvPr id="250" name="Google Shape;250;p27"/>
+          <p:cNvSpPr txBox="1"/>
+          <p:nvPr/>
+        </p:nvSpPr>
+        <p:spPr>
+          <a:xfrm>
+            <a:off x="4606850" y="4394250"/>
+            <a:ext cx="3694500" cy="695700"/>
+          </a:xfrm>
+          <a:prstGeom prst="rect">
+            <a:avLst/>
+          </a:prstGeom>
+          <a:solidFill>
+            <a:srgbClr val="FFF2CC"/>
+          </a:solidFill>
+          <a:ln w="9525" cap="flat" cmpd="sng">
+            <a:solidFill>
+              <a:srgbClr val="FF0000"/>
+            </a:solidFill>
+            <a:prstDash val="solid"/>
+            <a:round/>
+            <a:headEnd type="none" w="sm" len="sm"/>
+            <a:tailEnd type="none" w="sm" len="sm"/>
+          </a:ln>
+        </p:spPr>
+        <p:txBody>
+          <a:bodyPr spcFirstLastPara="1" wrap="square" lIns="9125" tIns="9125" rIns="9125" bIns="9125" anchor="t" anchorCtr="0">
+            <a:spAutoFit/>
+          </a:bodyPr>
+          <a:lstStyle/>
+          <a:p>
+            <a:pPr marL="171450" marR="0" lvl="0" indent="-127000" algn="l" rtl="0">
+              <a:lnSpc>
+                <a:spcPct val="100000"/>
+              </a:lnSpc>
+              <a:spcBef>
+                <a:spcPts val="0"/>
+              </a:spcBef>
+              <a:spcAft>
+                <a:spcPts val="0"/>
+              </a:spcAft>
+              <a:buClr>
+                <a:schemeClr val="dk1"/>
+              </a:buClr>
+              <a:buSzPts val="1100"/>
+              <a:buFont typeface="Calibri"/>
+              <a:buChar char="●"/>
+            </a:pPr>
+            <a:r>
+              <a:rPr lang="en" sz="1100" u="sng">
+                <a:solidFill>
+                  <a:schemeClr val="hlink"/>
+                </a:solidFill>
+                <a:latin typeface="Calibri"/>
+                <a:ea typeface="Calibri"/>
+                <a:cs typeface="Calibri"/>
+                <a:sym typeface="Calibri"/>
+                <a:hlinkClick r:id="rId4"/>
+              </a:rPr>
+              <a:t>https://reflection.ai</a:t>
+            </a:r>
+            <a:r>
+              <a:rPr lang="en" sz="1100">
+                <a:solidFill>
+                  <a:schemeClr val="dk1"/>
+                </a:solidFill>
+                <a:latin typeface="Calibri"/>
+                <a:ea typeface="Calibri"/>
+                <a:cs typeface="Calibri"/>
+                <a:sym typeface="Calibri"/>
+              </a:rPr>
+              <a:t> </a:t>
+            </a:r>
+            <a:endParaRPr sz="1100">
+              <a:solidFill>
+                <a:schemeClr val="dk1"/>
+              </a:solidFill>
+              <a:latin typeface="Calibri"/>
+              <a:ea typeface="Calibri"/>
+              <a:cs typeface="Calibri"/>
+              <a:sym typeface="Calibri"/>
+            </a:endParaRPr>
+          </a:p>
+          <a:p>
+            <a:pPr marL="171450" marR="0" lvl="0" indent="-127000" algn="l" rtl="0">
+              <a:lnSpc>
+                <a:spcPct val="100000"/>
+              </a:lnSpc>
+              <a:spcBef>
+                <a:spcPts val="0"/>
+              </a:spcBef>
+              <a:spcAft>
+                <a:spcPts val="0"/>
+              </a:spcAft>
+              <a:buClr>
+                <a:schemeClr val="dk1"/>
+              </a:buClr>
+              <a:buSzPts val="1100"/>
+              <a:buFont typeface="Calibri"/>
+              <a:buChar char="●"/>
+            </a:pPr>
+            <a:r>
+              <a:rPr lang="en" sz="1100" u="sng">
+                <a:solidFill>
+                  <a:schemeClr val="hlink"/>
+                </a:solidFill>
+                <a:latin typeface="Calibri"/>
+                <a:ea typeface="Calibri"/>
+                <a:cs typeface="Calibri"/>
+                <a:sym typeface="Calibri"/>
+                <a:hlinkClick r:id="rId5"/>
+              </a:rPr>
+              <a:t>https://docs.reflection.ai/docs/about-asimov</a:t>
+            </a:r>
+            <a:endParaRPr sz="1100">
+              <a:solidFill>
+                <a:schemeClr val="dk1"/>
+              </a:solidFill>
+              <a:latin typeface="Calibri"/>
+              <a:ea typeface="Calibri"/>
+              <a:cs typeface="Calibri"/>
+              <a:sym typeface="Calibri"/>
+            </a:endParaRPr>
+          </a:p>
+          <a:p>
+            <a:pPr marL="171450" marR="0" lvl="0" indent="-127000" algn="l" rtl="0">
+              <a:lnSpc>
+                <a:spcPct val="100000"/>
+              </a:lnSpc>
+              <a:spcBef>
+                <a:spcPts val="0"/>
+              </a:spcBef>
+              <a:spcAft>
+                <a:spcPts val="0"/>
+              </a:spcAft>
+              <a:buClr>
+                <a:schemeClr val="dk1"/>
+              </a:buClr>
+              <a:buSzPts val="1100"/>
+              <a:buFont typeface="Calibri"/>
+              <a:buChar char="●"/>
+            </a:pPr>
+            <a:r>
+              <a:rPr lang="en" sz="1100" u="sng">
+                <a:solidFill>
+                  <a:schemeClr val="hlink"/>
+                </a:solidFill>
+                <a:latin typeface="Calibri"/>
+                <a:ea typeface="Calibri"/>
+                <a:cs typeface="Calibri"/>
+                <a:sym typeface="Calibri"/>
+                <a:hlinkClick r:id="rId6"/>
+              </a:rPr>
+              <a:t>https://www.sequoiacap.com/article/reflection-ai-asimov/</a:t>
+            </a:r>
+            <a:r>
+              <a:rPr lang="en" sz="1100">
+                <a:solidFill>
+                  <a:schemeClr val="dk1"/>
+                </a:solidFill>
+                <a:latin typeface="Calibri"/>
+                <a:ea typeface="Calibri"/>
+                <a:cs typeface="Calibri"/>
+                <a:sym typeface="Calibri"/>
+              </a:rPr>
+              <a:t> </a:t>
+            </a:r>
+            <a:endParaRPr sz="1100">
+              <a:solidFill>
+                <a:schemeClr val="dk1"/>
+              </a:solidFill>
+              <a:latin typeface="Calibri"/>
+              <a:ea typeface="Calibri"/>
+              <a:cs typeface="Calibri"/>
+              <a:sym typeface="Calibri"/>
+            </a:endParaRPr>
+          </a:p>
+          <a:p>
+            <a:pPr marL="171450" marR="0" lvl="0" indent="-127000" algn="l" rtl="0">
+              <a:lnSpc>
+                <a:spcPct val="100000"/>
+              </a:lnSpc>
+              <a:spcBef>
+                <a:spcPts val="0"/>
+              </a:spcBef>
+              <a:spcAft>
+                <a:spcPts val="0"/>
+              </a:spcAft>
+              <a:buClr>
+                <a:schemeClr val="dk1"/>
+              </a:buClr>
+              <a:buSzPts val="1100"/>
+              <a:buFont typeface="Calibri"/>
+              <a:buChar char="●"/>
+            </a:pPr>
+            <a:r>
+              <a:rPr lang="en" sz="1100" u="sng">
+                <a:solidFill>
+                  <a:schemeClr val="hlink"/>
+                </a:solidFill>
+                <a:latin typeface="Calibri"/>
+                <a:ea typeface="Calibri"/>
+                <a:cs typeface="Calibri"/>
+                <a:sym typeface="Calibri"/>
+                <a:hlinkClick r:id="rId7"/>
+              </a:rPr>
+              <a:t>https://www.linkedin.com/company/reflectionai</a:t>
+            </a:r>
+            <a:r>
+              <a:rPr lang="en" sz="1100">
+                <a:solidFill>
+                  <a:schemeClr val="dk1"/>
+                </a:solidFill>
+                <a:latin typeface="Calibri"/>
+                <a:ea typeface="Calibri"/>
+                <a:cs typeface="Calibri"/>
+                <a:sym typeface="Calibri"/>
+              </a:rPr>
+              <a:t> </a:t>
+            </a:r>
+            <a:endParaRPr sz="1100">
+              <a:solidFill>
+                <a:schemeClr val="dk1"/>
+              </a:solidFill>
+              <a:latin typeface="Calibri"/>
+              <a:ea typeface="Calibri"/>
+              <a:cs typeface="Calibri"/>
+              <a:sym typeface="Calibri"/>
+            </a:endParaRPr>
+          </a:p>
+        </p:txBody>
+      </p:sp>
+      <p:pic>
+        <p:nvPicPr>
+          <p:cNvPr id="251" name="Google Shape;251;p27"/>
+          <p:cNvPicPr preferRelativeResize="0"/>
+          <p:nvPr/>
+        </p:nvPicPr>
+        <p:blipFill rotWithShape="1">
+          <a:blip r:embed="rId8" cstate="email">
+            <a:alphaModFix/>
+            <a:extLst>
+              <a:ext uri="{28A0092B-C50C-407E-A947-70E740481C1C}">
+                <a14:useLocalDpi xmlns:a14="http://schemas.microsoft.com/office/drawing/2010/main"/>
+              </a:ext>
+            </a:extLst>
+          </a:blip>
+          <a:srcRect/>
+          <a:stretch/>
+        </p:blipFill>
+        <p:spPr>
+          <a:xfrm>
+            <a:off x="4606850" y="84608"/>
+            <a:ext cx="2761274" cy="1965200"/>
+          </a:xfrm>
+          <a:prstGeom prst="rect">
+            <a:avLst/>
+          </a:prstGeom>
+          <a:noFill/>
+          <a:ln w="9525" cap="flat" cmpd="sng">
+            <a:solidFill>
+              <a:srgbClr val="FF0000"/>
+            </a:solidFill>
+            <a:prstDash val="solid"/>
+            <a:round/>
+            <a:headEnd type="none" w="sm" len="sm"/>
+            <a:tailEnd type="none" w="sm" len="sm"/>
+          </a:ln>
+        </p:spPr>
+      </p:pic>
+      <p:pic>
+        <p:nvPicPr>
+          <p:cNvPr id="252" name="Google Shape;252;p27"/>
+          <p:cNvPicPr preferRelativeResize="0"/>
+          <p:nvPr/>
+        </p:nvPicPr>
+        <p:blipFill>
+          <a:blip r:embed="rId9" cstate="email">
+            <a:alphaModFix/>
+            <a:extLst>
+              <a:ext uri="{28A0092B-C50C-407E-A947-70E740481C1C}">
+                <a14:useLocalDpi xmlns:a14="http://schemas.microsoft.com/office/drawing/2010/main"/>
+              </a:ext>
+            </a:extLst>
+          </a:blip>
+          <a:stretch>
+            <a:fillRect/>
+          </a:stretch>
+        </p:blipFill>
+        <p:spPr>
+          <a:xfrm>
+            <a:off x="4606850" y="2127559"/>
+            <a:ext cx="2761276" cy="1893201"/>
+          </a:xfrm>
+          <a:prstGeom prst="rect">
+            <a:avLst/>
+          </a:prstGeom>
+          <a:noFill/>
+          <a:ln w="9525" cap="flat" cmpd="sng">
+            <a:solidFill>
+              <a:srgbClr val="FF0000"/>
+            </a:solidFill>
+            <a:prstDash val="solid"/>
+            <a:round/>
+            <a:headEnd type="none" w="sm" len="sm"/>
+            <a:tailEnd type="none" w="sm" len="sm"/>
+          </a:ln>
+        </p:spPr>
+      </p:pic>
+      <p:sp>
+        <p:nvSpPr>
+          <p:cNvPr id="253" name="Google Shape;253;p27"/>
+          <p:cNvSpPr txBox="1"/>
+          <p:nvPr/>
+        </p:nvSpPr>
+        <p:spPr>
+          <a:xfrm>
+            <a:off x="4808488" y="4068639"/>
+            <a:ext cx="2358000" cy="187800"/>
+          </a:xfrm>
+          <a:prstGeom prst="rect">
+            <a:avLst/>
+          </a:prstGeom>
+          <a:solidFill>
+            <a:srgbClr val="FFF2CC"/>
+          </a:solidFill>
+          <a:ln w="9525" cap="flat" cmpd="sng">
+            <a:solidFill>
+              <a:srgbClr val="FF0000"/>
+            </a:solidFill>
+            <a:prstDash val="solid"/>
+            <a:round/>
+            <a:headEnd type="none" w="sm" len="sm"/>
+            <a:tailEnd type="none" w="sm" len="sm"/>
+          </a:ln>
+        </p:spPr>
+        <p:txBody>
+          <a:bodyPr spcFirstLastPara="1" wrap="square" lIns="9125" tIns="9125" rIns="9125" bIns="9125" anchor="t" anchorCtr="0">
+            <a:spAutoFit/>
+          </a:bodyPr>
+          <a:lstStyle/>
+          <a:p>
+            <a:pPr marL="0" marR="0" lvl="0" indent="0" algn="ctr" rtl="0">
+              <a:lnSpc>
+                <a:spcPct val="100000"/>
+              </a:lnSpc>
+              <a:spcBef>
+                <a:spcPts val="0"/>
+              </a:spcBef>
+              <a:spcAft>
+                <a:spcPts val="0"/>
+              </a:spcAft>
+              <a:buNone/>
+            </a:pPr>
+            <a:r>
+              <a:rPr lang="en" sz="1100">
+                <a:solidFill>
+                  <a:schemeClr val="dk1"/>
+                </a:solidFill>
+                <a:latin typeface="Calibri"/>
+                <a:ea typeface="Calibri"/>
+                <a:cs typeface="Calibri"/>
+                <a:sym typeface="Calibri"/>
+              </a:rPr>
+              <a:t>Misha Laskin and Ioannis Antonoglou</a:t>
+            </a:r>
+            <a:endParaRPr sz="1100">
+              <a:solidFill>
+                <a:schemeClr val="dk1"/>
+              </a:solidFill>
+              <a:latin typeface="Calibri"/>
+              <a:ea typeface="Calibri"/>
+              <a:cs typeface="Calibri"/>
+              <a:sym typeface="Calibri"/>
+            </a:endParaRPr>
+          </a:p>
+        </p:txBody>
+      </p:sp>
+    </p:spTree>
+  </p:cSld>
+  <p:clrMapOvr>
+    <a:masterClrMapping/>
+  </p:clrMapOvr>
+</p:sld>
+</file>
+
+<file path=ppt/slides/slide14.xml><?xml version="1.0" encoding="utf-8"?>
+<p:sld xmlns:a="http://schemas.openxmlformats.org/drawingml/2006/main" xmlns:r="http://schemas.openxmlformats.org/officeDocument/2006/relationships" xmlns:p="http://schemas.openxmlformats.org/presentationml/2006/main">
+  <p:cSld>
+    <p:spTree>
+      <p:nvGrpSpPr>
+        <p:cNvPr id="1" name="Shape 257"/>
+        <p:cNvGrpSpPr/>
+        <p:nvPr/>
+      </p:nvGrpSpPr>
+      <p:grpSpPr>
+        <a:xfrm>
+          <a:off x="0" y="0"/>
+          <a:ext cx="0" cy="0"/>
+          <a:chOff x="0" y="0"/>
+          <a:chExt cx="0" cy="0"/>
+        </a:xfrm>
+      </p:grpSpPr>
+      <p:sp>
+        <p:nvSpPr>
+          <p:cNvPr id="258" name="Google Shape;258;p28"/>
+          <p:cNvSpPr txBox="1"/>
+          <p:nvPr/>
+        </p:nvSpPr>
+        <p:spPr>
+          <a:xfrm>
+            <a:off x="55075" y="20375"/>
             <a:ext cx="4444500" cy="326400"/>
           </a:xfrm>
           <a:prstGeom prst="rect">
@@ -18870,7 +20072,7 @@
       </p:sp>
       <p:sp>
         <p:nvSpPr>
-          <p:cNvPr id="249" name="Google Shape;249;p27"/>
+          <p:cNvPr id="259" name="Google Shape;259;p28"/>
           <p:cNvSpPr txBox="1"/>
           <p:nvPr/>
         </p:nvSpPr>
@@ -19595,7 +20797,7 @@
       </p:sp>
       <p:sp>
         <p:nvSpPr>
-          <p:cNvPr id="250" name="Google Shape;250;p27"/>
+          <p:cNvPr id="260" name="Google Shape;260;p28"/>
           <p:cNvSpPr txBox="1"/>
           <p:nvPr/>
         </p:nvSpPr>
@@ -19757,7 +20959,7 @@
       </p:sp>
       <p:sp>
         <p:nvSpPr>
-          <p:cNvPr id="251" name="Google Shape;251;p27"/>
+          <p:cNvPr id="261" name="Google Shape;261;p28"/>
           <p:cNvSpPr txBox="1"/>
           <p:nvPr/>
         </p:nvSpPr>
@@ -20025,7 +21227,7 @@
       </p:sp>
       <p:sp>
         <p:nvSpPr>
-          <p:cNvPr id="252" name="Google Shape;252;p27"/>
+          <p:cNvPr id="262" name="Google Shape;262;p28"/>
           <p:cNvSpPr txBox="1"/>
           <p:nvPr/>
         </p:nvSpPr>
@@ -20249,12 +21451,12 @@
 </p:sld>
 </file>
 
-<file path=ppt/slides/slide14.xml><?xml version="1.0" encoding="utf-8"?>
+<file path=ppt/slides/slide15.xml><?xml version="1.0" encoding="utf-8"?>
 <p:sld xmlns:a="http://schemas.openxmlformats.org/drawingml/2006/main" xmlns:r="http://schemas.openxmlformats.org/officeDocument/2006/relationships" xmlns:p="http://schemas.openxmlformats.org/presentationml/2006/main">
   <p:cSld>
     <p:spTree>
       <p:nvGrpSpPr>
-        <p:cNvPr id="1" name="Shape 256"/>
+        <p:cNvPr id="1" name="Shape 266"/>
         <p:cNvGrpSpPr/>
         <p:nvPr/>
       </p:nvGrpSpPr>
@@ -20268,7 +21470,7 @@
       </p:grpSpPr>
       <p:sp>
         <p:nvSpPr>
-          <p:cNvPr id="257" name="Google Shape;257;p28"/>
+          <p:cNvPr id="267" name="Google Shape;267;p29"/>
           <p:cNvSpPr txBox="1"/>
           <p:nvPr/>
         </p:nvSpPr>
@@ -20334,7 +21536,7 @@
       </p:sp>
       <p:sp>
         <p:nvSpPr>
-          <p:cNvPr id="258" name="Google Shape;258;p28"/>
+          <p:cNvPr id="268" name="Google Shape;268;p29"/>
           <p:cNvSpPr txBox="1"/>
           <p:nvPr/>
         </p:nvSpPr>
@@ -20843,7 +22045,7 @@
       </p:sp>
       <p:sp>
         <p:nvSpPr>
-          <p:cNvPr id="259" name="Google Shape;259;p28"/>
+          <p:cNvPr id="269" name="Google Shape;269;p29"/>
           <p:cNvSpPr txBox="1"/>
           <p:nvPr/>
         </p:nvSpPr>
@@ -21192,7 +22394,7 @@
       </p:sp>
       <p:pic>
         <p:nvPicPr>
-          <p:cNvPr id="260" name="Google Shape;260;p28"/>
+          <p:cNvPr id="270" name="Google Shape;270;p29"/>
           <p:cNvPicPr preferRelativeResize="0"/>
           <p:nvPr/>
         </p:nvPicPr>
@@ -21237,12 +22439,12 @@
 </p:sld>
 </file>
 
-<file path=ppt/slides/slide15.xml><?xml version="1.0" encoding="utf-8"?>
+<file path=ppt/slides/slide16.xml><?xml version="1.0" encoding="utf-8"?>
 <p:sld xmlns:a="http://schemas.openxmlformats.org/drawingml/2006/main" xmlns:r="http://schemas.openxmlformats.org/officeDocument/2006/relationships" xmlns:p="http://schemas.openxmlformats.org/presentationml/2006/main">
   <p:cSld>
     <p:spTree>
       <p:nvGrpSpPr>
-        <p:cNvPr id="1" name="Shape 264"/>
+        <p:cNvPr id="1" name="Shape 274"/>
         <p:cNvGrpSpPr/>
         <p:nvPr/>
       </p:nvGrpSpPr>
@@ -21256,7 +22458,7 @@
       </p:grpSpPr>
       <p:sp>
         <p:nvSpPr>
-          <p:cNvPr id="265" name="Google Shape;265;p29"/>
+          <p:cNvPr id="275" name="Google Shape;275;p30"/>
           <p:cNvSpPr txBox="1"/>
           <p:nvPr/>
         </p:nvSpPr>
@@ -21322,7 +22524,7 @@
       </p:sp>
       <p:sp>
         <p:nvSpPr>
-          <p:cNvPr id="266" name="Google Shape;266;p29"/>
+          <p:cNvPr id="276" name="Google Shape;276;p30"/>
           <p:cNvSpPr txBox="1"/>
           <p:nvPr/>
         </p:nvSpPr>
@@ -21677,7 +22879,7 @@
       </p:sp>
       <p:pic>
         <p:nvPicPr>
-          <p:cNvPr id="267" name="Google Shape;267;p29"/>
+          <p:cNvPr id="277" name="Google Shape;277;p30"/>
           <p:cNvPicPr preferRelativeResize="0"/>
           <p:nvPr/>
         </p:nvPicPr>
@@ -21711,7 +22913,7 @@
       </p:pic>
       <p:pic>
         <p:nvPicPr>
-          <p:cNvPr id="268" name="Google Shape;268;p29"/>
+          <p:cNvPr id="278" name="Google Shape;278;p30"/>
           <p:cNvPicPr preferRelativeResize="0"/>
           <p:nvPr/>
         </p:nvPicPr>
@@ -21751,12 +22953,12 @@
 </p:sld>
 </file>
 
-<file path=ppt/slides/slide16.xml><?xml version="1.0" encoding="utf-8"?>
+<file path=ppt/slides/slide17.xml><?xml version="1.0" encoding="utf-8"?>
 <p:sld xmlns:a="http://schemas.openxmlformats.org/drawingml/2006/main" xmlns:r="http://schemas.openxmlformats.org/officeDocument/2006/relationships" xmlns:p="http://schemas.openxmlformats.org/presentationml/2006/main">
   <p:cSld>
     <p:spTree>
       <p:nvGrpSpPr>
-        <p:cNvPr id="1" name="Shape 272"/>
+        <p:cNvPr id="1" name="Shape 282"/>
         <p:cNvGrpSpPr/>
         <p:nvPr/>
       </p:nvGrpSpPr>
@@ -21770,7 +22972,7 @@
       </p:grpSpPr>
       <p:sp>
         <p:nvSpPr>
-          <p:cNvPr id="273" name="Google Shape;273;p30"/>
+          <p:cNvPr id="283" name="Google Shape;283;p31"/>
           <p:cNvSpPr txBox="1"/>
           <p:nvPr/>
         </p:nvSpPr>
@@ -21836,7 +23038,7 @@
       </p:sp>
       <p:sp>
         <p:nvSpPr>
-          <p:cNvPr id="274" name="Google Shape;274;p30"/>
+          <p:cNvPr id="284" name="Google Shape;284;p31"/>
           <p:cNvSpPr txBox="1"/>
           <p:nvPr/>
         </p:nvSpPr>
@@ -22283,7 +23485,7 @@
       </p:sp>
       <p:pic>
         <p:nvPicPr>
-          <p:cNvPr id="275" name="Google Shape;275;p30"/>
+          <p:cNvPr id="285" name="Google Shape;285;p31"/>
           <p:cNvPicPr preferRelativeResize="0"/>
           <p:nvPr/>
         </p:nvPicPr>
@@ -22327,12 +23529,12 @@
 </p:sld>
 </file>
 
-<file path=ppt/slides/slide17.xml><?xml version="1.0" encoding="utf-8"?>
+<file path=ppt/slides/slide18.xml><?xml version="1.0" encoding="utf-8"?>
 <p:sld xmlns:a="http://schemas.openxmlformats.org/drawingml/2006/main" xmlns:r="http://schemas.openxmlformats.org/officeDocument/2006/relationships" xmlns:p="http://schemas.openxmlformats.org/presentationml/2006/main">
   <p:cSld>
     <p:spTree>
       <p:nvGrpSpPr>
-        <p:cNvPr id="1" name="Shape 279"/>
+        <p:cNvPr id="1" name="Shape 289"/>
         <p:cNvGrpSpPr/>
         <p:nvPr/>
       </p:nvGrpSpPr>
@@ -22346,7 +23548,7 @@
       </p:grpSpPr>
       <p:sp>
         <p:nvSpPr>
-          <p:cNvPr id="280" name="Google Shape;280;p31"/>
+          <p:cNvPr id="290" name="Google Shape;290;p32"/>
           <p:cNvSpPr txBox="1"/>
           <p:nvPr/>
         </p:nvSpPr>
@@ -22412,7 +23614,7 @@
       </p:sp>
       <p:sp>
         <p:nvSpPr>
-          <p:cNvPr id="281" name="Google Shape;281;p31"/>
+          <p:cNvPr id="291" name="Google Shape;291;p32"/>
           <p:cNvSpPr txBox="1"/>
           <p:nvPr/>
         </p:nvSpPr>
@@ -22950,7 +24152,7 @@
       </p:sp>
       <p:pic>
         <p:nvPicPr>
-          <p:cNvPr id="282" name="Google Shape;282;p31"/>
+          <p:cNvPr id="292" name="Google Shape;292;p32"/>
           <p:cNvPicPr preferRelativeResize="0"/>
           <p:nvPr/>
         </p:nvPicPr>
@@ -22995,12 +24197,12 @@
 </p:sld>
 </file>
 
-<file path=ppt/slides/slide18.xml><?xml version="1.0" encoding="utf-8"?>
+<file path=ppt/slides/slide19.xml><?xml version="1.0" encoding="utf-8"?>
 <p:sld xmlns:a="http://schemas.openxmlformats.org/drawingml/2006/main" xmlns:r="http://schemas.openxmlformats.org/officeDocument/2006/relationships" xmlns:p="http://schemas.openxmlformats.org/presentationml/2006/main">
   <p:cSld>
     <p:spTree>
       <p:nvGrpSpPr>
-        <p:cNvPr id="1" name="Shape 286"/>
+        <p:cNvPr id="1" name="Shape 296"/>
         <p:cNvGrpSpPr/>
         <p:nvPr/>
       </p:nvGrpSpPr>
@@ -23014,7 +24216,7 @@
       </p:grpSpPr>
       <p:sp>
         <p:nvSpPr>
-          <p:cNvPr id="287" name="Google Shape;287;p32"/>
+          <p:cNvPr id="297" name="Google Shape;297;p33"/>
           <p:cNvSpPr txBox="1"/>
           <p:nvPr/>
         </p:nvSpPr>
@@ -23080,7 +24282,7 @@
       </p:sp>
       <p:sp>
         <p:nvSpPr>
-          <p:cNvPr id="288" name="Google Shape;288;p32"/>
+          <p:cNvPr id="298" name="Google Shape;298;p33"/>
           <p:cNvSpPr txBox="1"/>
           <p:nvPr/>
         </p:nvSpPr>
@@ -23550,7 +24752,7 @@
       </p:sp>
       <p:pic>
         <p:nvPicPr>
-          <p:cNvPr id="289" name="Google Shape;289;p32"/>
+          <p:cNvPr id="299" name="Google Shape;299;p33"/>
           <p:cNvPicPr preferRelativeResize="0"/>
           <p:nvPr/>
         </p:nvPicPr>
@@ -23589,7 +24791,7 @@
       </p:pic>
       <p:pic>
         <p:nvPicPr>
-          <p:cNvPr id="290" name="Google Shape;290;p32"/>
+          <p:cNvPr id="300" name="Google Shape;300;p33"/>
           <p:cNvPicPr preferRelativeResize="0"/>
           <p:nvPr/>
         </p:nvPicPr>
@@ -23610,703 +24812,6 @@
           <a:xfrm>
             <a:off x="5162500" y="3070492"/>
             <a:ext cx="2491750" cy="1652133"/>
-          </a:xfrm>
-          <a:prstGeom prst="rect">
-            <a:avLst/>
-          </a:prstGeom>
-          <a:noFill/>
-          <a:ln w="9525" cap="flat" cmpd="sng">
-            <a:solidFill>
-              <a:srgbClr val="FF0000"/>
-            </a:solidFill>
-            <a:prstDash val="solid"/>
-            <a:round/>
-            <a:headEnd type="none" w="sm" len="sm"/>
-            <a:tailEnd type="none" w="sm" len="sm"/>
-          </a:ln>
-        </p:spPr>
-      </p:pic>
-    </p:spTree>
-  </p:cSld>
-  <p:clrMapOvr>
-    <a:masterClrMapping/>
-  </p:clrMapOvr>
-</p:sld>
-</file>
-
-<file path=ppt/slides/slide19.xml><?xml version="1.0" encoding="utf-8"?>
-<p:sld xmlns:a="http://schemas.openxmlformats.org/drawingml/2006/main" xmlns:r="http://schemas.openxmlformats.org/officeDocument/2006/relationships" xmlns:p="http://schemas.openxmlformats.org/presentationml/2006/main">
-  <p:cSld>
-    <p:spTree>
-      <p:nvGrpSpPr>
-        <p:cNvPr id="1" name="Shape 294"/>
-        <p:cNvGrpSpPr/>
-        <p:nvPr/>
-      </p:nvGrpSpPr>
-      <p:grpSpPr>
-        <a:xfrm>
-          <a:off x="0" y="0"/>
-          <a:ext cx="0" cy="0"/>
-          <a:chOff x="0" y="0"/>
-          <a:chExt cx="0" cy="0"/>
-        </a:xfrm>
-      </p:grpSpPr>
-      <p:sp>
-        <p:nvSpPr>
-          <p:cNvPr id="295" name="Google Shape;295;p33"/>
-          <p:cNvSpPr txBox="1"/>
-          <p:nvPr/>
-        </p:nvSpPr>
-        <p:spPr>
-          <a:xfrm>
-            <a:off x="67350" y="52750"/>
-            <a:ext cx="3179400" cy="326400"/>
-          </a:xfrm>
-          <a:prstGeom prst="rect">
-            <a:avLst/>
-          </a:prstGeom>
-          <a:noFill/>
-          <a:ln>
-            <a:noFill/>
-          </a:ln>
-        </p:spPr>
-        <p:txBody>
-          <a:bodyPr spcFirstLastPara="1" wrap="square" lIns="9125" tIns="9125" rIns="9125" bIns="9125" anchor="t" anchorCtr="0">
-            <a:spAutoFit/>
-          </a:bodyPr>
-          <a:lstStyle/>
-          <a:p>
-            <a:pPr marL="0" marR="0" lvl="0" indent="0" algn="l" rtl="0">
-              <a:lnSpc>
-                <a:spcPct val="100000"/>
-              </a:lnSpc>
-              <a:spcBef>
-                <a:spcPts val="0"/>
-              </a:spcBef>
-              <a:spcAft>
-                <a:spcPts val="0"/>
-              </a:spcAft>
-              <a:buClr>
-                <a:schemeClr val="dk1"/>
-              </a:buClr>
-              <a:buSzPts val="1100"/>
-              <a:buFont typeface="Arial"/>
-              <a:buNone/>
-            </a:pPr>
-            <a:r>
-              <a:rPr lang="en" sz="2000" b="1" i="0" u="none" strike="noStrike" cap="none">
-                <a:solidFill>
-                  <a:schemeClr val="dk1"/>
-                </a:solidFill>
-                <a:latin typeface="Calibri"/>
-                <a:ea typeface="Calibri"/>
-                <a:cs typeface="Calibri"/>
-                <a:sym typeface="Calibri"/>
-              </a:rPr>
-              <a:t>Jobs</a:t>
-            </a:r>
-            <a:endParaRPr sz="2000" b="1" i="0" u="none" strike="noStrike" cap="none">
-              <a:solidFill>
-                <a:schemeClr val="dk1"/>
-              </a:solidFill>
-              <a:latin typeface="Calibri"/>
-              <a:ea typeface="Calibri"/>
-              <a:cs typeface="Calibri"/>
-              <a:sym typeface="Calibri"/>
-            </a:endParaRPr>
-          </a:p>
-        </p:txBody>
-      </p:sp>
-      <p:sp>
-        <p:nvSpPr>
-          <p:cNvPr id="296" name="Google Shape;296;p33"/>
-          <p:cNvSpPr txBox="1"/>
-          <p:nvPr/>
-        </p:nvSpPr>
-        <p:spPr>
-          <a:xfrm>
-            <a:off x="2102050" y="77475"/>
-            <a:ext cx="1800600" cy="387900"/>
-          </a:xfrm>
-          <a:prstGeom prst="rect">
-            <a:avLst/>
-          </a:prstGeom>
-          <a:solidFill>
-            <a:srgbClr val="FFF2CC"/>
-          </a:solidFill>
-          <a:ln w="9525" cap="flat" cmpd="sng">
-            <a:solidFill>
-              <a:srgbClr val="FF0000"/>
-            </a:solidFill>
-            <a:prstDash val="solid"/>
-            <a:round/>
-            <a:headEnd type="none" w="sm" len="sm"/>
-            <a:tailEnd type="none" w="sm" len="sm"/>
-          </a:ln>
-        </p:spPr>
-        <p:txBody>
-          <a:bodyPr spcFirstLastPara="1" wrap="square" lIns="9125" tIns="9125" rIns="9125" bIns="9125" anchor="t" anchorCtr="0">
-            <a:spAutoFit/>
-          </a:bodyPr>
-          <a:lstStyle/>
-          <a:p>
-            <a:pPr marL="171450" marR="0" lvl="0" indent="-133350" algn="l" rtl="0">
-              <a:lnSpc>
-                <a:spcPct val="100000"/>
-              </a:lnSpc>
-              <a:spcBef>
-                <a:spcPts val="0"/>
-              </a:spcBef>
-              <a:spcAft>
-                <a:spcPts val="0"/>
-              </a:spcAft>
-              <a:buSzPts val="1200"/>
-              <a:buFont typeface="Calibri"/>
-              <a:buChar char="●"/>
-            </a:pPr>
-            <a:r>
-              <a:rPr lang="en" sz="1200" b="0" i="0" u="sng" strike="noStrike" cap="none">
-                <a:solidFill>
-                  <a:schemeClr val="hlink"/>
-                </a:solidFill>
-                <a:latin typeface="Calibri"/>
-                <a:ea typeface="Calibri"/>
-                <a:cs typeface="Calibri"/>
-                <a:sym typeface="Calibri"/>
-                <a:hlinkClick r:id="rId3"/>
-              </a:rPr>
-              <a:t>https://layoffs.fyi</a:t>
-            </a:r>
-            <a:endParaRPr sz="1200">
-              <a:latin typeface="Calibri"/>
-              <a:ea typeface="Calibri"/>
-              <a:cs typeface="Calibri"/>
-              <a:sym typeface="Calibri"/>
-            </a:endParaRPr>
-          </a:p>
-          <a:p>
-            <a:pPr marL="171450" marR="0" lvl="0" indent="-133350" algn="l" rtl="0">
-              <a:lnSpc>
-                <a:spcPct val="100000"/>
-              </a:lnSpc>
-              <a:spcBef>
-                <a:spcPts val="0"/>
-              </a:spcBef>
-              <a:spcAft>
-                <a:spcPts val="0"/>
-              </a:spcAft>
-              <a:buSzPts val="1200"/>
-              <a:buFont typeface="Calibri"/>
-              <a:buChar char="●"/>
-            </a:pPr>
-            <a:r>
-              <a:rPr lang="en" sz="1200" u="sng">
-                <a:solidFill>
-                  <a:schemeClr val="hlink"/>
-                </a:solidFill>
-                <a:latin typeface="Calibri"/>
-                <a:ea typeface="Calibri"/>
-                <a:cs typeface="Calibri"/>
-                <a:sym typeface="Calibri"/>
-                <a:hlinkClick r:id="rId4"/>
-              </a:rPr>
-              <a:t>https://trueup.io/layoffs</a:t>
-            </a:r>
-            <a:r>
-              <a:rPr lang="en" sz="1200">
-                <a:latin typeface="Calibri"/>
-                <a:ea typeface="Calibri"/>
-                <a:cs typeface="Calibri"/>
-                <a:sym typeface="Calibri"/>
-              </a:rPr>
-              <a:t> </a:t>
-            </a:r>
-            <a:r>
-              <a:rPr lang="en" sz="1200" b="0" i="0" u="none" strike="noStrike" cap="none">
-                <a:solidFill>
-                  <a:srgbClr val="000000"/>
-                </a:solidFill>
-                <a:latin typeface="Calibri"/>
-                <a:ea typeface="Calibri"/>
-                <a:cs typeface="Calibri"/>
-                <a:sym typeface="Calibri"/>
-              </a:rPr>
-              <a:t> </a:t>
-            </a:r>
-            <a:endParaRPr sz="1200" b="0" i="0" u="none" strike="noStrike" cap="none">
-              <a:solidFill>
-                <a:srgbClr val="000000"/>
-              </a:solidFill>
-              <a:latin typeface="Calibri"/>
-              <a:ea typeface="Calibri"/>
-              <a:cs typeface="Calibri"/>
-              <a:sym typeface="Calibri"/>
-            </a:endParaRPr>
-          </a:p>
-        </p:txBody>
-      </p:sp>
-      <p:sp>
-        <p:nvSpPr>
-          <p:cNvPr id="297" name="Google Shape;297;p33"/>
-          <p:cNvSpPr txBox="1"/>
-          <p:nvPr/>
-        </p:nvSpPr>
-        <p:spPr>
-          <a:xfrm>
-            <a:off x="5097525" y="77475"/>
-            <a:ext cx="3981900" cy="942000"/>
-          </a:xfrm>
-          <a:prstGeom prst="rect">
-            <a:avLst/>
-          </a:prstGeom>
-          <a:solidFill>
-            <a:srgbClr val="FFF2CC"/>
-          </a:solidFill>
-          <a:ln w="9525" cap="flat" cmpd="sng">
-            <a:solidFill>
-              <a:srgbClr val="FF0000"/>
-            </a:solidFill>
-            <a:prstDash val="solid"/>
-            <a:round/>
-            <a:headEnd type="none" w="sm" len="sm"/>
-            <a:tailEnd type="none" w="sm" len="sm"/>
-          </a:ln>
-        </p:spPr>
-        <p:txBody>
-          <a:bodyPr spcFirstLastPara="1" wrap="square" lIns="9125" tIns="9125" rIns="9125" bIns="9125" anchor="t" anchorCtr="0">
-            <a:spAutoFit/>
-          </a:bodyPr>
-          <a:lstStyle/>
-          <a:p>
-            <a:pPr marL="0" marR="0" lvl="0" indent="0" algn="l" rtl="0">
-              <a:lnSpc>
-                <a:spcPct val="100000"/>
-              </a:lnSpc>
-              <a:spcBef>
-                <a:spcPts val="0"/>
-              </a:spcBef>
-              <a:spcAft>
-                <a:spcPts val="0"/>
-              </a:spcAft>
-              <a:buNone/>
-            </a:pPr>
-            <a:r>
-              <a:rPr lang="en" sz="1200" b="1">
-                <a:solidFill>
-                  <a:srgbClr val="FF0000"/>
-                </a:solidFill>
-                <a:latin typeface="Calibri"/>
-                <a:ea typeface="Calibri"/>
-                <a:cs typeface="Calibri"/>
-                <a:sym typeface="Calibri"/>
-              </a:rPr>
-              <a:t>  Tech Layoffs by year (US only):</a:t>
-            </a:r>
-            <a:endParaRPr sz="1200" b="1">
-              <a:solidFill>
-                <a:srgbClr val="FF0000"/>
-              </a:solidFill>
-              <a:latin typeface="Calibri"/>
-              <a:ea typeface="Calibri"/>
-              <a:cs typeface="Calibri"/>
-              <a:sym typeface="Calibri"/>
-            </a:endParaRPr>
-          </a:p>
-          <a:p>
-            <a:pPr marL="228600" marR="0" lvl="1" indent="-133350" algn="l" rtl="0">
-              <a:lnSpc>
-                <a:spcPct val="100000"/>
-              </a:lnSpc>
-              <a:spcBef>
-                <a:spcPts val="0"/>
-              </a:spcBef>
-              <a:spcAft>
-                <a:spcPts val="0"/>
-              </a:spcAft>
-              <a:buSzPts val="1200"/>
-              <a:buFont typeface="Calibri"/>
-              <a:buChar char="○"/>
-            </a:pPr>
-            <a:r>
-              <a:rPr lang="en" sz="1000" b="1">
-                <a:latin typeface="Roboto Mono"/>
-                <a:ea typeface="Roboto Mono"/>
-                <a:cs typeface="Roboto Mono"/>
-                <a:sym typeface="Roboto Mono"/>
-              </a:rPr>
-              <a:t> 112.7K in 2025 (as of October 30)</a:t>
-            </a:r>
-            <a:endParaRPr sz="1000" b="1">
-              <a:latin typeface="Roboto Mono"/>
-              <a:ea typeface="Roboto Mono"/>
-              <a:cs typeface="Roboto Mono"/>
-              <a:sym typeface="Roboto Mono"/>
-            </a:endParaRPr>
-          </a:p>
-          <a:p>
-            <a:pPr marL="228600" marR="0" lvl="1" indent="-133350" algn="l" rtl="0">
-              <a:lnSpc>
-                <a:spcPct val="100000"/>
-              </a:lnSpc>
-              <a:spcBef>
-                <a:spcPts val="0"/>
-              </a:spcBef>
-              <a:spcAft>
-                <a:spcPts val="0"/>
-              </a:spcAft>
-              <a:buSzPts val="1200"/>
-              <a:buFont typeface="Calibri"/>
-              <a:buChar char="○"/>
-            </a:pPr>
-            <a:r>
-              <a:rPr lang="en" sz="1000" b="1">
-                <a:latin typeface="Roboto Mono"/>
-                <a:ea typeface="Roboto Mono"/>
-                <a:cs typeface="Roboto Mono"/>
-                <a:sym typeface="Roboto Mono"/>
-              </a:rPr>
-              <a:t>153K in </a:t>
-            </a:r>
-            <a:r>
-              <a:rPr lang="en" sz="1000" b="1">
-                <a:solidFill>
-                  <a:srgbClr val="000000"/>
-                </a:solidFill>
-                <a:latin typeface="Roboto Mono"/>
-                <a:ea typeface="Roboto Mono"/>
-                <a:cs typeface="Roboto Mono"/>
-                <a:sym typeface="Roboto Mono"/>
-              </a:rPr>
-              <a:t>2024</a:t>
-            </a:r>
-            <a:endParaRPr sz="1000" b="1">
-              <a:latin typeface="Roboto Mono"/>
-              <a:ea typeface="Roboto Mono"/>
-              <a:cs typeface="Roboto Mono"/>
-              <a:sym typeface="Roboto Mono"/>
-            </a:endParaRPr>
-          </a:p>
-          <a:p>
-            <a:pPr marL="228600" marR="0" lvl="1" indent="-133350" algn="l" rtl="0">
-              <a:lnSpc>
-                <a:spcPct val="100000"/>
-              </a:lnSpc>
-              <a:spcBef>
-                <a:spcPts val="0"/>
-              </a:spcBef>
-              <a:spcAft>
-                <a:spcPts val="0"/>
-              </a:spcAft>
-              <a:buSzPts val="1200"/>
-              <a:buFont typeface="Calibri"/>
-              <a:buChar char="○"/>
-            </a:pPr>
-            <a:r>
-              <a:rPr lang="en" sz="1000" b="1">
-                <a:latin typeface="Roboto Mono"/>
-                <a:ea typeface="Roboto Mono"/>
-                <a:cs typeface="Roboto Mono"/>
-                <a:sym typeface="Roboto Mono"/>
-              </a:rPr>
-              <a:t>264K in 2023</a:t>
-            </a:r>
-            <a:endParaRPr sz="1000" b="1">
-              <a:latin typeface="Roboto Mono"/>
-              <a:ea typeface="Roboto Mono"/>
-              <a:cs typeface="Roboto Mono"/>
-              <a:sym typeface="Roboto Mono"/>
-            </a:endParaRPr>
-          </a:p>
-          <a:p>
-            <a:pPr marL="228600" marR="0" lvl="1" indent="-133350" algn="l" rtl="0">
-              <a:lnSpc>
-                <a:spcPct val="100000"/>
-              </a:lnSpc>
-              <a:spcBef>
-                <a:spcPts val="0"/>
-              </a:spcBef>
-              <a:spcAft>
-                <a:spcPts val="0"/>
-              </a:spcAft>
-              <a:buSzPts val="1200"/>
-              <a:buFont typeface="Calibri"/>
-              <a:buChar char="○"/>
-            </a:pPr>
-            <a:r>
-              <a:rPr lang="en" sz="1000" b="1">
-                <a:latin typeface="Roboto Mono"/>
-                <a:ea typeface="Roboto Mono"/>
-                <a:cs typeface="Roboto Mono"/>
-                <a:sym typeface="Roboto Mono"/>
-              </a:rPr>
-              <a:t>165K in 2022                  </a:t>
-            </a:r>
-            <a:r>
-              <a:rPr lang="en" sz="1200" i="0" u="sng" strike="noStrike" cap="none">
-                <a:solidFill>
-                  <a:srgbClr val="0097A7"/>
-                </a:solidFill>
-                <a:latin typeface="Calibri"/>
-                <a:ea typeface="Calibri"/>
-                <a:cs typeface="Calibri"/>
-                <a:sym typeface="Calibri"/>
-                <a:hlinkClick r:id="rId3">
-                  <a:extLst>
-                    <a:ext uri="{A12FA001-AC4F-418D-AE19-62706E023703}">
-                      <ahyp:hlinkClr xmlns:ahyp="http://schemas.microsoft.com/office/drawing/2018/hyperlinkcolor" val="tx"/>
-                    </a:ext>
-                  </a:extLst>
-                </a:hlinkClick>
-              </a:rPr>
-              <a:t>https://layoffs.fyi</a:t>
-            </a:r>
-            <a:endParaRPr sz="1200" i="0" u="none" strike="noStrike" cap="none">
-              <a:solidFill>
-                <a:srgbClr val="000000"/>
-              </a:solidFill>
-              <a:latin typeface="Calibri"/>
-              <a:ea typeface="Calibri"/>
-              <a:cs typeface="Calibri"/>
-              <a:sym typeface="Calibri"/>
-            </a:endParaRPr>
-          </a:p>
-        </p:txBody>
-      </p:sp>
-      <p:sp>
-        <p:nvSpPr>
-          <p:cNvPr id="298" name="Google Shape;298;p33"/>
-          <p:cNvSpPr txBox="1"/>
-          <p:nvPr/>
-        </p:nvSpPr>
-        <p:spPr>
-          <a:xfrm>
-            <a:off x="5097525" y="4233900"/>
-            <a:ext cx="3981900" cy="757200"/>
-          </a:xfrm>
-          <a:prstGeom prst="rect">
-            <a:avLst/>
-          </a:prstGeom>
-          <a:solidFill>
-            <a:srgbClr val="FFF2CC"/>
-          </a:solidFill>
-          <a:ln w="9525" cap="flat" cmpd="sng">
-            <a:solidFill>
-              <a:srgbClr val="FF0000"/>
-            </a:solidFill>
-            <a:prstDash val="solid"/>
-            <a:round/>
-            <a:headEnd type="none" w="sm" len="sm"/>
-            <a:tailEnd type="none" w="sm" len="sm"/>
-          </a:ln>
-        </p:spPr>
-        <p:txBody>
-          <a:bodyPr spcFirstLastPara="1" wrap="square" lIns="9125" tIns="9125" rIns="9125" bIns="9125" anchor="t" anchorCtr="0">
-            <a:spAutoFit/>
-          </a:bodyPr>
-          <a:lstStyle/>
-          <a:p>
-            <a:pPr marL="0" lvl="0" indent="0" algn="l" rtl="0">
-              <a:spcBef>
-                <a:spcPts val="0"/>
-              </a:spcBef>
-              <a:spcAft>
-                <a:spcPts val="0"/>
-              </a:spcAft>
-              <a:buNone/>
-            </a:pPr>
-            <a:r>
-              <a:rPr lang="en" sz="1200" b="1">
-                <a:solidFill>
-                  <a:srgbClr val="FF0000"/>
-                </a:solidFill>
-                <a:latin typeface="Calibri"/>
-                <a:ea typeface="Calibri"/>
-                <a:cs typeface="Calibri"/>
-                <a:sym typeface="Calibri"/>
-              </a:rPr>
-              <a:t>  The Tech Layoff Tracker</a:t>
-            </a:r>
-            <a:endParaRPr sz="1200" b="1">
-              <a:solidFill>
-                <a:srgbClr val="FF0000"/>
-              </a:solidFill>
-              <a:latin typeface="Calibri"/>
-              <a:ea typeface="Calibri"/>
-              <a:cs typeface="Calibri"/>
-              <a:sym typeface="Calibri"/>
-            </a:endParaRPr>
-          </a:p>
-          <a:p>
-            <a:pPr marL="228600" lvl="0" indent="-133350" algn="l" rtl="0">
-              <a:spcBef>
-                <a:spcPts val="0"/>
-              </a:spcBef>
-              <a:spcAft>
-                <a:spcPts val="0"/>
-              </a:spcAft>
-              <a:buSzPts val="1200"/>
-              <a:buFont typeface="Calibri"/>
-              <a:buChar char="●"/>
-            </a:pPr>
-            <a:r>
-              <a:rPr lang="en" sz="1200">
-                <a:latin typeface="Calibri"/>
-                <a:ea typeface="Calibri"/>
-                <a:cs typeface="Calibri"/>
-                <a:sym typeface="Calibri"/>
-              </a:rPr>
-              <a:t>So far in 2025, 177,097 people laid off (584 per day)</a:t>
-            </a:r>
-            <a:endParaRPr sz="1200">
-              <a:latin typeface="Calibri"/>
-              <a:ea typeface="Calibri"/>
-              <a:cs typeface="Calibri"/>
-              <a:sym typeface="Calibri"/>
-            </a:endParaRPr>
-          </a:p>
-          <a:p>
-            <a:pPr marL="228600" lvl="0" indent="-133350" algn="l" rtl="0">
-              <a:spcBef>
-                <a:spcPts val="0"/>
-              </a:spcBef>
-              <a:spcAft>
-                <a:spcPts val="0"/>
-              </a:spcAft>
-              <a:buSzPts val="1200"/>
-              <a:buFont typeface="Calibri"/>
-              <a:buChar char="●"/>
-            </a:pPr>
-            <a:r>
-              <a:rPr lang="en" sz="1200">
-                <a:latin typeface="Calibri"/>
-                <a:ea typeface="Calibri"/>
-                <a:cs typeface="Calibri"/>
-                <a:sym typeface="Calibri"/>
-              </a:rPr>
-              <a:t>In 2024, 238,461 people </a:t>
-            </a:r>
-            <a:r>
-              <a:rPr lang="en" sz="1200">
-                <a:solidFill>
-                  <a:schemeClr val="dk1"/>
-                </a:solidFill>
-                <a:latin typeface="Calibri"/>
-                <a:ea typeface="Calibri"/>
-                <a:cs typeface="Calibri"/>
-                <a:sym typeface="Calibri"/>
-              </a:rPr>
-              <a:t>laid off</a:t>
-            </a:r>
-            <a:r>
-              <a:rPr lang="en" sz="1200">
-                <a:latin typeface="Calibri"/>
-                <a:ea typeface="Calibri"/>
-                <a:cs typeface="Calibri"/>
-                <a:sym typeface="Calibri"/>
-              </a:rPr>
-              <a:t> (653 per day)</a:t>
-            </a:r>
-            <a:endParaRPr sz="1200">
-              <a:latin typeface="Calibri"/>
-              <a:ea typeface="Calibri"/>
-              <a:cs typeface="Calibri"/>
-              <a:sym typeface="Calibri"/>
-            </a:endParaRPr>
-          </a:p>
-          <a:p>
-            <a:pPr marL="228600" marR="460857" lvl="0" indent="-57150" algn="r" rtl="0">
-              <a:spcBef>
-                <a:spcPts val="0"/>
-              </a:spcBef>
-              <a:spcAft>
-                <a:spcPts val="0"/>
-              </a:spcAft>
-              <a:buNone/>
-            </a:pPr>
-            <a:r>
-              <a:rPr lang="en" sz="1200" u="sng">
-                <a:solidFill>
-                  <a:schemeClr val="hlink"/>
-                </a:solidFill>
-                <a:latin typeface="Calibri"/>
-                <a:ea typeface="Calibri"/>
-                <a:cs typeface="Calibri"/>
-                <a:sym typeface="Calibri"/>
-                <a:hlinkClick r:id="rId4"/>
-              </a:rPr>
-              <a:t>https://trueup.io/layoffs</a:t>
-            </a:r>
-            <a:endParaRPr sz="1200">
-              <a:latin typeface="Calibri"/>
-              <a:ea typeface="Calibri"/>
-              <a:cs typeface="Calibri"/>
-              <a:sym typeface="Calibri"/>
-            </a:endParaRPr>
-          </a:p>
-        </p:txBody>
-      </p:sp>
-      <p:pic>
-        <p:nvPicPr>
-          <p:cNvPr id="299" name="Google Shape;299;p33"/>
-          <p:cNvPicPr preferRelativeResize="0"/>
-          <p:nvPr/>
-        </p:nvPicPr>
-        <p:blipFill>
-          <a:blip r:embed="rId5" cstate="email">
-            <a:alphaModFix/>
-            <a:extLst>
-              <a:ext uri="{28A0092B-C50C-407E-A947-70E740481C1C}">
-                <a14:useLocalDpi xmlns:a14="http://schemas.microsoft.com/office/drawing/2010/main"/>
-              </a:ext>
-            </a:extLst>
-          </a:blip>
-          <a:stretch>
-            <a:fillRect/>
-          </a:stretch>
-        </p:blipFill>
-        <p:spPr>
-          <a:xfrm>
-            <a:off x="67350" y="2420750"/>
-            <a:ext cx="4951699" cy="2630588"/>
-          </a:xfrm>
-          <a:prstGeom prst="rect">
-            <a:avLst/>
-          </a:prstGeom>
-          <a:noFill/>
-          <a:ln w="9525" cap="flat" cmpd="sng">
-            <a:solidFill>
-              <a:srgbClr val="FF0000"/>
-            </a:solidFill>
-            <a:prstDash val="solid"/>
-            <a:round/>
-            <a:headEnd type="none" w="sm" len="sm"/>
-            <a:tailEnd type="none" w="sm" len="sm"/>
-          </a:ln>
-        </p:spPr>
-      </p:pic>
-      <p:pic>
-        <p:nvPicPr>
-          <p:cNvPr id="300" name="Google Shape;300;p33"/>
-          <p:cNvPicPr preferRelativeResize="0"/>
-          <p:nvPr/>
-        </p:nvPicPr>
-        <p:blipFill>
-          <a:blip r:embed="rId6" cstate="email">
-            <a:alphaModFix/>
-            <a:extLst>
-              <a:ext uri="{28A0092B-C50C-407E-A947-70E740481C1C}">
-                <a14:useLocalDpi xmlns:a14="http://schemas.microsoft.com/office/drawing/2010/main"/>
-              </a:ext>
-            </a:extLst>
-          </a:blip>
-          <a:stretch>
-            <a:fillRect/>
-          </a:stretch>
-        </p:blipFill>
-        <p:spPr>
-          <a:xfrm>
-            <a:off x="67350" y="565775"/>
-            <a:ext cx="4951702" cy="1815246"/>
           </a:xfrm>
           <a:prstGeom prst="rect">
             <a:avLst/>
@@ -29905,7 +30410,7 @@
             <a:tbl>
               <a:tblPr>
                 <a:noFill/>
-                <a:tableStyleId>{AC975060-6899-439A-AFC3-AF44323A8041}</a:tableStyleId>
+                <a:tableStyleId>{2FF2078A-F8D7-4489-AB39-CA86143F9668}</a:tableStyleId>
               </a:tblPr>
               <a:tblGrid>
                 <a:gridCol w="1828800">
@@ -34373,7 +34878,7 @@
             <a:tbl>
               <a:tblPr>
                 <a:noFill/>
-                <a:tableStyleId>{AC975060-6899-439A-AFC3-AF44323A8041}</a:tableStyleId>
+                <a:tableStyleId>{2FF2078A-F8D7-4489-AB39-CA86143F9668}</a:tableStyleId>
               </a:tblPr>
               <a:tblGrid>
                 <a:gridCol w="1828800">
@@ -39115,9 +39620,706 @@
           <a:chExt cx="0" cy="0"/>
         </a:xfrm>
       </p:grpSpPr>
+      <p:sp>
+        <p:nvSpPr>
+          <p:cNvPr id="305" name="Google Shape;305;p34"/>
+          <p:cNvSpPr txBox="1"/>
+          <p:nvPr/>
+        </p:nvSpPr>
+        <p:spPr>
+          <a:xfrm>
+            <a:off x="67350" y="52750"/>
+            <a:ext cx="3179400" cy="326400"/>
+          </a:xfrm>
+          <a:prstGeom prst="rect">
+            <a:avLst/>
+          </a:prstGeom>
+          <a:noFill/>
+          <a:ln>
+            <a:noFill/>
+          </a:ln>
+        </p:spPr>
+        <p:txBody>
+          <a:bodyPr spcFirstLastPara="1" wrap="square" lIns="9125" tIns="9125" rIns="9125" bIns="9125" anchor="t" anchorCtr="0">
+            <a:spAutoFit/>
+          </a:bodyPr>
+          <a:lstStyle/>
+          <a:p>
+            <a:pPr marL="0" marR="0" lvl="0" indent="0" algn="l" rtl="0">
+              <a:lnSpc>
+                <a:spcPct val="100000"/>
+              </a:lnSpc>
+              <a:spcBef>
+                <a:spcPts val="0"/>
+              </a:spcBef>
+              <a:spcAft>
+                <a:spcPts val="0"/>
+              </a:spcAft>
+              <a:buClr>
+                <a:schemeClr val="dk1"/>
+              </a:buClr>
+              <a:buSzPts val="1100"/>
+              <a:buFont typeface="Arial"/>
+              <a:buNone/>
+            </a:pPr>
+            <a:r>
+              <a:rPr lang="en" sz="2000" b="1" i="0" u="none" strike="noStrike" cap="none">
+                <a:solidFill>
+                  <a:schemeClr val="dk1"/>
+                </a:solidFill>
+                <a:latin typeface="Calibri"/>
+                <a:ea typeface="Calibri"/>
+                <a:cs typeface="Calibri"/>
+                <a:sym typeface="Calibri"/>
+              </a:rPr>
+              <a:t>Jobs</a:t>
+            </a:r>
+            <a:endParaRPr sz="2000" b="1" i="0" u="none" strike="noStrike" cap="none">
+              <a:solidFill>
+                <a:schemeClr val="dk1"/>
+              </a:solidFill>
+              <a:latin typeface="Calibri"/>
+              <a:ea typeface="Calibri"/>
+              <a:cs typeface="Calibri"/>
+              <a:sym typeface="Calibri"/>
+            </a:endParaRPr>
+          </a:p>
+        </p:txBody>
+      </p:sp>
+      <p:sp>
+        <p:nvSpPr>
+          <p:cNvPr id="306" name="Google Shape;306;p34"/>
+          <p:cNvSpPr txBox="1"/>
+          <p:nvPr/>
+        </p:nvSpPr>
+        <p:spPr>
+          <a:xfrm>
+            <a:off x="2102050" y="77475"/>
+            <a:ext cx="1800600" cy="387900"/>
+          </a:xfrm>
+          <a:prstGeom prst="rect">
+            <a:avLst/>
+          </a:prstGeom>
+          <a:solidFill>
+            <a:srgbClr val="FFF2CC"/>
+          </a:solidFill>
+          <a:ln w="9525" cap="flat" cmpd="sng">
+            <a:solidFill>
+              <a:srgbClr val="FF0000"/>
+            </a:solidFill>
+            <a:prstDash val="solid"/>
+            <a:round/>
+            <a:headEnd type="none" w="sm" len="sm"/>
+            <a:tailEnd type="none" w="sm" len="sm"/>
+          </a:ln>
+        </p:spPr>
+        <p:txBody>
+          <a:bodyPr spcFirstLastPara="1" wrap="square" lIns="9125" tIns="9125" rIns="9125" bIns="9125" anchor="t" anchorCtr="0">
+            <a:spAutoFit/>
+          </a:bodyPr>
+          <a:lstStyle/>
+          <a:p>
+            <a:pPr marL="171450" marR="0" lvl="0" indent="-133350" algn="l" rtl="0">
+              <a:lnSpc>
+                <a:spcPct val="100000"/>
+              </a:lnSpc>
+              <a:spcBef>
+                <a:spcPts val="0"/>
+              </a:spcBef>
+              <a:spcAft>
+                <a:spcPts val="0"/>
+              </a:spcAft>
+              <a:buSzPts val="1200"/>
+              <a:buFont typeface="Calibri"/>
+              <a:buChar char="●"/>
+            </a:pPr>
+            <a:r>
+              <a:rPr lang="en" sz="1200" b="0" i="0" u="sng" strike="noStrike" cap="none">
+                <a:solidFill>
+                  <a:schemeClr val="hlink"/>
+                </a:solidFill>
+                <a:latin typeface="Calibri"/>
+                <a:ea typeface="Calibri"/>
+                <a:cs typeface="Calibri"/>
+                <a:sym typeface="Calibri"/>
+                <a:hlinkClick r:id="rId3"/>
+              </a:rPr>
+              <a:t>https://layoffs.fyi</a:t>
+            </a:r>
+            <a:endParaRPr sz="1200">
+              <a:latin typeface="Calibri"/>
+              <a:ea typeface="Calibri"/>
+              <a:cs typeface="Calibri"/>
+              <a:sym typeface="Calibri"/>
+            </a:endParaRPr>
+          </a:p>
+          <a:p>
+            <a:pPr marL="171450" marR="0" lvl="0" indent="-133350" algn="l" rtl="0">
+              <a:lnSpc>
+                <a:spcPct val="100000"/>
+              </a:lnSpc>
+              <a:spcBef>
+                <a:spcPts val="0"/>
+              </a:spcBef>
+              <a:spcAft>
+                <a:spcPts val="0"/>
+              </a:spcAft>
+              <a:buSzPts val="1200"/>
+              <a:buFont typeface="Calibri"/>
+              <a:buChar char="●"/>
+            </a:pPr>
+            <a:r>
+              <a:rPr lang="en" sz="1200" u="sng">
+                <a:solidFill>
+                  <a:schemeClr val="hlink"/>
+                </a:solidFill>
+                <a:latin typeface="Calibri"/>
+                <a:ea typeface="Calibri"/>
+                <a:cs typeface="Calibri"/>
+                <a:sym typeface="Calibri"/>
+                <a:hlinkClick r:id="rId4"/>
+              </a:rPr>
+              <a:t>https://trueup.io/layoffs</a:t>
+            </a:r>
+            <a:r>
+              <a:rPr lang="en" sz="1200">
+                <a:latin typeface="Calibri"/>
+                <a:ea typeface="Calibri"/>
+                <a:cs typeface="Calibri"/>
+                <a:sym typeface="Calibri"/>
+              </a:rPr>
+              <a:t> </a:t>
+            </a:r>
+            <a:r>
+              <a:rPr lang="en" sz="1200" b="0" i="0" u="none" strike="noStrike" cap="none">
+                <a:solidFill>
+                  <a:srgbClr val="000000"/>
+                </a:solidFill>
+                <a:latin typeface="Calibri"/>
+                <a:ea typeface="Calibri"/>
+                <a:cs typeface="Calibri"/>
+                <a:sym typeface="Calibri"/>
+              </a:rPr>
+              <a:t> </a:t>
+            </a:r>
+            <a:endParaRPr sz="1200" b="0" i="0" u="none" strike="noStrike" cap="none">
+              <a:solidFill>
+                <a:srgbClr val="000000"/>
+              </a:solidFill>
+              <a:latin typeface="Calibri"/>
+              <a:ea typeface="Calibri"/>
+              <a:cs typeface="Calibri"/>
+              <a:sym typeface="Calibri"/>
+            </a:endParaRPr>
+          </a:p>
+        </p:txBody>
+      </p:sp>
+      <p:sp>
+        <p:nvSpPr>
+          <p:cNvPr id="307" name="Google Shape;307;p34"/>
+          <p:cNvSpPr txBox="1"/>
+          <p:nvPr/>
+        </p:nvSpPr>
+        <p:spPr>
+          <a:xfrm>
+            <a:off x="5097525" y="77475"/>
+            <a:ext cx="3981900" cy="942000"/>
+          </a:xfrm>
+          <a:prstGeom prst="rect">
+            <a:avLst/>
+          </a:prstGeom>
+          <a:solidFill>
+            <a:srgbClr val="FFF2CC"/>
+          </a:solidFill>
+          <a:ln w="9525" cap="flat" cmpd="sng">
+            <a:solidFill>
+              <a:srgbClr val="FF0000"/>
+            </a:solidFill>
+            <a:prstDash val="solid"/>
+            <a:round/>
+            <a:headEnd type="none" w="sm" len="sm"/>
+            <a:tailEnd type="none" w="sm" len="sm"/>
+          </a:ln>
+        </p:spPr>
+        <p:txBody>
+          <a:bodyPr spcFirstLastPara="1" wrap="square" lIns="9125" tIns="9125" rIns="9125" bIns="9125" anchor="t" anchorCtr="0">
+            <a:spAutoFit/>
+          </a:bodyPr>
+          <a:lstStyle/>
+          <a:p>
+            <a:pPr marL="0" marR="0" lvl="0" indent="0" algn="l" rtl="0">
+              <a:lnSpc>
+                <a:spcPct val="100000"/>
+              </a:lnSpc>
+              <a:spcBef>
+                <a:spcPts val="0"/>
+              </a:spcBef>
+              <a:spcAft>
+                <a:spcPts val="0"/>
+              </a:spcAft>
+              <a:buNone/>
+            </a:pPr>
+            <a:r>
+              <a:rPr lang="en" sz="1200" b="1">
+                <a:solidFill>
+                  <a:srgbClr val="FF0000"/>
+                </a:solidFill>
+                <a:latin typeface="Calibri"/>
+                <a:ea typeface="Calibri"/>
+                <a:cs typeface="Calibri"/>
+                <a:sym typeface="Calibri"/>
+              </a:rPr>
+              <a:t>  Tech Layoffs by year (US only):</a:t>
+            </a:r>
+            <a:endParaRPr sz="1200" b="1">
+              <a:solidFill>
+                <a:srgbClr val="FF0000"/>
+              </a:solidFill>
+              <a:latin typeface="Calibri"/>
+              <a:ea typeface="Calibri"/>
+              <a:cs typeface="Calibri"/>
+              <a:sym typeface="Calibri"/>
+            </a:endParaRPr>
+          </a:p>
+          <a:p>
+            <a:pPr marL="228600" marR="0" lvl="1" indent="-133350" algn="l" rtl="0">
+              <a:lnSpc>
+                <a:spcPct val="100000"/>
+              </a:lnSpc>
+              <a:spcBef>
+                <a:spcPts val="0"/>
+              </a:spcBef>
+              <a:spcAft>
+                <a:spcPts val="0"/>
+              </a:spcAft>
+              <a:buSzPts val="1200"/>
+              <a:buFont typeface="Calibri"/>
+              <a:buChar char="○"/>
+            </a:pPr>
+            <a:r>
+              <a:rPr lang="en" sz="1000" b="1">
+                <a:latin typeface="Roboto Mono"/>
+                <a:ea typeface="Roboto Mono"/>
+                <a:cs typeface="Roboto Mono"/>
+                <a:sym typeface="Roboto Mono"/>
+              </a:rPr>
+              <a:t> 112.7K in 2025 (as of October 30)</a:t>
+            </a:r>
+            <a:endParaRPr sz="1000" b="1">
+              <a:latin typeface="Roboto Mono"/>
+              <a:ea typeface="Roboto Mono"/>
+              <a:cs typeface="Roboto Mono"/>
+              <a:sym typeface="Roboto Mono"/>
+            </a:endParaRPr>
+          </a:p>
+          <a:p>
+            <a:pPr marL="228600" marR="0" lvl="1" indent="-133350" algn="l" rtl="0">
+              <a:lnSpc>
+                <a:spcPct val="100000"/>
+              </a:lnSpc>
+              <a:spcBef>
+                <a:spcPts val="0"/>
+              </a:spcBef>
+              <a:spcAft>
+                <a:spcPts val="0"/>
+              </a:spcAft>
+              <a:buSzPts val="1200"/>
+              <a:buFont typeface="Calibri"/>
+              <a:buChar char="○"/>
+            </a:pPr>
+            <a:r>
+              <a:rPr lang="en" sz="1000" b="1">
+                <a:latin typeface="Roboto Mono"/>
+                <a:ea typeface="Roboto Mono"/>
+                <a:cs typeface="Roboto Mono"/>
+                <a:sym typeface="Roboto Mono"/>
+              </a:rPr>
+              <a:t>153K in </a:t>
+            </a:r>
+            <a:r>
+              <a:rPr lang="en" sz="1000" b="1">
+                <a:solidFill>
+                  <a:srgbClr val="000000"/>
+                </a:solidFill>
+                <a:latin typeface="Roboto Mono"/>
+                <a:ea typeface="Roboto Mono"/>
+                <a:cs typeface="Roboto Mono"/>
+                <a:sym typeface="Roboto Mono"/>
+              </a:rPr>
+              <a:t>2024</a:t>
+            </a:r>
+            <a:endParaRPr sz="1000" b="1">
+              <a:latin typeface="Roboto Mono"/>
+              <a:ea typeface="Roboto Mono"/>
+              <a:cs typeface="Roboto Mono"/>
+              <a:sym typeface="Roboto Mono"/>
+            </a:endParaRPr>
+          </a:p>
+          <a:p>
+            <a:pPr marL="228600" marR="0" lvl="1" indent="-133350" algn="l" rtl="0">
+              <a:lnSpc>
+                <a:spcPct val="100000"/>
+              </a:lnSpc>
+              <a:spcBef>
+                <a:spcPts val="0"/>
+              </a:spcBef>
+              <a:spcAft>
+                <a:spcPts val="0"/>
+              </a:spcAft>
+              <a:buSzPts val="1200"/>
+              <a:buFont typeface="Calibri"/>
+              <a:buChar char="○"/>
+            </a:pPr>
+            <a:r>
+              <a:rPr lang="en" sz="1000" b="1">
+                <a:latin typeface="Roboto Mono"/>
+                <a:ea typeface="Roboto Mono"/>
+                <a:cs typeface="Roboto Mono"/>
+                <a:sym typeface="Roboto Mono"/>
+              </a:rPr>
+              <a:t>264K in 2023</a:t>
+            </a:r>
+            <a:endParaRPr sz="1000" b="1">
+              <a:latin typeface="Roboto Mono"/>
+              <a:ea typeface="Roboto Mono"/>
+              <a:cs typeface="Roboto Mono"/>
+              <a:sym typeface="Roboto Mono"/>
+            </a:endParaRPr>
+          </a:p>
+          <a:p>
+            <a:pPr marL="228600" marR="0" lvl="1" indent="-133350" algn="l" rtl="0">
+              <a:lnSpc>
+                <a:spcPct val="100000"/>
+              </a:lnSpc>
+              <a:spcBef>
+                <a:spcPts val="0"/>
+              </a:spcBef>
+              <a:spcAft>
+                <a:spcPts val="0"/>
+              </a:spcAft>
+              <a:buSzPts val="1200"/>
+              <a:buFont typeface="Calibri"/>
+              <a:buChar char="○"/>
+            </a:pPr>
+            <a:r>
+              <a:rPr lang="en" sz="1000" b="1">
+                <a:latin typeface="Roboto Mono"/>
+                <a:ea typeface="Roboto Mono"/>
+                <a:cs typeface="Roboto Mono"/>
+                <a:sym typeface="Roboto Mono"/>
+              </a:rPr>
+              <a:t>165K in 2022                  </a:t>
+            </a:r>
+            <a:r>
+              <a:rPr lang="en" sz="1200" i="0" u="sng" strike="noStrike" cap="none">
+                <a:solidFill>
+                  <a:srgbClr val="0097A7"/>
+                </a:solidFill>
+                <a:latin typeface="Calibri"/>
+                <a:ea typeface="Calibri"/>
+                <a:cs typeface="Calibri"/>
+                <a:sym typeface="Calibri"/>
+                <a:hlinkClick r:id="rId3">
+                  <a:extLst>
+                    <a:ext uri="{A12FA001-AC4F-418D-AE19-62706E023703}">
+                      <ahyp:hlinkClr xmlns:ahyp="http://schemas.microsoft.com/office/drawing/2018/hyperlinkcolor" val="tx"/>
+                    </a:ext>
+                  </a:extLst>
+                </a:hlinkClick>
+              </a:rPr>
+              <a:t>https://layoffs.fyi</a:t>
+            </a:r>
+            <a:endParaRPr sz="1200" i="0" u="none" strike="noStrike" cap="none">
+              <a:solidFill>
+                <a:srgbClr val="000000"/>
+              </a:solidFill>
+              <a:latin typeface="Calibri"/>
+              <a:ea typeface="Calibri"/>
+              <a:cs typeface="Calibri"/>
+              <a:sym typeface="Calibri"/>
+            </a:endParaRPr>
+          </a:p>
+        </p:txBody>
+      </p:sp>
+      <p:sp>
+        <p:nvSpPr>
+          <p:cNvPr id="308" name="Google Shape;308;p34"/>
+          <p:cNvSpPr txBox="1"/>
+          <p:nvPr/>
+        </p:nvSpPr>
+        <p:spPr>
+          <a:xfrm>
+            <a:off x="5097525" y="4233900"/>
+            <a:ext cx="3981900" cy="757200"/>
+          </a:xfrm>
+          <a:prstGeom prst="rect">
+            <a:avLst/>
+          </a:prstGeom>
+          <a:solidFill>
+            <a:srgbClr val="FFF2CC"/>
+          </a:solidFill>
+          <a:ln w="9525" cap="flat" cmpd="sng">
+            <a:solidFill>
+              <a:srgbClr val="FF0000"/>
+            </a:solidFill>
+            <a:prstDash val="solid"/>
+            <a:round/>
+            <a:headEnd type="none" w="sm" len="sm"/>
+            <a:tailEnd type="none" w="sm" len="sm"/>
+          </a:ln>
+        </p:spPr>
+        <p:txBody>
+          <a:bodyPr spcFirstLastPara="1" wrap="square" lIns="9125" tIns="9125" rIns="9125" bIns="9125" anchor="t" anchorCtr="0">
+            <a:spAutoFit/>
+          </a:bodyPr>
+          <a:lstStyle/>
+          <a:p>
+            <a:pPr marL="0" lvl="0" indent="0" algn="l" rtl="0">
+              <a:spcBef>
+                <a:spcPts val="0"/>
+              </a:spcBef>
+              <a:spcAft>
+                <a:spcPts val="0"/>
+              </a:spcAft>
+              <a:buNone/>
+            </a:pPr>
+            <a:r>
+              <a:rPr lang="en" sz="1200" b="1">
+                <a:solidFill>
+                  <a:srgbClr val="FF0000"/>
+                </a:solidFill>
+                <a:latin typeface="Calibri"/>
+                <a:ea typeface="Calibri"/>
+                <a:cs typeface="Calibri"/>
+                <a:sym typeface="Calibri"/>
+              </a:rPr>
+              <a:t>  The Tech Layoff Tracker</a:t>
+            </a:r>
+            <a:endParaRPr sz="1200" b="1">
+              <a:solidFill>
+                <a:srgbClr val="FF0000"/>
+              </a:solidFill>
+              <a:latin typeface="Calibri"/>
+              <a:ea typeface="Calibri"/>
+              <a:cs typeface="Calibri"/>
+              <a:sym typeface="Calibri"/>
+            </a:endParaRPr>
+          </a:p>
+          <a:p>
+            <a:pPr marL="228600" lvl="0" indent="-133350" algn="l" rtl="0">
+              <a:spcBef>
+                <a:spcPts val="0"/>
+              </a:spcBef>
+              <a:spcAft>
+                <a:spcPts val="0"/>
+              </a:spcAft>
+              <a:buSzPts val="1200"/>
+              <a:buFont typeface="Calibri"/>
+              <a:buChar char="●"/>
+            </a:pPr>
+            <a:r>
+              <a:rPr lang="en" sz="1200">
+                <a:latin typeface="Calibri"/>
+                <a:ea typeface="Calibri"/>
+                <a:cs typeface="Calibri"/>
+                <a:sym typeface="Calibri"/>
+              </a:rPr>
+              <a:t>So far in 2025, 177,097 people laid off (584 per day)</a:t>
+            </a:r>
+            <a:endParaRPr sz="1200">
+              <a:latin typeface="Calibri"/>
+              <a:ea typeface="Calibri"/>
+              <a:cs typeface="Calibri"/>
+              <a:sym typeface="Calibri"/>
+            </a:endParaRPr>
+          </a:p>
+          <a:p>
+            <a:pPr marL="228600" lvl="0" indent="-133350" algn="l" rtl="0">
+              <a:spcBef>
+                <a:spcPts val="0"/>
+              </a:spcBef>
+              <a:spcAft>
+                <a:spcPts val="0"/>
+              </a:spcAft>
+              <a:buSzPts val="1200"/>
+              <a:buFont typeface="Calibri"/>
+              <a:buChar char="●"/>
+            </a:pPr>
+            <a:r>
+              <a:rPr lang="en" sz="1200">
+                <a:latin typeface="Calibri"/>
+                <a:ea typeface="Calibri"/>
+                <a:cs typeface="Calibri"/>
+                <a:sym typeface="Calibri"/>
+              </a:rPr>
+              <a:t>In 2024, 238,461 people </a:t>
+            </a:r>
+            <a:r>
+              <a:rPr lang="en" sz="1200">
+                <a:solidFill>
+                  <a:schemeClr val="dk1"/>
+                </a:solidFill>
+                <a:latin typeface="Calibri"/>
+                <a:ea typeface="Calibri"/>
+                <a:cs typeface="Calibri"/>
+                <a:sym typeface="Calibri"/>
+              </a:rPr>
+              <a:t>laid off</a:t>
+            </a:r>
+            <a:r>
+              <a:rPr lang="en" sz="1200">
+                <a:latin typeface="Calibri"/>
+                <a:ea typeface="Calibri"/>
+                <a:cs typeface="Calibri"/>
+                <a:sym typeface="Calibri"/>
+              </a:rPr>
+              <a:t> (653 per day)</a:t>
+            </a:r>
+            <a:endParaRPr sz="1200">
+              <a:latin typeface="Calibri"/>
+              <a:ea typeface="Calibri"/>
+              <a:cs typeface="Calibri"/>
+              <a:sym typeface="Calibri"/>
+            </a:endParaRPr>
+          </a:p>
+          <a:p>
+            <a:pPr marL="228600" marR="460857" lvl="0" indent="-57150" algn="r" rtl="0">
+              <a:spcBef>
+                <a:spcPts val="0"/>
+              </a:spcBef>
+              <a:spcAft>
+                <a:spcPts val="0"/>
+              </a:spcAft>
+              <a:buNone/>
+            </a:pPr>
+            <a:r>
+              <a:rPr lang="en" sz="1200" u="sng">
+                <a:solidFill>
+                  <a:schemeClr val="hlink"/>
+                </a:solidFill>
+                <a:latin typeface="Calibri"/>
+                <a:ea typeface="Calibri"/>
+                <a:cs typeface="Calibri"/>
+                <a:sym typeface="Calibri"/>
+                <a:hlinkClick r:id="rId4"/>
+              </a:rPr>
+              <a:t>https://trueup.io/layoffs</a:t>
+            </a:r>
+            <a:endParaRPr sz="1200">
+              <a:latin typeface="Calibri"/>
+              <a:ea typeface="Calibri"/>
+              <a:cs typeface="Calibri"/>
+              <a:sym typeface="Calibri"/>
+            </a:endParaRPr>
+          </a:p>
+        </p:txBody>
+      </p:sp>
       <p:pic>
         <p:nvPicPr>
-          <p:cNvPr id="305" name="Google Shape;305;p34"/>
+          <p:cNvPr id="309" name="Google Shape;309;p34"/>
+          <p:cNvPicPr preferRelativeResize="0"/>
+          <p:nvPr/>
+        </p:nvPicPr>
+        <p:blipFill>
+          <a:blip r:embed="rId5" cstate="email">
+            <a:alphaModFix/>
+            <a:extLst>
+              <a:ext uri="{28A0092B-C50C-407E-A947-70E740481C1C}">
+                <a14:useLocalDpi xmlns:a14="http://schemas.microsoft.com/office/drawing/2010/main"/>
+              </a:ext>
+            </a:extLst>
+          </a:blip>
+          <a:stretch>
+            <a:fillRect/>
+          </a:stretch>
+        </p:blipFill>
+        <p:spPr>
+          <a:xfrm>
+            <a:off x="67350" y="2420750"/>
+            <a:ext cx="4951699" cy="2630588"/>
+          </a:xfrm>
+          <a:prstGeom prst="rect">
+            <a:avLst/>
+          </a:prstGeom>
+          <a:noFill/>
+          <a:ln w="9525" cap="flat" cmpd="sng">
+            <a:solidFill>
+              <a:srgbClr val="FF0000"/>
+            </a:solidFill>
+            <a:prstDash val="solid"/>
+            <a:round/>
+            <a:headEnd type="none" w="sm" len="sm"/>
+            <a:tailEnd type="none" w="sm" len="sm"/>
+          </a:ln>
+        </p:spPr>
+      </p:pic>
+      <p:pic>
+        <p:nvPicPr>
+          <p:cNvPr id="310" name="Google Shape;310;p34"/>
+          <p:cNvPicPr preferRelativeResize="0"/>
+          <p:nvPr/>
+        </p:nvPicPr>
+        <p:blipFill>
+          <a:blip r:embed="rId6" cstate="email">
+            <a:alphaModFix/>
+            <a:extLst>
+              <a:ext uri="{28A0092B-C50C-407E-A947-70E740481C1C}">
+                <a14:useLocalDpi xmlns:a14="http://schemas.microsoft.com/office/drawing/2010/main"/>
+              </a:ext>
+            </a:extLst>
+          </a:blip>
+          <a:stretch>
+            <a:fillRect/>
+          </a:stretch>
+        </p:blipFill>
+        <p:spPr>
+          <a:xfrm>
+            <a:off x="67350" y="565775"/>
+            <a:ext cx="4951702" cy="1815246"/>
+          </a:xfrm>
+          <a:prstGeom prst="rect">
+            <a:avLst/>
+          </a:prstGeom>
+          <a:noFill/>
+          <a:ln w="9525" cap="flat" cmpd="sng">
+            <a:solidFill>
+              <a:srgbClr val="FF0000"/>
+            </a:solidFill>
+            <a:prstDash val="solid"/>
+            <a:round/>
+            <a:headEnd type="none" w="sm" len="sm"/>
+            <a:tailEnd type="none" w="sm" len="sm"/>
+          </a:ln>
+        </p:spPr>
+      </p:pic>
+    </p:spTree>
+  </p:cSld>
+  <p:clrMapOvr>
+    <a:masterClrMapping/>
+  </p:clrMapOvr>
+</p:sld>
+</file>
+
+<file path=ppt/slides/slide21.xml><?xml version="1.0" encoding="utf-8"?>
+<p:sld xmlns:a="http://schemas.openxmlformats.org/drawingml/2006/main" xmlns:r="http://schemas.openxmlformats.org/officeDocument/2006/relationships" xmlns:p="http://schemas.openxmlformats.org/presentationml/2006/main">
+  <p:cSld>
+    <p:spTree>
+      <p:nvGrpSpPr>
+        <p:cNvPr id="1" name="Shape 314"/>
+        <p:cNvGrpSpPr/>
+        <p:nvPr/>
+      </p:nvGrpSpPr>
+      <p:grpSpPr>
+        <a:xfrm>
+          <a:off x="0" y="0"/>
+          <a:ext cx="0" cy="0"/>
+          <a:chOff x="0" y="0"/>
+          <a:chExt cx="0" cy="0"/>
+        </a:xfrm>
+      </p:grpSpPr>
+      <p:pic>
+        <p:nvPicPr>
+          <p:cNvPr id="315" name="Google Shape;315;p35"/>
           <p:cNvPicPr preferRelativeResize="0"/>
           <p:nvPr/>
         </p:nvPicPr>
@@ -39149,7 +40351,7 @@
       </p:pic>
       <p:sp>
         <p:nvSpPr>
-          <p:cNvPr id="306" name="Google Shape;306;p34"/>
+          <p:cNvPr id="316" name="Google Shape;316;p35"/>
           <p:cNvSpPr txBox="1"/>
           <p:nvPr/>
         </p:nvSpPr>
@@ -39215,7 +40417,7 @@
       </p:sp>
       <p:sp>
         <p:nvSpPr>
-          <p:cNvPr id="307" name="Google Shape;307;p34"/>
+          <p:cNvPr id="317" name="Google Shape;317;p35"/>
           <p:cNvSpPr txBox="1"/>
           <p:nvPr/>
         </p:nvSpPr>
@@ -39645,7 +40847,7 @@
       </p:sp>
       <p:pic>
         <p:nvPicPr>
-          <p:cNvPr id="308" name="Google Shape;308;p34"/>
+          <p:cNvPr id="318" name="Google Shape;318;p35"/>
           <p:cNvPicPr preferRelativeResize="0"/>
           <p:nvPr/>
         </p:nvPicPr>
@@ -39677,7 +40879,7 @@
       </p:pic>
       <p:sp>
         <p:nvSpPr>
-          <p:cNvPr id="309" name="Google Shape;309;p34"/>
+          <p:cNvPr id="319" name="Google Shape;319;p35"/>
           <p:cNvSpPr txBox="1"/>
           <p:nvPr/>
         </p:nvSpPr>
@@ -39756,7 +40958,7 @@
       </p:sp>
       <p:sp>
         <p:nvSpPr>
-          <p:cNvPr id="310" name="Google Shape;310;p34"/>
+          <p:cNvPr id="320" name="Google Shape;320;p35"/>
           <p:cNvSpPr txBox="1"/>
           <p:nvPr/>
         </p:nvSpPr>
@@ -39828,12 +41030,12 @@
 </p:sld>
 </file>
 
-<file path=ppt/slides/slide21.xml><?xml version="1.0" encoding="utf-8"?>
+<file path=ppt/slides/slide22.xml><?xml version="1.0" encoding="utf-8"?>
 <p:sld xmlns:a="http://schemas.openxmlformats.org/drawingml/2006/main" xmlns:r="http://schemas.openxmlformats.org/officeDocument/2006/relationships" xmlns:p="http://schemas.openxmlformats.org/presentationml/2006/main">
   <p:cSld>
     <p:spTree>
       <p:nvGrpSpPr>
-        <p:cNvPr id="1" name="Shape 314"/>
+        <p:cNvPr id="1" name="Shape 324"/>
         <p:cNvGrpSpPr/>
         <p:nvPr/>
       </p:nvGrpSpPr>
@@ -39847,7 +41049,7 @@
       </p:grpSpPr>
       <p:sp>
         <p:nvSpPr>
-          <p:cNvPr id="315" name="Google Shape;315;p35"/>
+          <p:cNvPr id="325" name="Google Shape;325;p36"/>
           <p:cNvSpPr txBox="1"/>
           <p:nvPr/>
         </p:nvSpPr>

--- a/2025/2025-11-07-AI-Updates.pptx
+++ b/2025/2025-11-07-AI-Updates.pptx
@@ -5,7 +5,7 @@
     <p:sldMasterId id="2147483661" r:id="rId1"/>
   </p:sldMasterIdLst>
   <p:notesMasterIdLst>
-    <p:notesMasterId r:id="rId24"/>
+    <p:notesMasterId r:id="rId26"/>
   </p:notesMasterIdLst>
   <p:sldIdLst>
     <p:sldId id="256" r:id="rId2"/>
@@ -30,16 +30,18 @@
     <p:sldId id="275" r:id="rId21"/>
     <p:sldId id="276" r:id="rId22"/>
     <p:sldId id="277" r:id="rId23"/>
+    <p:sldId id="278" r:id="rId24"/>
+    <p:sldId id="279" r:id="rId25"/>
   </p:sldIdLst>
   <p:sldSz cx="9144000" cy="5143500" type="screen16x9"/>
   <p:notesSz cx="6858000" cy="9144000"/>
   <p:embeddedFontLst>
     <p:embeddedFont>
       <p:font typeface="Roboto Mono" pitchFamily="49" charset="0"/>
-      <p:regular r:id="rId25"/>
-      <p:bold r:id="rId26"/>
-      <p:italic r:id="rId27"/>
-      <p:boldItalic r:id="rId28"/>
+      <p:regular r:id="rId27"/>
+      <p:bold r:id="rId28"/>
+      <p:italic r:id="rId29"/>
+      <p:boldItalic r:id="rId30"/>
     </p:embeddedFont>
   </p:embeddedFontLst>
   <p:defaultTextStyle>
@@ -1238,7 +1240,7 @@
       </p:grpSpPr>
       <p:sp>
         <p:nvSpPr>
-          <p:cNvPr id="237" name="Google Shape;237;g36fde45550a_0_19:notes"/>
+          <p:cNvPr id="237" name="Google Shape;237;g36fe953d102_0_0:notes"/>
           <p:cNvSpPr>
             <a:spLocks noGrp="1" noRot="1" noChangeAspect="1"/>
           </p:cNvSpPr>
@@ -1289,7 +1291,7 @@
       </p:sp>
       <p:sp>
         <p:nvSpPr>
-          <p:cNvPr id="238" name="Google Shape;238;g36fde45550a_0_19:notes"/>
+          <p:cNvPr id="238" name="Google Shape;238;g36fe953d102_0_0:notes"/>
           <p:cNvSpPr txBox="1">
             <a:spLocks noGrp="1"/>
           </p:cNvSpPr>
@@ -1346,7 +1348,7 @@
   <p:cSld>
     <p:spTree>
       <p:nvGrpSpPr>
-        <p:cNvPr id="1" name="Shape 244"/>
+        <p:cNvPr id="1" name="Shape 249"/>
         <p:cNvGrpSpPr/>
         <p:nvPr/>
       </p:nvGrpSpPr>
@@ -1360,7 +1362,7 @@
       </p:grpSpPr>
       <p:sp>
         <p:nvSpPr>
-          <p:cNvPr id="245" name="Google Shape;245;g3a1272b1276_0_0:notes"/>
+          <p:cNvPr id="250" name="Google Shape;250;g36fde45550a_0_19:notes"/>
           <p:cNvSpPr>
             <a:spLocks noGrp="1" noRot="1" noChangeAspect="1"/>
           </p:cNvSpPr>
@@ -1411,7 +1413,7 @@
       </p:sp>
       <p:sp>
         <p:nvSpPr>
-          <p:cNvPr id="246" name="Google Shape;246;g3a1272b1276_0_0:notes"/>
+          <p:cNvPr id="251" name="Google Shape;251;g36fde45550a_0_19:notes"/>
           <p:cNvSpPr txBox="1">
             <a:spLocks noGrp="1"/>
           </p:cNvSpPr>
@@ -1468,7 +1470,7 @@
   <p:cSld>
     <p:spTree>
       <p:nvGrpSpPr>
-        <p:cNvPr id="1" name="Shape 254"/>
+        <p:cNvPr id="1" name="Shape 257"/>
         <p:cNvGrpSpPr/>
         <p:nvPr/>
       </p:nvGrpSpPr>
@@ -1482,7 +1484,7 @@
       </p:grpSpPr>
       <p:sp>
         <p:nvSpPr>
-          <p:cNvPr id="255" name="Google Shape;255;g39f2c5113c6_0_0:notes"/>
+          <p:cNvPr id="258" name="Google Shape;258;g3a1272b1276_0_0:notes"/>
           <p:cNvSpPr>
             <a:spLocks noGrp="1" noRot="1" noChangeAspect="1"/>
           </p:cNvSpPr>
@@ -1533,7 +1535,7 @@
       </p:sp>
       <p:sp>
         <p:nvSpPr>
-          <p:cNvPr id="256" name="Google Shape;256;g39f2c5113c6_0_0:notes"/>
+          <p:cNvPr id="259" name="Google Shape;259;g3a1272b1276_0_0:notes"/>
           <p:cNvSpPr txBox="1">
             <a:spLocks noGrp="1"/>
           </p:cNvSpPr>
@@ -1590,7 +1592,7 @@
   <p:cSld>
     <p:spTree>
       <p:nvGrpSpPr>
-        <p:cNvPr id="1" name="Shape 263"/>
+        <p:cNvPr id="1" name="Shape 267"/>
         <p:cNvGrpSpPr/>
         <p:nvPr/>
       </p:nvGrpSpPr>
@@ -1604,7 +1606,7 @@
       </p:grpSpPr>
       <p:sp>
         <p:nvSpPr>
-          <p:cNvPr id="264" name="Google Shape;264;g36fb67d4f6c_1_6:notes"/>
+          <p:cNvPr id="268" name="Google Shape;268;g39f2c5113c6_0_0:notes"/>
           <p:cNvSpPr>
             <a:spLocks noGrp="1" noRot="1" noChangeAspect="1"/>
           </p:cNvSpPr>
@@ -1655,7 +1657,7 @@
       </p:sp>
       <p:sp>
         <p:nvSpPr>
-          <p:cNvPr id="265" name="Google Shape;265;g36fb67d4f6c_1_6:notes"/>
+          <p:cNvPr id="269" name="Google Shape;269;g39f2c5113c6_0_0:notes"/>
           <p:cNvSpPr txBox="1">
             <a:spLocks noGrp="1"/>
           </p:cNvSpPr>
@@ -1712,7 +1714,7 @@
   <p:cSld>
     <p:spTree>
       <p:nvGrpSpPr>
-        <p:cNvPr id="1" name="Shape 271"/>
+        <p:cNvPr id="1" name="Shape 276"/>
         <p:cNvGrpSpPr/>
         <p:nvPr/>
       </p:nvGrpSpPr>
@@ -1726,7 +1728,7 @@
       </p:grpSpPr>
       <p:sp>
         <p:nvSpPr>
-          <p:cNvPr id="272" name="Google Shape;272;g36fd377f936_0_8:notes"/>
+          <p:cNvPr id="277" name="Google Shape;277;g36fb67d4f6c_1_6:notes"/>
           <p:cNvSpPr>
             <a:spLocks noGrp="1" noRot="1" noChangeAspect="1"/>
           </p:cNvSpPr>
@@ -1777,7 +1779,7 @@
       </p:sp>
       <p:sp>
         <p:nvSpPr>
-          <p:cNvPr id="273" name="Google Shape;273;g36fd377f936_0_8:notes"/>
+          <p:cNvPr id="278" name="Google Shape;278;g36fb67d4f6c_1_6:notes"/>
           <p:cNvSpPr txBox="1">
             <a:spLocks noGrp="1"/>
           </p:cNvSpPr>
@@ -1834,7 +1836,7 @@
   <p:cSld>
     <p:spTree>
       <p:nvGrpSpPr>
-        <p:cNvPr id="1" name="Shape 279"/>
+        <p:cNvPr id="1" name="Shape 284"/>
         <p:cNvGrpSpPr/>
         <p:nvPr/>
       </p:nvGrpSpPr>
@@ -1848,7 +1850,7 @@
       </p:grpSpPr>
       <p:sp>
         <p:nvSpPr>
-          <p:cNvPr id="280" name="Google Shape;280;g36fb67d4f6c_1_0:notes"/>
+          <p:cNvPr id="285" name="Google Shape;285;g36fd377f936_0_8:notes"/>
           <p:cNvSpPr>
             <a:spLocks noGrp="1" noRot="1" noChangeAspect="1"/>
           </p:cNvSpPr>
@@ -1899,7 +1901,7 @@
       </p:sp>
       <p:sp>
         <p:nvSpPr>
-          <p:cNvPr id="281" name="Google Shape;281;g36fb67d4f6c_1_0:notes"/>
+          <p:cNvPr id="286" name="Google Shape;286;g36fd377f936_0_8:notes"/>
           <p:cNvSpPr txBox="1">
             <a:spLocks noGrp="1"/>
           </p:cNvSpPr>
@@ -1956,7 +1958,7 @@
   <p:cSld>
     <p:spTree>
       <p:nvGrpSpPr>
-        <p:cNvPr id="1" name="Shape 286"/>
+        <p:cNvPr id="1" name="Shape 292"/>
         <p:cNvGrpSpPr/>
         <p:nvPr/>
       </p:nvGrpSpPr>
@@ -1970,7 +1972,7 @@
       </p:grpSpPr>
       <p:sp>
         <p:nvSpPr>
-          <p:cNvPr id="287" name="Google Shape;287;g36fbf44f22a_0_1:notes"/>
+          <p:cNvPr id="293" name="Google Shape;293;g36fb67d4f6c_1_0:notes"/>
           <p:cNvSpPr>
             <a:spLocks noGrp="1" noRot="1" noChangeAspect="1"/>
           </p:cNvSpPr>
@@ -2021,7 +2023,7 @@
       </p:sp>
       <p:sp>
         <p:nvSpPr>
-          <p:cNvPr id="288" name="Google Shape;288;g36fbf44f22a_0_1:notes"/>
+          <p:cNvPr id="294" name="Google Shape;294;g36fb67d4f6c_1_0:notes"/>
           <p:cNvSpPr txBox="1">
             <a:spLocks noGrp="1"/>
           </p:cNvSpPr>
@@ -2078,7 +2080,7 @@
   <p:cSld>
     <p:spTree>
       <p:nvGrpSpPr>
-        <p:cNvPr id="1" name="Shape 293"/>
+        <p:cNvPr id="1" name="Shape 299"/>
         <p:cNvGrpSpPr/>
         <p:nvPr/>
       </p:nvGrpSpPr>
@@ -2092,7 +2094,7 @@
       </p:grpSpPr>
       <p:sp>
         <p:nvSpPr>
-          <p:cNvPr id="294" name="Google Shape;294;g3a118dbb0a8_0_0:notes"/>
+          <p:cNvPr id="300" name="Google Shape;300;g36fe953d102_0_12:notes"/>
           <p:cNvSpPr>
             <a:spLocks noGrp="1" noRot="1" noChangeAspect="1"/>
           </p:cNvSpPr>
@@ -2143,7 +2145,7 @@
       </p:sp>
       <p:sp>
         <p:nvSpPr>
-          <p:cNvPr id="295" name="Google Shape;295;g3a118dbb0a8_0_0:notes"/>
+          <p:cNvPr id="301" name="Google Shape;301;g36fe953d102_0_12:notes"/>
           <p:cNvSpPr txBox="1">
             <a:spLocks noGrp="1"/>
           </p:cNvSpPr>
@@ -2322,7 +2324,7 @@
   <p:cSld>
     <p:spTree>
       <p:nvGrpSpPr>
-        <p:cNvPr id="1" name="Shape 301"/>
+        <p:cNvPr id="1" name="Shape 306"/>
         <p:cNvGrpSpPr/>
         <p:nvPr/>
       </p:nvGrpSpPr>
@@ -2336,7 +2338,7 @@
       </p:grpSpPr>
       <p:sp>
         <p:nvSpPr>
-          <p:cNvPr id="302" name="Google Shape;302;p23:notes"/>
+          <p:cNvPr id="307" name="Google Shape;307;g36fbf44f22a_0_1:notes"/>
           <p:cNvSpPr>
             <a:spLocks noGrp="1" noRot="1" noChangeAspect="1"/>
           </p:cNvSpPr>
@@ -2387,7 +2389,7 @@
       </p:sp>
       <p:sp>
         <p:nvSpPr>
-          <p:cNvPr id="303" name="Google Shape;303;p23:notes"/>
+          <p:cNvPr id="308" name="Google Shape;308;g36fbf44f22a_0_1:notes"/>
           <p:cNvSpPr txBox="1">
             <a:spLocks noGrp="1"/>
           </p:cNvSpPr>
@@ -2444,7 +2446,7 @@
   <p:cSld>
     <p:spTree>
       <p:nvGrpSpPr>
-        <p:cNvPr id="1" name="Shape 311"/>
+        <p:cNvPr id="1" name="Shape 313"/>
         <p:cNvGrpSpPr/>
         <p:nvPr/>
       </p:nvGrpSpPr>
@@ -2458,7 +2460,7 @@
       </p:grpSpPr>
       <p:sp>
         <p:nvSpPr>
-          <p:cNvPr id="312" name="Google Shape;312;p24:notes"/>
+          <p:cNvPr id="314" name="Google Shape;314;g3a118dbb0a8_0_0:notes"/>
           <p:cNvSpPr>
             <a:spLocks noGrp="1" noRot="1" noChangeAspect="1"/>
           </p:cNvSpPr>
@@ -2509,7 +2511,7 @@
       </p:sp>
       <p:sp>
         <p:nvSpPr>
-          <p:cNvPr id="313" name="Google Shape;313;p24:notes"/>
+          <p:cNvPr id="315" name="Google Shape;315;g3a118dbb0a8_0_0:notes"/>
           <p:cNvSpPr txBox="1">
             <a:spLocks noGrp="1"/>
           </p:cNvSpPr>
@@ -2580,7 +2582,251 @@
       </p:grpSpPr>
       <p:sp>
         <p:nvSpPr>
-          <p:cNvPr id="322" name="Google Shape;322;p25:notes"/>
+          <p:cNvPr id="322" name="Google Shape;322;p23:notes"/>
+          <p:cNvSpPr>
+            <a:spLocks noGrp="1" noRot="1" noChangeAspect="1"/>
+          </p:cNvSpPr>
+          <p:nvPr>
+            <p:ph type="sldImg" idx="2"/>
+          </p:nvPr>
+        </p:nvSpPr>
+        <p:spPr>
+          <a:xfrm>
+            <a:off x="381000" y="685800"/>
+            <a:ext cx="6096000" cy="3429000"/>
+          </a:xfrm>
+          <a:custGeom>
+            <a:avLst/>
+            <a:gdLst/>
+            <a:ahLst/>
+            <a:cxnLst/>
+            <a:rect l="l" t="t" r="r" b="b"/>
+            <a:pathLst>
+              <a:path w="120000" h="120000" extrusionOk="0">
+                <a:moveTo>
+                  <a:pt x="0" y="0"/>
+                </a:moveTo>
+                <a:lnTo>
+                  <a:pt x="120000" y="0"/>
+                </a:lnTo>
+                <a:lnTo>
+                  <a:pt x="120000" y="120000"/>
+                </a:lnTo>
+                <a:lnTo>
+                  <a:pt x="0" y="120000"/>
+                </a:lnTo>
+                <a:close/>
+              </a:path>
+            </a:pathLst>
+          </a:custGeom>
+          <a:noFill/>
+          <a:ln w="9525" cap="flat" cmpd="sng">
+            <a:solidFill>
+              <a:srgbClr val="000000"/>
+            </a:solidFill>
+            <a:prstDash val="solid"/>
+            <a:round/>
+            <a:headEnd type="none" w="sm" len="sm"/>
+            <a:tailEnd type="none" w="sm" len="sm"/>
+          </a:ln>
+        </p:spPr>
+      </p:sp>
+      <p:sp>
+        <p:nvSpPr>
+          <p:cNvPr id="323" name="Google Shape;323;p23:notes"/>
+          <p:cNvSpPr txBox="1">
+            <a:spLocks noGrp="1"/>
+          </p:cNvSpPr>
+          <p:nvPr>
+            <p:ph type="body" idx="1"/>
+          </p:nvPr>
+        </p:nvSpPr>
+        <p:spPr>
+          <a:xfrm>
+            <a:off x="685800" y="4343400"/>
+            <a:ext cx="5486400" cy="4114800"/>
+          </a:xfrm>
+          <a:prstGeom prst="rect">
+            <a:avLst/>
+          </a:prstGeom>
+          <a:noFill/>
+          <a:ln>
+            <a:noFill/>
+          </a:ln>
+        </p:spPr>
+        <p:txBody>
+          <a:bodyPr spcFirstLastPara="1" wrap="square" lIns="91425" tIns="91425" rIns="91425" bIns="91425" anchor="t" anchorCtr="0">
+            <a:noAutofit/>
+          </a:bodyPr>
+          <a:lstStyle/>
+          <a:p>
+            <a:pPr marL="0" lvl="0" indent="0" algn="l" rtl="0">
+              <a:lnSpc>
+                <a:spcPct val="100000"/>
+              </a:lnSpc>
+              <a:spcBef>
+                <a:spcPts val="0"/>
+              </a:spcBef>
+              <a:spcAft>
+                <a:spcPts val="0"/>
+              </a:spcAft>
+              <a:buSzPts val="1100"/>
+              <a:buNone/>
+            </a:pPr>
+            <a:endParaRPr/>
+          </a:p>
+        </p:txBody>
+      </p:sp>
+    </p:spTree>
+  </p:cSld>
+  <p:clrMapOvr>
+    <a:masterClrMapping/>
+  </p:clrMapOvr>
+</p:notes>
+</file>
+
+<file path=ppt/notesSlides/notesSlide23.xml><?xml version="1.0" encoding="utf-8"?>
+<p:notes xmlns:a="http://schemas.openxmlformats.org/drawingml/2006/main" xmlns:r="http://schemas.openxmlformats.org/officeDocument/2006/relationships" xmlns:p="http://schemas.openxmlformats.org/presentationml/2006/main" showMasterSp="0" showMasterPhAnim="0">
+  <p:cSld>
+    <p:spTree>
+      <p:nvGrpSpPr>
+        <p:cNvPr id="1" name="Shape 331"/>
+        <p:cNvGrpSpPr/>
+        <p:nvPr/>
+      </p:nvGrpSpPr>
+      <p:grpSpPr>
+        <a:xfrm>
+          <a:off x="0" y="0"/>
+          <a:ext cx="0" cy="0"/>
+          <a:chOff x="0" y="0"/>
+          <a:chExt cx="0" cy="0"/>
+        </a:xfrm>
+      </p:grpSpPr>
+      <p:sp>
+        <p:nvSpPr>
+          <p:cNvPr id="332" name="Google Shape;332;p24:notes"/>
+          <p:cNvSpPr>
+            <a:spLocks noGrp="1" noRot="1" noChangeAspect="1"/>
+          </p:cNvSpPr>
+          <p:nvPr>
+            <p:ph type="sldImg" idx="2"/>
+          </p:nvPr>
+        </p:nvSpPr>
+        <p:spPr>
+          <a:xfrm>
+            <a:off x="381000" y="685800"/>
+            <a:ext cx="6096000" cy="3429000"/>
+          </a:xfrm>
+          <a:custGeom>
+            <a:avLst/>
+            <a:gdLst/>
+            <a:ahLst/>
+            <a:cxnLst/>
+            <a:rect l="l" t="t" r="r" b="b"/>
+            <a:pathLst>
+              <a:path w="120000" h="120000" extrusionOk="0">
+                <a:moveTo>
+                  <a:pt x="0" y="0"/>
+                </a:moveTo>
+                <a:lnTo>
+                  <a:pt x="120000" y="0"/>
+                </a:lnTo>
+                <a:lnTo>
+                  <a:pt x="120000" y="120000"/>
+                </a:lnTo>
+                <a:lnTo>
+                  <a:pt x="0" y="120000"/>
+                </a:lnTo>
+                <a:close/>
+              </a:path>
+            </a:pathLst>
+          </a:custGeom>
+          <a:noFill/>
+          <a:ln w="9525" cap="flat" cmpd="sng">
+            <a:solidFill>
+              <a:srgbClr val="000000"/>
+            </a:solidFill>
+            <a:prstDash val="solid"/>
+            <a:round/>
+            <a:headEnd type="none" w="sm" len="sm"/>
+            <a:tailEnd type="none" w="sm" len="sm"/>
+          </a:ln>
+        </p:spPr>
+      </p:sp>
+      <p:sp>
+        <p:nvSpPr>
+          <p:cNvPr id="333" name="Google Shape;333;p24:notes"/>
+          <p:cNvSpPr txBox="1">
+            <a:spLocks noGrp="1"/>
+          </p:cNvSpPr>
+          <p:nvPr>
+            <p:ph type="body" idx="1"/>
+          </p:nvPr>
+        </p:nvSpPr>
+        <p:spPr>
+          <a:xfrm>
+            <a:off x="685800" y="4343400"/>
+            <a:ext cx="5486400" cy="4114800"/>
+          </a:xfrm>
+          <a:prstGeom prst="rect">
+            <a:avLst/>
+          </a:prstGeom>
+          <a:noFill/>
+          <a:ln>
+            <a:noFill/>
+          </a:ln>
+        </p:spPr>
+        <p:txBody>
+          <a:bodyPr spcFirstLastPara="1" wrap="square" lIns="91425" tIns="91425" rIns="91425" bIns="91425" anchor="t" anchorCtr="0">
+            <a:noAutofit/>
+          </a:bodyPr>
+          <a:lstStyle/>
+          <a:p>
+            <a:pPr marL="0" lvl="0" indent="0" algn="l" rtl="0">
+              <a:lnSpc>
+                <a:spcPct val="100000"/>
+              </a:lnSpc>
+              <a:spcBef>
+                <a:spcPts val="0"/>
+              </a:spcBef>
+              <a:spcAft>
+                <a:spcPts val="0"/>
+              </a:spcAft>
+              <a:buSzPts val="1100"/>
+              <a:buNone/>
+            </a:pPr>
+            <a:endParaRPr/>
+          </a:p>
+        </p:txBody>
+      </p:sp>
+    </p:spTree>
+  </p:cSld>
+  <p:clrMapOvr>
+    <a:masterClrMapping/>
+  </p:clrMapOvr>
+</p:notes>
+</file>
+
+<file path=ppt/notesSlides/notesSlide24.xml><?xml version="1.0" encoding="utf-8"?>
+<p:notes xmlns:a="http://schemas.openxmlformats.org/drawingml/2006/main" xmlns:r="http://schemas.openxmlformats.org/officeDocument/2006/relationships" xmlns:p="http://schemas.openxmlformats.org/presentationml/2006/main" showMasterSp="0" showMasterPhAnim="0">
+  <p:cSld>
+    <p:spTree>
+      <p:nvGrpSpPr>
+        <p:cNvPr id="1" name="Shape 341"/>
+        <p:cNvGrpSpPr/>
+        <p:nvPr/>
+      </p:nvGrpSpPr>
+      <p:grpSpPr>
+        <a:xfrm>
+          <a:off x="0" y="0"/>
+          <a:ext cx="0" cy="0"/>
+          <a:chOff x="0" y="0"/>
+          <a:chExt cx="0" cy="0"/>
+        </a:xfrm>
+      </p:grpSpPr>
+      <p:sp>
+        <p:nvSpPr>
+          <p:cNvPr id="342" name="Google Shape;342;p25:notes"/>
           <p:cNvSpPr>
             <a:spLocks noGrp="1" noRot="1" noChangeAspect="1"/>
           </p:cNvSpPr>
@@ -2631,7 +2877,7 @@
       </p:sp>
       <p:sp>
         <p:nvSpPr>
-          <p:cNvPr id="323" name="Google Shape;323;p25:notes"/>
+          <p:cNvPr id="343" name="Google Shape;343;p25:notes"/>
           <p:cNvSpPr txBox="1">
             <a:spLocks noGrp="1"/>
           </p:cNvSpPr>
@@ -13951,7 +14197,7 @@
         <p:spPr>
           <a:xfrm>
             <a:off x="4576975" y="630947"/>
-            <a:ext cx="4502400" cy="2235000"/>
+            <a:ext cx="4502400" cy="3466200"/>
           </a:xfrm>
           <a:prstGeom prst="rect">
             <a:avLst/>
@@ -14122,7 +14368,7 @@
                 <a:cs typeface="Calibri"/>
                 <a:sym typeface="Calibri"/>
               </a:rPr>
-              <a:t>Keyword+Semantic search instead of RAG</a:t>
+              <a:t>Google File Search Tool in Gemini API</a:t>
             </a:r>
             <a:endParaRPr sz="1600" b="1">
               <a:solidFill>
@@ -14153,19 +14399,6 @@
               <a:buChar char="●"/>
             </a:pPr>
             <a:r>
-              <a:rPr lang="en" sz="1600" b="1" u="sng">
-                <a:solidFill>
-                  <a:schemeClr val="hlink"/>
-                </a:solidFill>
-                <a:latin typeface="Calibri"/>
-                <a:ea typeface="Calibri"/>
-                <a:cs typeface="Calibri"/>
-                <a:sym typeface="Calibri"/>
-                <a:hlinkClick r:id="rId3"/>
-              </a:rPr>
-              <a:t>Reflection.AI</a:t>
-            </a:r>
-            <a:r>
               <a:rPr lang="en" sz="1600" b="1">
                 <a:solidFill>
                   <a:srgbClr val="3C78D8"/>
@@ -14175,7 +14408,7 @@
                 <a:cs typeface="Calibri"/>
                 <a:sym typeface="Calibri"/>
               </a:rPr>
-              <a:t> raised $2B at $8B valuation</a:t>
+              <a:t>Google Axion CPUs and Ironwood TPUs</a:t>
             </a:r>
             <a:endParaRPr sz="1600" b="1">
               <a:solidFill>
@@ -14215,7 +14448,7 @@
                 <a:cs typeface="Calibri"/>
                 <a:sym typeface="Calibri"/>
               </a:rPr>
-              <a:t>OpenMemory VS-Code Extension</a:t>
+              <a:t>Claude Skills Cookbook on GitHub</a:t>
             </a:r>
             <a:endParaRPr sz="1600" b="1">
               <a:solidFill>
@@ -14255,7 +14488,7 @@
                 <a:cs typeface="Calibri"/>
                 <a:sym typeface="Calibri"/>
               </a:rPr>
-              <a:t>Supervised Reinforcement Learning (SRL)</a:t>
+              <a:t>OpenAI "interrupt" feature</a:t>
             </a:r>
             <a:endParaRPr sz="1600" b="1">
               <a:solidFill>
@@ -14295,7 +14528,7 @@
                 <a:cs typeface="Calibri"/>
                 <a:sym typeface="Calibri"/>
               </a:rPr>
-              <a:t>Google Project Suncatcher</a:t>
+              <a:t>Keyword+Semantic search instead of RAG</a:t>
             </a:r>
             <a:endParaRPr sz="1600" b="1">
               <a:solidFill>
@@ -14326,6 +14559,19 @@
               <a:buChar char="●"/>
             </a:pPr>
             <a:r>
+              <a:rPr lang="en" sz="1600" b="1" u="sng">
+                <a:solidFill>
+                  <a:schemeClr val="hlink"/>
+                </a:solidFill>
+                <a:latin typeface="Calibri"/>
+                <a:ea typeface="Calibri"/>
+                <a:cs typeface="Calibri"/>
+                <a:sym typeface="Calibri"/>
+                <a:hlinkClick r:id="rId3"/>
+              </a:rPr>
+              <a:t>Reflection.AI</a:t>
+            </a:r>
+            <a:r>
               <a:rPr lang="en" sz="1600" b="1">
                 <a:solidFill>
                   <a:srgbClr val="3C78D8"/>
@@ -14335,7 +14581,207 @@
                 <a:cs typeface="Calibri"/>
                 <a:sym typeface="Calibri"/>
               </a:rPr>
+              <a:t> raised $2B at $8B valuation</a:t>
+            </a:r>
+            <a:endParaRPr sz="1600" b="1">
+              <a:solidFill>
+                <a:srgbClr val="3C78D8"/>
+              </a:solidFill>
+              <a:latin typeface="Calibri"/>
+              <a:ea typeface="Calibri"/>
+              <a:cs typeface="Calibri"/>
+              <a:sym typeface="Calibri"/>
+            </a:endParaRPr>
+          </a:p>
+          <a:p>
+            <a:pPr marL="228600" marR="0" lvl="0" indent="-215900" algn="l" rtl="0">
+              <a:lnSpc>
+                <a:spcPct val="100000"/>
+              </a:lnSpc>
+              <a:spcBef>
+                <a:spcPts val="0"/>
+              </a:spcBef>
+              <a:spcAft>
+                <a:spcPts val="0"/>
+              </a:spcAft>
+              <a:buClr>
+                <a:srgbClr val="3C78D8"/>
+              </a:buClr>
+              <a:buSzPts val="1600"/>
+              <a:buFont typeface="Calibri"/>
+              <a:buChar char="●"/>
+            </a:pPr>
+            <a:r>
+              <a:rPr lang="en" sz="1600" b="1">
+                <a:solidFill>
+                  <a:srgbClr val="3C78D8"/>
+                </a:solidFill>
+                <a:latin typeface="Calibri"/>
+                <a:ea typeface="Calibri"/>
+                <a:cs typeface="Calibri"/>
+                <a:sym typeface="Calibri"/>
+              </a:rPr>
+              <a:t>OpenMemory VS-Code Extension</a:t>
+            </a:r>
+            <a:endParaRPr sz="1600" b="1">
+              <a:solidFill>
+                <a:srgbClr val="3C78D8"/>
+              </a:solidFill>
+              <a:latin typeface="Calibri"/>
+              <a:ea typeface="Calibri"/>
+              <a:cs typeface="Calibri"/>
+              <a:sym typeface="Calibri"/>
+            </a:endParaRPr>
+          </a:p>
+          <a:p>
+            <a:pPr marL="228600" marR="0" lvl="0" indent="-215900" algn="l" rtl="0">
+              <a:lnSpc>
+                <a:spcPct val="100000"/>
+              </a:lnSpc>
+              <a:spcBef>
+                <a:spcPts val="0"/>
+              </a:spcBef>
+              <a:spcAft>
+                <a:spcPts val="0"/>
+              </a:spcAft>
+              <a:buClr>
+                <a:srgbClr val="3C78D8"/>
+              </a:buClr>
+              <a:buSzPts val="1600"/>
+              <a:buFont typeface="Calibri"/>
+              <a:buChar char="●"/>
+            </a:pPr>
+            <a:r>
+              <a:rPr lang="en" sz="1600" b="1">
+                <a:solidFill>
+                  <a:srgbClr val="3C78D8"/>
+                </a:solidFill>
+                <a:latin typeface="Calibri"/>
+                <a:ea typeface="Calibri"/>
+                <a:cs typeface="Calibri"/>
+                <a:sym typeface="Calibri"/>
+              </a:rPr>
+              <a:t>Supervised Reinforcement Learning (SRL)</a:t>
+            </a:r>
+            <a:endParaRPr sz="1600" b="1">
+              <a:solidFill>
+                <a:srgbClr val="3C78D8"/>
+              </a:solidFill>
+              <a:latin typeface="Calibri"/>
+              <a:ea typeface="Calibri"/>
+              <a:cs typeface="Calibri"/>
+              <a:sym typeface="Calibri"/>
+            </a:endParaRPr>
+          </a:p>
+          <a:p>
+            <a:pPr marL="228600" marR="0" lvl="0" indent="-215900" algn="l" rtl="0">
+              <a:lnSpc>
+                <a:spcPct val="100000"/>
+              </a:lnSpc>
+              <a:spcBef>
+                <a:spcPts val="0"/>
+              </a:spcBef>
+              <a:spcAft>
+                <a:spcPts val="0"/>
+              </a:spcAft>
+              <a:buClr>
+                <a:srgbClr val="3C78D8"/>
+              </a:buClr>
+              <a:buSzPts val="1600"/>
+              <a:buFont typeface="Calibri"/>
+              <a:buChar char="●"/>
+            </a:pPr>
+            <a:r>
+              <a:rPr lang="en" sz="1600" b="1">
+                <a:solidFill>
+                  <a:srgbClr val="3C78D8"/>
+                </a:solidFill>
+                <a:latin typeface="Calibri"/>
+                <a:ea typeface="Calibri"/>
+                <a:cs typeface="Calibri"/>
+                <a:sym typeface="Calibri"/>
+              </a:rPr>
+              <a:t>Google Project Suncatcher</a:t>
+            </a:r>
+            <a:endParaRPr sz="1600" b="1">
+              <a:solidFill>
+                <a:srgbClr val="3C78D8"/>
+              </a:solidFill>
+              <a:latin typeface="Calibri"/>
+              <a:ea typeface="Calibri"/>
+              <a:cs typeface="Calibri"/>
+              <a:sym typeface="Calibri"/>
+            </a:endParaRPr>
+          </a:p>
+          <a:p>
+            <a:pPr marL="228600" marR="0" lvl="0" indent="-215900" algn="l" rtl="0">
+              <a:lnSpc>
+                <a:spcPct val="100000"/>
+              </a:lnSpc>
+              <a:spcBef>
+                <a:spcPts val="0"/>
+              </a:spcBef>
+              <a:spcAft>
+                <a:spcPts val="0"/>
+              </a:spcAft>
+              <a:buClr>
+                <a:srgbClr val="3C78D8"/>
+              </a:buClr>
+              <a:buSzPts val="1600"/>
+              <a:buFont typeface="Calibri"/>
+              <a:buChar char="●"/>
+            </a:pPr>
+            <a:r>
+              <a:rPr lang="en" sz="1600" b="1">
+                <a:solidFill>
+                  <a:srgbClr val="3C78D8"/>
+                </a:solidFill>
+                <a:latin typeface="Calibri"/>
+                <a:ea typeface="Calibri"/>
+                <a:cs typeface="Calibri"/>
+                <a:sym typeface="Calibri"/>
+              </a:rPr>
               <a:t>Why Sam Altman was fired in 2023</a:t>
+            </a:r>
+            <a:endParaRPr sz="1600" b="1">
+              <a:solidFill>
+                <a:srgbClr val="3C78D8"/>
+              </a:solidFill>
+              <a:latin typeface="Calibri"/>
+              <a:ea typeface="Calibri"/>
+              <a:cs typeface="Calibri"/>
+              <a:sym typeface="Calibri"/>
+            </a:endParaRPr>
+          </a:p>
+          <a:p>
+            <a:pPr marL="228600" marR="0" lvl="0" indent="-215900" algn="l" rtl="0">
+              <a:lnSpc>
+                <a:spcPct val="100000"/>
+              </a:lnSpc>
+              <a:spcBef>
+                <a:spcPts val="0"/>
+              </a:spcBef>
+              <a:spcAft>
+                <a:spcPts val="0"/>
+              </a:spcAft>
+              <a:buClr>
+                <a:srgbClr val="3C78D8"/>
+              </a:buClr>
+              <a:buSzPts val="1600"/>
+              <a:buFont typeface="Calibri"/>
+              <a:buChar char="●"/>
+            </a:pPr>
+            <a:r>
+              <a:rPr lang="en" sz="1600" b="1">
+                <a:solidFill>
+                  <a:srgbClr val="3C78D8"/>
+                </a:solidFill>
+                <a:latin typeface="Calibri"/>
+                <a:ea typeface="Calibri"/>
+                <a:cs typeface="Calibri"/>
+                <a:sym typeface="Calibri"/>
+              </a:rPr>
+              <a:t>Elon Musk $1T Compensation Package</a:t>
             </a:r>
             <a:endParaRPr sz="1600" b="1">
               <a:solidFill>
@@ -16777,6 +17223,1027 @@
         </p:nvSpPr>
         <p:spPr>
           <a:xfrm>
+            <a:off x="55075" y="1159768"/>
+            <a:ext cx="4444500" cy="1496100"/>
+          </a:xfrm>
+          <a:prstGeom prst="rect">
+            <a:avLst/>
+          </a:prstGeom>
+          <a:solidFill>
+            <a:srgbClr val="FFF2CC"/>
+          </a:solidFill>
+          <a:ln w="9525" cap="flat" cmpd="sng">
+            <a:solidFill>
+              <a:srgbClr val="FF0000"/>
+            </a:solidFill>
+            <a:prstDash val="solid"/>
+            <a:round/>
+            <a:headEnd type="none" w="sm" len="sm"/>
+            <a:tailEnd type="none" w="sm" len="sm"/>
+          </a:ln>
+        </p:spPr>
+        <p:txBody>
+          <a:bodyPr spcFirstLastPara="1" wrap="square" lIns="9125" tIns="9125" rIns="9125" bIns="9125" anchor="t" anchorCtr="0">
+            <a:spAutoFit/>
+          </a:bodyPr>
+          <a:lstStyle/>
+          <a:p>
+            <a:pPr marL="171450" marR="0" lvl="0" indent="-133350" algn="l" rtl="0">
+              <a:lnSpc>
+                <a:spcPct val="100000"/>
+              </a:lnSpc>
+              <a:spcBef>
+                <a:spcPts val="0"/>
+              </a:spcBef>
+              <a:spcAft>
+                <a:spcPts val="0"/>
+              </a:spcAft>
+              <a:buClr>
+                <a:srgbClr val="FF0000"/>
+              </a:buClr>
+              <a:buSzPts val="1200"/>
+              <a:buFont typeface="Calibri"/>
+              <a:buChar char="●"/>
+            </a:pPr>
+            <a:r>
+              <a:rPr lang="en" sz="1200" b="1">
+                <a:solidFill>
+                  <a:srgbClr val="FF0000"/>
+                </a:solidFill>
+                <a:latin typeface="Calibri"/>
+                <a:ea typeface="Calibri"/>
+                <a:cs typeface="Calibri"/>
+                <a:sym typeface="Calibri"/>
+              </a:rPr>
+              <a:t>Google Axion CPUs and Ironwood TPUs</a:t>
+            </a:r>
+            <a:endParaRPr sz="1200" b="1">
+              <a:solidFill>
+                <a:srgbClr val="FF0000"/>
+              </a:solidFill>
+              <a:latin typeface="Calibri"/>
+              <a:ea typeface="Calibri"/>
+              <a:cs typeface="Calibri"/>
+              <a:sym typeface="Calibri"/>
+            </a:endParaRPr>
+          </a:p>
+          <a:p>
+            <a:pPr marL="171450" marR="0" lvl="0" indent="-133350" algn="l" rtl="0">
+              <a:lnSpc>
+                <a:spcPct val="100000"/>
+              </a:lnSpc>
+              <a:spcBef>
+                <a:spcPts val="0"/>
+              </a:spcBef>
+              <a:spcAft>
+                <a:spcPts val="0"/>
+              </a:spcAft>
+              <a:buClr>
+                <a:schemeClr val="dk1"/>
+              </a:buClr>
+              <a:buSzPts val="1200"/>
+              <a:buFont typeface="Calibri"/>
+              <a:buChar char="●"/>
+            </a:pPr>
+            <a:r>
+              <a:rPr lang="en" sz="1200">
+                <a:solidFill>
+                  <a:schemeClr val="dk1"/>
+                </a:solidFill>
+                <a:latin typeface="Calibri"/>
+                <a:ea typeface="Calibri"/>
+                <a:cs typeface="Calibri"/>
+                <a:sym typeface="Calibri"/>
+              </a:rPr>
+              <a:t>Google Cloud has introduced new AI-oriented instances powered by its own Axion CPUs and Ironwood TPUs</a:t>
+            </a:r>
+            <a:endParaRPr sz="1200">
+              <a:solidFill>
+                <a:schemeClr val="dk1"/>
+              </a:solidFill>
+              <a:latin typeface="Calibri"/>
+              <a:ea typeface="Calibri"/>
+              <a:cs typeface="Calibri"/>
+              <a:sym typeface="Calibri"/>
+            </a:endParaRPr>
+          </a:p>
+          <a:p>
+            <a:pPr marL="171450" marR="0" lvl="0" indent="-133350" algn="l" rtl="0">
+              <a:lnSpc>
+                <a:spcPct val="100000"/>
+              </a:lnSpc>
+              <a:spcBef>
+                <a:spcPts val="0"/>
+              </a:spcBef>
+              <a:spcAft>
+                <a:spcPts val="0"/>
+              </a:spcAft>
+              <a:buClr>
+                <a:schemeClr val="dk1"/>
+              </a:buClr>
+              <a:buSzPts val="1200"/>
+              <a:buFont typeface="Calibri"/>
+              <a:buChar char="●"/>
+            </a:pPr>
+            <a:r>
+              <a:rPr lang="en" sz="1200">
+                <a:solidFill>
+                  <a:schemeClr val="dk1"/>
+                </a:solidFill>
+                <a:latin typeface="Calibri"/>
+                <a:ea typeface="Calibri"/>
+                <a:cs typeface="Calibri"/>
+                <a:sym typeface="Calibri"/>
+              </a:rPr>
+              <a:t>The new instances are aimed at both training and low-latency inference</a:t>
+            </a:r>
+            <a:endParaRPr sz="1200">
+              <a:solidFill>
+                <a:schemeClr val="dk1"/>
+              </a:solidFill>
+              <a:latin typeface="Calibri"/>
+              <a:ea typeface="Calibri"/>
+              <a:cs typeface="Calibri"/>
+              <a:sym typeface="Calibri"/>
+            </a:endParaRPr>
+          </a:p>
+          <a:p>
+            <a:pPr marL="171450" marR="0" lvl="0" indent="-133350" algn="l" rtl="0">
+              <a:lnSpc>
+                <a:spcPct val="100000"/>
+              </a:lnSpc>
+              <a:spcBef>
+                <a:spcPts val="0"/>
+              </a:spcBef>
+              <a:spcAft>
+                <a:spcPts val="0"/>
+              </a:spcAft>
+              <a:buClr>
+                <a:schemeClr val="dk1"/>
+              </a:buClr>
+              <a:buSzPts val="1200"/>
+              <a:buFont typeface="Calibri"/>
+              <a:buChar char="●"/>
+            </a:pPr>
+            <a:r>
+              <a:rPr lang="en" sz="1200">
+                <a:solidFill>
+                  <a:schemeClr val="dk1"/>
+                </a:solidFill>
+                <a:latin typeface="Calibri"/>
+                <a:ea typeface="Calibri"/>
+                <a:cs typeface="Calibri"/>
+                <a:sym typeface="Calibri"/>
+              </a:rPr>
+              <a:t>Better management and higher performance</a:t>
+            </a:r>
+            <a:endParaRPr sz="800">
+              <a:solidFill>
+                <a:schemeClr val="dk1"/>
+              </a:solidFill>
+              <a:latin typeface="Calibri"/>
+              <a:ea typeface="Calibri"/>
+              <a:cs typeface="Calibri"/>
+              <a:sym typeface="Calibri"/>
+            </a:endParaRPr>
+          </a:p>
+          <a:p>
+            <a:pPr marL="171450" marR="0" lvl="0" indent="-107950" algn="l" rtl="0">
+              <a:lnSpc>
+                <a:spcPct val="100000"/>
+              </a:lnSpc>
+              <a:spcBef>
+                <a:spcPts val="0"/>
+              </a:spcBef>
+              <a:spcAft>
+                <a:spcPts val="0"/>
+              </a:spcAft>
+              <a:buClr>
+                <a:schemeClr val="dk1"/>
+              </a:buClr>
+              <a:buSzPts val="800"/>
+              <a:buFont typeface="Calibri"/>
+              <a:buChar char="●"/>
+            </a:pPr>
+            <a:r>
+              <a:rPr lang="en" sz="800" u="sng">
+                <a:solidFill>
+                  <a:schemeClr val="hlink"/>
+                </a:solidFill>
+                <a:latin typeface="Calibri"/>
+                <a:ea typeface="Calibri"/>
+                <a:cs typeface="Calibri"/>
+                <a:sym typeface="Calibri"/>
+                <a:hlinkClick r:id="rId3"/>
+              </a:rPr>
+              <a:t>https://www.tomshardware.com/tech-industry/artificial-intelligence/google-deploys-new-axion-cpus-and-seventh-gen-ironwood-tpu-training-and-inferencing-pods-beat-nvidia-gb300-and-shape-ai-hypercomputer-model</a:t>
+            </a:r>
+            <a:r>
+              <a:rPr lang="en" sz="800">
+                <a:solidFill>
+                  <a:schemeClr val="dk1"/>
+                </a:solidFill>
+                <a:latin typeface="Calibri"/>
+                <a:ea typeface="Calibri"/>
+                <a:cs typeface="Calibri"/>
+                <a:sym typeface="Calibri"/>
+              </a:rPr>
+              <a:t> </a:t>
+            </a:r>
+            <a:endParaRPr sz="800">
+              <a:solidFill>
+                <a:schemeClr val="dk1"/>
+              </a:solidFill>
+              <a:latin typeface="Calibri"/>
+              <a:ea typeface="Calibri"/>
+              <a:cs typeface="Calibri"/>
+              <a:sym typeface="Calibri"/>
+            </a:endParaRPr>
+          </a:p>
+        </p:txBody>
+      </p:sp>
+      <p:pic>
+        <p:nvPicPr>
+          <p:cNvPr id="242" name="Google Shape;242;p26"/>
+          <p:cNvPicPr preferRelativeResize="0"/>
+          <p:nvPr/>
+        </p:nvPicPr>
+        <p:blipFill>
+          <a:blip r:embed="rId4" cstate="email">
+            <a:alphaModFix/>
+            <a:extLst>
+              <a:ext uri="{28A0092B-C50C-407E-A947-70E740481C1C}">
+                <a14:useLocalDpi xmlns:a14="http://schemas.microsoft.com/office/drawing/2010/main"/>
+              </a:ext>
+            </a:extLst>
+          </a:blip>
+          <a:stretch>
+            <a:fillRect/>
+          </a:stretch>
+        </p:blipFill>
+        <p:spPr>
+          <a:xfrm>
+            <a:off x="4882075" y="113149"/>
+            <a:ext cx="2148500" cy="1211676"/>
+          </a:xfrm>
+          <a:prstGeom prst="rect">
+            <a:avLst/>
+          </a:prstGeom>
+          <a:noFill/>
+          <a:ln w="9525" cap="flat" cmpd="sng">
+            <a:solidFill>
+              <a:srgbClr val="FF0000"/>
+            </a:solidFill>
+            <a:prstDash val="solid"/>
+            <a:round/>
+            <a:headEnd type="none" w="sm" len="sm"/>
+            <a:tailEnd type="none" w="sm" len="sm"/>
+          </a:ln>
+        </p:spPr>
+      </p:pic>
+      <p:sp>
+        <p:nvSpPr>
+          <p:cNvPr id="243" name="Google Shape;243;p26"/>
+          <p:cNvSpPr txBox="1"/>
+          <p:nvPr/>
+        </p:nvSpPr>
+        <p:spPr>
+          <a:xfrm>
+            <a:off x="55075" y="460968"/>
+            <a:ext cx="4444500" cy="510900"/>
+          </a:xfrm>
+          <a:prstGeom prst="rect">
+            <a:avLst/>
+          </a:prstGeom>
+          <a:solidFill>
+            <a:srgbClr val="FFF2CC"/>
+          </a:solidFill>
+          <a:ln w="9525" cap="flat" cmpd="sng">
+            <a:solidFill>
+              <a:srgbClr val="FF0000"/>
+            </a:solidFill>
+            <a:prstDash val="solid"/>
+            <a:round/>
+            <a:headEnd type="none" w="sm" len="sm"/>
+            <a:tailEnd type="none" w="sm" len="sm"/>
+          </a:ln>
+        </p:spPr>
+        <p:txBody>
+          <a:bodyPr spcFirstLastPara="1" wrap="square" lIns="9125" tIns="9125" rIns="9125" bIns="9125" anchor="t" anchorCtr="0">
+            <a:spAutoFit/>
+          </a:bodyPr>
+          <a:lstStyle/>
+          <a:p>
+            <a:pPr marL="171450" marR="0" lvl="0" indent="-133350" algn="l" rtl="0">
+              <a:lnSpc>
+                <a:spcPct val="100000"/>
+              </a:lnSpc>
+              <a:spcBef>
+                <a:spcPts val="0"/>
+              </a:spcBef>
+              <a:spcAft>
+                <a:spcPts val="0"/>
+              </a:spcAft>
+              <a:buClr>
+                <a:srgbClr val="FF0000"/>
+              </a:buClr>
+              <a:buSzPts val="1200"/>
+              <a:buFont typeface="Calibri"/>
+              <a:buChar char="●"/>
+            </a:pPr>
+            <a:r>
+              <a:rPr lang="en" sz="1200" b="1">
+                <a:solidFill>
+                  <a:srgbClr val="FF0000"/>
+                </a:solidFill>
+                <a:latin typeface="Calibri"/>
+                <a:ea typeface="Calibri"/>
+                <a:cs typeface="Calibri"/>
+                <a:sym typeface="Calibri"/>
+              </a:rPr>
+              <a:t>File Search Tool in Gemini API </a:t>
+            </a:r>
+            <a:endParaRPr sz="1200">
+              <a:solidFill>
+                <a:schemeClr val="dk1"/>
+              </a:solidFill>
+              <a:latin typeface="Calibri"/>
+              <a:ea typeface="Calibri"/>
+              <a:cs typeface="Calibri"/>
+              <a:sym typeface="Calibri"/>
+            </a:endParaRPr>
+          </a:p>
+          <a:p>
+            <a:pPr marL="171450" marR="0" lvl="0" indent="-133350" algn="l" rtl="0">
+              <a:lnSpc>
+                <a:spcPct val="100000"/>
+              </a:lnSpc>
+              <a:spcBef>
+                <a:spcPts val="0"/>
+              </a:spcBef>
+              <a:spcAft>
+                <a:spcPts val="0"/>
+              </a:spcAft>
+              <a:buClr>
+                <a:schemeClr val="dk1"/>
+              </a:buClr>
+              <a:buSzPts val="1200"/>
+              <a:buFont typeface="Calibri"/>
+              <a:buChar char="●"/>
+            </a:pPr>
+            <a:r>
+              <a:rPr lang="en" sz="1200">
+                <a:solidFill>
+                  <a:schemeClr val="dk1"/>
+                </a:solidFill>
+                <a:latin typeface="Calibri"/>
+                <a:ea typeface="Calibri"/>
+                <a:cs typeface="Calibri"/>
+                <a:sym typeface="Calibri"/>
+              </a:rPr>
+              <a:t>A fully managed RAG system built into the Gemini API</a:t>
+            </a:r>
+            <a:endParaRPr sz="1200">
+              <a:solidFill>
+                <a:schemeClr val="dk1"/>
+              </a:solidFill>
+              <a:latin typeface="Calibri"/>
+              <a:ea typeface="Calibri"/>
+              <a:cs typeface="Calibri"/>
+              <a:sym typeface="Calibri"/>
+            </a:endParaRPr>
+          </a:p>
+          <a:p>
+            <a:pPr marL="171450" marR="0" lvl="0" indent="-107950" algn="l" rtl="0">
+              <a:lnSpc>
+                <a:spcPct val="100000"/>
+              </a:lnSpc>
+              <a:spcBef>
+                <a:spcPts val="0"/>
+              </a:spcBef>
+              <a:spcAft>
+                <a:spcPts val="0"/>
+              </a:spcAft>
+              <a:buClr>
+                <a:schemeClr val="dk1"/>
+              </a:buClr>
+              <a:buSzPts val="800"/>
+              <a:buFont typeface="Calibri"/>
+              <a:buChar char="●"/>
+            </a:pPr>
+            <a:r>
+              <a:rPr lang="en" sz="800" u="sng">
+                <a:solidFill>
+                  <a:schemeClr val="hlink"/>
+                </a:solidFill>
+                <a:latin typeface="Calibri"/>
+                <a:ea typeface="Calibri"/>
+                <a:cs typeface="Calibri"/>
+                <a:sym typeface="Calibri"/>
+                <a:hlinkClick r:id="rId5"/>
+              </a:rPr>
+              <a:t>https://blog.google/technology/developers/file-search-gemini-api/</a:t>
+            </a:r>
+            <a:r>
+              <a:rPr lang="en" sz="800">
+                <a:solidFill>
+                  <a:schemeClr val="dk1"/>
+                </a:solidFill>
+                <a:latin typeface="Calibri"/>
+                <a:ea typeface="Calibri"/>
+                <a:cs typeface="Calibri"/>
+                <a:sym typeface="Calibri"/>
+              </a:rPr>
+              <a:t> </a:t>
+            </a:r>
+            <a:endParaRPr sz="800">
+              <a:solidFill>
+                <a:schemeClr val="dk1"/>
+              </a:solidFill>
+              <a:latin typeface="Calibri"/>
+              <a:ea typeface="Calibri"/>
+              <a:cs typeface="Calibri"/>
+              <a:sym typeface="Calibri"/>
+            </a:endParaRPr>
+          </a:p>
+        </p:txBody>
+      </p:sp>
+      <p:pic>
+        <p:nvPicPr>
+          <p:cNvPr id="244" name="Google Shape;244;p26"/>
+          <p:cNvPicPr preferRelativeResize="0"/>
+          <p:nvPr/>
+        </p:nvPicPr>
+        <p:blipFill>
+          <a:blip r:embed="rId6" cstate="email">
+            <a:alphaModFix/>
+            <a:extLst>
+              <a:ext uri="{28A0092B-C50C-407E-A947-70E740481C1C}">
+                <a14:useLocalDpi xmlns:a14="http://schemas.microsoft.com/office/drawing/2010/main"/>
+              </a:ext>
+            </a:extLst>
+          </a:blip>
+          <a:stretch>
+            <a:fillRect/>
+          </a:stretch>
+        </p:blipFill>
+        <p:spPr>
+          <a:xfrm>
+            <a:off x="4882075" y="1402775"/>
+            <a:ext cx="2154102" cy="1211676"/>
+          </a:xfrm>
+          <a:prstGeom prst="rect">
+            <a:avLst/>
+          </a:prstGeom>
+          <a:noFill/>
+          <a:ln w="9525" cap="flat" cmpd="sng">
+            <a:solidFill>
+              <a:srgbClr val="FF0000"/>
+            </a:solidFill>
+            <a:prstDash val="solid"/>
+            <a:round/>
+            <a:headEnd type="none" w="sm" len="sm"/>
+            <a:tailEnd type="none" w="sm" len="sm"/>
+          </a:ln>
+        </p:spPr>
+      </p:pic>
+      <p:sp>
+        <p:nvSpPr>
+          <p:cNvPr id="245" name="Google Shape;245;p26"/>
+          <p:cNvSpPr txBox="1"/>
+          <p:nvPr/>
+        </p:nvSpPr>
+        <p:spPr>
+          <a:xfrm>
+            <a:off x="55075" y="2744843"/>
+            <a:ext cx="4444500" cy="757200"/>
+          </a:xfrm>
+          <a:prstGeom prst="rect">
+            <a:avLst/>
+          </a:prstGeom>
+          <a:solidFill>
+            <a:srgbClr val="FFF2CC"/>
+          </a:solidFill>
+          <a:ln w="9525" cap="flat" cmpd="sng">
+            <a:solidFill>
+              <a:srgbClr val="FF0000"/>
+            </a:solidFill>
+            <a:prstDash val="solid"/>
+            <a:round/>
+            <a:headEnd type="none" w="sm" len="sm"/>
+            <a:tailEnd type="none" w="sm" len="sm"/>
+          </a:ln>
+        </p:spPr>
+        <p:txBody>
+          <a:bodyPr spcFirstLastPara="1" wrap="square" lIns="9125" tIns="9125" rIns="9125" bIns="9125" anchor="t" anchorCtr="0">
+            <a:spAutoFit/>
+          </a:bodyPr>
+          <a:lstStyle/>
+          <a:p>
+            <a:pPr marL="171450" marR="0" lvl="0" indent="-133350" algn="l" rtl="0">
+              <a:lnSpc>
+                <a:spcPct val="100000"/>
+              </a:lnSpc>
+              <a:spcBef>
+                <a:spcPts val="0"/>
+              </a:spcBef>
+              <a:spcAft>
+                <a:spcPts val="0"/>
+              </a:spcAft>
+              <a:buClr>
+                <a:srgbClr val="FF0000"/>
+              </a:buClr>
+              <a:buSzPts val="1200"/>
+              <a:buFont typeface="Calibri"/>
+              <a:buChar char="●"/>
+            </a:pPr>
+            <a:r>
+              <a:rPr lang="en" sz="1200" b="1">
+                <a:solidFill>
+                  <a:srgbClr val="FF0000"/>
+                </a:solidFill>
+                <a:latin typeface="Calibri"/>
+                <a:ea typeface="Calibri"/>
+                <a:cs typeface="Calibri"/>
+                <a:sym typeface="Calibri"/>
+              </a:rPr>
+              <a:t>Claude Skills Cookbook on GitHub</a:t>
+            </a:r>
+            <a:endParaRPr sz="1200">
+              <a:solidFill>
+                <a:schemeClr val="dk1"/>
+              </a:solidFill>
+              <a:latin typeface="Calibri"/>
+              <a:ea typeface="Calibri"/>
+              <a:cs typeface="Calibri"/>
+              <a:sym typeface="Calibri"/>
+            </a:endParaRPr>
+          </a:p>
+          <a:p>
+            <a:pPr marL="171450" marR="0" lvl="0" indent="-133350" algn="l" rtl="0">
+              <a:lnSpc>
+                <a:spcPct val="100000"/>
+              </a:lnSpc>
+              <a:spcBef>
+                <a:spcPts val="0"/>
+              </a:spcBef>
+              <a:spcAft>
+                <a:spcPts val="0"/>
+              </a:spcAft>
+              <a:buClr>
+                <a:schemeClr val="dk1"/>
+              </a:buClr>
+              <a:buSzPts val="1200"/>
+              <a:buFont typeface="Calibri"/>
+              <a:buChar char="●"/>
+            </a:pPr>
+            <a:r>
+              <a:rPr lang="en" sz="1200">
+                <a:solidFill>
+                  <a:schemeClr val="dk1"/>
+                </a:solidFill>
+                <a:latin typeface="Calibri"/>
+                <a:ea typeface="Calibri"/>
+                <a:cs typeface="Calibri"/>
+                <a:sym typeface="Calibri"/>
+              </a:rPr>
+              <a:t>How to use Claude Skills Effectively</a:t>
+            </a:r>
+            <a:endParaRPr sz="1200">
+              <a:solidFill>
+                <a:schemeClr val="dk1"/>
+              </a:solidFill>
+              <a:latin typeface="Calibri"/>
+              <a:ea typeface="Calibri"/>
+              <a:cs typeface="Calibri"/>
+              <a:sym typeface="Calibri"/>
+            </a:endParaRPr>
+          </a:p>
+          <a:p>
+            <a:pPr marL="171450" marR="0" lvl="0" indent="-107950" algn="l" rtl="0">
+              <a:lnSpc>
+                <a:spcPct val="100000"/>
+              </a:lnSpc>
+              <a:spcBef>
+                <a:spcPts val="0"/>
+              </a:spcBef>
+              <a:spcAft>
+                <a:spcPts val="0"/>
+              </a:spcAft>
+              <a:buClr>
+                <a:schemeClr val="dk1"/>
+              </a:buClr>
+              <a:buSzPts val="800"/>
+              <a:buFont typeface="Calibri"/>
+              <a:buChar char="●"/>
+            </a:pPr>
+            <a:r>
+              <a:rPr lang="en" sz="800" u="sng">
+                <a:solidFill>
+                  <a:schemeClr val="hlink"/>
+                </a:solidFill>
+                <a:latin typeface="Calibri"/>
+                <a:ea typeface="Calibri"/>
+                <a:cs typeface="Calibri"/>
+                <a:sym typeface="Calibri"/>
+                <a:hlinkClick r:id="rId7"/>
+              </a:rPr>
+              <a:t>https://github.com/anthropics/claude-cookbooks/tree/main/skills</a:t>
+            </a:r>
+            <a:endParaRPr sz="800">
+              <a:solidFill>
+                <a:schemeClr val="dk1"/>
+              </a:solidFill>
+              <a:latin typeface="Calibri"/>
+              <a:ea typeface="Calibri"/>
+              <a:cs typeface="Calibri"/>
+              <a:sym typeface="Calibri"/>
+            </a:endParaRPr>
+          </a:p>
+          <a:p>
+            <a:pPr marL="171450" marR="0" lvl="0" indent="-107950" algn="l" rtl="0">
+              <a:lnSpc>
+                <a:spcPct val="100000"/>
+              </a:lnSpc>
+              <a:spcBef>
+                <a:spcPts val="0"/>
+              </a:spcBef>
+              <a:spcAft>
+                <a:spcPts val="0"/>
+              </a:spcAft>
+              <a:buClr>
+                <a:schemeClr val="dk1"/>
+              </a:buClr>
+              <a:buSzPts val="800"/>
+              <a:buFont typeface="Calibri"/>
+              <a:buChar char="●"/>
+            </a:pPr>
+            <a:r>
+              <a:rPr lang="en" sz="800" u="sng">
+                <a:solidFill>
+                  <a:schemeClr val="hlink"/>
+                </a:solidFill>
+                <a:latin typeface="Calibri"/>
+                <a:ea typeface="Calibri"/>
+                <a:cs typeface="Calibri"/>
+                <a:sym typeface="Calibri"/>
+                <a:hlinkClick r:id="rId8"/>
+              </a:rPr>
+              <a:t>https://medium.com/coding-nexus/the-claude-skills-cookbook-anthropics-new-context-engine-outperforms-mcp-92249dae37d3</a:t>
+            </a:r>
+            <a:r>
+              <a:rPr lang="en" sz="800">
+                <a:solidFill>
+                  <a:schemeClr val="dk1"/>
+                </a:solidFill>
+                <a:latin typeface="Calibri"/>
+                <a:ea typeface="Calibri"/>
+                <a:cs typeface="Calibri"/>
+                <a:sym typeface="Calibri"/>
+              </a:rPr>
+              <a:t> </a:t>
+            </a:r>
+            <a:endParaRPr sz="800">
+              <a:solidFill>
+                <a:schemeClr val="dk1"/>
+              </a:solidFill>
+              <a:latin typeface="Calibri"/>
+              <a:ea typeface="Calibri"/>
+              <a:cs typeface="Calibri"/>
+              <a:sym typeface="Calibri"/>
+            </a:endParaRPr>
+          </a:p>
+        </p:txBody>
+      </p:sp>
+      <p:pic>
+        <p:nvPicPr>
+          <p:cNvPr id="246" name="Google Shape;246;p26"/>
+          <p:cNvPicPr preferRelativeResize="0"/>
+          <p:nvPr/>
+        </p:nvPicPr>
+        <p:blipFill rotWithShape="1">
+          <a:blip r:embed="rId9" cstate="email">
+            <a:alphaModFix/>
+            <a:extLst>
+              <a:ext uri="{28A0092B-C50C-407E-A947-70E740481C1C}">
+                <a14:useLocalDpi xmlns:a14="http://schemas.microsoft.com/office/drawing/2010/main"/>
+              </a:ext>
+            </a:extLst>
+          </a:blip>
+          <a:srcRect/>
+          <a:stretch/>
+        </p:blipFill>
+        <p:spPr>
+          <a:xfrm>
+            <a:off x="4882075" y="2744850"/>
+            <a:ext cx="1074725" cy="800874"/>
+          </a:xfrm>
+          <a:prstGeom prst="rect">
+            <a:avLst/>
+          </a:prstGeom>
+          <a:noFill/>
+          <a:ln w="9525" cap="flat" cmpd="sng">
+            <a:solidFill>
+              <a:srgbClr val="FF0000"/>
+            </a:solidFill>
+            <a:prstDash val="solid"/>
+            <a:round/>
+            <a:headEnd type="none" w="sm" len="sm"/>
+            <a:tailEnd type="none" w="sm" len="sm"/>
+          </a:ln>
+        </p:spPr>
+      </p:pic>
+      <p:sp>
+        <p:nvSpPr>
+          <p:cNvPr id="247" name="Google Shape;247;p26"/>
+          <p:cNvSpPr txBox="1"/>
+          <p:nvPr/>
+        </p:nvSpPr>
+        <p:spPr>
+          <a:xfrm>
+            <a:off x="55075" y="3591018"/>
+            <a:ext cx="4444500" cy="757200"/>
+          </a:xfrm>
+          <a:prstGeom prst="rect">
+            <a:avLst/>
+          </a:prstGeom>
+          <a:solidFill>
+            <a:srgbClr val="FFF2CC"/>
+          </a:solidFill>
+          <a:ln w="9525" cap="flat" cmpd="sng">
+            <a:solidFill>
+              <a:srgbClr val="FF0000"/>
+            </a:solidFill>
+            <a:prstDash val="solid"/>
+            <a:round/>
+            <a:headEnd type="none" w="sm" len="sm"/>
+            <a:tailEnd type="none" w="sm" len="sm"/>
+          </a:ln>
+        </p:spPr>
+        <p:txBody>
+          <a:bodyPr spcFirstLastPara="1" wrap="square" lIns="9125" tIns="9125" rIns="9125" bIns="9125" anchor="t" anchorCtr="0">
+            <a:spAutoFit/>
+          </a:bodyPr>
+          <a:lstStyle/>
+          <a:p>
+            <a:pPr marL="171450" marR="0" lvl="0" indent="-133350" algn="l" rtl="0">
+              <a:lnSpc>
+                <a:spcPct val="100000"/>
+              </a:lnSpc>
+              <a:spcBef>
+                <a:spcPts val="0"/>
+              </a:spcBef>
+              <a:spcAft>
+                <a:spcPts val="0"/>
+              </a:spcAft>
+              <a:buClr>
+                <a:srgbClr val="FF0000"/>
+              </a:buClr>
+              <a:buSzPts val="1200"/>
+              <a:buFont typeface="Calibri"/>
+              <a:buChar char="●"/>
+            </a:pPr>
+            <a:r>
+              <a:rPr lang="en" sz="1200" b="1">
+                <a:solidFill>
+                  <a:srgbClr val="FF0000"/>
+                </a:solidFill>
+                <a:latin typeface="Calibri"/>
+                <a:ea typeface="Calibri"/>
+                <a:cs typeface="Calibri"/>
+                <a:sym typeface="Calibri"/>
+              </a:rPr>
+              <a:t>OpenAI "interrupt" feature</a:t>
+            </a:r>
+            <a:endParaRPr sz="1200" b="1">
+              <a:solidFill>
+                <a:srgbClr val="FF0000"/>
+              </a:solidFill>
+              <a:latin typeface="Calibri"/>
+              <a:ea typeface="Calibri"/>
+              <a:cs typeface="Calibri"/>
+              <a:sym typeface="Calibri"/>
+            </a:endParaRPr>
+          </a:p>
+          <a:p>
+            <a:pPr marL="171450" marR="0" lvl="0" indent="-133350" algn="l" rtl="0">
+              <a:lnSpc>
+                <a:spcPct val="100000"/>
+              </a:lnSpc>
+              <a:spcBef>
+                <a:spcPts val="0"/>
+              </a:spcBef>
+              <a:spcAft>
+                <a:spcPts val="0"/>
+              </a:spcAft>
+              <a:buClr>
+                <a:schemeClr val="dk1"/>
+              </a:buClr>
+              <a:buSzPts val="1200"/>
+              <a:buFont typeface="Calibri"/>
+              <a:buChar char="●"/>
+            </a:pPr>
+            <a:r>
+              <a:rPr lang="en" sz="1200">
+                <a:solidFill>
+                  <a:schemeClr val="dk1"/>
+                </a:solidFill>
+                <a:latin typeface="Calibri"/>
+                <a:ea typeface="Calibri"/>
+                <a:cs typeface="Calibri"/>
+                <a:sym typeface="Calibri"/>
+              </a:rPr>
+              <a:t>Users can interrupt long-running queries mid-process and add new context without restarting</a:t>
+            </a:r>
+            <a:endParaRPr sz="1200">
+              <a:solidFill>
+                <a:schemeClr val="dk1"/>
+              </a:solidFill>
+              <a:latin typeface="Calibri"/>
+              <a:ea typeface="Calibri"/>
+              <a:cs typeface="Calibri"/>
+              <a:sym typeface="Calibri"/>
+            </a:endParaRPr>
+          </a:p>
+          <a:p>
+            <a:pPr marL="171450" marR="0" lvl="0" indent="-133350" algn="l" rtl="0">
+              <a:lnSpc>
+                <a:spcPct val="100000"/>
+              </a:lnSpc>
+              <a:spcBef>
+                <a:spcPts val="0"/>
+              </a:spcBef>
+              <a:spcAft>
+                <a:spcPts val="0"/>
+              </a:spcAft>
+              <a:buClr>
+                <a:schemeClr val="dk1"/>
+              </a:buClr>
+              <a:buSzPts val="1200"/>
+              <a:buFont typeface="Calibri"/>
+              <a:buChar char="●"/>
+            </a:pPr>
+            <a:r>
+              <a:rPr lang="en" sz="1200">
+                <a:solidFill>
+                  <a:schemeClr val="dk1"/>
+                </a:solidFill>
+                <a:latin typeface="Calibri"/>
+                <a:ea typeface="Calibri"/>
+                <a:cs typeface="Calibri"/>
+                <a:sym typeface="Calibri"/>
+              </a:rPr>
+              <a:t>This is particularly useful for Deep Research and o1-Pro tasks</a:t>
+            </a:r>
+            <a:endParaRPr sz="800">
+              <a:solidFill>
+                <a:schemeClr val="dk1"/>
+              </a:solidFill>
+              <a:latin typeface="Calibri"/>
+              <a:ea typeface="Calibri"/>
+              <a:cs typeface="Calibri"/>
+              <a:sym typeface="Calibri"/>
+            </a:endParaRPr>
+          </a:p>
+        </p:txBody>
+      </p:sp>
+      <p:pic>
+        <p:nvPicPr>
+          <p:cNvPr id="248" name="Google Shape;248;p26"/>
+          <p:cNvPicPr preferRelativeResize="0"/>
+          <p:nvPr/>
+        </p:nvPicPr>
+        <p:blipFill rotWithShape="1">
+          <a:blip r:embed="rId10" cstate="email">
+            <a:alphaModFix/>
+            <a:extLst>
+              <a:ext uri="{28A0092B-C50C-407E-A947-70E740481C1C}">
+                <a14:useLocalDpi xmlns:a14="http://schemas.microsoft.com/office/drawing/2010/main"/>
+              </a:ext>
+            </a:extLst>
+          </a:blip>
+          <a:srcRect/>
+          <a:stretch/>
+        </p:blipFill>
+        <p:spPr>
+          <a:xfrm>
+            <a:off x="4882075" y="3676125"/>
+            <a:ext cx="2154100" cy="628081"/>
+          </a:xfrm>
+          <a:prstGeom prst="rect">
+            <a:avLst/>
+          </a:prstGeom>
+          <a:noFill/>
+          <a:ln w="9525" cap="flat" cmpd="sng">
+            <a:solidFill>
+              <a:srgbClr val="FF0000"/>
+            </a:solidFill>
+            <a:prstDash val="solid"/>
+            <a:round/>
+            <a:headEnd type="none" w="sm" len="sm"/>
+            <a:tailEnd type="none" w="sm" len="sm"/>
+          </a:ln>
+        </p:spPr>
+      </p:pic>
+    </p:spTree>
+  </p:cSld>
+  <p:clrMapOvr>
+    <a:masterClrMapping/>
+  </p:clrMapOvr>
+</p:sld>
+</file>
+
+<file path=ppt/slides/slide13.xml><?xml version="1.0" encoding="utf-8"?>
+<p:sld xmlns:a="http://schemas.openxmlformats.org/drawingml/2006/main" xmlns:r="http://schemas.openxmlformats.org/officeDocument/2006/relationships" xmlns:p="http://schemas.openxmlformats.org/presentationml/2006/main">
+  <p:cSld>
+    <p:spTree>
+      <p:nvGrpSpPr>
+        <p:cNvPr id="1" name="Shape 252"/>
+        <p:cNvGrpSpPr/>
+        <p:nvPr/>
+      </p:nvGrpSpPr>
+      <p:grpSpPr>
+        <a:xfrm>
+          <a:off x="0" y="0"/>
+          <a:ext cx="0" cy="0"/>
+          <a:chOff x="0" y="0"/>
+          <a:chExt cx="0" cy="0"/>
+        </a:xfrm>
+      </p:grpSpPr>
+      <p:sp>
+        <p:nvSpPr>
+          <p:cNvPr id="253" name="Google Shape;253;p27"/>
+          <p:cNvSpPr txBox="1"/>
+          <p:nvPr/>
+        </p:nvSpPr>
+        <p:spPr>
+          <a:xfrm>
+            <a:off x="55075" y="20375"/>
+            <a:ext cx="4480500" cy="326400"/>
+          </a:xfrm>
+          <a:prstGeom prst="rect">
+            <a:avLst/>
+          </a:prstGeom>
+          <a:noFill/>
+          <a:ln>
+            <a:noFill/>
+          </a:ln>
+        </p:spPr>
+        <p:txBody>
+          <a:bodyPr spcFirstLastPara="1" wrap="square" lIns="9125" tIns="9125" rIns="9125" bIns="9125" anchor="t" anchorCtr="0">
+            <a:spAutoFit/>
+          </a:bodyPr>
+          <a:lstStyle/>
+          <a:p>
+            <a:pPr marL="0" marR="0" lvl="0" indent="0" algn="l" rtl="0">
+              <a:lnSpc>
+                <a:spcPct val="100000"/>
+              </a:lnSpc>
+              <a:spcBef>
+                <a:spcPts val="0"/>
+              </a:spcBef>
+              <a:spcAft>
+                <a:spcPts val="0"/>
+              </a:spcAft>
+              <a:buClr>
+                <a:schemeClr val="dk1"/>
+              </a:buClr>
+              <a:buSzPts val="1100"/>
+              <a:buFont typeface="Arial"/>
+              <a:buNone/>
+            </a:pPr>
+            <a:r>
+              <a:rPr lang="en" sz="2000" b="1">
+                <a:solidFill>
+                  <a:schemeClr val="dk1"/>
+                </a:solidFill>
+                <a:latin typeface="Calibri"/>
+                <a:ea typeface="Calibri"/>
+                <a:cs typeface="Calibri"/>
+                <a:sym typeface="Calibri"/>
+              </a:rPr>
+              <a:t>Keyword+Semantic search instead of RAG</a:t>
+            </a:r>
+            <a:endParaRPr sz="2000" b="1">
+              <a:solidFill>
+                <a:schemeClr val="dk1"/>
+              </a:solidFill>
+              <a:latin typeface="Calibri"/>
+              <a:ea typeface="Calibri"/>
+              <a:cs typeface="Calibri"/>
+              <a:sym typeface="Calibri"/>
+            </a:endParaRPr>
+          </a:p>
+        </p:txBody>
+      </p:sp>
+      <p:sp>
+        <p:nvSpPr>
+          <p:cNvPr id="254" name="Google Shape;254;p27"/>
+          <p:cNvSpPr txBox="1"/>
+          <p:nvPr/>
+        </p:nvSpPr>
+        <p:spPr>
+          <a:xfrm>
             <a:off x="90925" y="375743"/>
             <a:ext cx="4444500" cy="1742400"/>
           </a:xfrm>
@@ -17175,7 +18642,7 @@
       </p:sp>
       <p:sp>
         <p:nvSpPr>
-          <p:cNvPr id="242" name="Google Shape;242;p26"/>
+          <p:cNvPr id="255" name="Google Shape;255;p27"/>
           <p:cNvSpPr txBox="1"/>
           <p:nvPr/>
         </p:nvSpPr>
@@ -17744,7 +19211,7 @@
       </p:sp>
       <p:sp>
         <p:nvSpPr>
-          <p:cNvPr id="243" name="Google Shape;243;p26"/>
+          <p:cNvPr id="256" name="Google Shape;256;p27"/>
           <p:cNvSpPr txBox="1"/>
           <p:nvPr/>
         </p:nvSpPr>
@@ -18961,12 +20428,12 @@
 </p:sld>
 </file>
 
-<file path=ppt/slides/slide13.xml><?xml version="1.0" encoding="utf-8"?>
+<file path=ppt/slides/slide14.xml><?xml version="1.0" encoding="utf-8"?>
 <p:sld xmlns:a="http://schemas.openxmlformats.org/drawingml/2006/main" xmlns:r="http://schemas.openxmlformats.org/officeDocument/2006/relationships" xmlns:p="http://schemas.openxmlformats.org/presentationml/2006/main">
   <p:cSld>
     <p:spTree>
       <p:nvGrpSpPr>
-        <p:cNvPr id="1" name="Shape 247"/>
+        <p:cNvPr id="1" name="Shape 260"/>
         <p:cNvGrpSpPr/>
         <p:nvPr/>
       </p:nvGrpSpPr>
@@ -18980,7 +20447,7 @@
       </p:grpSpPr>
       <p:sp>
         <p:nvSpPr>
-          <p:cNvPr id="248" name="Google Shape;248;p27"/>
+          <p:cNvPr id="261" name="Google Shape;261;p28"/>
           <p:cNvSpPr txBox="1"/>
           <p:nvPr/>
         </p:nvSpPr>
@@ -19059,7 +20526,7 @@
       </p:sp>
       <p:sp>
         <p:nvSpPr>
-          <p:cNvPr id="249" name="Google Shape;249;p27"/>
+          <p:cNvPr id="262" name="Google Shape;262;p28"/>
           <p:cNvSpPr txBox="1"/>
           <p:nvPr/>
         </p:nvSpPr>
@@ -19601,7 +21068,7 @@
       </p:sp>
       <p:sp>
         <p:nvSpPr>
-          <p:cNvPr id="250" name="Google Shape;250;p27"/>
+          <p:cNvPr id="263" name="Google Shape;263;p28"/>
           <p:cNvSpPr txBox="1"/>
           <p:nvPr/>
         </p:nvSpPr>
@@ -19835,7 +21302,7 @@
       </p:sp>
       <p:pic>
         <p:nvPicPr>
-          <p:cNvPr id="251" name="Google Shape;251;p27"/>
+          <p:cNvPr id="264" name="Google Shape;264;p28"/>
           <p:cNvPicPr preferRelativeResize="0"/>
           <p:nvPr/>
         </p:nvPicPr>
@@ -19873,7 +21340,7 @@
       </p:pic>
       <p:pic>
         <p:nvPicPr>
-          <p:cNvPr id="252" name="Google Shape;252;p27"/>
+          <p:cNvPr id="265" name="Google Shape;265;p28"/>
           <p:cNvPicPr preferRelativeResize="0"/>
           <p:nvPr/>
         </p:nvPicPr>
@@ -19912,7 +21379,7 @@
       </p:pic>
       <p:sp>
         <p:nvSpPr>
-          <p:cNvPr id="253" name="Google Shape;253;p27"/>
+          <p:cNvPr id="266" name="Google Shape;266;p28"/>
           <p:cNvSpPr txBox="1"/>
           <p:nvPr/>
         </p:nvSpPr>
@@ -19987,12 +21454,12 @@
 </p:sld>
 </file>
 
-<file path=ppt/slides/slide14.xml><?xml version="1.0" encoding="utf-8"?>
+<file path=ppt/slides/slide15.xml><?xml version="1.0" encoding="utf-8"?>
 <p:sld xmlns:a="http://schemas.openxmlformats.org/drawingml/2006/main" xmlns:r="http://schemas.openxmlformats.org/officeDocument/2006/relationships" xmlns:p="http://schemas.openxmlformats.org/presentationml/2006/main">
   <p:cSld>
     <p:spTree>
       <p:nvGrpSpPr>
-        <p:cNvPr id="1" name="Shape 257"/>
+        <p:cNvPr id="1" name="Shape 270"/>
         <p:cNvGrpSpPr/>
         <p:nvPr/>
       </p:nvGrpSpPr>
@@ -20006,7 +21473,7 @@
       </p:grpSpPr>
       <p:sp>
         <p:nvSpPr>
-          <p:cNvPr id="258" name="Google Shape;258;p28"/>
+          <p:cNvPr id="271" name="Google Shape;271;p29"/>
           <p:cNvSpPr txBox="1"/>
           <p:nvPr/>
         </p:nvSpPr>
@@ -20072,7 +21539,7 @@
       </p:sp>
       <p:sp>
         <p:nvSpPr>
-          <p:cNvPr id="259" name="Google Shape;259;p28"/>
+          <p:cNvPr id="272" name="Google Shape;272;p29"/>
           <p:cNvSpPr txBox="1"/>
           <p:nvPr/>
         </p:nvSpPr>
@@ -20797,7 +22264,7 @@
       </p:sp>
       <p:sp>
         <p:nvSpPr>
-          <p:cNvPr id="260" name="Google Shape;260;p28"/>
+          <p:cNvPr id="273" name="Google Shape;273;p29"/>
           <p:cNvSpPr txBox="1"/>
           <p:nvPr/>
         </p:nvSpPr>
@@ -20959,7 +22426,7 @@
       </p:sp>
       <p:sp>
         <p:nvSpPr>
-          <p:cNvPr id="261" name="Google Shape;261;p28"/>
+          <p:cNvPr id="274" name="Google Shape;274;p29"/>
           <p:cNvSpPr txBox="1"/>
           <p:nvPr/>
         </p:nvSpPr>
@@ -21227,7 +22694,7 @@
       </p:sp>
       <p:sp>
         <p:nvSpPr>
-          <p:cNvPr id="262" name="Google Shape;262;p28"/>
+          <p:cNvPr id="275" name="Google Shape;275;p29"/>
           <p:cNvSpPr txBox="1"/>
           <p:nvPr/>
         </p:nvSpPr>
@@ -21451,12 +22918,12 @@
 </p:sld>
 </file>
 
-<file path=ppt/slides/slide15.xml><?xml version="1.0" encoding="utf-8"?>
+<file path=ppt/slides/slide16.xml><?xml version="1.0" encoding="utf-8"?>
 <p:sld xmlns:a="http://schemas.openxmlformats.org/drawingml/2006/main" xmlns:r="http://schemas.openxmlformats.org/officeDocument/2006/relationships" xmlns:p="http://schemas.openxmlformats.org/presentationml/2006/main">
   <p:cSld>
     <p:spTree>
       <p:nvGrpSpPr>
-        <p:cNvPr id="1" name="Shape 266"/>
+        <p:cNvPr id="1" name="Shape 279"/>
         <p:cNvGrpSpPr/>
         <p:nvPr/>
       </p:nvGrpSpPr>
@@ -21470,7 +22937,7 @@
       </p:grpSpPr>
       <p:sp>
         <p:nvSpPr>
-          <p:cNvPr id="267" name="Google Shape;267;p29"/>
+          <p:cNvPr id="280" name="Google Shape;280;p30"/>
           <p:cNvSpPr txBox="1"/>
           <p:nvPr/>
         </p:nvSpPr>
@@ -21536,7 +23003,7 @@
       </p:sp>
       <p:sp>
         <p:nvSpPr>
-          <p:cNvPr id="268" name="Google Shape;268;p29"/>
+          <p:cNvPr id="281" name="Google Shape;281;p30"/>
           <p:cNvSpPr txBox="1"/>
           <p:nvPr/>
         </p:nvSpPr>
@@ -22045,7 +23512,7 @@
       </p:sp>
       <p:sp>
         <p:nvSpPr>
-          <p:cNvPr id="269" name="Google Shape;269;p29"/>
+          <p:cNvPr id="282" name="Google Shape;282;p30"/>
           <p:cNvSpPr txBox="1"/>
           <p:nvPr/>
         </p:nvSpPr>
@@ -22394,7 +23861,7 @@
       </p:sp>
       <p:pic>
         <p:nvPicPr>
-          <p:cNvPr id="270" name="Google Shape;270;p29"/>
+          <p:cNvPr id="283" name="Google Shape;283;p30"/>
           <p:cNvPicPr preferRelativeResize="0"/>
           <p:nvPr/>
         </p:nvPicPr>
@@ -22439,12 +23906,12 @@
 </p:sld>
 </file>
 
-<file path=ppt/slides/slide16.xml><?xml version="1.0" encoding="utf-8"?>
+<file path=ppt/slides/slide17.xml><?xml version="1.0" encoding="utf-8"?>
 <p:sld xmlns:a="http://schemas.openxmlformats.org/drawingml/2006/main" xmlns:r="http://schemas.openxmlformats.org/officeDocument/2006/relationships" xmlns:p="http://schemas.openxmlformats.org/presentationml/2006/main">
   <p:cSld>
     <p:spTree>
       <p:nvGrpSpPr>
-        <p:cNvPr id="1" name="Shape 274"/>
+        <p:cNvPr id="1" name="Shape 287"/>
         <p:cNvGrpSpPr/>
         <p:nvPr/>
       </p:nvGrpSpPr>
@@ -22458,7 +23925,7 @@
       </p:grpSpPr>
       <p:sp>
         <p:nvSpPr>
-          <p:cNvPr id="275" name="Google Shape;275;p30"/>
+          <p:cNvPr id="288" name="Google Shape;288;p31"/>
           <p:cNvSpPr txBox="1"/>
           <p:nvPr/>
         </p:nvSpPr>
@@ -22524,7 +23991,7 @@
       </p:sp>
       <p:sp>
         <p:nvSpPr>
-          <p:cNvPr id="276" name="Google Shape;276;p30"/>
+          <p:cNvPr id="289" name="Google Shape;289;p31"/>
           <p:cNvSpPr txBox="1"/>
           <p:nvPr/>
         </p:nvSpPr>
@@ -22879,7 +24346,7 @@
       </p:sp>
       <p:pic>
         <p:nvPicPr>
-          <p:cNvPr id="277" name="Google Shape;277;p30"/>
+          <p:cNvPr id="290" name="Google Shape;290;p31"/>
           <p:cNvPicPr preferRelativeResize="0"/>
           <p:nvPr/>
         </p:nvPicPr>
@@ -22913,7 +24380,7 @@
       </p:pic>
       <p:pic>
         <p:nvPicPr>
-          <p:cNvPr id="278" name="Google Shape;278;p30"/>
+          <p:cNvPr id="291" name="Google Shape;291;p31"/>
           <p:cNvPicPr preferRelativeResize="0"/>
           <p:nvPr/>
         </p:nvPicPr>
@@ -22953,12 +24420,12 @@
 </p:sld>
 </file>
 
-<file path=ppt/slides/slide17.xml><?xml version="1.0" encoding="utf-8"?>
+<file path=ppt/slides/slide18.xml><?xml version="1.0" encoding="utf-8"?>
 <p:sld xmlns:a="http://schemas.openxmlformats.org/drawingml/2006/main" xmlns:r="http://schemas.openxmlformats.org/officeDocument/2006/relationships" xmlns:p="http://schemas.openxmlformats.org/presentationml/2006/main">
   <p:cSld>
     <p:spTree>
       <p:nvGrpSpPr>
-        <p:cNvPr id="1" name="Shape 282"/>
+        <p:cNvPr id="1" name="Shape 295"/>
         <p:cNvGrpSpPr/>
         <p:nvPr/>
       </p:nvGrpSpPr>
@@ -22972,7 +24439,7 @@
       </p:grpSpPr>
       <p:sp>
         <p:nvSpPr>
-          <p:cNvPr id="283" name="Google Shape;283;p31"/>
+          <p:cNvPr id="296" name="Google Shape;296;p32"/>
           <p:cNvSpPr txBox="1"/>
           <p:nvPr/>
         </p:nvSpPr>
@@ -23038,7 +24505,7 @@
       </p:sp>
       <p:sp>
         <p:nvSpPr>
-          <p:cNvPr id="284" name="Google Shape;284;p31"/>
+          <p:cNvPr id="297" name="Google Shape;297;p32"/>
           <p:cNvSpPr txBox="1"/>
           <p:nvPr/>
         </p:nvSpPr>
@@ -23485,7 +24952,7 @@
       </p:sp>
       <p:pic>
         <p:nvPicPr>
-          <p:cNvPr id="285" name="Google Shape;285;p31"/>
+          <p:cNvPr id="298" name="Google Shape;298;p32"/>
           <p:cNvPicPr preferRelativeResize="0"/>
           <p:nvPr/>
         </p:nvPicPr>
@@ -23529,12 +24996,12 @@
 </p:sld>
 </file>
 
-<file path=ppt/slides/slide18.xml><?xml version="1.0" encoding="utf-8"?>
+<file path=ppt/slides/slide19.xml><?xml version="1.0" encoding="utf-8"?>
 <p:sld xmlns:a="http://schemas.openxmlformats.org/drawingml/2006/main" xmlns:r="http://schemas.openxmlformats.org/officeDocument/2006/relationships" xmlns:p="http://schemas.openxmlformats.org/presentationml/2006/main">
   <p:cSld>
     <p:spTree>
       <p:nvGrpSpPr>
-        <p:cNvPr id="1" name="Shape 289"/>
+        <p:cNvPr id="1" name="Shape 302"/>
         <p:cNvGrpSpPr/>
         <p:nvPr/>
       </p:nvGrpSpPr>
@@ -23548,7 +25015,7 @@
       </p:grpSpPr>
       <p:sp>
         <p:nvSpPr>
-          <p:cNvPr id="290" name="Google Shape;290;p32"/>
+          <p:cNvPr id="303" name="Google Shape;303;p33"/>
           <p:cNvSpPr txBox="1"/>
           <p:nvPr/>
         </p:nvSpPr>
@@ -23598,7 +25065,7 @@
                 <a:cs typeface="Calibri"/>
                 <a:sym typeface="Calibri"/>
               </a:rPr>
-              <a:t>IT Projects Costs are now 10x lower</a:t>
+              <a:t>Elon Musk $1T Compensation Package</a:t>
             </a:r>
             <a:endParaRPr sz="2000" b="1">
               <a:solidFill>
@@ -23614,14 +25081,14 @@
       </p:sp>
       <p:sp>
         <p:nvSpPr>
-          <p:cNvPr id="291" name="Google Shape;291;p32"/>
+          <p:cNvPr id="304" name="Google Shape;304;p33"/>
           <p:cNvSpPr txBox="1"/>
           <p:nvPr/>
         </p:nvSpPr>
         <p:spPr>
           <a:xfrm>
-            <a:off x="101275" y="579218"/>
-            <a:ext cx="4444500" cy="3066000"/>
+            <a:off x="55075" y="442868"/>
+            <a:ext cx="4444500" cy="4451400"/>
           </a:xfrm>
           <a:prstGeom prst="rect">
             <a:avLst/>
@@ -23672,7 +25139,7 @@
                 <a:cs typeface="Calibri"/>
                 <a:sym typeface="Calibri"/>
               </a:rPr>
-              <a:t>Software projects that previously cost $200K and took 6 months now cost around $20K and complete in 6 weeks.</a:t>
+              <a:t>Elon Musk's unprecedented compensation package was approved by Tesla shareholders on November 6, 2025</a:t>
             </a:r>
             <a:endParaRPr sz="1200">
               <a:solidFill>
@@ -23712,7 +25179,7 @@
                 <a:cs typeface="Calibri"/>
                 <a:sym typeface="Calibri"/>
               </a:rPr>
-              <a:t>Where Savings Come From</a:t>
+              <a:t>This new pay plan could potentially be worth up to $1 Trillion over the next decade</a:t>
             </a:r>
             <a:endParaRPr sz="1200">
               <a:solidFill>
@@ -23725,7 +25192,7 @@
             </a:endParaRPr>
           </a:p>
           <a:p>
-            <a:pPr marL="342900" marR="0" lvl="1" indent="-133350" algn="l" rtl="0">
+            <a:pPr marL="171450" marR="0" lvl="0" indent="-133350" algn="l" rtl="0">
               <a:lnSpc>
                 <a:spcPct val="100000"/>
               </a:lnSpc>
@@ -23740,7 +25207,7 @@
               </a:buClr>
               <a:buSzPts val="1200"/>
               <a:buFont typeface="Calibri"/>
-              <a:buChar char="○"/>
+              <a:buChar char="●"/>
             </a:pPr>
             <a:r>
               <a:rPr lang="en" sz="1200">
@@ -23752,7 +25219,7 @@
                 <a:cs typeface="Calibri"/>
                 <a:sym typeface="Calibri"/>
               </a:rPr>
-              <a:t>Requirements Gathering by LLM</a:t>
+              <a:t>Musk doesn't receive a traditional salary, so the entire package comes in the form of stock options. If he receives all shares from this package over ten years, it would equate to approximately $275 million per day</a:t>
             </a:r>
             <a:endParaRPr sz="1200">
               <a:solidFill>
@@ -23765,7 +25232,7 @@
             </a:endParaRPr>
           </a:p>
           <a:p>
-            <a:pPr marL="342900" marR="0" lvl="1" indent="-133350" algn="l" rtl="0">
+            <a:pPr marL="171450" marR="0" lvl="0" indent="-133350" algn="l" rtl="0">
               <a:lnSpc>
                 <a:spcPct val="100000"/>
               </a:lnSpc>
@@ -23780,7 +25247,7 @@
               </a:buClr>
               <a:buSzPts val="1200"/>
               <a:buFont typeface="Calibri"/>
-              <a:buChar char="○"/>
+              <a:buChar char="●"/>
             </a:pPr>
             <a:r>
               <a:rPr lang="en" sz="1200">
@@ -23792,7 +25259,7 @@
                 <a:cs typeface="Calibri"/>
                 <a:sym typeface="Calibri"/>
               </a:rPr>
-              <a:t>Development Efficiency using AI Coding</a:t>
+              <a:t>The payouts are contingent on Tesla achieving specific market capitalization targets. The first tranche will be awarded when Tesla reaches a $2 trillion market cap, compared to its current valuation of $1.54 trillion. Subsequent tranches require the company's valuation to increase by $500 billion increments up to $6.5 trillion, with the final two tranches requiring $1 trillion increments each. For Musk to receive the complete package, Tesla must achieve an $8.5 trillion market cap—a 466% increase from current levels</a:t>
             </a:r>
             <a:endParaRPr sz="1200">
               <a:solidFill>
@@ -23832,19 +25299,8 @@
                 <a:cs typeface="Calibri"/>
                 <a:sym typeface="Calibri"/>
               </a:rPr>
-              <a:t>Large dev companies haven't reduced prices despite lower costs, so smaller companies can now underbid competitors</a:t>
-            </a:r>
-            <a:br>
-              <a:rPr lang="en" sz="1200">
-                <a:solidFill>
-                  <a:schemeClr val="dk1"/>
-                </a:solidFill>
-                <a:latin typeface="Calibri"/>
-                <a:ea typeface="Calibri"/>
-                <a:cs typeface="Calibri"/>
-                <a:sym typeface="Calibri"/>
-              </a:rPr>
-            </a:br>
+              <a:t>The approval increases Musk's voting stake in Tesla from approximately 13% to 25%, addressing his previous concerns about leading the company without at least 20% voting power</a:t>
+            </a:r>
             <a:endParaRPr sz="1200">
               <a:solidFill>
                 <a:schemeClr val="dk1"/>
@@ -23883,7 +25339,7 @@
                 <a:cs typeface="Calibri"/>
                 <a:sym typeface="Calibri"/>
               </a:rPr>
-              <a:t>Recommendations for Hiring</a:t>
+              <a:t>This new package comes while Musk's previous 2018 compensation plan worth $55.8 billion remains tied up in Delaware courts, where a judge ruled that shareholders lacked sufficient information to assess the board-approved compensation. The Delaware Supreme Court is currently reviewing Tesla's appeal</a:t>
             </a:r>
             <a:endParaRPr sz="1200">
               <a:solidFill>
@@ -23895,275 +25351,17 @@
               <a:sym typeface="Calibri"/>
             </a:endParaRPr>
           </a:p>
-          <a:p>
-            <a:pPr marL="342900" marR="0" lvl="1" indent="-133350" algn="l" rtl="0">
-              <a:lnSpc>
-                <a:spcPct val="100000"/>
-              </a:lnSpc>
-              <a:spcBef>
-                <a:spcPts val="0"/>
-              </a:spcBef>
-              <a:spcAft>
-                <a:spcPts val="0"/>
-              </a:spcAft>
-              <a:buClr>
-                <a:schemeClr val="dk1"/>
-              </a:buClr>
-              <a:buSzPts val="1200"/>
-              <a:buFont typeface="Calibri"/>
-              <a:buChar char="○"/>
-            </a:pPr>
-            <a:r>
-              <a:rPr lang="en" sz="1200">
-                <a:solidFill>
-                  <a:schemeClr val="dk1"/>
-                </a:solidFill>
-                <a:latin typeface="Calibri"/>
-                <a:ea typeface="Calibri"/>
-                <a:cs typeface="Calibri"/>
-                <a:sym typeface="Calibri"/>
-              </a:rPr>
-              <a:t>Ask if developers use AI coding tools</a:t>
-            </a:r>
-            <a:endParaRPr sz="1200">
-              <a:solidFill>
-                <a:schemeClr val="dk1"/>
-              </a:solidFill>
-              <a:latin typeface="Calibri"/>
-              <a:ea typeface="Calibri"/>
-              <a:cs typeface="Calibri"/>
-              <a:sym typeface="Calibri"/>
-            </a:endParaRPr>
-          </a:p>
-          <a:p>
-            <a:pPr marL="342900" marR="0" lvl="1" indent="-133350" algn="l" rtl="0">
-              <a:lnSpc>
-                <a:spcPct val="100000"/>
-              </a:lnSpc>
-              <a:spcBef>
-                <a:spcPts val="0"/>
-              </a:spcBef>
-              <a:spcAft>
-                <a:spcPts val="0"/>
-              </a:spcAft>
-              <a:buClr>
-                <a:schemeClr val="dk1"/>
-              </a:buClr>
-              <a:buSzPts val="1200"/>
-              <a:buFont typeface="Calibri"/>
-              <a:buChar char="○"/>
-            </a:pPr>
-            <a:r>
-              <a:rPr lang="en" sz="1200">
-                <a:solidFill>
-                  <a:schemeClr val="dk1"/>
-                </a:solidFill>
-                <a:latin typeface="Calibri"/>
-                <a:ea typeface="Calibri"/>
-                <a:cs typeface="Calibri"/>
-                <a:sym typeface="Calibri"/>
-              </a:rPr>
-              <a:t>Request prototypes after 1 week with $5,000 budget</a:t>
-            </a:r>
-            <a:endParaRPr sz="1200">
-              <a:solidFill>
-                <a:schemeClr val="dk1"/>
-              </a:solidFill>
-              <a:latin typeface="Calibri"/>
-              <a:ea typeface="Calibri"/>
-              <a:cs typeface="Calibri"/>
-              <a:sym typeface="Calibri"/>
-            </a:endParaRPr>
-          </a:p>
-          <a:p>
-            <a:pPr marL="342900" marR="0" lvl="1" indent="-133350" algn="l" rtl="0">
-              <a:lnSpc>
-                <a:spcPct val="100000"/>
-              </a:lnSpc>
-              <a:spcBef>
-                <a:spcPts val="0"/>
-              </a:spcBef>
-              <a:spcAft>
-                <a:spcPts val="0"/>
-              </a:spcAft>
-              <a:buClr>
-                <a:schemeClr val="dk1"/>
-              </a:buClr>
-              <a:buSzPts val="1200"/>
-              <a:buFont typeface="Calibri"/>
-              <a:buChar char="○"/>
-            </a:pPr>
-            <a:r>
-              <a:rPr lang="en" sz="1200">
-                <a:solidFill>
-                  <a:schemeClr val="dk1"/>
-                </a:solidFill>
-                <a:latin typeface="Calibri"/>
-                <a:ea typeface="Calibri"/>
-                <a:cs typeface="Calibri"/>
-                <a:sym typeface="Calibri"/>
-              </a:rPr>
-              <a:t>Start with time-boxed projects around $25,000</a:t>
-            </a:r>
-            <a:endParaRPr sz="1200">
-              <a:solidFill>
-                <a:schemeClr val="dk1"/>
-              </a:solidFill>
-              <a:latin typeface="Calibri"/>
-              <a:ea typeface="Calibri"/>
-              <a:cs typeface="Calibri"/>
-              <a:sym typeface="Calibri"/>
-            </a:endParaRPr>
-          </a:p>
-          <a:p>
-            <a:pPr marL="342900" marR="0" lvl="1" indent="-133350" algn="l" rtl="0">
-              <a:lnSpc>
-                <a:spcPct val="100000"/>
-              </a:lnSpc>
-              <a:spcBef>
-                <a:spcPts val="0"/>
-              </a:spcBef>
-              <a:spcAft>
-                <a:spcPts val="0"/>
-              </a:spcAft>
-              <a:buClr>
-                <a:schemeClr val="dk1"/>
-              </a:buClr>
-              <a:buSzPts val="1200"/>
-              <a:buFont typeface="Calibri"/>
-              <a:buChar char="○"/>
-            </a:pPr>
-            <a:r>
-              <a:rPr lang="en" sz="1200">
-                <a:solidFill>
-                  <a:schemeClr val="dk1"/>
-                </a:solidFill>
-                <a:latin typeface="Calibri"/>
-                <a:ea typeface="Calibri"/>
-                <a:cs typeface="Calibri"/>
-                <a:sym typeface="Calibri"/>
-              </a:rPr>
-              <a:t>Build trust through smaller tests before committing to large builds</a:t>
-            </a:r>
-            <a:endParaRPr sz="1200">
-              <a:solidFill>
-                <a:schemeClr val="dk1"/>
-              </a:solidFill>
-              <a:latin typeface="Calibri"/>
-              <a:ea typeface="Calibri"/>
-              <a:cs typeface="Calibri"/>
-              <a:sym typeface="Calibri"/>
-            </a:endParaRPr>
-          </a:p>
-          <a:p>
-            <a:pPr marL="171450" marR="0" lvl="0" indent="-133350" algn="l" rtl="0">
-              <a:lnSpc>
-                <a:spcPct val="100000"/>
-              </a:lnSpc>
-              <a:spcBef>
-                <a:spcPts val="0"/>
-              </a:spcBef>
-              <a:spcAft>
-                <a:spcPts val="0"/>
-              </a:spcAft>
-              <a:buClr>
-                <a:schemeClr val="dk1"/>
-              </a:buClr>
-              <a:buSzPts val="1200"/>
-              <a:buFont typeface="Calibri"/>
-              <a:buChar char="●"/>
-            </a:pPr>
-            <a:r>
-              <a:rPr lang="en" sz="1200">
-                <a:solidFill>
-                  <a:schemeClr val="dk1"/>
-                </a:solidFill>
-                <a:latin typeface="Calibri"/>
-                <a:ea typeface="Calibri"/>
-                <a:cs typeface="Calibri"/>
-                <a:sym typeface="Calibri"/>
-              </a:rPr>
-              <a:t>99% of projects should start under $50K to maintain momentum and avoid feature creep</a:t>
-            </a:r>
-            <a:endParaRPr sz="900">
-              <a:solidFill>
-                <a:schemeClr val="dk1"/>
-              </a:solidFill>
-              <a:latin typeface="Calibri"/>
-              <a:ea typeface="Calibri"/>
-              <a:cs typeface="Calibri"/>
-              <a:sym typeface="Calibri"/>
-            </a:endParaRPr>
-          </a:p>
-          <a:p>
-            <a:pPr marL="171450" marR="0" lvl="0" indent="-114300" algn="l" rtl="0">
-              <a:lnSpc>
-                <a:spcPct val="100000"/>
-              </a:lnSpc>
-              <a:spcBef>
-                <a:spcPts val="0"/>
-              </a:spcBef>
-              <a:spcAft>
-                <a:spcPts val="0"/>
-              </a:spcAft>
-              <a:buClr>
-                <a:schemeClr val="dk1"/>
-              </a:buClr>
-              <a:buSzPts val="900"/>
-              <a:buFont typeface="Calibri"/>
-              <a:buChar char="●"/>
-            </a:pPr>
-            <a:r>
-              <a:rPr lang="en" sz="900" u="sng">
-                <a:solidFill>
-                  <a:schemeClr val="hlink"/>
-                </a:solidFill>
-                <a:latin typeface="Calibri"/>
-                <a:ea typeface="Calibri"/>
-                <a:cs typeface="Calibri"/>
-                <a:sym typeface="Calibri"/>
-                <a:hlinkClick r:id="rId3"/>
-              </a:rPr>
-              <a:t>https://medium.com/realworld-ai-use-cases/how-has-ai-changed-the-cost-of-software-20-000-is-the-new-200-000-5f98ae364e24</a:t>
-            </a:r>
-            <a:r>
-              <a:rPr lang="en" sz="900">
-                <a:solidFill>
-                  <a:schemeClr val="dk1"/>
-                </a:solidFill>
-                <a:latin typeface="Calibri"/>
-                <a:ea typeface="Calibri"/>
-                <a:cs typeface="Calibri"/>
-                <a:sym typeface="Calibri"/>
-              </a:rPr>
-              <a:t> </a:t>
-            </a:r>
-            <a:endParaRPr sz="900">
-              <a:solidFill>
-                <a:schemeClr val="dk1"/>
-              </a:solidFill>
-              <a:latin typeface="Calibri"/>
-              <a:ea typeface="Calibri"/>
-              <a:cs typeface="Calibri"/>
-              <a:sym typeface="Calibri"/>
-            </a:endParaRPr>
-          </a:p>
         </p:txBody>
       </p:sp>
       <p:pic>
         <p:nvPicPr>
-          <p:cNvPr id="292" name="Google Shape;292;p32"/>
+          <p:cNvPr id="305" name="Google Shape;305;p33"/>
           <p:cNvPicPr preferRelativeResize="0"/>
           <p:nvPr/>
         </p:nvPicPr>
         <p:blipFill>
-          <a:blip r:embed="rId4" cstate="email">
+          <a:blip r:embed="rId3">
             <a:alphaModFix/>
-            <a:extLst>
-              <a:ext uri="{28A0092B-C50C-407E-A947-70E740481C1C}">
-                <a14:useLocalDpi xmlns:a14="http://schemas.microsoft.com/office/drawing/2010/main"/>
-              </a:ext>
-            </a:extLst>
           </a:blip>
           <a:stretch>
             <a:fillRect/>
@@ -24171,647 +25369,8 @@
         </p:blipFill>
         <p:spPr>
           <a:xfrm>
-            <a:off x="4875275" y="734588"/>
-            <a:ext cx="2755274" cy="2755274"/>
-          </a:xfrm>
-          <a:prstGeom prst="rect">
-            <a:avLst/>
-          </a:prstGeom>
-          <a:noFill/>
-          <a:ln w="9525" cap="flat" cmpd="sng">
-            <a:solidFill>
-              <a:srgbClr val="FF0000"/>
-            </a:solidFill>
-            <a:prstDash val="solid"/>
-            <a:round/>
-            <a:headEnd type="none" w="sm" len="sm"/>
-            <a:tailEnd type="none" w="sm" len="sm"/>
-          </a:ln>
-        </p:spPr>
-      </p:pic>
-    </p:spTree>
-  </p:cSld>
-  <p:clrMapOvr>
-    <a:masterClrMapping/>
-  </p:clrMapOvr>
-</p:sld>
-</file>
-
-<file path=ppt/slides/slide19.xml><?xml version="1.0" encoding="utf-8"?>
-<p:sld xmlns:a="http://schemas.openxmlformats.org/drawingml/2006/main" xmlns:r="http://schemas.openxmlformats.org/officeDocument/2006/relationships" xmlns:p="http://schemas.openxmlformats.org/presentationml/2006/main">
-  <p:cSld>
-    <p:spTree>
-      <p:nvGrpSpPr>
-        <p:cNvPr id="1" name="Shape 296"/>
-        <p:cNvGrpSpPr/>
-        <p:nvPr/>
-      </p:nvGrpSpPr>
-      <p:grpSpPr>
-        <a:xfrm>
-          <a:off x="0" y="0"/>
-          <a:ext cx="0" cy="0"/>
-          <a:chOff x="0" y="0"/>
-          <a:chExt cx="0" cy="0"/>
-        </a:xfrm>
-      </p:grpSpPr>
-      <p:sp>
-        <p:nvSpPr>
-          <p:cNvPr id="297" name="Google Shape;297;p33"/>
-          <p:cNvSpPr txBox="1"/>
-          <p:nvPr/>
-        </p:nvSpPr>
-        <p:spPr>
-          <a:xfrm>
-            <a:off x="55075" y="20375"/>
-            <a:ext cx="4444500" cy="326400"/>
-          </a:xfrm>
-          <a:prstGeom prst="rect">
-            <a:avLst/>
-          </a:prstGeom>
-          <a:noFill/>
-          <a:ln>
-            <a:noFill/>
-          </a:ln>
-        </p:spPr>
-        <p:txBody>
-          <a:bodyPr spcFirstLastPara="1" wrap="square" lIns="9125" tIns="9125" rIns="9125" bIns="9125" anchor="t" anchorCtr="0">
-            <a:spAutoFit/>
-          </a:bodyPr>
-          <a:lstStyle/>
-          <a:p>
-            <a:pPr marL="0" marR="0" lvl="0" indent="0" algn="l" rtl="0">
-              <a:lnSpc>
-                <a:spcPct val="100000"/>
-              </a:lnSpc>
-              <a:spcBef>
-                <a:spcPts val="0"/>
-              </a:spcBef>
-              <a:spcAft>
-                <a:spcPts val="0"/>
-              </a:spcAft>
-              <a:buClr>
-                <a:schemeClr val="dk1"/>
-              </a:buClr>
-              <a:buSzPts val="1100"/>
-              <a:buFont typeface="Arial"/>
-              <a:buNone/>
-            </a:pPr>
-            <a:r>
-              <a:rPr lang="en" sz="2000" b="1">
-                <a:solidFill>
-                  <a:schemeClr val="dk1"/>
-                </a:solidFill>
-                <a:latin typeface="Calibri"/>
-                <a:ea typeface="Calibri"/>
-                <a:cs typeface="Calibri"/>
-                <a:sym typeface="Calibri"/>
-              </a:rPr>
-              <a:t>FDE - Hottest new job in AI</a:t>
-            </a:r>
-            <a:endParaRPr sz="2000" b="1">
-              <a:solidFill>
-                <a:schemeClr val="dk1"/>
-              </a:solidFill>
-              <a:latin typeface="Calibri"/>
-              <a:ea typeface="Calibri"/>
-              <a:cs typeface="Calibri"/>
-              <a:sym typeface="Calibri"/>
-            </a:endParaRPr>
-          </a:p>
-        </p:txBody>
-      </p:sp>
-      <p:sp>
-        <p:nvSpPr>
-          <p:cNvPr id="298" name="Google Shape;298;p33"/>
-          <p:cNvSpPr txBox="1"/>
-          <p:nvPr/>
-        </p:nvSpPr>
-        <p:spPr>
-          <a:xfrm>
-            <a:off x="55075" y="456018"/>
-            <a:ext cx="4444500" cy="4266600"/>
-          </a:xfrm>
-          <a:prstGeom prst="rect">
-            <a:avLst/>
-          </a:prstGeom>
-          <a:solidFill>
-            <a:srgbClr val="FFF2CC"/>
-          </a:solidFill>
-          <a:ln w="9525" cap="flat" cmpd="sng">
-            <a:solidFill>
-              <a:srgbClr val="FF0000"/>
-            </a:solidFill>
-            <a:prstDash val="solid"/>
-            <a:round/>
-            <a:headEnd type="none" w="sm" len="sm"/>
-            <a:tailEnd type="none" w="sm" len="sm"/>
-          </a:ln>
-        </p:spPr>
-        <p:txBody>
-          <a:bodyPr spcFirstLastPara="1" wrap="square" lIns="9125" tIns="9125" rIns="9125" bIns="9125" anchor="t" anchorCtr="0">
-            <a:spAutoFit/>
-          </a:bodyPr>
-          <a:lstStyle/>
-          <a:p>
-            <a:pPr marL="171450" marR="0" lvl="0" indent="-133350" algn="l" rtl="0">
-              <a:lnSpc>
-                <a:spcPct val="100000"/>
-              </a:lnSpc>
-              <a:spcBef>
-                <a:spcPts val="0"/>
-              </a:spcBef>
-              <a:spcAft>
-                <a:spcPts val="0"/>
-              </a:spcAft>
-              <a:buClr>
-                <a:schemeClr val="dk1"/>
-              </a:buClr>
-              <a:buSzPts val="1200"/>
-              <a:buFont typeface="Calibri"/>
-              <a:buChar char="●"/>
-            </a:pPr>
-            <a:r>
-              <a:rPr lang="en" sz="1200">
-                <a:solidFill>
-                  <a:schemeClr val="dk1"/>
-                </a:solidFill>
-                <a:latin typeface="Calibri"/>
-                <a:ea typeface="Calibri"/>
-                <a:cs typeface="Calibri"/>
-                <a:sym typeface="Calibri"/>
-              </a:rPr>
-              <a:t>A </a:t>
-            </a:r>
-            <a:r>
-              <a:rPr lang="en" sz="1200" b="1">
-                <a:solidFill>
-                  <a:srgbClr val="FF0000"/>
-                </a:solidFill>
-                <a:latin typeface="Calibri"/>
-                <a:ea typeface="Calibri"/>
-                <a:cs typeface="Calibri"/>
-                <a:sym typeface="Calibri"/>
-              </a:rPr>
-              <a:t>Forward-Deployed Engineer (FDE)</a:t>
-            </a:r>
-            <a:r>
-              <a:rPr lang="en" sz="1200">
-                <a:solidFill>
-                  <a:schemeClr val="dk1"/>
-                </a:solidFill>
-                <a:latin typeface="Calibri"/>
-                <a:ea typeface="Calibri"/>
-                <a:cs typeface="Calibri"/>
-                <a:sym typeface="Calibri"/>
-              </a:rPr>
-              <a:t> is a software engineer who embeds directly with customer teams on-site (or work closely) to build and deploy custom AI solutions tailored to their specific business problems. </a:t>
-            </a:r>
-            <a:endParaRPr sz="1200">
-              <a:solidFill>
-                <a:schemeClr val="dk1"/>
-              </a:solidFill>
-              <a:latin typeface="Calibri"/>
-              <a:ea typeface="Calibri"/>
-              <a:cs typeface="Calibri"/>
-              <a:sym typeface="Calibri"/>
-            </a:endParaRPr>
-          </a:p>
-          <a:p>
-            <a:pPr marL="171450" marR="0" lvl="0" indent="-133350" algn="l" rtl="0">
-              <a:lnSpc>
-                <a:spcPct val="100000"/>
-              </a:lnSpc>
-              <a:spcBef>
-                <a:spcPts val="0"/>
-              </a:spcBef>
-              <a:spcAft>
-                <a:spcPts val="0"/>
-              </a:spcAft>
-              <a:buClr>
-                <a:schemeClr val="dk1"/>
-              </a:buClr>
-              <a:buSzPts val="1200"/>
-              <a:buFont typeface="Calibri"/>
-              <a:buChar char="●"/>
-            </a:pPr>
-            <a:r>
-              <a:rPr lang="en" sz="1200" b="1">
-                <a:solidFill>
-                  <a:srgbClr val="FF0000"/>
-                </a:solidFill>
-                <a:latin typeface="Calibri"/>
-                <a:ea typeface="Calibri"/>
-                <a:cs typeface="Calibri"/>
-                <a:sym typeface="Calibri"/>
-              </a:rPr>
-              <a:t>AI implementation has become the new bottleneck</a:t>
-            </a:r>
-            <a:r>
-              <a:rPr lang="en" sz="1200">
-                <a:solidFill>
-                  <a:schemeClr val="dk1"/>
-                </a:solidFill>
-                <a:latin typeface="Calibri"/>
-                <a:ea typeface="Calibri"/>
-                <a:cs typeface="Calibri"/>
-                <a:sym typeface="Calibri"/>
-              </a:rPr>
-              <a:t> - </a:t>
-            </a:r>
-            <a:r>
-              <a:rPr lang="en" sz="1200" b="1">
-                <a:solidFill>
-                  <a:srgbClr val="3C78D8"/>
-                </a:solidFill>
-                <a:latin typeface="Calibri"/>
-                <a:ea typeface="Calibri"/>
-                <a:cs typeface="Calibri"/>
-                <a:sym typeface="Calibri"/>
-              </a:rPr>
-              <a:t>the challenge is no longer building models, but deploying them effectively</a:t>
-            </a:r>
-            <a:r>
-              <a:rPr lang="en" sz="1200">
-                <a:solidFill>
-                  <a:schemeClr val="dk1"/>
-                </a:solidFill>
-                <a:latin typeface="Calibri"/>
-                <a:ea typeface="Calibri"/>
-                <a:cs typeface="Calibri"/>
-                <a:sym typeface="Calibri"/>
-              </a:rPr>
-              <a:t> in complex, real-world environments. </a:t>
-            </a:r>
-            <a:endParaRPr sz="1200">
-              <a:solidFill>
-                <a:schemeClr val="dk1"/>
-              </a:solidFill>
-              <a:latin typeface="Calibri"/>
-              <a:ea typeface="Calibri"/>
-              <a:cs typeface="Calibri"/>
-              <a:sym typeface="Calibri"/>
-            </a:endParaRPr>
-          </a:p>
-          <a:p>
-            <a:pPr marL="171450" marR="0" lvl="0" indent="-133350" algn="l" rtl="0">
-              <a:lnSpc>
-                <a:spcPct val="100000"/>
-              </a:lnSpc>
-              <a:spcBef>
-                <a:spcPts val="0"/>
-              </a:spcBef>
-              <a:spcAft>
-                <a:spcPts val="0"/>
-              </a:spcAft>
-              <a:buClr>
-                <a:schemeClr val="dk1"/>
-              </a:buClr>
-              <a:buSzPts val="1200"/>
-              <a:buFont typeface="Calibri"/>
-              <a:buChar char="●"/>
-            </a:pPr>
-            <a:r>
-              <a:rPr lang="en" sz="1200" b="1">
-                <a:solidFill>
-                  <a:srgbClr val="6AA84F"/>
-                </a:solidFill>
-                <a:latin typeface="Calibri"/>
-                <a:ea typeface="Calibri"/>
-                <a:cs typeface="Calibri"/>
-                <a:sym typeface="Calibri"/>
-              </a:rPr>
-              <a:t>OpenAI established its FDE team at the start of 2025 and expects to grow it to about 50 engineers this year.</a:t>
-            </a:r>
-            <a:r>
-              <a:rPr lang="en" sz="1200">
-                <a:solidFill>
-                  <a:schemeClr val="dk1"/>
-                </a:solidFill>
-                <a:latin typeface="Calibri"/>
-                <a:ea typeface="Calibri"/>
-                <a:cs typeface="Calibri"/>
-                <a:sym typeface="Calibri"/>
-              </a:rPr>
-              <a:t> Anthropic, and Cohere are rapidly hiring these hybrid professionals too.</a:t>
-            </a:r>
-            <a:endParaRPr sz="1200">
-              <a:solidFill>
-                <a:schemeClr val="dk1"/>
-              </a:solidFill>
-              <a:latin typeface="Calibri"/>
-              <a:ea typeface="Calibri"/>
-              <a:cs typeface="Calibri"/>
-              <a:sym typeface="Calibri"/>
-            </a:endParaRPr>
-          </a:p>
-          <a:p>
-            <a:pPr marL="171450" marR="0" lvl="0" indent="-133350" algn="l" rtl="0">
-              <a:lnSpc>
-                <a:spcPct val="100000"/>
-              </a:lnSpc>
-              <a:spcBef>
-                <a:spcPts val="0"/>
-              </a:spcBef>
-              <a:spcAft>
-                <a:spcPts val="0"/>
-              </a:spcAft>
-              <a:buClr>
-                <a:schemeClr val="dk1"/>
-              </a:buClr>
-              <a:buSzPts val="1200"/>
-              <a:buFont typeface="Calibri"/>
-              <a:buChar char="●"/>
-            </a:pPr>
-            <a:r>
-              <a:rPr lang="en" sz="1200" b="1">
-                <a:solidFill>
-                  <a:srgbClr val="3C78D8"/>
-                </a:solidFill>
-                <a:latin typeface="Calibri"/>
-                <a:ea typeface="Calibri"/>
-                <a:cs typeface="Calibri"/>
-                <a:sym typeface="Calibri"/>
-              </a:rPr>
-              <a:t>The term “forward-deployed” originates from the military (like "airborne troops") and was popularized by Palantir</a:t>
-            </a:r>
-            <a:r>
-              <a:rPr lang="en" sz="1200">
-                <a:solidFill>
-                  <a:schemeClr val="dk1"/>
-                </a:solidFill>
-                <a:latin typeface="Calibri"/>
-                <a:ea typeface="Calibri"/>
-                <a:cs typeface="Calibri"/>
-                <a:sym typeface="Calibri"/>
-              </a:rPr>
-              <a:t>, which sends embedded engineers into client environments to co-create solutions.</a:t>
-            </a:r>
-            <a:endParaRPr sz="1200">
-              <a:solidFill>
-                <a:schemeClr val="dk1"/>
-              </a:solidFill>
-              <a:latin typeface="Calibri"/>
-              <a:ea typeface="Calibri"/>
-              <a:cs typeface="Calibri"/>
-              <a:sym typeface="Calibri"/>
-            </a:endParaRPr>
-          </a:p>
-          <a:p>
-            <a:pPr marL="171450" marR="0" lvl="0" indent="-133350" algn="l" rtl="0">
-              <a:lnSpc>
-                <a:spcPct val="100000"/>
-              </a:lnSpc>
-              <a:spcBef>
-                <a:spcPts val="0"/>
-              </a:spcBef>
-              <a:spcAft>
-                <a:spcPts val="0"/>
-              </a:spcAft>
-              <a:buClr>
-                <a:schemeClr val="dk1"/>
-              </a:buClr>
-              <a:buSzPts val="1200"/>
-              <a:buFont typeface="Calibri"/>
-              <a:buChar char="●"/>
-            </a:pPr>
-            <a:r>
-              <a:rPr lang="en" sz="1200">
-                <a:solidFill>
-                  <a:schemeClr val="dk1"/>
-                </a:solidFill>
-                <a:latin typeface="Calibri"/>
-                <a:ea typeface="Calibri"/>
-                <a:cs typeface="Calibri"/>
-                <a:sym typeface="Calibri"/>
-              </a:rPr>
-              <a:t>The role has been dubbed "</a:t>
-            </a:r>
-            <a:r>
-              <a:rPr lang="en" sz="1200" b="1">
-                <a:solidFill>
-                  <a:srgbClr val="FF0000"/>
-                </a:solidFill>
-                <a:latin typeface="Calibri"/>
-                <a:ea typeface="Calibri"/>
-                <a:cs typeface="Calibri"/>
-                <a:sym typeface="Calibri"/>
-              </a:rPr>
-              <a:t>the hottest job in tech</a:t>
-            </a:r>
-            <a:r>
-              <a:rPr lang="en" sz="1200">
-                <a:solidFill>
-                  <a:schemeClr val="dk1"/>
-                </a:solidFill>
-                <a:latin typeface="Calibri"/>
-                <a:ea typeface="Calibri"/>
-                <a:cs typeface="Calibri"/>
-                <a:sym typeface="Calibri"/>
-              </a:rPr>
-              <a:t>" by venture capital firm </a:t>
-            </a:r>
-            <a:r>
-              <a:rPr lang="en" sz="1200" b="1">
-                <a:solidFill>
-                  <a:srgbClr val="FF0000"/>
-                </a:solidFill>
-                <a:latin typeface="Calibri"/>
-                <a:ea typeface="Calibri"/>
-                <a:cs typeface="Calibri"/>
-                <a:sym typeface="Calibri"/>
-              </a:rPr>
-              <a:t>a16z (Andreessen Horowitz)</a:t>
-            </a:r>
-            <a:endParaRPr sz="1200" b="1">
-              <a:solidFill>
-                <a:srgbClr val="FF0000"/>
-              </a:solidFill>
-              <a:latin typeface="Calibri"/>
-              <a:ea typeface="Calibri"/>
-              <a:cs typeface="Calibri"/>
-              <a:sym typeface="Calibri"/>
-            </a:endParaRPr>
-          </a:p>
-          <a:p>
-            <a:pPr marL="171450" marR="0" lvl="0" indent="-133350" algn="l" rtl="0">
-              <a:lnSpc>
-                <a:spcPct val="100000"/>
-              </a:lnSpc>
-              <a:spcBef>
-                <a:spcPts val="0"/>
-              </a:spcBef>
-              <a:spcAft>
-                <a:spcPts val="0"/>
-              </a:spcAft>
-              <a:buClr>
-                <a:schemeClr val="dk1"/>
-              </a:buClr>
-              <a:buSzPts val="1200"/>
-              <a:buFont typeface="Calibri"/>
-              <a:buChar char="●"/>
-            </a:pPr>
-            <a:r>
-              <a:rPr lang="en" sz="1200" b="1">
-                <a:solidFill>
-                  <a:srgbClr val="3C78D8"/>
-                </a:solidFill>
-                <a:latin typeface="Calibri"/>
-                <a:ea typeface="Calibri"/>
-                <a:cs typeface="Calibri"/>
-                <a:sym typeface="Calibri"/>
-              </a:rPr>
-              <a:t>FDEs command top salaries due to their high-impact nature</a:t>
-            </a:r>
-            <a:r>
-              <a:rPr lang="en" sz="1200">
-                <a:solidFill>
-                  <a:schemeClr val="dk1"/>
-                </a:solidFill>
-                <a:latin typeface="Calibri"/>
-                <a:ea typeface="Calibri"/>
-                <a:cs typeface="Calibri"/>
-                <a:sym typeface="Calibri"/>
-              </a:rPr>
-              <a:t>. Many FDEs become trusted advisors within organizations and later transition to founding startups or leadership roles, thanks to their unique blend of technical and business experience</a:t>
-            </a:r>
-            <a:endParaRPr sz="1200">
-              <a:solidFill>
-                <a:schemeClr val="dk1"/>
-              </a:solidFill>
-              <a:latin typeface="Calibri"/>
-              <a:ea typeface="Calibri"/>
-              <a:cs typeface="Calibri"/>
-              <a:sym typeface="Calibri"/>
-            </a:endParaRPr>
-          </a:p>
-          <a:p>
-            <a:pPr marL="171450" marR="0" lvl="0" indent="-133350" algn="l" rtl="0">
-              <a:lnSpc>
-                <a:spcPct val="100000"/>
-              </a:lnSpc>
-              <a:spcBef>
-                <a:spcPts val="0"/>
-              </a:spcBef>
-              <a:spcAft>
-                <a:spcPts val="0"/>
-              </a:spcAft>
-              <a:buClr>
-                <a:schemeClr val="dk1"/>
-              </a:buClr>
-              <a:buSzPts val="1200"/>
-              <a:buFont typeface="Calibri"/>
-              <a:buChar char="●"/>
-            </a:pPr>
-            <a:r>
-              <a:rPr lang="en" sz="1200">
-                <a:solidFill>
-                  <a:schemeClr val="dk1"/>
-                </a:solidFill>
-                <a:latin typeface="Calibri"/>
-                <a:ea typeface="Calibri"/>
-                <a:cs typeface="Calibri"/>
-                <a:sym typeface="Calibri"/>
-              </a:rPr>
-              <a:t>FDE is the Hottest new job in AI. </a:t>
-            </a:r>
-            <a:r>
-              <a:rPr lang="en" sz="1200" b="1">
-                <a:solidFill>
-                  <a:srgbClr val="3C78D8"/>
-                </a:solidFill>
-                <a:latin typeface="Calibri"/>
-                <a:ea typeface="Calibri"/>
-                <a:cs typeface="Calibri"/>
-                <a:sym typeface="Calibri"/>
-              </a:rPr>
-              <a:t>Job listings for FDEs have surged over 800% in 2025</a:t>
-            </a:r>
-            <a:r>
-              <a:rPr lang="en" sz="1200">
-                <a:solidFill>
-                  <a:schemeClr val="dk1"/>
-                </a:solidFill>
-                <a:latin typeface="Calibri"/>
-                <a:ea typeface="Calibri"/>
-                <a:cs typeface="Calibri"/>
-                <a:sym typeface="Calibri"/>
-              </a:rPr>
-              <a:t>. A year ago the hottest AI job was prompt engineer</a:t>
-            </a:r>
-            <a:endParaRPr sz="1200">
-              <a:solidFill>
-                <a:schemeClr val="dk1"/>
-              </a:solidFill>
-              <a:latin typeface="Calibri"/>
-              <a:ea typeface="Calibri"/>
-              <a:cs typeface="Calibri"/>
-              <a:sym typeface="Calibri"/>
-            </a:endParaRPr>
-          </a:p>
-        </p:txBody>
-      </p:sp>
-      <p:pic>
-        <p:nvPicPr>
-          <p:cNvPr id="299" name="Google Shape;299;p33"/>
-          <p:cNvPicPr preferRelativeResize="0"/>
-          <p:nvPr/>
-        </p:nvPicPr>
-        <p:blipFill>
-          <a:blip r:embed="rId3" cstate="email">
-            <a:alphaModFix/>
-            <a:extLst>
-              <a:ext uri="{28A0092B-C50C-407E-A947-70E740481C1C}">
-                <a14:useLocalDpi xmlns:a14="http://schemas.microsoft.com/office/drawing/2010/main"/>
-              </a:ext>
-            </a:extLst>
-          </a:blip>
-          <a:stretch>
-            <a:fillRect/>
-          </a:stretch>
-        </p:blipFill>
-        <p:spPr>
-          <a:xfrm>
-            <a:off x="5162500" y="456029"/>
-            <a:ext cx="2491750" cy="2491750"/>
-          </a:xfrm>
-          <a:prstGeom prst="rect">
-            <a:avLst/>
-          </a:prstGeom>
-          <a:noFill/>
-          <a:ln w="9525" cap="flat" cmpd="sng">
-            <a:solidFill>
-              <a:srgbClr val="FF0000"/>
-            </a:solidFill>
-            <a:prstDash val="solid"/>
-            <a:round/>
-            <a:headEnd type="none" w="sm" len="sm"/>
-            <a:tailEnd type="none" w="sm" len="sm"/>
-          </a:ln>
-        </p:spPr>
-      </p:pic>
-      <p:pic>
-        <p:nvPicPr>
-          <p:cNvPr id="300" name="Google Shape;300;p33"/>
-          <p:cNvPicPr preferRelativeResize="0"/>
-          <p:nvPr/>
-        </p:nvPicPr>
-        <p:blipFill>
-          <a:blip r:embed="rId4" cstate="email">
-            <a:alphaModFix/>
-            <a:extLst>
-              <a:ext uri="{28A0092B-C50C-407E-A947-70E740481C1C}">
-                <a14:useLocalDpi xmlns:a14="http://schemas.microsoft.com/office/drawing/2010/main"/>
-              </a:ext>
-            </a:extLst>
-          </a:blip>
-          <a:stretch>
-            <a:fillRect/>
-          </a:stretch>
-        </p:blipFill>
-        <p:spPr>
-          <a:xfrm>
-            <a:off x="5162500" y="3070492"/>
-            <a:ext cx="2491750" cy="1652133"/>
+            <a:off x="4754250" y="612600"/>
+            <a:ext cx="2114550" cy="2162175"/>
           </a:xfrm>
           <a:prstGeom prst="rect">
             <a:avLst/>
@@ -30410,7 +30969,7 @@
             <a:tbl>
               <a:tblPr>
                 <a:noFill/>
-                <a:tableStyleId>{2FF2078A-F8D7-4489-AB39-CA86143F9668}</a:tableStyleId>
+                <a:tableStyleId>{6F8275B6-2EAA-45DF-A202-60CAE19861AE}</a:tableStyleId>
               </a:tblPr>
               <a:tblGrid>
                 <a:gridCol w="1828800">
@@ -34878,7 +35437,7 @@
             <a:tbl>
               <a:tblPr>
                 <a:noFill/>
-                <a:tableStyleId>{2FF2078A-F8D7-4489-AB39-CA86143F9668}</a:tableStyleId>
+                <a:tableStyleId>{6F8275B6-2EAA-45DF-A202-60CAE19861AE}</a:tableStyleId>
               </a:tblPr>
               <a:tblGrid>
                 <a:gridCol w="1828800">
@@ -39608,7 +40167,7 @@
   <p:cSld>
     <p:spTree>
       <p:nvGrpSpPr>
-        <p:cNvPr id="1" name="Shape 304"/>
+        <p:cNvPr id="1" name="Shape 309"/>
         <p:cNvGrpSpPr/>
         <p:nvPr/>
       </p:nvGrpSpPr>
@@ -39622,7 +40181,1314 @@
       </p:grpSpPr>
       <p:sp>
         <p:nvSpPr>
-          <p:cNvPr id="305" name="Google Shape;305;p34"/>
+          <p:cNvPr id="310" name="Google Shape;310;p34"/>
+          <p:cNvSpPr txBox="1"/>
+          <p:nvPr/>
+        </p:nvSpPr>
+        <p:spPr>
+          <a:xfrm>
+            <a:off x="55075" y="20375"/>
+            <a:ext cx="4444500" cy="326400"/>
+          </a:xfrm>
+          <a:prstGeom prst="rect">
+            <a:avLst/>
+          </a:prstGeom>
+          <a:noFill/>
+          <a:ln>
+            <a:noFill/>
+          </a:ln>
+        </p:spPr>
+        <p:txBody>
+          <a:bodyPr spcFirstLastPara="1" wrap="square" lIns="9125" tIns="9125" rIns="9125" bIns="9125" anchor="t" anchorCtr="0">
+            <a:spAutoFit/>
+          </a:bodyPr>
+          <a:lstStyle/>
+          <a:p>
+            <a:pPr marL="0" marR="0" lvl="0" indent="0" algn="l" rtl="0">
+              <a:lnSpc>
+                <a:spcPct val="100000"/>
+              </a:lnSpc>
+              <a:spcBef>
+                <a:spcPts val="0"/>
+              </a:spcBef>
+              <a:spcAft>
+                <a:spcPts val="0"/>
+              </a:spcAft>
+              <a:buClr>
+                <a:schemeClr val="dk1"/>
+              </a:buClr>
+              <a:buSzPts val="1100"/>
+              <a:buFont typeface="Arial"/>
+              <a:buNone/>
+            </a:pPr>
+            <a:r>
+              <a:rPr lang="en" sz="2000" b="1">
+                <a:solidFill>
+                  <a:schemeClr val="dk1"/>
+                </a:solidFill>
+                <a:latin typeface="Calibri"/>
+                <a:ea typeface="Calibri"/>
+                <a:cs typeface="Calibri"/>
+                <a:sym typeface="Calibri"/>
+              </a:rPr>
+              <a:t>IT Projects Costs are now 10x lower</a:t>
+            </a:r>
+            <a:endParaRPr sz="2000" b="1">
+              <a:solidFill>
+                <a:schemeClr val="dk1"/>
+              </a:solidFill>
+              <a:latin typeface="Calibri"/>
+              <a:ea typeface="Calibri"/>
+              <a:cs typeface="Calibri"/>
+              <a:sym typeface="Calibri"/>
+            </a:endParaRPr>
+          </a:p>
+        </p:txBody>
+      </p:sp>
+      <p:sp>
+        <p:nvSpPr>
+          <p:cNvPr id="311" name="Google Shape;311;p34"/>
+          <p:cNvSpPr txBox="1"/>
+          <p:nvPr/>
+        </p:nvSpPr>
+        <p:spPr>
+          <a:xfrm>
+            <a:off x="101275" y="579218"/>
+            <a:ext cx="4444500" cy="3066000"/>
+          </a:xfrm>
+          <a:prstGeom prst="rect">
+            <a:avLst/>
+          </a:prstGeom>
+          <a:solidFill>
+            <a:srgbClr val="FFF2CC"/>
+          </a:solidFill>
+          <a:ln w="9525" cap="flat" cmpd="sng">
+            <a:solidFill>
+              <a:srgbClr val="FF0000"/>
+            </a:solidFill>
+            <a:prstDash val="solid"/>
+            <a:round/>
+            <a:headEnd type="none" w="sm" len="sm"/>
+            <a:tailEnd type="none" w="sm" len="sm"/>
+          </a:ln>
+        </p:spPr>
+        <p:txBody>
+          <a:bodyPr spcFirstLastPara="1" wrap="square" lIns="9125" tIns="9125" rIns="9125" bIns="9125" anchor="t" anchorCtr="0">
+            <a:spAutoFit/>
+          </a:bodyPr>
+          <a:lstStyle/>
+          <a:p>
+            <a:pPr marL="171450" marR="0" lvl="0" indent="-133350" algn="l" rtl="0">
+              <a:lnSpc>
+                <a:spcPct val="100000"/>
+              </a:lnSpc>
+              <a:spcBef>
+                <a:spcPts val="0"/>
+              </a:spcBef>
+              <a:spcAft>
+                <a:spcPts val="0"/>
+              </a:spcAft>
+              <a:buClr>
+                <a:schemeClr val="dk1"/>
+              </a:buClr>
+              <a:buSzPts val="1200"/>
+              <a:buFont typeface="Calibri"/>
+              <a:buChar char="●"/>
+            </a:pPr>
+            <a:r>
+              <a:rPr lang="en" sz="1200">
+                <a:solidFill>
+                  <a:schemeClr val="dk1"/>
+                </a:solidFill>
+                <a:latin typeface="Calibri"/>
+                <a:ea typeface="Calibri"/>
+                <a:cs typeface="Calibri"/>
+                <a:sym typeface="Calibri"/>
+              </a:rPr>
+              <a:t>Software projects that previously cost $200K and took 6 months now cost around $20K and complete in 6 weeks.</a:t>
+            </a:r>
+            <a:endParaRPr sz="1200">
+              <a:solidFill>
+                <a:schemeClr val="dk1"/>
+              </a:solidFill>
+              <a:latin typeface="Calibri"/>
+              <a:ea typeface="Calibri"/>
+              <a:cs typeface="Calibri"/>
+              <a:sym typeface="Calibri"/>
+            </a:endParaRPr>
+          </a:p>
+          <a:p>
+            <a:pPr marL="171450" marR="0" lvl="0" indent="-133350" algn="l" rtl="0">
+              <a:lnSpc>
+                <a:spcPct val="100000"/>
+              </a:lnSpc>
+              <a:spcBef>
+                <a:spcPts val="0"/>
+              </a:spcBef>
+              <a:spcAft>
+                <a:spcPts val="0"/>
+              </a:spcAft>
+              <a:buClr>
+                <a:schemeClr val="dk1"/>
+              </a:buClr>
+              <a:buSzPts val="1200"/>
+              <a:buFont typeface="Calibri"/>
+              <a:buChar char="●"/>
+            </a:pPr>
+            <a:r>
+              <a:rPr lang="en" sz="1200">
+                <a:solidFill>
+                  <a:schemeClr val="dk1"/>
+                </a:solidFill>
+                <a:latin typeface="Calibri"/>
+                <a:ea typeface="Calibri"/>
+                <a:cs typeface="Calibri"/>
+                <a:sym typeface="Calibri"/>
+              </a:rPr>
+              <a:t>Where Savings Come From</a:t>
+            </a:r>
+            <a:endParaRPr sz="1200">
+              <a:solidFill>
+                <a:schemeClr val="dk1"/>
+              </a:solidFill>
+              <a:latin typeface="Calibri"/>
+              <a:ea typeface="Calibri"/>
+              <a:cs typeface="Calibri"/>
+              <a:sym typeface="Calibri"/>
+            </a:endParaRPr>
+          </a:p>
+          <a:p>
+            <a:pPr marL="342900" marR="0" lvl="1" indent="-133350" algn="l" rtl="0">
+              <a:lnSpc>
+                <a:spcPct val="100000"/>
+              </a:lnSpc>
+              <a:spcBef>
+                <a:spcPts val="0"/>
+              </a:spcBef>
+              <a:spcAft>
+                <a:spcPts val="0"/>
+              </a:spcAft>
+              <a:buClr>
+                <a:schemeClr val="dk1"/>
+              </a:buClr>
+              <a:buSzPts val="1200"/>
+              <a:buFont typeface="Calibri"/>
+              <a:buChar char="○"/>
+            </a:pPr>
+            <a:r>
+              <a:rPr lang="en" sz="1200">
+                <a:solidFill>
+                  <a:schemeClr val="dk1"/>
+                </a:solidFill>
+                <a:latin typeface="Calibri"/>
+                <a:ea typeface="Calibri"/>
+                <a:cs typeface="Calibri"/>
+                <a:sym typeface="Calibri"/>
+              </a:rPr>
+              <a:t>Requirements Gathering by LLM</a:t>
+            </a:r>
+            <a:endParaRPr sz="1200">
+              <a:solidFill>
+                <a:schemeClr val="dk1"/>
+              </a:solidFill>
+              <a:latin typeface="Calibri"/>
+              <a:ea typeface="Calibri"/>
+              <a:cs typeface="Calibri"/>
+              <a:sym typeface="Calibri"/>
+            </a:endParaRPr>
+          </a:p>
+          <a:p>
+            <a:pPr marL="342900" marR="0" lvl="1" indent="-133350" algn="l" rtl="0">
+              <a:lnSpc>
+                <a:spcPct val="100000"/>
+              </a:lnSpc>
+              <a:spcBef>
+                <a:spcPts val="0"/>
+              </a:spcBef>
+              <a:spcAft>
+                <a:spcPts val="0"/>
+              </a:spcAft>
+              <a:buClr>
+                <a:schemeClr val="dk1"/>
+              </a:buClr>
+              <a:buSzPts val="1200"/>
+              <a:buFont typeface="Calibri"/>
+              <a:buChar char="○"/>
+            </a:pPr>
+            <a:r>
+              <a:rPr lang="en" sz="1200">
+                <a:solidFill>
+                  <a:schemeClr val="dk1"/>
+                </a:solidFill>
+                <a:latin typeface="Calibri"/>
+                <a:ea typeface="Calibri"/>
+                <a:cs typeface="Calibri"/>
+                <a:sym typeface="Calibri"/>
+              </a:rPr>
+              <a:t>Development Efficiency using AI Coding</a:t>
+            </a:r>
+            <a:endParaRPr sz="1200">
+              <a:solidFill>
+                <a:schemeClr val="dk1"/>
+              </a:solidFill>
+              <a:latin typeface="Calibri"/>
+              <a:ea typeface="Calibri"/>
+              <a:cs typeface="Calibri"/>
+              <a:sym typeface="Calibri"/>
+            </a:endParaRPr>
+          </a:p>
+          <a:p>
+            <a:pPr marL="171450" marR="0" lvl="0" indent="-133350" algn="l" rtl="0">
+              <a:lnSpc>
+                <a:spcPct val="100000"/>
+              </a:lnSpc>
+              <a:spcBef>
+                <a:spcPts val="0"/>
+              </a:spcBef>
+              <a:spcAft>
+                <a:spcPts val="0"/>
+              </a:spcAft>
+              <a:buClr>
+                <a:schemeClr val="dk1"/>
+              </a:buClr>
+              <a:buSzPts val="1200"/>
+              <a:buFont typeface="Calibri"/>
+              <a:buChar char="●"/>
+            </a:pPr>
+            <a:r>
+              <a:rPr lang="en" sz="1200">
+                <a:solidFill>
+                  <a:schemeClr val="dk1"/>
+                </a:solidFill>
+                <a:latin typeface="Calibri"/>
+                <a:ea typeface="Calibri"/>
+                <a:cs typeface="Calibri"/>
+                <a:sym typeface="Calibri"/>
+              </a:rPr>
+              <a:t>Large dev companies haven't reduced prices despite lower costs, so smaller companies can now underbid competitors</a:t>
+            </a:r>
+            <a:br>
+              <a:rPr lang="en" sz="1200">
+                <a:solidFill>
+                  <a:schemeClr val="dk1"/>
+                </a:solidFill>
+                <a:latin typeface="Calibri"/>
+                <a:ea typeface="Calibri"/>
+                <a:cs typeface="Calibri"/>
+                <a:sym typeface="Calibri"/>
+              </a:rPr>
+            </a:br>
+            <a:endParaRPr sz="1200">
+              <a:solidFill>
+                <a:schemeClr val="dk1"/>
+              </a:solidFill>
+              <a:latin typeface="Calibri"/>
+              <a:ea typeface="Calibri"/>
+              <a:cs typeface="Calibri"/>
+              <a:sym typeface="Calibri"/>
+            </a:endParaRPr>
+          </a:p>
+          <a:p>
+            <a:pPr marL="171450" marR="0" lvl="0" indent="-133350" algn="l" rtl="0">
+              <a:lnSpc>
+                <a:spcPct val="100000"/>
+              </a:lnSpc>
+              <a:spcBef>
+                <a:spcPts val="0"/>
+              </a:spcBef>
+              <a:spcAft>
+                <a:spcPts val="0"/>
+              </a:spcAft>
+              <a:buClr>
+                <a:schemeClr val="dk1"/>
+              </a:buClr>
+              <a:buSzPts val="1200"/>
+              <a:buFont typeface="Calibri"/>
+              <a:buChar char="●"/>
+            </a:pPr>
+            <a:r>
+              <a:rPr lang="en" sz="1200">
+                <a:solidFill>
+                  <a:schemeClr val="dk1"/>
+                </a:solidFill>
+                <a:latin typeface="Calibri"/>
+                <a:ea typeface="Calibri"/>
+                <a:cs typeface="Calibri"/>
+                <a:sym typeface="Calibri"/>
+              </a:rPr>
+              <a:t>Recommendations for Hiring</a:t>
+            </a:r>
+            <a:endParaRPr sz="1200">
+              <a:solidFill>
+                <a:schemeClr val="dk1"/>
+              </a:solidFill>
+              <a:latin typeface="Calibri"/>
+              <a:ea typeface="Calibri"/>
+              <a:cs typeface="Calibri"/>
+              <a:sym typeface="Calibri"/>
+            </a:endParaRPr>
+          </a:p>
+          <a:p>
+            <a:pPr marL="342900" marR="0" lvl="1" indent="-133350" algn="l" rtl="0">
+              <a:lnSpc>
+                <a:spcPct val="100000"/>
+              </a:lnSpc>
+              <a:spcBef>
+                <a:spcPts val="0"/>
+              </a:spcBef>
+              <a:spcAft>
+                <a:spcPts val="0"/>
+              </a:spcAft>
+              <a:buClr>
+                <a:schemeClr val="dk1"/>
+              </a:buClr>
+              <a:buSzPts val="1200"/>
+              <a:buFont typeface="Calibri"/>
+              <a:buChar char="○"/>
+            </a:pPr>
+            <a:r>
+              <a:rPr lang="en" sz="1200">
+                <a:solidFill>
+                  <a:schemeClr val="dk1"/>
+                </a:solidFill>
+                <a:latin typeface="Calibri"/>
+                <a:ea typeface="Calibri"/>
+                <a:cs typeface="Calibri"/>
+                <a:sym typeface="Calibri"/>
+              </a:rPr>
+              <a:t>Ask if developers use AI coding tools</a:t>
+            </a:r>
+            <a:endParaRPr sz="1200">
+              <a:solidFill>
+                <a:schemeClr val="dk1"/>
+              </a:solidFill>
+              <a:latin typeface="Calibri"/>
+              <a:ea typeface="Calibri"/>
+              <a:cs typeface="Calibri"/>
+              <a:sym typeface="Calibri"/>
+            </a:endParaRPr>
+          </a:p>
+          <a:p>
+            <a:pPr marL="342900" marR="0" lvl="1" indent="-133350" algn="l" rtl="0">
+              <a:lnSpc>
+                <a:spcPct val="100000"/>
+              </a:lnSpc>
+              <a:spcBef>
+                <a:spcPts val="0"/>
+              </a:spcBef>
+              <a:spcAft>
+                <a:spcPts val="0"/>
+              </a:spcAft>
+              <a:buClr>
+                <a:schemeClr val="dk1"/>
+              </a:buClr>
+              <a:buSzPts val="1200"/>
+              <a:buFont typeface="Calibri"/>
+              <a:buChar char="○"/>
+            </a:pPr>
+            <a:r>
+              <a:rPr lang="en" sz="1200">
+                <a:solidFill>
+                  <a:schemeClr val="dk1"/>
+                </a:solidFill>
+                <a:latin typeface="Calibri"/>
+                <a:ea typeface="Calibri"/>
+                <a:cs typeface="Calibri"/>
+                <a:sym typeface="Calibri"/>
+              </a:rPr>
+              <a:t>Request prototypes after 1 week with $5,000 budget</a:t>
+            </a:r>
+            <a:endParaRPr sz="1200">
+              <a:solidFill>
+                <a:schemeClr val="dk1"/>
+              </a:solidFill>
+              <a:latin typeface="Calibri"/>
+              <a:ea typeface="Calibri"/>
+              <a:cs typeface="Calibri"/>
+              <a:sym typeface="Calibri"/>
+            </a:endParaRPr>
+          </a:p>
+          <a:p>
+            <a:pPr marL="342900" marR="0" lvl="1" indent="-133350" algn="l" rtl="0">
+              <a:lnSpc>
+                <a:spcPct val="100000"/>
+              </a:lnSpc>
+              <a:spcBef>
+                <a:spcPts val="0"/>
+              </a:spcBef>
+              <a:spcAft>
+                <a:spcPts val="0"/>
+              </a:spcAft>
+              <a:buClr>
+                <a:schemeClr val="dk1"/>
+              </a:buClr>
+              <a:buSzPts val="1200"/>
+              <a:buFont typeface="Calibri"/>
+              <a:buChar char="○"/>
+            </a:pPr>
+            <a:r>
+              <a:rPr lang="en" sz="1200">
+                <a:solidFill>
+                  <a:schemeClr val="dk1"/>
+                </a:solidFill>
+                <a:latin typeface="Calibri"/>
+                <a:ea typeface="Calibri"/>
+                <a:cs typeface="Calibri"/>
+                <a:sym typeface="Calibri"/>
+              </a:rPr>
+              <a:t>Start with time-boxed projects around $25,000</a:t>
+            </a:r>
+            <a:endParaRPr sz="1200">
+              <a:solidFill>
+                <a:schemeClr val="dk1"/>
+              </a:solidFill>
+              <a:latin typeface="Calibri"/>
+              <a:ea typeface="Calibri"/>
+              <a:cs typeface="Calibri"/>
+              <a:sym typeface="Calibri"/>
+            </a:endParaRPr>
+          </a:p>
+          <a:p>
+            <a:pPr marL="342900" marR="0" lvl="1" indent="-133350" algn="l" rtl="0">
+              <a:lnSpc>
+                <a:spcPct val="100000"/>
+              </a:lnSpc>
+              <a:spcBef>
+                <a:spcPts val="0"/>
+              </a:spcBef>
+              <a:spcAft>
+                <a:spcPts val="0"/>
+              </a:spcAft>
+              <a:buClr>
+                <a:schemeClr val="dk1"/>
+              </a:buClr>
+              <a:buSzPts val="1200"/>
+              <a:buFont typeface="Calibri"/>
+              <a:buChar char="○"/>
+            </a:pPr>
+            <a:r>
+              <a:rPr lang="en" sz="1200">
+                <a:solidFill>
+                  <a:schemeClr val="dk1"/>
+                </a:solidFill>
+                <a:latin typeface="Calibri"/>
+                <a:ea typeface="Calibri"/>
+                <a:cs typeface="Calibri"/>
+                <a:sym typeface="Calibri"/>
+              </a:rPr>
+              <a:t>Build trust through smaller tests before committing to large builds</a:t>
+            </a:r>
+            <a:endParaRPr sz="1200">
+              <a:solidFill>
+                <a:schemeClr val="dk1"/>
+              </a:solidFill>
+              <a:latin typeface="Calibri"/>
+              <a:ea typeface="Calibri"/>
+              <a:cs typeface="Calibri"/>
+              <a:sym typeface="Calibri"/>
+            </a:endParaRPr>
+          </a:p>
+          <a:p>
+            <a:pPr marL="171450" marR="0" lvl="0" indent="-133350" algn="l" rtl="0">
+              <a:lnSpc>
+                <a:spcPct val="100000"/>
+              </a:lnSpc>
+              <a:spcBef>
+                <a:spcPts val="0"/>
+              </a:spcBef>
+              <a:spcAft>
+                <a:spcPts val="0"/>
+              </a:spcAft>
+              <a:buClr>
+                <a:schemeClr val="dk1"/>
+              </a:buClr>
+              <a:buSzPts val="1200"/>
+              <a:buFont typeface="Calibri"/>
+              <a:buChar char="●"/>
+            </a:pPr>
+            <a:r>
+              <a:rPr lang="en" sz="1200">
+                <a:solidFill>
+                  <a:schemeClr val="dk1"/>
+                </a:solidFill>
+                <a:latin typeface="Calibri"/>
+                <a:ea typeface="Calibri"/>
+                <a:cs typeface="Calibri"/>
+                <a:sym typeface="Calibri"/>
+              </a:rPr>
+              <a:t>99% of projects should start under $50K to maintain momentum and avoid feature creep</a:t>
+            </a:r>
+            <a:endParaRPr sz="900">
+              <a:solidFill>
+                <a:schemeClr val="dk1"/>
+              </a:solidFill>
+              <a:latin typeface="Calibri"/>
+              <a:ea typeface="Calibri"/>
+              <a:cs typeface="Calibri"/>
+              <a:sym typeface="Calibri"/>
+            </a:endParaRPr>
+          </a:p>
+          <a:p>
+            <a:pPr marL="171450" marR="0" lvl="0" indent="-114300" algn="l" rtl="0">
+              <a:lnSpc>
+                <a:spcPct val="100000"/>
+              </a:lnSpc>
+              <a:spcBef>
+                <a:spcPts val="0"/>
+              </a:spcBef>
+              <a:spcAft>
+                <a:spcPts val="0"/>
+              </a:spcAft>
+              <a:buClr>
+                <a:schemeClr val="dk1"/>
+              </a:buClr>
+              <a:buSzPts val="900"/>
+              <a:buFont typeface="Calibri"/>
+              <a:buChar char="●"/>
+            </a:pPr>
+            <a:r>
+              <a:rPr lang="en" sz="900" u="sng">
+                <a:solidFill>
+                  <a:schemeClr val="hlink"/>
+                </a:solidFill>
+                <a:latin typeface="Calibri"/>
+                <a:ea typeface="Calibri"/>
+                <a:cs typeface="Calibri"/>
+                <a:sym typeface="Calibri"/>
+                <a:hlinkClick r:id="rId3"/>
+              </a:rPr>
+              <a:t>https://medium.com/realworld-ai-use-cases/how-has-ai-changed-the-cost-of-software-20-000-is-the-new-200-000-5f98ae364e24</a:t>
+            </a:r>
+            <a:r>
+              <a:rPr lang="en" sz="900">
+                <a:solidFill>
+                  <a:schemeClr val="dk1"/>
+                </a:solidFill>
+                <a:latin typeface="Calibri"/>
+                <a:ea typeface="Calibri"/>
+                <a:cs typeface="Calibri"/>
+                <a:sym typeface="Calibri"/>
+              </a:rPr>
+              <a:t> </a:t>
+            </a:r>
+            <a:endParaRPr sz="900">
+              <a:solidFill>
+                <a:schemeClr val="dk1"/>
+              </a:solidFill>
+              <a:latin typeface="Calibri"/>
+              <a:ea typeface="Calibri"/>
+              <a:cs typeface="Calibri"/>
+              <a:sym typeface="Calibri"/>
+            </a:endParaRPr>
+          </a:p>
+        </p:txBody>
+      </p:sp>
+      <p:pic>
+        <p:nvPicPr>
+          <p:cNvPr id="312" name="Google Shape;312;p34"/>
+          <p:cNvPicPr preferRelativeResize="0"/>
+          <p:nvPr/>
+        </p:nvPicPr>
+        <p:blipFill>
+          <a:blip r:embed="rId4" cstate="email">
+            <a:alphaModFix/>
+            <a:extLst>
+              <a:ext uri="{28A0092B-C50C-407E-A947-70E740481C1C}">
+                <a14:useLocalDpi xmlns:a14="http://schemas.microsoft.com/office/drawing/2010/main"/>
+              </a:ext>
+            </a:extLst>
+          </a:blip>
+          <a:stretch>
+            <a:fillRect/>
+          </a:stretch>
+        </p:blipFill>
+        <p:spPr>
+          <a:xfrm>
+            <a:off x="4875275" y="734588"/>
+            <a:ext cx="2755274" cy="2755274"/>
+          </a:xfrm>
+          <a:prstGeom prst="rect">
+            <a:avLst/>
+          </a:prstGeom>
+          <a:noFill/>
+          <a:ln w="9525" cap="flat" cmpd="sng">
+            <a:solidFill>
+              <a:srgbClr val="FF0000"/>
+            </a:solidFill>
+            <a:prstDash val="solid"/>
+            <a:round/>
+            <a:headEnd type="none" w="sm" len="sm"/>
+            <a:tailEnd type="none" w="sm" len="sm"/>
+          </a:ln>
+        </p:spPr>
+      </p:pic>
+    </p:spTree>
+  </p:cSld>
+  <p:clrMapOvr>
+    <a:masterClrMapping/>
+  </p:clrMapOvr>
+</p:sld>
+</file>
+
+<file path=ppt/slides/slide21.xml><?xml version="1.0" encoding="utf-8"?>
+<p:sld xmlns:a="http://schemas.openxmlformats.org/drawingml/2006/main" xmlns:r="http://schemas.openxmlformats.org/officeDocument/2006/relationships" xmlns:p="http://schemas.openxmlformats.org/presentationml/2006/main">
+  <p:cSld>
+    <p:spTree>
+      <p:nvGrpSpPr>
+        <p:cNvPr id="1" name="Shape 316"/>
+        <p:cNvGrpSpPr/>
+        <p:nvPr/>
+      </p:nvGrpSpPr>
+      <p:grpSpPr>
+        <a:xfrm>
+          <a:off x="0" y="0"/>
+          <a:ext cx="0" cy="0"/>
+          <a:chOff x="0" y="0"/>
+          <a:chExt cx="0" cy="0"/>
+        </a:xfrm>
+      </p:grpSpPr>
+      <p:sp>
+        <p:nvSpPr>
+          <p:cNvPr id="317" name="Google Shape;317;p35"/>
+          <p:cNvSpPr txBox="1"/>
+          <p:nvPr/>
+        </p:nvSpPr>
+        <p:spPr>
+          <a:xfrm>
+            <a:off x="55075" y="20375"/>
+            <a:ext cx="4444500" cy="326400"/>
+          </a:xfrm>
+          <a:prstGeom prst="rect">
+            <a:avLst/>
+          </a:prstGeom>
+          <a:noFill/>
+          <a:ln>
+            <a:noFill/>
+          </a:ln>
+        </p:spPr>
+        <p:txBody>
+          <a:bodyPr spcFirstLastPara="1" wrap="square" lIns="9125" tIns="9125" rIns="9125" bIns="9125" anchor="t" anchorCtr="0">
+            <a:spAutoFit/>
+          </a:bodyPr>
+          <a:lstStyle/>
+          <a:p>
+            <a:pPr marL="0" marR="0" lvl="0" indent="0" algn="l" rtl="0">
+              <a:lnSpc>
+                <a:spcPct val="100000"/>
+              </a:lnSpc>
+              <a:spcBef>
+                <a:spcPts val="0"/>
+              </a:spcBef>
+              <a:spcAft>
+                <a:spcPts val="0"/>
+              </a:spcAft>
+              <a:buClr>
+                <a:schemeClr val="dk1"/>
+              </a:buClr>
+              <a:buSzPts val="1100"/>
+              <a:buFont typeface="Arial"/>
+              <a:buNone/>
+            </a:pPr>
+            <a:r>
+              <a:rPr lang="en" sz="2000" b="1">
+                <a:solidFill>
+                  <a:schemeClr val="dk1"/>
+                </a:solidFill>
+                <a:latin typeface="Calibri"/>
+                <a:ea typeface="Calibri"/>
+                <a:cs typeface="Calibri"/>
+                <a:sym typeface="Calibri"/>
+              </a:rPr>
+              <a:t>FDE - Hottest new job in AI</a:t>
+            </a:r>
+            <a:endParaRPr sz="2000" b="1">
+              <a:solidFill>
+                <a:schemeClr val="dk1"/>
+              </a:solidFill>
+              <a:latin typeface="Calibri"/>
+              <a:ea typeface="Calibri"/>
+              <a:cs typeface="Calibri"/>
+              <a:sym typeface="Calibri"/>
+            </a:endParaRPr>
+          </a:p>
+        </p:txBody>
+      </p:sp>
+      <p:sp>
+        <p:nvSpPr>
+          <p:cNvPr id="318" name="Google Shape;318;p35"/>
+          <p:cNvSpPr txBox="1"/>
+          <p:nvPr/>
+        </p:nvSpPr>
+        <p:spPr>
+          <a:xfrm>
+            <a:off x="55075" y="456018"/>
+            <a:ext cx="4444500" cy="4266600"/>
+          </a:xfrm>
+          <a:prstGeom prst="rect">
+            <a:avLst/>
+          </a:prstGeom>
+          <a:solidFill>
+            <a:srgbClr val="FFF2CC"/>
+          </a:solidFill>
+          <a:ln w="9525" cap="flat" cmpd="sng">
+            <a:solidFill>
+              <a:srgbClr val="FF0000"/>
+            </a:solidFill>
+            <a:prstDash val="solid"/>
+            <a:round/>
+            <a:headEnd type="none" w="sm" len="sm"/>
+            <a:tailEnd type="none" w="sm" len="sm"/>
+          </a:ln>
+        </p:spPr>
+        <p:txBody>
+          <a:bodyPr spcFirstLastPara="1" wrap="square" lIns="9125" tIns="9125" rIns="9125" bIns="9125" anchor="t" anchorCtr="0">
+            <a:spAutoFit/>
+          </a:bodyPr>
+          <a:lstStyle/>
+          <a:p>
+            <a:pPr marL="171450" marR="0" lvl="0" indent="-133350" algn="l" rtl="0">
+              <a:lnSpc>
+                <a:spcPct val="100000"/>
+              </a:lnSpc>
+              <a:spcBef>
+                <a:spcPts val="0"/>
+              </a:spcBef>
+              <a:spcAft>
+                <a:spcPts val="0"/>
+              </a:spcAft>
+              <a:buClr>
+                <a:schemeClr val="dk1"/>
+              </a:buClr>
+              <a:buSzPts val="1200"/>
+              <a:buFont typeface="Calibri"/>
+              <a:buChar char="●"/>
+            </a:pPr>
+            <a:r>
+              <a:rPr lang="en" sz="1200">
+                <a:solidFill>
+                  <a:schemeClr val="dk1"/>
+                </a:solidFill>
+                <a:latin typeface="Calibri"/>
+                <a:ea typeface="Calibri"/>
+                <a:cs typeface="Calibri"/>
+                <a:sym typeface="Calibri"/>
+              </a:rPr>
+              <a:t>A </a:t>
+            </a:r>
+            <a:r>
+              <a:rPr lang="en" sz="1200" b="1">
+                <a:solidFill>
+                  <a:srgbClr val="FF0000"/>
+                </a:solidFill>
+                <a:latin typeface="Calibri"/>
+                <a:ea typeface="Calibri"/>
+                <a:cs typeface="Calibri"/>
+                <a:sym typeface="Calibri"/>
+              </a:rPr>
+              <a:t>Forward-Deployed Engineer (FDE)</a:t>
+            </a:r>
+            <a:r>
+              <a:rPr lang="en" sz="1200">
+                <a:solidFill>
+                  <a:schemeClr val="dk1"/>
+                </a:solidFill>
+                <a:latin typeface="Calibri"/>
+                <a:ea typeface="Calibri"/>
+                <a:cs typeface="Calibri"/>
+                <a:sym typeface="Calibri"/>
+              </a:rPr>
+              <a:t> is a software engineer who embeds directly with customer teams on-site (or work closely) to build and deploy custom AI solutions tailored to their specific business problems. </a:t>
+            </a:r>
+            <a:endParaRPr sz="1200">
+              <a:solidFill>
+                <a:schemeClr val="dk1"/>
+              </a:solidFill>
+              <a:latin typeface="Calibri"/>
+              <a:ea typeface="Calibri"/>
+              <a:cs typeface="Calibri"/>
+              <a:sym typeface="Calibri"/>
+            </a:endParaRPr>
+          </a:p>
+          <a:p>
+            <a:pPr marL="171450" marR="0" lvl="0" indent="-133350" algn="l" rtl="0">
+              <a:lnSpc>
+                <a:spcPct val="100000"/>
+              </a:lnSpc>
+              <a:spcBef>
+                <a:spcPts val="0"/>
+              </a:spcBef>
+              <a:spcAft>
+                <a:spcPts val="0"/>
+              </a:spcAft>
+              <a:buClr>
+                <a:schemeClr val="dk1"/>
+              </a:buClr>
+              <a:buSzPts val="1200"/>
+              <a:buFont typeface="Calibri"/>
+              <a:buChar char="●"/>
+            </a:pPr>
+            <a:r>
+              <a:rPr lang="en" sz="1200" b="1">
+                <a:solidFill>
+                  <a:srgbClr val="FF0000"/>
+                </a:solidFill>
+                <a:latin typeface="Calibri"/>
+                <a:ea typeface="Calibri"/>
+                <a:cs typeface="Calibri"/>
+                <a:sym typeface="Calibri"/>
+              </a:rPr>
+              <a:t>AI implementation has become the new bottleneck</a:t>
+            </a:r>
+            <a:r>
+              <a:rPr lang="en" sz="1200">
+                <a:solidFill>
+                  <a:schemeClr val="dk1"/>
+                </a:solidFill>
+                <a:latin typeface="Calibri"/>
+                <a:ea typeface="Calibri"/>
+                <a:cs typeface="Calibri"/>
+                <a:sym typeface="Calibri"/>
+              </a:rPr>
+              <a:t> - </a:t>
+            </a:r>
+            <a:r>
+              <a:rPr lang="en" sz="1200" b="1">
+                <a:solidFill>
+                  <a:srgbClr val="3C78D8"/>
+                </a:solidFill>
+                <a:latin typeface="Calibri"/>
+                <a:ea typeface="Calibri"/>
+                <a:cs typeface="Calibri"/>
+                <a:sym typeface="Calibri"/>
+              </a:rPr>
+              <a:t>the challenge is no longer building models, but deploying them effectively</a:t>
+            </a:r>
+            <a:r>
+              <a:rPr lang="en" sz="1200">
+                <a:solidFill>
+                  <a:schemeClr val="dk1"/>
+                </a:solidFill>
+                <a:latin typeface="Calibri"/>
+                <a:ea typeface="Calibri"/>
+                <a:cs typeface="Calibri"/>
+                <a:sym typeface="Calibri"/>
+              </a:rPr>
+              <a:t> in complex, real-world environments. </a:t>
+            </a:r>
+            <a:endParaRPr sz="1200">
+              <a:solidFill>
+                <a:schemeClr val="dk1"/>
+              </a:solidFill>
+              <a:latin typeface="Calibri"/>
+              <a:ea typeface="Calibri"/>
+              <a:cs typeface="Calibri"/>
+              <a:sym typeface="Calibri"/>
+            </a:endParaRPr>
+          </a:p>
+          <a:p>
+            <a:pPr marL="171450" marR="0" lvl="0" indent="-133350" algn="l" rtl="0">
+              <a:lnSpc>
+                <a:spcPct val="100000"/>
+              </a:lnSpc>
+              <a:spcBef>
+                <a:spcPts val="0"/>
+              </a:spcBef>
+              <a:spcAft>
+                <a:spcPts val="0"/>
+              </a:spcAft>
+              <a:buClr>
+                <a:schemeClr val="dk1"/>
+              </a:buClr>
+              <a:buSzPts val="1200"/>
+              <a:buFont typeface="Calibri"/>
+              <a:buChar char="●"/>
+            </a:pPr>
+            <a:r>
+              <a:rPr lang="en" sz="1200" b="1">
+                <a:solidFill>
+                  <a:srgbClr val="6AA84F"/>
+                </a:solidFill>
+                <a:latin typeface="Calibri"/>
+                <a:ea typeface="Calibri"/>
+                <a:cs typeface="Calibri"/>
+                <a:sym typeface="Calibri"/>
+              </a:rPr>
+              <a:t>OpenAI established its FDE team at the start of 2025 and expects to grow it to about 50 engineers this year.</a:t>
+            </a:r>
+            <a:r>
+              <a:rPr lang="en" sz="1200">
+                <a:solidFill>
+                  <a:schemeClr val="dk1"/>
+                </a:solidFill>
+                <a:latin typeface="Calibri"/>
+                <a:ea typeface="Calibri"/>
+                <a:cs typeface="Calibri"/>
+                <a:sym typeface="Calibri"/>
+              </a:rPr>
+              <a:t> Anthropic, and Cohere are rapidly hiring these hybrid professionals too.</a:t>
+            </a:r>
+            <a:endParaRPr sz="1200">
+              <a:solidFill>
+                <a:schemeClr val="dk1"/>
+              </a:solidFill>
+              <a:latin typeface="Calibri"/>
+              <a:ea typeface="Calibri"/>
+              <a:cs typeface="Calibri"/>
+              <a:sym typeface="Calibri"/>
+            </a:endParaRPr>
+          </a:p>
+          <a:p>
+            <a:pPr marL="171450" marR="0" lvl="0" indent="-133350" algn="l" rtl="0">
+              <a:lnSpc>
+                <a:spcPct val="100000"/>
+              </a:lnSpc>
+              <a:spcBef>
+                <a:spcPts val="0"/>
+              </a:spcBef>
+              <a:spcAft>
+                <a:spcPts val="0"/>
+              </a:spcAft>
+              <a:buClr>
+                <a:schemeClr val="dk1"/>
+              </a:buClr>
+              <a:buSzPts val="1200"/>
+              <a:buFont typeface="Calibri"/>
+              <a:buChar char="●"/>
+            </a:pPr>
+            <a:r>
+              <a:rPr lang="en" sz="1200" b="1">
+                <a:solidFill>
+                  <a:srgbClr val="3C78D8"/>
+                </a:solidFill>
+                <a:latin typeface="Calibri"/>
+                <a:ea typeface="Calibri"/>
+                <a:cs typeface="Calibri"/>
+                <a:sym typeface="Calibri"/>
+              </a:rPr>
+              <a:t>The term “forward-deployed” originates from the military (like "airborne troops") and was popularized by Palantir</a:t>
+            </a:r>
+            <a:r>
+              <a:rPr lang="en" sz="1200">
+                <a:solidFill>
+                  <a:schemeClr val="dk1"/>
+                </a:solidFill>
+                <a:latin typeface="Calibri"/>
+                <a:ea typeface="Calibri"/>
+                <a:cs typeface="Calibri"/>
+                <a:sym typeface="Calibri"/>
+              </a:rPr>
+              <a:t>, which sends embedded engineers into client environments to co-create solutions.</a:t>
+            </a:r>
+            <a:endParaRPr sz="1200">
+              <a:solidFill>
+                <a:schemeClr val="dk1"/>
+              </a:solidFill>
+              <a:latin typeface="Calibri"/>
+              <a:ea typeface="Calibri"/>
+              <a:cs typeface="Calibri"/>
+              <a:sym typeface="Calibri"/>
+            </a:endParaRPr>
+          </a:p>
+          <a:p>
+            <a:pPr marL="171450" marR="0" lvl="0" indent="-133350" algn="l" rtl="0">
+              <a:lnSpc>
+                <a:spcPct val="100000"/>
+              </a:lnSpc>
+              <a:spcBef>
+                <a:spcPts val="0"/>
+              </a:spcBef>
+              <a:spcAft>
+                <a:spcPts val="0"/>
+              </a:spcAft>
+              <a:buClr>
+                <a:schemeClr val="dk1"/>
+              </a:buClr>
+              <a:buSzPts val="1200"/>
+              <a:buFont typeface="Calibri"/>
+              <a:buChar char="●"/>
+            </a:pPr>
+            <a:r>
+              <a:rPr lang="en" sz="1200">
+                <a:solidFill>
+                  <a:schemeClr val="dk1"/>
+                </a:solidFill>
+                <a:latin typeface="Calibri"/>
+                <a:ea typeface="Calibri"/>
+                <a:cs typeface="Calibri"/>
+                <a:sym typeface="Calibri"/>
+              </a:rPr>
+              <a:t>The role has been dubbed "</a:t>
+            </a:r>
+            <a:r>
+              <a:rPr lang="en" sz="1200" b="1">
+                <a:solidFill>
+                  <a:srgbClr val="FF0000"/>
+                </a:solidFill>
+                <a:latin typeface="Calibri"/>
+                <a:ea typeface="Calibri"/>
+                <a:cs typeface="Calibri"/>
+                <a:sym typeface="Calibri"/>
+              </a:rPr>
+              <a:t>the hottest job in tech</a:t>
+            </a:r>
+            <a:r>
+              <a:rPr lang="en" sz="1200">
+                <a:solidFill>
+                  <a:schemeClr val="dk1"/>
+                </a:solidFill>
+                <a:latin typeface="Calibri"/>
+                <a:ea typeface="Calibri"/>
+                <a:cs typeface="Calibri"/>
+                <a:sym typeface="Calibri"/>
+              </a:rPr>
+              <a:t>" by venture capital firm </a:t>
+            </a:r>
+            <a:r>
+              <a:rPr lang="en" sz="1200" b="1">
+                <a:solidFill>
+                  <a:srgbClr val="FF0000"/>
+                </a:solidFill>
+                <a:latin typeface="Calibri"/>
+                <a:ea typeface="Calibri"/>
+                <a:cs typeface="Calibri"/>
+                <a:sym typeface="Calibri"/>
+              </a:rPr>
+              <a:t>a16z (Andreessen Horowitz)</a:t>
+            </a:r>
+            <a:endParaRPr sz="1200" b="1">
+              <a:solidFill>
+                <a:srgbClr val="FF0000"/>
+              </a:solidFill>
+              <a:latin typeface="Calibri"/>
+              <a:ea typeface="Calibri"/>
+              <a:cs typeface="Calibri"/>
+              <a:sym typeface="Calibri"/>
+            </a:endParaRPr>
+          </a:p>
+          <a:p>
+            <a:pPr marL="171450" marR="0" lvl="0" indent="-133350" algn="l" rtl="0">
+              <a:lnSpc>
+                <a:spcPct val="100000"/>
+              </a:lnSpc>
+              <a:spcBef>
+                <a:spcPts val="0"/>
+              </a:spcBef>
+              <a:spcAft>
+                <a:spcPts val="0"/>
+              </a:spcAft>
+              <a:buClr>
+                <a:schemeClr val="dk1"/>
+              </a:buClr>
+              <a:buSzPts val="1200"/>
+              <a:buFont typeface="Calibri"/>
+              <a:buChar char="●"/>
+            </a:pPr>
+            <a:r>
+              <a:rPr lang="en" sz="1200" b="1">
+                <a:solidFill>
+                  <a:srgbClr val="3C78D8"/>
+                </a:solidFill>
+                <a:latin typeface="Calibri"/>
+                <a:ea typeface="Calibri"/>
+                <a:cs typeface="Calibri"/>
+                <a:sym typeface="Calibri"/>
+              </a:rPr>
+              <a:t>FDEs command top salaries due to their high-impact nature</a:t>
+            </a:r>
+            <a:r>
+              <a:rPr lang="en" sz="1200">
+                <a:solidFill>
+                  <a:schemeClr val="dk1"/>
+                </a:solidFill>
+                <a:latin typeface="Calibri"/>
+                <a:ea typeface="Calibri"/>
+                <a:cs typeface="Calibri"/>
+                <a:sym typeface="Calibri"/>
+              </a:rPr>
+              <a:t>. Many FDEs become trusted advisors within organizations and later transition to founding startups or leadership roles, thanks to their unique blend of technical and business experience</a:t>
+            </a:r>
+            <a:endParaRPr sz="1200">
+              <a:solidFill>
+                <a:schemeClr val="dk1"/>
+              </a:solidFill>
+              <a:latin typeface="Calibri"/>
+              <a:ea typeface="Calibri"/>
+              <a:cs typeface="Calibri"/>
+              <a:sym typeface="Calibri"/>
+            </a:endParaRPr>
+          </a:p>
+          <a:p>
+            <a:pPr marL="171450" marR="0" lvl="0" indent="-133350" algn="l" rtl="0">
+              <a:lnSpc>
+                <a:spcPct val="100000"/>
+              </a:lnSpc>
+              <a:spcBef>
+                <a:spcPts val="0"/>
+              </a:spcBef>
+              <a:spcAft>
+                <a:spcPts val="0"/>
+              </a:spcAft>
+              <a:buClr>
+                <a:schemeClr val="dk1"/>
+              </a:buClr>
+              <a:buSzPts val="1200"/>
+              <a:buFont typeface="Calibri"/>
+              <a:buChar char="●"/>
+            </a:pPr>
+            <a:r>
+              <a:rPr lang="en" sz="1200">
+                <a:solidFill>
+                  <a:schemeClr val="dk1"/>
+                </a:solidFill>
+                <a:latin typeface="Calibri"/>
+                <a:ea typeface="Calibri"/>
+                <a:cs typeface="Calibri"/>
+                <a:sym typeface="Calibri"/>
+              </a:rPr>
+              <a:t>FDE is the Hottest new job in AI. </a:t>
+            </a:r>
+            <a:r>
+              <a:rPr lang="en" sz="1200" b="1">
+                <a:solidFill>
+                  <a:srgbClr val="3C78D8"/>
+                </a:solidFill>
+                <a:latin typeface="Calibri"/>
+                <a:ea typeface="Calibri"/>
+                <a:cs typeface="Calibri"/>
+                <a:sym typeface="Calibri"/>
+              </a:rPr>
+              <a:t>Job listings for FDEs have surged over 800% in 2025</a:t>
+            </a:r>
+            <a:r>
+              <a:rPr lang="en" sz="1200">
+                <a:solidFill>
+                  <a:schemeClr val="dk1"/>
+                </a:solidFill>
+                <a:latin typeface="Calibri"/>
+                <a:ea typeface="Calibri"/>
+                <a:cs typeface="Calibri"/>
+                <a:sym typeface="Calibri"/>
+              </a:rPr>
+              <a:t>. A year ago the hottest AI job was prompt engineer</a:t>
+            </a:r>
+            <a:endParaRPr sz="1200">
+              <a:solidFill>
+                <a:schemeClr val="dk1"/>
+              </a:solidFill>
+              <a:latin typeface="Calibri"/>
+              <a:ea typeface="Calibri"/>
+              <a:cs typeface="Calibri"/>
+              <a:sym typeface="Calibri"/>
+            </a:endParaRPr>
+          </a:p>
+        </p:txBody>
+      </p:sp>
+      <p:pic>
+        <p:nvPicPr>
+          <p:cNvPr id="319" name="Google Shape;319;p35"/>
+          <p:cNvPicPr preferRelativeResize="0"/>
+          <p:nvPr/>
+        </p:nvPicPr>
+        <p:blipFill>
+          <a:blip r:embed="rId3" cstate="email">
+            <a:alphaModFix/>
+            <a:extLst>
+              <a:ext uri="{28A0092B-C50C-407E-A947-70E740481C1C}">
+                <a14:useLocalDpi xmlns:a14="http://schemas.microsoft.com/office/drawing/2010/main"/>
+              </a:ext>
+            </a:extLst>
+          </a:blip>
+          <a:stretch>
+            <a:fillRect/>
+          </a:stretch>
+        </p:blipFill>
+        <p:spPr>
+          <a:xfrm>
+            <a:off x="5162500" y="456029"/>
+            <a:ext cx="2491750" cy="2491750"/>
+          </a:xfrm>
+          <a:prstGeom prst="rect">
+            <a:avLst/>
+          </a:prstGeom>
+          <a:noFill/>
+          <a:ln w="9525" cap="flat" cmpd="sng">
+            <a:solidFill>
+              <a:srgbClr val="FF0000"/>
+            </a:solidFill>
+            <a:prstDash val="solid"/>
+            <a:round/>
+            <a:headEnd type="none" w="sm" len="sm"/>
+            <a:tailEnd type="none" w="sm" len="sm"/>
+          </a:ln>
+        </p:spPr>
+      </p:pic>
+      <p:pic>
+        <p:nvPicPr>
+          <p:cNvPr id="320" name="Google Shape;320;p35"/>
+          <p:cNvPicPr preferRelativeResize="0"/>
+          <p:nvPr/>
+        </p:nvPicPr>
+        <p:blipFill>
+          <a:blip r:embed="rId4" cstate="email">
+            <a:alphaModFix/>
+            <a:extLst>
+              <a:ext uri="{28A0092B-C50C-407E-A947-70E740481C1C}">
+                <a14:useLocalDpi xmlns:a14="http://schemas.microsoft.com/office/drawing/2010/main"/>
+              </a:ext>
+            </a:extLst>
+          </a:blip>
+          <a:stretch>
+            <a:fillRect/>
+          </a:stretch>
+        </p:blipFill>
+        <p:spPr>
+          <a:xfrm>
+            <a:off x="5162500" y="3070492"/>
+            <a:ext cx="2491750" cy="1652133"/>
+          </a:xfrm>
+          <a:prstGeom prst="rect">
+            <a:avLst/>
+          </a:prstGeom>
+          <a:noFill/>
+          <a:ln w="9525" cap="flat" cmpd="sng">
+            <a:solidFill>
+              <a:srgbClr val="FF0000"/>
+            </a:solidFill>
+            <a:prstDash val="solid"/>
+            <a:round/>
+            <a:headEnd type="none" w="sm" len="sm"/>
+            <a:tailEnd type="none" w="sm" len="sm"/>
+          </a:ln>
+        </p:spPr>
+      </p:pic>
+    </p:spTree>
+  </p:cSld>
+  <p:clrMapOvr>
+    <a:masterClrMapping/>
+  </p:clrMapOvr>
+</p:sld>
+</file>
+
+<file path=ppt/slides/slide22.xml><?xml version="1.0" encoding="utf-8"?>
+<p:sld xmlns:a="http://schemas.openxmlformats.org/drawingml/2006/main" xmlns:r="http://schemas.openxmlformats.org/officeDocument/2006/relationships" xmlns:p="http://schemas.openxmlformats.org/presentationml/2006/main">
+  <p:cSld>
+    <p:spTree>
+      <p:nvGrpSpPr>
+        <p:cNvPr id="1" name="Shape 324"/>
+        <p:cNvGrpSpPr/>
+        <p:nvPr/>
+      </p:nvGrpSpPr>
+      <p:grpSpPr>
+        <a:xfrm>
+          <a:off x="0" y="0"/>
+          <a:ext cx="0" cy="0"/>
+          <a:chOff x="0" y="0"/>
+          <a:chExt cx="0" cy="0"/>
+        </a:xfrm>
+      </p:grpSpPr>
+      <p:sp>
+        <p:nvSpPr>
+          <p:cNvPr id="325" name="Google Shape;325;p36"/>
           <p:cNvSpPr txBox="1"/>
           <p:nvPr/>
         </p:nvSpPr>
@@ -39688,7 +41554,7 @@
       </p:sp>
       <p:sp>
         <p:nvSpPr>
-          <p:cNvPr id="306" name="Google Shape;306;p34"/>
+          <p:cNvPr id="326" name="Google Shape;326;p36"/>
           <p:cNvSpPr txBox="1"/>
           <p:nvPr/>
         </p:nvSpPr>
@@ -39816,7 +41682,7 @@
       </p:sp>
       <p:sp>
         <p:nvSpPr>
-          <p:cNvPr id="307" name="Google Shape;307;p34"/>
+          <p:cNvPr id="327" name="Google Shape;327;p36"/>
           <p:cNvSpPr txBox="1"/>
           <p:nvPr/>
         </p:nvSpPr>
@@ -39903,7 +41769,7 @@
                 <a:cs typeface="Roboto Mono"/>
                 <a:sym typeface="Roboto Mono"/>
               </a:rPr>
-              <a:t> 112.7K in 2025 (as of October 30)</a:t>
+              <a:t>114K in 2025 (as of November 7)</a:t>
             </a:r>
             <a:endParaRPr sz="1000" b="1">
               <a:latin typeface="Roboto Mono"/>
@@ -40043,14 +41909,14 @@
       </p:sp>
       <p:sp>
         <p:nvSpPr>
-          <p:cNvPr id="308" name="Google Shape;308;p34"/>
+          <p:cNvPr id="328" name="Google Shape;328;p36"/>
           <p:cNvSpPr txBox="1"/>
           <p:nvPr/>
         </p:nvSpPr>
         <p:spPr>
           <a:xfrm>
-            <a:off x="5097525" y="4233900"/>
-            <a:ext cx="3981900" cy="757200"/>
+            <a:off x="5162100" y="4228625"/>
+            <a:ext cx="3917400" cy="757200"/>
           </a:xfrm>
           <a:prstGeom prst="rect">
             <a:avLst/>
@@ -40124,7 +41990,7 @@
                 <a:cs typeface="Calibri"/>
                 <a:sym typeface="Calibri"/>
               </a:rPr>
-              <a:t>So far in 2025, 177,097 people laid off (584 per day)</a:t>
+              <a:t>So far in 2025, 180,595 people laid off (581 per day)</a:t>
             </a:r>
             <a:endParaRPr sz="1200">
               <a:latin typeface="Calibri"/>
@@ -40216,7 +42082,7 @@
       </p:sp>
       <p:pic>
         <p:nvPicPr>
-          <p:cNvPr id="309" name="Google Shape;309;p34"/>
+          <p:cNvPr id="329" name="Google Shape;329;p36"/>
           <p:cNvPicPr preferRelativeResize="0"/>
           <p:nvPr/>
         </p:nvPicPr>
@@ -40235,8 +42101,8 @@
         </p:blipFill>
         <p:spPr>
           <a:xfrm>
-            <a:off x="67350" y="2420750"/>
-            <a:ext cx="4951699" cy="2630588"/>
+            <a:off x="67350" y="2490575"/>
+            <a:ext cx="4951698" cy="2495252"/>
           </a:xfrm>
           <a:prstGeom prst="rect">
             <a:avLst/>
@@ -40255,7 +42121,7 @@
       </p:pic>
       <p:pic>
         <p:nvPicPr>
-          <p:cNvPr id="310" name="Google Shape;310;p34"/>
+          <p:cNvPr id="330" name="Google Shape;330;p36"/>
           <p:cNvPicPr preferRelativeResize="0"/>
           <p:nvPr/>
         </p:nvPicPr>
@@ -40274,8 +42140,8 @@
         </p:blipFill>
         <p:spPr>
           <a:xfrm>
-            <a:off x="67350" y="565775"/>
-            <a:ext cx="4951702" cy="1815246"/>
+            <a:off x="67350" y="536683"/>
+            <a:ext cx="4951702" cy="1863838"/>
           </a:xfrm>
           <a:prstGeom prst="rect">
             <a:avLst/>
@@ -40300,12 +42166,12 @@
 </p:sld>
 </file>
 
-<file path=ppt/slides/slide21.xml><?xml version="1.0" encoding="utf-8"?>
+<file path=ppt/slides/slide23.xml><?xml version="1.0" encoding="utf-8"?>
 <p:sld xmlns:a="http://schemas.openxmlformats.org/drawingml/2006/main" xmlns:r="http://schemas.openxmlformats.org/officeDocument/2006/relationships" xmlns:p="http://schemas.openxmlformats.org/presentationml/2006/main">
   <p:cSld>
     <p:spTree>
       <p:nvGrpSpPr>
-        <p:cNvPr id="1" name="Shape 314"/>
+        <p:cNvPr id="1" name="Shape 334"/>
         <p:cNvGrpSpPr/>
         <p:nvPr/>
       </p:nvGrpSpPr>
@@ -40319,7 +42185,7 @@
       </p:grpSpPr>
       <p:pic>
         <p:nvPicPr>
-          <p:cNvPr id="315" name="Google Shape;315;p35"/>
+          <p:cNvPr id="335" name="Google Shape;335;p37"/>
           <p:cNvPicPr preferRelativeResize="0"/>
           <p:nvPr/>
         </p:nvPicPr>
@@ -40351,7 +42217,7 @@
       </p:pic>
       <p:sp>
         <p:nvSpPr>
-          <p:cNvPr id="316" name="Google Shape;316;p35"/>
+          <p:cNvPr id="336" name="Google Shape;336;p37"/>
           <p:cNvSpPr txBox="1"/>
           <p:nvPr/>
         </p:nvSpPr>
@@ -40417,7 +42283,7 @@
       </p:sp>
       <p:sp>
         <p:nvSpPr>
-          <p:cNvPr id="317" name="Google Shape;317;p35"/>
+          <p:cNvPr id="337" name="Google Shape;337;p37"/>
           <p:cNvSpPr txBox="1"/>
           <p:nvPr/>
         </p:nvSpPr>
@@ -40847,7 +42713,7 @@
       </p:sp>
       <p:pic>
         <p:nvPicPr>
-          <p:cNvPr id="318" name="Google Shape;318;p35"/>
+          <p:cNvPr id="338" name="Google Shape;338;p37"/>
           <p:cNvPicPr preferRelativeResize="0"/>
           <p:nvPr/>
         </p:nvPicPr>
@@ -40879,7 +42745,7 @@
       </p:pic>
       <p:sp>
         <p:nvSpPr>
-          <p:cNvPr id="319" name="Google Shape;319;p35"/>
+          <p:cNvPr id="339" name="Google Shape;339;p37"/>
           <p:cNvSpPr txBox="1"/>
           <p:nvPr/>
         </p:nvSpPr>
@@ -40958,7 +42824,7 @@
       </p:sp>
       <p:sp>
         <p:nvSpPr>
-          <p:cNvPr id="320" name="Google Shape;320;p35"/>
+          <p:cNvPr id="340" name="Google Shape;340;p37"/>
           <p:cNvSpPr txBox="1"/>
           <p:nvPr/>
         </p:nvSpPr>
@@ -41030,12 +42896,12 @@
 </p:sld>
 </file>
 
-<file path=ppt/slides/slide22.xml><?xml version="1.0" encoding="utf-8"?>
+<file path=ppt/slides/slide24.xml><?xml version="1.0" encoding="utf-8"?>
 <p:sld xmlns:a="http://schemas.openxmlformats.org/drawingml/2006/main" xmlns:r="http://schemas.openxmlformats.org/officeDocument/2006/relationships" xmlns:p="http://schemas.openxmlformats.org/presentationml/2006/main">
   <p:cSld>
     <p:spTree>
       <p:nvGrpSpPr>
-        <p:cNvPr id="1" name="Shape 324"/>
+        <p:cNvPr id="1" name="Shape 344"/>
         <p:cNvGrpSpPr/>
         <p:nvPr/>
       </p:nvGrpSpPr>
@@ -41049,7 +42915,7 @@
       </p:grpSpPr>
       <p:sp>
         <p:nvSpPr>
-          <p:cNvPr id="325" name="Google Shape;325;p36"/>
+          <p:cNvPr id="345" name="Google Shape;345;p38"/>
           <p:cNvSpPr txBox="1"/>
           <p:nvPr/>
         </p:nvSpPr>
